--- a/제안서/EatUpAll_고윤범_노창현_양재성.pptx
+++ b/제안서/EatUpAll_고윤범_노창현_양재성.pptx
@@ -5,24 +5,25 @@
     <p:sldMasterId id="2147483648" r:id="rId1"/>
   </p:sldMasterIdLst>
   <p:notesMasterIdLst>
-    <p:notesMasterId r:id="rId17"/>
+    <p:notesMasterId r:id="rId18"/>
   </p:notesMasterIdLst>
   <p:sldIdLst>
     <p:sldId id="256" r:id="rId2"/>
     <p:sldId id="257" r:id="rId3"/>
     <p:sldId id="258" r:id="rId4"/>
-    <p:sldId id="259" r:id="rId5"/>
-    <p:sldId id="269" r:id="rId6"/>
-    <p:sldId id="260" r:id="rId7"/>
-    <p:sldId id="261" r:id="rId8"/>
-    <p:sldId id="262" r:id="rId9"/>
-    <p:sldId id="263" r:id="rId10"/>
-    <p:sldId id="264" r:id="rId11"/>
-    <p:sldId id="270" r:id="rId12"/>
-    <p:sldId id="265" r:id="rId13"/>
-    <p:sldId id="266" r:id="rId14"/>
-    <p:sldId id="267" r:id="rId15"/>
-    <p:sldId id="268" r:id="rId16"/>
+    <p:sldId id="271" r:id="rId5"/>
+    <p:sldId id="259" r:id="rId6"/>
+    <p:sldId id="269" r:id="rId7"/>
+    <p:sldId id="260" r:id="rId8"/>
+    <p:sldId id="261" r:id="rId9"/>
+    <p:sldId id="262" r:id="rId10"/>
+    <p:sldId id="263" r:id="rId11"/>
+    <p:sldId id="264" r:id="rId12"/>
+    <p:sldId id="270" r:id="rId13"/>
+    <p:sldId id="265" r:id="rId14"/>
+    <p:sldId id="266" r:id="rId15"/>
+    <p:sldId id="267" r:id="rId16"/>
+    <p:sldId id="268" r:id="rId17"/>
   </p:sldIdLst>
   <p:sldSz cx="12192000" cy="6858000"/>
   <p:notesSz cx="6858000" cy="9144000"/>
@@ -121,6 +122,11 @@
       </a:defRPr>
     </a:lvl9pPr>
   </p:defaultTextStyle>
+  <p:extLst>
+    <p:ext uri="{EFAFB233-063F-42B5-8137-9DF3F51BA10A}">
+      <p15:sldGuideLst xmlns:p15="http://schemas.microsoft.com/office/powerpoint/2012/main"/>
+    </p:ext>
+  </p:extLst>
 </p:presentation>
 </file>
 
@@ -206,7 +212,7 @@
           <a:p>
             <a:fld id="{044A58A7-709E-46FC-AEE1-1473306D45A0}" type="datetimeFigureOut">
               <a:rPr lang="ko-KR" altLang="en-US" smtClean="0"/>
-              <a:t>2024-05-04</a:t>
+              <a:t>2024-05-07</a:t>
             </a:fld>
             <a:endParaRPr lang="ko-KR" altLang="en-US"/>
           </a:p>
@@ -704,7 +710,7 @@
           <a:p>
             <a:fld id="{90A2938B-F5F0-4775-96EC-70191FEAE962}" type="datetimeFigureOut">
               <a:rPr lang="ko-KR" altLang="en-US" smtClean="0"/>
-              <a:t>2024-05-04</a:t>
+              <a:t>2024-05-07</a:t>
             </a:fld>
             <a:endParaRPr lang="ko-KR" altLang="en-US"/>
           </a:p>
@@ -902,7 +908,7 @@
           <a:p>
             <a:fld id="{90A2938B-F5F0-4775-96EC-70191FEAE962}" type="datetimeFigureOut">
               <a:rPr lang="ko-KR" altLang="en-US" smtClean="0"/>
-              <a:t>2024-05-04</a:t>
+              <a:t>2024-05-07</a:t>
             </a:fld>
             <a:endParaRPr lang="ko-KR" altLang="en-US"/>
           </a:p>
@@ -1110,7 +1116,7 @@
           <a:p>
             <a:fld id="{90A2938B-F5F0-4775-96EC-70191FEAE962}" type="datetimeFigureOut">
               <a:rPr lang="ko-KR" altLang="en-US" smtClean="0"/>
-              <a:t>2024-05-04</a:t>
+              <a:t>2024-05-07</a:t>
             </a:fld>
             <a:endParaRPr lang="ko-KR" altLang="en-US"/>
           </a:p>
@@ -1308,7 +1314,7 @@
           <a:p>
             <a:fld id="{90A2938B-F5F0-4775-96EC-70191FEAE962}" type="datetimeFigureOut">
               <a:rPr lang="ko-KR" altLang="en-US" smtClean="0"/>
-              <a:t>2024-05-04</a:t>
+              <a:t>2024-05-07</a:t>
             </a:fld>
             <a:endParaRPr lang="ko-KR" altLang="en-US"/>
           </a:p>
@@ -1583,7 +1589,7 @@
           <a:p>
             <a:fld id="{90A2938B-F5F0-4775-96EC-70191FEAE962}" type="datetimeFigureOut">
               <a:rPr lang="ko-KR" altLang="en-US" smtClean="0"/>
-              <a:t>2024-05-04</a:t>
+              <a:t>2024-05-07</a:t>
             </a:fld>
             <a:endParaRPr lang="ko-KR" altLang="en-US"/>
           </a:p>
@@ -1848,7 +1854,7 @@
           <a:p>
             <a:fld id="{90A2938B-F5F0-4775-96EC-70191FEAE962}" type="datetimeFigureOut">
               <a:rPr lang="ko-KR" altLang="en-US" smtClean="0"/>
-              <a:t>2024-05-04</a:t>
+              <a:t>2024-05-07</a:t>
             </a:fld>
             <a:endParaRPr lang="ko-KR" altLang="en-US"/>
           </a:p>
@@ -2260,7 +2266,7 @@
           <a:p>
             <a:fld id="{90A2938B-F5F0-4775-96EC-70191FEAE962}" type="datetimeFigureOut">
               <a:rPr lang="ko-KR" altLang="en-US" smtClean="0"/>
-              <a:t>2024-05-04</a:t>
+              <a:t>2024-05-07</a:t>
             </a:fld>
             <a:endParaRPr lang="ko-KR" altLang="en-US"/>
           </a:p>
@@ -2401,7 +2407,7 @@
           <a:p>
             <a:fld id="{90A2938B-F5F0-4775-96EC-70191FEAE962}" type="datetimeFigureOut">
               <a:rPr lang="ko-KR" altLang="en-US" smtClean="0"/>
-              <a:t>2024-05-04</a:t>
+              <a:t>2024-05-07</a:t>
             </a:fld>
             <a:endParaRPr lang="ko-KR" altLang="en-US"/>
           </a:p>
@@ -2514,7 +2520,7 @@
           <a:p>
             <a:fld id="{90A2938B-F5F0-4775-96EC-70191FEAE962}" type="datetimeFigureOut">
               <a:rPr lang="ko-KR" altLang="en-US" smtClean="0"/>
-              <a:t>2024-05-04</a:t>
+              <a:t>2024-05-07</a:t>
             </a:fld>
             <a:endParaRPr lang="ko-KR" altLang="en-US"/>
           </a:p>
@@ -2825,7 +2831,7 @@
           <a:p>
             <a:fld id="{90A2938B-F5F0-4775-96EC-70191FEAE962}" type="datetimeFigureOut">
               <a:rPr lang="ko-KR" altLang="en-US" smtClean="0"/>
-              <a:t>2024-05-04</a:t>
+              <a:t>2024-05-07</a:t>
             </a:fld>
             <a:endParaRPr lang="ko-KR" altLang="en-US"/>
           </a:p>
@@ -3113,7 +3119,7 @@
           <a:p>
             <a:fld id="{90A2938B-F5F0-4775-96EC-70191FEAE962}" type="datetimeFigureOut">
               <a:rPr lang="ko-KR" altLang="en-US" smtClean="0"/>
-              <a:t>2024-05-04</a:t>
+              <a:t>2024-05-07</a:t>
             </a:fld>
             <a:endParaRPr lang="ko-KR" altLang="en-US"/>
           </a:p>
@@ -3354,7 +3360,7 @@
           <a:p>
             <a:fld id="{90A2938B-F5F0-4775-96EC-70191FEAE962}" type="datetimeFigureOut">
               <a:rPr lang="ko-KR" altLang="en-US" smtClean="0"/>
-              <a:t>2024-05-04</a:t>
+              <a:t>2024-05-07</a:t>
             </a:fld>
             <a:endParaRPr lang="ko-KR" altLang="en-US"/>
           </a:p>
@@ -4098,6 +4104,913 @@
       </p:grpSpPr>
       <p:sp>
         <p:nvSpPr>
+          <p:cNvPr id="4" name="직사각형 3">
+            <a:extLst>
+              <a:ext uri="{FF2B5EF4-FFF2-40B4-BE49-F238E27FC236}">
+                <a16:creationId xmlns:a16="http://schemas.microsoft.com/office/drawing/2014/main" id="{0FBF6C5F-499E-B79E-B8EA-3960EB89DDE2}"/>
+              </a:ext>
+            </a:extLst>
+          </p:cNvPr>
+          <p:cNvSpPr/>
+          <p:nvPr/>
+        </p:nvSpPr>
+        <p:spPr>
+          <a:xfrm>
+            <a:off x="292990" y="176510"/>
+            <a:ext cx="4905510" cy="923330"/>
+          </a:xfrm>
+          <a:prstGeom prst="rect">
+            <a:avLst/>
+          </a:prstGeom>
+          <a:noFill/>
+        </p:spPr>
+        <p:txBody>
+          <a:bodyPr wrap="none" lIns="91440" tIns="45720" rIns="91440" bIns="45720">
+            <a:spAutoFit/>
+          </a:bodyPr>
+          <a:lstStyle/>
+          <a:p>
+            <a:r>
+              <a:rPr lang="ko-KR" altLang="en-US" sz="5400" b="1" cap="none" spc="0" dirty="0">
+                <a:ln w="0"/>
+                <a:solidFill>
+                  <a:schemeClr val="accent6"/>
+                </a:solidFill>
+                <a:effectLst>
+                  <a:outerShdw blurRad="38100" dist="19050" dir="2700000" algn="tl" rotWithShape="0">
+                    <a:schemeClr val="dk1">
+                      <a:alpha val="40000"/>
+                    </a:schemeClr>
+                  </a:outerShdw>
+                </a:effectLst>
+                <a:latin typeface="휴먼모음T" panose="02030504000101010101" pitchFamily="18" charset="-127"/>
+                <a:ea typeface="휴먼모음T" panose="02030504000101010101" pitchFamily="18" charset="-127"/>
+              </a:rPr>
+              <a:t>개발 내용 </a:t>
+            </a:r>
+            <a:r>
+              <a:rPr lang="en-US" altLang="ko-KR" sz="5400" b="1" cap="none" spc="0" dirty="0">
+                <a:ln w="0"/>
+                <a:solidFill>
+                  <a:schemeClr val="accent6"/>
+                </a:solidFill>
+                <a:effectLst>
+                  <a:outerShdw blurRad="38100" dist="19050" dir="2700000" algn="tl" rotWithShape="0">
+                    <a:schemeClr val="dk1">
+                      <a:alpha val="40000"/>
+                    </a:schemeClr>
+                  </a:outerShdw>
+                </a:effectLst>
+                <a:latin typeface="휴먼모음T" panose="02030504000101010101" pitchFamily="18" charset="-127"/>
+                <a:ea typeface="휴먼모음T" panose="02030504000101010101" pitchFamily="18" charset="-127"/>
+              </a:rPr>
+              <a:t>- </a:t>
+            </a:r>
+            <a:r>
+              <a:rPr lang="ko-KR" altLang="en-US" sz="5400" b="1" cap="none" spc="0" dirty="0">
+                <a:ln w="0"/>
+                <a:solidFill>
+                  <a:schemeClr val="accent6"/>
+                </a:solidFill>
+                <a:effectLst>
+                  <a:outerShdw blurRad="38100" dist="19050" dir="2700000" algn="tl" rotWithShape="0">
+                    <a:schemeClr val="dk1">
+                      <a:alpha val="40000"/>
+                    </a:schemeClr>
+                  </a:outerShdw>
+                </a:effectLst>
+                <a:latin typeface="휴먼모음T" panose="02030504000101010101" pitchFamily="18" charset="-127"/>
+                <a:ea typeface="휴먼모음T" panose="02030504000101010101" pitchFamily="18" charset="-127"/>
+              </a:rPr>
+              <a:t>서버</a:t>
+            </a:r>
+            <a:endParaRPr lang="en-US" altLang="ko-KR" sz="5400" b="1" cap="none" spc="0" dirty="0">
+              <a:ln w="0"/>
+              <a:solidFill>
+                <a:schemeClr val="accent6"/>
+              </a:solidFill>
+              <a:effectLst>
+                <a:outerShdw blurRad="38100" dist="19050" dir="2700000" algn="tl" rotWithShape="0">
+                  <a:schemeClr val="dk1">
+                    <a:alpha val="40000"/>
+                  </a:schemeClr>
+                </a:outerShdw>
+              </a:effectLst>
+              <a:latin typeface="휴먼모음T" panose="02030504000101010101" pitchFamily="18" charset="-127"/>
+              <a:ea typeface="휴먼모음T" panose="02030504000101010101" pitchFamily="18" charset="-127"/>
+            </a:endParaRPr>
+          </a:p>
+        </p:txBody>
+      </p:sp>
+      <p:sp>
+        <p:nvSpPr>
+          <p:cNvPr id="7" name="직사각형 6">
+            <a:extLst>
+              <a:ext uri="{FF2B5EF4-FFF2-40B4-BE49-F238E27FC236}">
+                <a16:creationId xmlns:a16="http://schemas.microsoft.com/office/drawing/2014/main" id="{26ED716D-0378-36B4-0801-2AFF20DBB503}"/>
+              </a:ext>
+            </a:extLst>
+          </p:cNvPr>
+          <p:cNvSpPr/>
+          <p:nvPr/>
+        </p:nvSpPr>
+        <p:spPr>
+          <a:xfrm>
+            <a:off x="466725" y="1200150"/>
+            <a:ext cx="5438775" cy="2914650"/>
+          </a:xfrm>
+          <a:prstGeom prst="rect">
+            <a:avLst/>
+          </a:prstGeom>
+        </p:spPr>
+        <p:style>
+          <a:lnRef idx="2">
+            <a:schemeClr val="accent1">
+              <a:shade val="15000"/>
+            </a:schemeClr>
+          </a:lnRef>
+          <a:fillRef idx="1">
+            <a:schemeClr val="accent1"/>
+          </a:fillRef>
+          <a:effectRef idx="0">
+            <a:schemeClr val="accent1"/>
+          </a:effectRef>
+          <a:fontRef idx="minor">
+            <a:schemeClr val="lt1"/>
+          </a:fontRef>
+        </p:style>
+        <p:txBody>
+          <a:bodyPr rtlCol="0" anchor="ctr"/>
+          <a:lstStyle/>
+          <a:p>
+            <a:pPr algn="ctr"/>
+            <a:endParaRPr lang="ko-KR" altLang="en-US"/>
+          </a:p>
+        </p:txBody>
+      </p:sp>
+      <p:sp>
+        <p:nvSpPr>
+          <p:cNvPr id="8" name="직사각형 7">
+            <a:extLst>
+              <a:ext uri="{FF2B5EF4-FFF2-40B4-BE49-F238E27FC236}">
+                <a16:creationId xmlns:a16="http://schemas.microsoft.com/office/drawing/2014/main" id="{3475973E-D0C8-7DE4-A40F-6CF6F1A89151}"/>
+              </a:ext>
+            </a:extLst>
+          </p:cNvPr>
+          <p:cNvSpPr/>
+          <p:nvPr/>
+        </p:nvSpPr>
+        <p:spPr>
+          <a:xfrm>
+            <a:off x="6286502" y="1200150"/>
+            <a:ext cx="5438775" cy="2914650"/>
+          </a:xfrm>
+          <a:prstGeom prst="rect">
+            <a:avLst/>
+          </a:prstGeom>
+        </p:spPr>
+        <p:style>
+          <a:lnRef idx="2">
+            <a:schemeClr val="accent1">
+              <a:shade val="15000"/>
+            </a:schemeClr>
+          </a:lnRef>
+          <a:fillRef idx="1">
+            <a:schemeClr val="accent1"/>
+          </a:fillRef>
+          <a:effectRef idx="0">
+            <a:schemeClr val="accent1"/>
+          </a:effectRef>
+          <a:fontRef idx="minor">
+            <a:schemeClr val="lt1"/>
+          </a:fontRef>
+        </p:style>
+        <p:txBody>
+          <a:bodyPr rtlCol="0" anchor="ctr"/>
+          <a:lstStyle/>
+          <a:p>
+            <a:pPr algn="ctr"/>
+            <a:endParaRPr lang="ko-KR" altLang="en-US"/>
+          </a:p>
+        </p:txBody>
+      </p:sp>
+      <p:sp>
+        <p:nvSpPr>
+          <p:cNvPr id="9" name="내용 개체 틀 2">
+            <a:extLst>
+              <a:ext uri="{FF2B5EF4-FFF2-40B4-BE49-F238E27FC236}">
+                <a16:creationId xmlns:a16="http://schemas.microsoft.com/office/drawing/2014/main" id="{5693C7C7-FD8F-08C0-14FD-99374B6121BD}"/>
+              </a:ext>
+            </a:extLst>
+          </p:cNvPr>
+          <p:cNvSpPr>
+            <a:spLocks noGrp="1"/>
+          </p:cNvSpPr>
+          <p:nvPr>
+            <p:ph idx="1"/>
+          </p:nvPr>
+        </p:nvSpPr>
+        <p:spPr>
+          <a:xfrm>
+            <a:off x="1123952" y="2419052"/>
+            <a:ext cx="4657725" cy="1228725"/>
+          </a:xfrm>
+        </p:spPr>
+        <p:txBody>
+          <a:bodyPr>
+            <a:normAutofit/>
+          </a:bodyPr>
+          <a:lstStyle/>
+          <a:p>
+            <a:pPr marL="0" indent="0">
+              <a:buNone/>
+            </a:pPr>
+            <a:r>
+              <a:rPr lang="ko-KR" altLang="en-US" sz="2000" b="1" dirty="0"/>
+              <a:t>작업 내용 대표 이미지</a:t>
+            </a:r>
+            <a:br>
+              <a:rPr lang="en-US" altLang="ko-KR" sz="2000" b="1" dirty="0"/>
+            </a:br>
+            <a:endParaRPr lang="en-US" altLang="ko-KR" sz="2000" b="1" dirty="0"/>
+          </a:p>
+        </p:txBody>
+      </p:sp>
+      <p:sp>
+        <p:nvSpPr>
+          <p:cNvPr id="10" name="내용 개체 틀 2">
+            <a:extLst>
+              <a:ext uri="{FF2B5EF4-FFF2-40B4-BE49-F238E27FC236}">
+                <a16:creationId xmlns:a16="http://schemas.microsoft.com/office/drawing/2014/main" id="{F6E3DF7D-A94D-76E9-BAAA-9E2B434CCA2B}"/>
+              </a:ext>
+            </a:extLst>
+          </p:cNvPr>
+          <p:cNvSpPr txBox="1">
+            <a:spLocks/>
+          </p:cNvSpPr>
+          <p:nvPr/>
+        </p:nvSpPr>
+        <p:spPr>
+          <a:xfrm>
+            <a:off x="7153277" y="2419051"/>
+            <a:ext cx="4657725" cy="1228725"/>
+          </a:xfrm>
+          <a:prstGeom prst="rect">
+            <a:avLst/>
+          </a:prstGeom>
+        </p:spPr>
+        <p:txBody>
+          <a:bodyPr vert="horz" lIns="91440" tIns="45720" rIns="91440" bIns="45720" rtlCol="0">
+            <a:normAutofit/>
+          </a:bodyPr>
+          <a:lstStyle>
+            <a:lvl1pPr marL="228600" indent="-228600" algn="l" defTabSz="914400" rtl="0" eaLnBrk="1" latinLnBrk="1" hangingPunct="1">
+              <a:lnSpc>
+                <a:spcPct val="90000"/>
+              </a:lnSpc>
+              <a:spcBef>
+                <a:spcPts val="1000"/>
+              </a:spcBef>
+              <a:buFont typeface="Arial" panose="020B0604020202020204" pitchFamily="34" charset="0"/>
+              <a:buChar char="•"/>
+              <a:defRPr sz="2800" kern="1200">
+                <a:solidFill>
+                  <a:schemeClr val="tx1"/>
+                </a:solidFill>
+                <a:latin typeface="+mn-lt"/>
+                <a:ea typeface="+mn-ea"/>
+                <a:cs typeface="+mn-cs"/>
+              </a:defRPr>
+            </a:lvl1pPr>
+            <a:lvl2pPr marL="685800" indent="-228600" algn="l" defTabSz="914400" rtl="0" eaLnBrk="1" latinLnBrk="1" hangingPunct="1">
+              <a:lnSpc>
+                <a:spcPct val="90000"/>
+              </a:lnSpc>
+              <a:spcBef>
+                <a:spcPts val="500"/>
+              </a:spcBef>
+              <a:buFont typeface="Arial" panose="020B0604020202020204" pitchFamily="34" charset="0"/>
+              <a:buChar char="•"/>
+              <a:defRPr sz="2400" kern="1200">
+                <a:solidFill>
+                  <a:schemeClr val="tx1"/>
+                </a:solidFill>
+                <a:latin typeface="+mn-lt"/>
+                <a:ea typeface="+mn-ea"/>
+                <a:cs typeface="+mn-cs"/>
+              </a:defRPr>
+            </a:lvl2pPr>
+            <a:lvl3pPr marL="1143000" indent="-228600" algn="l" defTabSz="914400" rtl="0" eaLnBrk="1" latinLnBrk="1" hangingPunct="1">
+              <a:lnSpc>
+                <a:spcPct val="90000"/>
+              </a:lnSpc>
+              <a:spcBef>
+                <a:spcPts val="500"/>
+              </a:spcBef>
+              <a:buFont typeface="Arial" panose="020B0604020202020204" pitchFamily="34" charset="0"/>
+              <a:buChar char="•"/>
+              <a:defRPr sz="2000" kern="1200">
+                <a:solidFill>
+                  <a:schemeClr val="tx1"/>
+                </a:solidFill>
+                <a:latin typeface="+mn-lt"/>
+                <a:ea typeface="+mn-ea"/>
+                <a:cs typeface="+mn-cs"/>
+              </a:defRPr>
+            </a:lvl3pPr>
+            <a:lvl4pPr marL="1600200" indent="-228600" algn="l" defTabSz="914400" rtl="0" eaLnBrk="1" latinLnBrk="1" hangingPunct="1">
+              <a:lnSpc>
+                <a:spcPct val="90000"/>
+              </a:lnSpc>
+              <a:spcBef>
+                <a:spcPts val="500"/>
+              </a:spcBef>
+              <a:buFont typeface="Arial" panose="020B0604020202020204" pitchFamily="34" charset="0"/>
+              <a:buChar char="•"/>
+              <a:defRPr sz="1800" kern="1200">
+                <a:solidFill>
+                  <a:schemeClr val="tx1"/>
+                </a:solidFill>
+                <a:latin typeface="+mn-lt"/>
+                <a:ea typeface="+mn-ea"/>
+                <a:cs typeface="+mn-cs"/>
+              </a:defRPr>
+            </a:lvl4pPr>
+            <a:lvl5pPr marL="2057400" indent="-228600" algn="l" defTabSz="914400" rtl="0" eaLnBrk="1" latinLnBrk="1" hangingPunct="1">
+              <a:lnSpc>
+                <a:spcPct val="90000"/>
+              </a:lnSpc>
+              <a:spcBef>
+                <a:spcPts val="500"/>
+              </a:spcBef>
+              <a:buFont typeface="Arial" panose="020B0604020202020204" pitchFamily="34" charset="0"/>
+              <a:buChar char="•"/>
+              <a:defRPr sz="1800" kern="1200">
+                <a:solidFill>
+                  <a:schemeClr val="tx1"/>
+                </a:solidFill>
+                <a:latin typeface="+mn-lt"/>
+                <a:ea typeface="+mn-ea"/>
+                <a:cs typeface="+mn-cs"/>
+              </a:defRPr>
+            </a:lvl5pPr>
+            <a:lvl6pPr marL="2514600" indent="-228600" algn="l" defTabSz="914400" rtl="0" eaLnBrk="1" latinLnBrk="1" hangingPunct="1">
+              <a:lnSpc>
+                <a:spcPct val="90000"/>
+              </a:lnSpc>
+              <a:spcBef>
+                <a:spcPts val="500"/>
+              </a:spcBef>
+              <a:buFont typeface="Arial" panose="020B0604020202020204" pitchFamily="34" charset="0"/>
+              <a:buChar char="•"/>
+              <a:defRPr sz="1800" kern="1200">
+                <a:solidFill>
+                  <a:schemeClr val="tx1"/>
+                </a:solidFill>
+                <a:latin typeface="+mn-lt"/>
+                <a:ea typeface="+mn-ea"/>
+                <a:cs typeface="+mn-cs"/>
+              </a:defRPr>
+            </a:lvl6pPr>
+            <a:lvl7pPr marL="2971800" indent="-228600" algn="l" defTabSz="914400" rtl="0" eaLnBrk="1" latinLnBrk="1" hangingPunct="1">
+              <a:lnSpc>
+                <a:spcPct val="90000"/>
+              </a:lnSpc>
+              <a:spcBef>
+                <a:spcPts val="500"/>
+              </a:spcBef>
+              <a:buFont typeface="Arial" panose="020B0604020202020204" pitchFamily="34" charset="0"/>
+              <a:buChar char="•"/>
+              <a:defRPr sz="1800" kern="1200">
+                <a:solidFill>
+                  <a:schemeClr val="tx1"/>
+                </a:solidFill>
+                <a:latin typeface="+mn-lt"/>
+                <a:ea typeface="+mn-ea"/>
+                <a:cs typeface="+mn-cs"/>
+              </a:defRPr>
+            </a:lvl7pPr>
+            <a:lvl8pPr marL="3429000" indent="-228600" algn="l" defTabSz="914400" rtl="0" eaLnBrk="1" latinLnBrk="1" hangingPunct="1">
+              <a:lnSpc>
+                <a:spcPct val="90000"/>
+              </a:lnSpc>
+              <a:spcBef>
+                <a:spcPts val="500"/>
+              </a:spcBef>
+              <a:buFont typeface="Arial" panose="020B0604020202020204" pitchFamily="34" charset="0"/>
+              <a:buChar char="•"/>
+              <a:defRPr sz="1800" kern="1200">
+                <a:solidFill>
+                  <a:schemeClr val="tx1"/>
+                </a:solidFill>
+                <a:latin typeface="+mn-lt"/>
+                <a:ea typeface="+mn-ea"/>
+                <a:cs typeface="+mn-cs"/>
+              </a:defRPr>
+            </a:lvl8pPr>
+            <a:lvl9pPr marL="3886200" indent="-228600" algn="l" defTabSz="914400" rtl="0" eaLnBrk="1" latinLnBrk="1" hangingPunct="1">
+              <a:lnSpc>
+                <a:spcPct val="90000"/>
+              </a:lnSpc>
+              <a:spcBef>
+                <a:spcPts val="500"/>
+              </a:spcBef>
+              <a:buFont typeface="Arial" panose="020B0604020202020204" pitchFamily="34" charset="0"/>
+              <a:buChar char="•"/>
+              <a:defRPr sz="1800" kern="1200">
+                <a:solidFill>
+                  <a:schemeClr val="tx1"/>
+                </a:solidFill>
+                <a:latin typeface="+mn-lt"/>
+                <a:ea typeface="+mn-ea"/>
+                <a:cs typeface="+mn-cs"/>
+              </a:defRPr>
+            </a:lvl9pPr>
+          </a:lstStyle>
+          <a:p>
+            <a:pPr marL="0" indent="0">
+              <a:buFont typeface="Arial" panose="020B0604020202020204" pitchFamily="34" charset="0"/>
+              <a:buNone/>
+            </a:pPr>
+            <a:r>
+              <a:rPr lang="ko-KR" altLang="en-US" sz="2000" b="1" dirty="0"/>
+              <a:t>작업 내용 대표 이미지</a:t>
+            </a:r>
+            <a:br>
+              <a:rPr lang="en-US" altLang="ko-KR" sz="2000" b="1" dirty="0"/>
+            </a:br>
+            <a:endParaRPr lang="en-US" altLang="ko-KR" sz="2000" b="1" dirty="0"/>
+          </a:p>
+        </p:txBody>
+      </p:sp>
+      <p:sp>
+        <p:nvSpPr>
+          <p:cNvPr id="11" name="내용 개체 틀 2">
+            <a:extLst>
+              <a:ext uri="{FF2B5EF4-FFF2-40B4-BE49-F238E27FC236}">
+                <a16:creationId xmlns:a16="http://schemas.microsoft.com/office/drawing/2014/main" id="{0C38CF48-B117-1F0D-6A79-6D730DFAA7C7}"/>
+              </a:ext>
+            </a:extLst>
+          </p:cNvPr>
+          <p:cNvSpPr txBox="1">
+            <a:spLocks/>
+          </p:cNvSpPr>
+          <p:nvPr/>
+        </p:nvSpPr>
+        <p:spPr>
+          <a:xfrm>
+            <a:off x="466725" y="4581227"/>
+            <a:ext cx="4857748" cy="1771948"/>
+          </a:xfrm>
+          <a:prstGeom prst="rect">
+            <a:avLst/>
+          </a:prstGeom>
+        </p:spPr>
+        <p:txBody>
+          <a:bodyPr vert="horz" lIns="91440" tIns="45720" rIns="91440" bIns="45720" rtlCol="0">
+            <a:normAutofit/>
+          </a:bodyPr>
+          <a:lstStyle>
+            <a:lvl1pPr marL="228600" indent="-228600" algn="l" defTabSz="914400" rtl="0" eaLnBrk="1" latinLnBrk="1" hangingPunct="1">
+              <a:lnSpc>
+                <a:spcPct val="90000"/>
+              </a:lnSpc>
+              <a:spcBef>
+                <a:spcPts val="1000"/>
+              </a:spcBef>
+              <a:buFont typeface="Arial" panose="020B0604020202020204" pitchFamily="34" charset="0"/>
+              <a:buChar char="•"/>
+              <a:defRPr sz="2800" kern="1200">
+                <a:solidFill>
+                  <a:schemeClr val="tx1"/>
+                </a:solidFill>
+                <a:latin typeface="+mn-lt"/>
+                <a:ea typeface="+mn-ea"/>
+                <a:cs typeface="+mn-cs"/>
+              </a:defRPr>
+            </a:lvl1pPr>
+            <a:lvl2pPr marL="685800" indent="-228600" algn="l" defTabSz="914400" rtl="0" eaLnBrk="1" latinLnBrk="1" hangingPunct="1">
+              <a:lnSpc>
+                <a:spcPct val="90000"/>
+              </a:lnSpc>
+              <a:spcBef>
+                <a:spcPts val="500"/>
+              </a:spcBef>
+              <a:buFont typeface="Arial" panose="020B0604020202020204" pitchFamily="34" charset="0"/>
+              <a:buChar char="•"/>
+              <a:defRPr sz="2400" kern="1200">
+                <a:solidFill>
+                  <a:schemeClr val="tx1"/>
+                </a:solidFill>
+                <a:latin typeface="+mn-lt"/>
+                <a:ea typeface="+mn-ea"/>
+                <a:cs typeface="+mn-cs"/>
+              </a:defRPr>
+            </a:lvl2pPr>
+            <a:lvl3pPr marL="1143000" indent="-228600" algn="l" defTabSz="914400" rtl="0" eaLnBrk="1" latinLnBrk="1" hangingPunct="1">
+              <a:lnSpc>
+                <a:spcPct val="90000"/>
+              </a:lnSpc>
+              <a:spcBef>
+                <a:spcPts val="500"/>
+              </a:spcBef>
+              <a:buFont typeface="Arial" panose="020B0604020202020204" pitchFamily="34" charset="0"/>
+              <a:buChar char="•"/>
+              <a:defRPr sz="2000" kern="1200">
+                <a:solidFill>
+                  <a:schemeClr val="tx1"/>
+                </a:solidFill>
+                <a:latin typeface="+mn-lt"/>
+                <a:ea typeface="+mn-ea"/>
+                <a:cs typeface="+mn-cs"/>
+              </a:defRPr>
+            </a:lvl3pPr>
+            <a:lvl4pPr marL="1600200" indent="-228600" algn="l" defTabSz="914400" rtl="0" eaLnBrk="1" latinLnBrk="1" hangingPunct="1">
+              <a:lnSpc>
+                <a:spcPct val="90000"/>
+              </a:lnSpc>
+              <a:spcBef>
+                <a:spcPts val="500"/>
+              </a:spcBef>
+              <a:buFont typeface="Arial" panose="020B0604020202020204" pitchFamily="34" charset="0"/>
+              <a:buChar char="•"/>
+              <a:defRPr sz="1800" kern="1200">
+                <a:solidFill>
+                  <a:schemeClr val="tx1"/>
+                </a:solidFill>
+                <a:latin typeface="+mn-lt"/>
+                <a:ea typeface="+mn-ea"/>
+                <a:cs typeface="+mn-cs"/>
+              </a:defRPr>
+            </a:lvl4pPr>
+            <a:lvl5pPr marL="2057400" indent="-228600" algn="l" defTabSz="914400" rtl="0" eaLnBrk="1" latinLnBrk="1" hangingPunct="1">
+              <a:lnSpc>
+                <a:spcPct val="90000"/>
+              </a:lnSpc>
+              <a:spcBef>
+                <a:spcPts val="500"/>
+              </a:spcBef>
+              <a:buFont typeface="Arial" panose="020B0604020202020204" pitchFamily="34" charset="0"/>
+              <a:buChar char="•"/>
+              <a:defRPr sz="1800" kern="1200">
+                <a:solidFill>
+                  <a:schemeClr val="tx1"/>
+                </a:solidFill>
+                <a:latin typeface="+mn-lt"/>
+                <a:ea typeface="+mn-ea"/>
+                <a:cs typeface="+mn-cs"/>
+              </a:defRPr>
+            </a:lvl5pPr>
+            <a:lvl6pPr marL="2514600" indent="-228600" algn="l" defTabSz="914400" rtl="0" eaLnBrk="1" latinLnBrk="1" hangingPunct="1">
+              <a:lnSpc>
+                <a:spcPct val="90000"/>
+              </a:lnSpc>
+              <a:spcBef>
+                <a:spcPts val="500"/>
+              </a:spcBef>
+              <a:buFont typeface="Arial" panose="020B0604020202020204" pitchFamily="34" charset="0"/>
+              <a:buChar char="•"/>
+              <a:defRPr sz="1800" kern="1200">
+                <a:solidFill>
+                  <a:schemeClr val="tx1"/>
+                </a:solidFill>
+                <a:latin typeface="+mn-lt"/>
+                <a:ea typeface="+mn-ea"/>
+                <a:cs typeface="+mn-cs"/>
+              </a:defRPr>
+            </a:lvl6pPr>
+            <a:lvl7pPr marL="2971800" indent="-228600" algn="l" defTabSz="914400" rtl="0" eaLnBrk="1" latinLnBrk="1" hangingPunct="1">
+              <a:lnSpc>
+                <a:spcPct val="90000"/>
+              </a:lnSpc>
+              <a:spcBef>
+                <a:spcPts val="500"/>
+              </a:spcBef>
+              <a:buFont typeface="Arial" panose="020B0604020202020204" pitchFamily="34" charset="0"/>
+              <a:buChar char="•"/>
+              <a:defRPr sz="1800" kern="1200">
+                <a:solidFill>
+                  <a:schemeClr val="tx1"/>
+                </a:solidFill>
+                <a:latin typeface="+mn-lt"/>
+                <a:ea typeface="+mn-ea"/>
+                <a:cs typeface="+mn-cs"/>
+              </a:defRPr>
+            </a:lvl7pPr>
+            <a:lvl8pPr marL="3429000" indent="-228600" algn="l" defTabSz="914400" rtl="0" eaLnBrk="1" latinLnBrk="1" hangingPunct="1">
+              <a:lnSpc>
+                <a:spcPct val="90000"/>
+              </a:lnSpc>
+              <a:spcBef>
+                <a:spcPts val="500"/>
+              </a:spcBef>
+              <a:buFont typeface="Arial" panose="020B0604020202020204" pitchFamily="34" charset="0"/>
+              <a:buChar char="•"/>
+              <a:defRPr sz="1800" kern="1200">
+                <a:solidFill>
+                  <a:schemeClr val="tx1"/>
+                </a:solidFill>
+                <a:latin typeface="+mn-lt"/>
+                <a:ea typeface="+mn-ea"/>
+                <a:cs typeface="+mn-cs"/>
+              </a:defRPr>
+            </a:lvl8pPr>
+            <a:lvl9pPr marL="3886200" indent="-228600" algn="l" defTabSz="914400" rtl="0" eaLnBrk="1" latinLnBrk="1" hangingPunct="1">
+              <a:lnSpc>
+                <a:spcPct val="90000"/>
+              </a:lnSpc>
+              <a:spcBef>
+                <a:spcPts val="500"/>
+              </a:spcBef>
+              <a:buFont typeface="Arial" panose="020B0604020202020204" pitchFamily="34" charset="0"/>
+              <a:buChar char="•"/>
+              <a:defRPr sz="1800" kern="1200">
+                <a:solidFill>
+                  <a:schemeClr val="tx1"/>
+                </a:solidFill>
+                <a:latin typeface="+mn-lt"/>
+                <a:ea typeface="+mn-ea"/>
+                <a:cs typeface="+mn-cs"/>
+              </a:defRPr>
+            </a:lvl9pPr>
+          </a:lstStyle>
+          <a:p>
+            <a:pPr marL="0" indent="0">
+              <a:buFont typeface="Arial" panose="020B0604020202020204" pitchFamily="34" charset="0"/>
+              <a:buNone/>
+            </a:pPr>
+            <a:r>
+              <a:rPr lang="ko-KR" altLang="en-US" sz="2000" b="1" dirty="0"/>
+              <a:t>작업 내용</a:t>
+            </a:r>
+            <a:br>
+              <a:rPr lang="en-US" altLang="ko-KR" sz="2000" b="1" dirty="0"/>
+            </a:br>
+            <a:r>
+              <a:rPr lang="en-US" altLang="ko-KR" sz="1800" dirty="0"/>
+              <a:t>-</a:t>
+            </a:r>
+            <a:r>
+              <a:rPr lang="ko-KR" altLang="en-US" sz="1800" dirty="0"/>
+              <a:t>짧게 작업내용 설명</a:t>
+            </a:r>
+            <a:br>
+              <a:rPr lang="en-US" altLang="ko-KR" sz="2000" b="1" dirty="0"/>
+            </a:br>
+            <a:endParaRPr lang="en-US" altLang="ko-KR" sz="2000" b="1" dirty="0"/>
+          </a:p>
+        </p:txBody>
+      </p:sp>
+      <p:sp>
+        <p:nvSpPr>
+          <p:cNvPr id="12" name="내용 개체 틀 2">
+            <a:extLst>
+              <a:ext uri="{FF2B5EF4-FFF2-40B4-BE49-F238E27FC236}">
+                <a16:creationId xmlns:a16="http://schemas.microsoft.com/office/drawing/2014/main" id="{600D0733-0D94-799F-A294-070BD7D49E0C}"/>
+              </a:ext>
+            </a:extLst>
+          </p:cNvPr>
+          <p:cNvSpPr txBox="1">
+            <a:spLocks/>
+          </p:cNvSpPr>
+          <p:nvPr/>
+        </p:nvSpPr>
+        <p:spPr>
+          <a:xfrm>
+            <a:off x="6286502" y="4581227"/>
+            <a:ext cx="4857748" cy="1771948"/>
+          </a:xfrm>
+          <a:prstGeom prst="rect">
+            <a:avLst/>
+          </a:prstGeom>
+        </p:spPr>
+        <p:txBody>
+          <a:bodyPr vert="horz" lIns="91440" tIns="45720" rIns="91440" bIns="45720" rtlCol="0">
+            <a:normAutofit/>
+          </a:bodyPr>
+          <a:lstStyle>
+            <a:lvl1pPr marL="228600" indent="-228600" algn="l" defTabSz="914400" rtl="0" eaLnBrk="1" latinLnBrk="1" hangingPunct="1">
+              <a:lnSpc>
+                <a:spcPct val="90000"/>
+              </a:lnSpc>
+              <a:spcBef>
+                <a:spcPts val="1000"/>
+              </a:spcBef>
+              <a:buFont typeface="Arial" panose="020B0604020202020204" pitchFamily="34" charset="0"/>
+              <a:buChar char="•"/>
+              <a:defRPr sz="2800" kern="1200">
+                <a:solidFill>
+                  <a:schemeClr val="tx1"/>
+                </a:solidFill>
+                <a:latin typeface="+mn-lt"/>
+                <a:ea typeface="+mn-ea"/>
+                <a:cs typeface="+mn-cs"/>
+              </a:defRPr>
+            </a:lvl1pPr>
+            <a:lvl2pPr marL="685800" indent="-228600" algn="l" defTabSz="914400" rtl="0" eaLnBrk="1" latinLnBrk="1" hangingPunct="1">
+              <a:lnSpc>
+                <a:spcPct val="90000"/>
+              </a:lnSpc>
+              <a:spcBef>
+                <a:spcPts val="500"/>
+              </a:spcBef>
+              <a:buFont typeface="Arial" panose="020B0604020202020204" pitchFamily="34" charset="0"/>
+              <a:buChar char="•"/>
+              <a:defRPr sz="2400" kern="1200">
+                <a:solidFill>
+                  <a:schemeClr val="tx1"/>
+                </a:solidFill>
+                <a:latin typeface="+mn-lt"/>
+                <a:ea typeface="+mn-ea"/>
+                <a:cs typeface="+mn-cs"/>
+              </a:defRPr>
+            </a:lvl2pPr>
+            <a:lvl3pPr marL="1143000" indent="-228600" algn="l" defTabSz="914400" rtl="0" eaLnBrk="1" latinLnBrk="1" hangingPunct="1">
+              <a:lnSpc>
+                <a:spcPct val="90000"/>
+              </a:lnSpc>
+              <a:spcBef>
+                <a:spcPts val="500"/>
+              </a:spcBef>
+              <a:buFont typeface="Arial" panose="020B0604020202020204" pitchFamily="34" charset="0"/>
+              <a:buChar char="•"/>
+              <a:defRPr sz="2000" kern="1200">
+                <a:solidFill>
+                  <a:schemeClr val="tx1"/>
+                </a:solidFill>
+                <a:latin typeface="+mn-lt"/>
+                <a:ea typeface="+mn-ea"/>
+                <a:cs typeface="+mn-cs"/>
+              </a:defRPr>
+            </a:lvl3pPr>
+            <a:lvl4pPr marL="1600200" indent="-228600" algn="l" defTabSz="914400" rtl="0" eaLnBrk="1" latinLnBrk="1" hangingPunct="1">
+              <a:lnSpc>
+                <a:spcPct val="90000"/>
+              </a:lnSpc>
+              <a:spcBef>
+                <a:spcPts val="500"/>
+              </a:spcBef>
+              <a:buFont typeface="Arial" panose="020B0604020202020204" pitchFamily="34" charset="0"/>
+              <a:buChar char="•"/>
+              <a:defRPr sz="1800" kern="1200">
+                <a:solidFill>
+                  <a:schemeClr val="tx1"/>
+                </a:solidFill>
+                <a:latin typeface="+mn-lt"/>
+                <a:ea typeface="+mn-ea"/>
+                <a:cs typeface="+mn-cs"/>
+              </a:defRPr>
+            </a:lvl4pPr>
+            <a:lvl5pPr marL="2057400" indent="-228600" algn="l" defTabSz="914400" rtl="0" eaLnBrk="1" latinLnBrk="1" hangingPunct="1">
+              <a:lnSpc>
+                <a:spcPct val="90000"/>
+              </a:lnSpc>
+              <a:spcBef>
+                <a:spcPts val="500"/>
+              </a:spcBef>
+              <a:buFont typeface="Arial" panose="020B0604020202020204" pitchFamily="34" charset="0"/>
+              <a:buChar char="•"/>
+              <a:defRPr sz="1800" kern="1200">
+                <a:solidFill>
+                  <a:schemeClr val="tx1"/>
+                </a:solidFill>
+                <a:latin typeface="+mn-lt"/>
+                <a:ea typeface="+mn-ea"/>
+                <a:cs typeface="+mn-cs"/>
+              </a:defRPr>
+            </a:lvl5pPr>
+            <a:lvl6pPr marL="2514600" indent="-228600" algn="l" defTabSz="914400" rtl="0" eaLnBrk="1" latinLnBrk="1" hangingPunct="1">
+              <a:lnSpc>
+                <a:spcPct val="90000"/>
+              </a:lnSpc>
+              <a:spcBef>
+                <a:spcPts val="500"/>
+              </a:spcBef>
+              <a:buFont typeface="Arial" panose="020B0604020202020204" pitchFamily="34" charset="0"/>
+              <a:buChar char="•"/>
+              <a:defRPr sz="1800" kern="1200">
+                <a:solidFill>
+                  <a:schemeClr val="tx1"/>
+                </a:solidFill>
+                <a:latin typeface="+mn-lt"/>
+                <a:ea typeface="+mn-ea"/>
+                <a:cs typeface="+mn-cs"/>
+              </a:defRPr>
+            </a:lvl6pPr>
+            <a:lvl7pPr marL="2971800" indent="-228600" algn="l" defTabSz="914400" rtl="0" eaLnBrk="1" latinLnBrk="1" hangingPunct="1">
+              <a:lnSpc>
+                <a:spcPct val="90000"/>
+              </a:lnSpc>
+              <a:spcBef>
+                <a:spcPts val="500"/>
+              </a:spcBef>
+              <a:buFont typeface="Arial" panose="020B0604020202020204" pitchFamily="34" charset="0"/>
+              <a:buChar char="•"/>
+              <a:defRPr sz="1800" kern="1200">
+                <a:solidFill>
+                  <a:schemeClr val="tx1"/>
+                </a:solidFill>
+                <a:latin typeface="+mn-lt"/>
+                <a:ea typeface="+mn-ea"/>
+                <a:cs typeface="+mn-cs"/>
+              </a:defRPr>
+            </a:lvl7pPr>
+            <a:lvl8pPr marL="3429000" indent="-228600" algn="l" defTabSz="914400" rtl="0" eaLnBrk="1" latinLnBrk="1" hangingPunct="1">
+              <a:lnSpc>
+                <a:spcPct val="90000"/>
+              </a:lnSpc>
+              <a:spcBef>
+                <a:spcPts val="500"/>
+              </a:spcBef>
+              <a:buFont typeface="Arial" panose="020B0604020202020204" pitchFamily="34" charset="0"/>
+              <a:buChar char="•"/>
+              <a:defRPr sz="1800" kern="1200">
+                <a:solidFill>
+                  <a:schemeClr val="tx1"/>
+                </a:solidFill>
+                <a:latin typeface="+mn-lt"/>
+                <a:ea typeface="+mn-ea"/>
+                <a:cs typeface="+mn-cs"/>
+              </a:defRPr>
+            </a:lvl8pPr>
+            <a:lvl9pPr marL="3886200" indent="-228600" algn="l" defTabSz="914400" rtl="0" eaLnBrk="1" latinLnBrk="1" hangingPunct="1">
+              <a:lnSpc>
+                <a:spcPct val="90000"/>
+              </a:lnSpc>
+              <a:spcBef>
+                <a:spcPts val="500"/>
+              </a:spcBef>
+              <a:buFont typeface="Arial" panose="020B0604020202020204" pitchFamily="34" charset="0"/>
+              <a:buChar char="•"/>
+              <a:defRPr sz="1800" kern="1200">
+                <a:solidFill>
+                  <a:schemeClr val="tx1"/>
+                </a:solidFill>
+                <a:latin typeface="+mn-lt"/>
+                <a:ea typeface="+mn-ea"/>
+                <a:cs typeface="+mn-cs"/>
+              </a:defRPr>
+            </a:lvl9pPr>
+          </a:lstStyle>
+          <a:p>
+            <a:pPr marL="0" indent="0">
+              <a:buFont typeface="Arial" panose="020B0604020202020204" pitchFamily="34" charset="0"/>
+              <a:buNone/>
+            </a:pPr>
+            <a:r>
+              <a:rPr lang="ko-KR" altLang="en-US" sz="2000" b="1" dirty="0"/>
+              <a:t>작업 내용</a:t>
+            </a:r>
+            <a:br>
+              <a:rPr lang="en-US" altLang="ko-KR" sz="2000" b="1" dirty="0"/>
+            </a:br>
+            <a:r>
+              <a:rPr lang="en-US" altLang="ko-KR" sz="1800" dirty="0"/>
+              <a:t>-</a:t>
+            </a:r>
+            <a:r>
+              <a:rPr lang="ko-KR" altLang="en-US" sz="1800" dirty="0"/>
+              <a:t>짧게 작업내용 설명</a:t>
+            </a:r>
+            <a:br>
+              <a:rPr lang="en-US" altLang="ko-KR" sz="2000" b="1" dirty="0"/>
+            </a:br>
+            <a:endParaRPr lang="en-US" altLang="ko-KR" sz="2000" b="1" dirty="0"/>
+          </a:p>
+        </p:txBody>
+      </p:sp>
+    </p:spTree>
+    <p:extLst>
+      <p:ext uri="{BB962C8B-B14F-4D97-AF65-F5344CB8AC3E}">
+        <p14:creationId xmlns:p14="http://schemas.microsoft.com/office/powerpoint/2010/main" val="625103422"/>
+      </p:ext>
+    </p:extLst>
+  </p:cSld>
+  <p:clrMapOvr>
+    <a:masterClrMapping/>
+  </p:clrMapOvr>
+</p:sld>
+</file>
+
+<file path=ppt/slides/slide11.xml><?xml version="1.0" encoding="utf-8"?>
+<p:sld xmlns:a="http://schemas.openxmlformats.org/drawingml/2006/main" xmlns:r="http://schemas.openxmlformats.org/officeDocument/2006/relationships" xmlns:p="http://schemas.openxmlformats.org/presentationml/2006/main">
+  <p:cSld>
+    <p:spTree>
+      <p:nvGrpSpPr>
+        <p:cNvPr id="1" name=""/>
+        <p:cNvGrpSpPr/>
+        <p:nvPr/>
+      </p:nvGrpSpPr>
+      <p:grpSpPr>
+        <a:xfrm>
+          <a:off x="0" y="0"/>
+          <a:ext cx="0" cy="0"/>
+          <a:chOff x="0" y="0"/>
+          <a:chExt cx="0" cy="0"/>
+        </a:xfrm>
+      </p:grpSpPr>
+      <p:sp>
+        <p:nvSpPr>
           <p:cNvPr id="6" name="직사각형 5">
             <a:extLst>
               <a:ext uri="{FF2B5EF4-FFF2-40B4-BE49-F238E27FC236}">
@@ -4709,7 +5622,7 @@
 </p:sld>
 </file>
 
-<file path=ppt/slides/slide11.xml><?xml version="1.0" encoding="utf-8"?>
+<file path=ppt/slides/slide12.xml><?xml version="1.0" encoding="utf-8"?>
 <p:sld xmlns:a="http://schemas.openxmlformats.org/drawingml/2006/main" xmlns:r="http://schemas.openxmlformats.org/officeDocument/2006/relationships" xmlns:p="http://schemas.openxmlformats.org/presentationml/2006/main">
   <p:cSld>
     <p:spTree>
@@ -5334,7 +6247,7 @@
 </p:sld>
 </file>
 
-<file path=ppt/slides/slide12.xml><?xml version="1.0" encoding="utf-8"?>
+<file path=ppt/slides/slide13.xml><?xml version="1.0" encoding="utf-8"?>
 <p:sld xmlns:a="http://schemas.openxmlformats.org/drawingml/2006/main" xmlns:r="http://schemas.openxmlformats.org/officeDocument/2006/relationships" xmlns:p="http://schemas.openxmlformats.org/presentationml/2006/main">
   <p:cSld>
     <p:spTree>
@@ -5428,7 +6341,7 @@
 </p:sld>
 </file>
 
-<file path=ppt/slides/slide13.xml><?xml version="1.0" encoding="utf-8"?>
+<file path=ppt/slides/slide14.xml><?xml version="1.0" encoding="utf-8"?>
 <p:sld xmlns:a="http://schemas.openxmlformats.org/drawingml/2006/main" xmlns:r="http://schemas.openxmlformats.org/officeDocument/2006/relationships" xmlns:p="http://schemas.openxmlformats.org/presentationml/2006/main">
   <p:cSld>
     <p:spTree>
@@ -6541,7 +7454,7 @@
 </p:sld>
 </file>
 
-<file path=ppt/slides/slide14.xml><?xml version="1.0" encoding="utf-8"?>
+<file path=ppt/slides/slide15.xml><?xml version="1.0" encoding="utf-8"?>
 <p:sld xmlns:a="http://schemas.openxmlformats.org/drawingml/2006/main" xmlns:r="http://schemas.openxmlformats.org/officeDocument/2006/relationships" xmlns:p="http://schemas.openxmlformats.org/presentationml/2006/main">
   <p:cSld>
     <p:spTree>
@@ -6666,7 +7579,7 @@
 </p:sld>
 </file>
 
-<file path=ppt/slides/slide15.xml><?xml version="1.0" encoding="utf-8"?>
+<file path=ppt/slides/slide16.xml><?xml version="1.0" encoding="utf-8"?>
 <p:sld xmlns:a="http://schemas.openxmlformats.org/drawingml/2006/main" xmlns:r="http://schemas.openxmlformats.org/officeDocument/2006/relationships" xmlns:p="http://schemas.openxmlformats.org/presentationml/2006/main">
   <p:cSld>
     <p:spTree>
@@ -7839,6 +8752,326 @@
 </file>
 
 <file path=ppt/slides/slide4.xml><?xml version="1.0" encoding="utf-8"?>
+<p:sld xmlns:a="http://schemas.openxmlformats.org/drawingml/2006/main" xmlns:r="http://schemas.openxmlformats.org/officeDocument/2006/relationships" xmlns:p="http://schemas.openxmlformats.org/presentationml/2006/main">
+  <p:cSld>
+    <p:spTree>
+      <p:nvGrpSpPr>
+        <p:cNvPr id="1" name=""/>
+        <p:cNvGrpSpPr/>
+        <p:nvPr/>
+      </p:nvGrpSpPr>
+      <p:grpSpPr>
+        <a:xfrm>
+          <a:off x="0" y="0"/>
+          <a:ext cx="0" cy="0"/>
+          <a:chOff x="0" y="0"/>
+          <a:chExt cx="0" cy="0"/>
+        </a:xfrm>
+      </p:grpSpPr>
+      <p:sp>
+        <p:nvSpPr>
+          <p:cNvPr id="4" name="직사각형 3">
+            <a:extLst>
+              <a:ext uri="{FF2B5EF4-FFF2-40B4-BE49-F238E27FC236}">
+                <a16:creationId xmlns:a16="http://schemas.microsoft.com/office/drawing/2014/main" id="{F4104F94-9E83-54C5-23BA-22591F6B0F42}"/>
+              </a:ext>
+            </a:extLst>
+          </p:cNvPr>
+          <p:cNvSpPr/>
+          <p:nvPr/>
+        </p:nvSpPr>
+        <p:spPr>
+          <a:xfrm>
+            <a:off x="292990" y="176510"/>
+            <a:ext cx="5559535" cy="923330"/>
+          </a:xfrm>
+          <a:prstGeom prst="rect">
+            <a:avLst/>
+          </a:prstGeom>
+          <a:noFill/>
+        </p:spPr>
+        <p:txBody>
+          <a:bodyPr wrap="none" lIns="91440" tIns="45720" rIns="91440" bIns="45720">
+            <a:spAutoFit/>
+          </a:bodyPr>
+          <a:lstStyle/>
+          <a:p>
+            <a:r>
+              <a:rPr lang="ko-KR" altLang="en-US" sz="5400" b="1" cap="none" spc="0" dirty="0">
+                <a:ln w="0"/>
+                <a:solidFill>
+                  <a:schemeClr val="accent6"/>
+                </a:solidFill>
+                <a:effectLst>
+                  <a:outerShdw blurRad="38100" dist="19050" dir="2700000" algn="tl" rotWithShape="0">
+                    <a:schemeClr val="dk1">
+                      <a:alpha val="40000"/>
+                    </a:schemeClr>
+                  </a:outerShdw>
+                </a:effectLst>
+                <a:latin typeface="휴먼모음T" panose="02030504000101010101" pitchFamily="18" charset="-127"/>
+                <a:ea typeface="휴먼모음T" panose="02030504000101010101" pitchFamily="18" charset="-127"/>
+              </a:rPr>
+              <a:t>개요 </a:t>
+            </a:r>
+            <a:r>
+              <a:rPr lang="en-US" altLang="ko-KR" sz="5400" b="1" cap="none" spc="0" dirty="0">
+                <a:ln w="0"/>
+                <a:solidFill>
+                  <a:schemeClr val="accent6"/>
+                </a:solidFill>
+                <a:effectLst>
+                  <a:outerShdw blurRad="38100" dist="19050" dir="2700000" algn="tl" rotWithShape="0">
+                    <a:schemeClr val="dk1">
+                      <a:alpha val="40000"/>
+                    </a:schemeClr>
+                  </a:outerShdw>
+                </a:effectLst>
+                <a:latin typeface="휴먼모음T" panose="02030504000101010101" pitchFamily="18" charset="-127"/>
+                <a:ea typeface="휴먼모음T" panose="02030504000101010101" pitchFamily="18" charset="-127"/>
+              </a:rPr>
+              <a:t>– </a:t>
+            </a:r>
+            <a:r>
+              <a:rPr lang="ko-KR" altLang="en-US" sz="5400" b="1" cap="none" spc="0" dirty="0">
+                <a:ln w="0"/>
+                <a:solidFill>
+                  <a:schemeClr val="accent6"/>
+                </a:solidFill>
+                <a:effectLst>
+                  <a:outerShdw blurRad="38100" dist="19050" dir="2700000" algn="tl" rotWithShape="0">
+                    <a:schemeClr val="dk1">
+                      <a:alpha val="40000"/>
+                    </a:schemeClr>
+                  </a:outerShdw>
+                </a:effectLst>
+                <a:latin typeface="휴먼모음T" panose="02030504000101010101" pitchFamily="18" charset="-127"/>
+                <a:ea typeface="휴먼모음T" panose="02030504000101010101" pitchFamily="18" charset="-127"/>
+              </a:rPr>
+              <a:t>게임 플레이</a:t>
+            </a:r>
+            <a:endParaRPr lang="en-US" altLang="ko-KR" sz="5400" b="1" cap="none" spc="0" dirty="0">
+              <a:ln w="0"/>
+              <a:solidFill>
+                <a:schemeClr val="accent6"/>
+              </a:solidFill>
+              <a:effectLst>
+                <a:outerShdw blurRad="38100" dist="19050" dir="2700000" algn="tl" rotWithShape="0">
+                  <a:schemeClr val="dk1">
+                    <a:alpha val="40000"/>
+                  </a:schemeClr>
+                </a:outerShdw>
+              </a:effectLst>
+              <a:latin typeface="휴먼모음T" panose="02030504000101010101" pitchFamily="18" charset="-127"/>
+              <a:ea typeface="휴먼모음T" panose="02030504000101010101" pitchFamily="18" charset="-127"/>
+            </a:endParaRPr>
+          </a:p>
+        </p:txBody>
+      </p:sp>
+      <p:sp>
+        <p:nvSpPr>
+          <p:cNvPr id="5" name="사각형: 둥근 모서리 4">
+            <a:extLst>
+              <a:ext uri="{FF2B5EF4-FFF2-40B4-BE49-F238E27FC236}">
+                <a16:creationId xmlns:a16="http://schemas.microsoft.com/office/drawing/2014/main" id="{02955CCE-4D66-3691-D677-F06FCCA05465}"/>
+              </a:ext>
+            </a:extLst>
+          </p:cNvPr>
+          <p:cNvSpPr/>
+          <p:nvPr/>
+        </p:nvSpPr>
+        <p:spPr>
+          <a:xfrm>
+            <a:off x="927576" y="1436017"/>
+            <a:ext cx="5078997" cy="2349117"/>
+          </a:xfrm>
+          <a:prstGeom prst="roundRect">
+            <a:avLst/>
+          </a:prstGeom>
+          <a:solidFill>
+            <a:schemeClr val="accent6">
+              <a:lumMod val="40000"/>
+              <a:lumOff val="60000"/>
+            </a:schemeClr>
+          </a:solidFill>
+          <a:ln>
+            <a:solidFill>
+              <a:schemeClr val="tx1"/>
+            </a:solidFill>
+          </a:ln>
+        </p:spPr>
+        <p:style>
+          <a:lnRef idx="2">
+            <a:schemeClr val="accent1">
+              <a:shade val="15000"/>
+            </a:schemeClr>
+          </a:lnRef>
+          <a:fillRef idx="1">
+            <a:schemeClr val="accent1"/>
+          </a:fillRef>
+          <a:effectRef idx="0">
+            <a:schemeClr val="accent1"/>
+          </a:effectRef>
+          <a:fontRef idx="minor">
+            <a:schemeClr val="lt1"/>
+          </a:fontRef>
+        </p:style>
+        <p:txBody>
+          <a:bodyPr rtlCol="0" anchor="ctr"/>
+          <a:lstStyle/>
+          <a:p>
+            <a:pPr algn="ctr"/>
+            <a:endParaRPr lang="ko-KR" altLang="en-US"/>
+          </a:p>
+        </p:txBody>
+      </p:sp>
+      <p:pic>
+        <p:nvPicPr>
+          <p:cNvPr id="6" name="그림 5" descr="그린, 스크린샷이(가) 표시된 사진&#10;&#10;자동 생성된 설명">
+            <a:extLst>
+              <a:ext uri="{FF2B5EF4-FFF2-40B4-BE49-F238E27FC236}">
+                <a16:creationId xmlns:a16="http://schemas.microsoft.com/office/drawing/2014/main" id="{10DC0783-C451-0523-5E09-DE899DA04E45}"/>
+              </a:ext>
+            </a:extLst>
+          </p:cNvPr>
+          <p:cNvPicPr>
+            <a:picLocks noChangeAspect="1"/>
+          </p:cNvPicPr>
+          <p:nvPr/>
+        </p:nvPicPr>
+        <p:blipFill rotWithShape="1">
+          <a:blip r:embed="rId2">
+            <a:extLst>
+              <a:ext uri="{28A0092B-C50C-407E-A947-70E740481C1C}">
+                <a14:useLocalDpi xmlns:a14="http://schemas.microsoft.com/office/drawing/2010/main" val="0"/>
+              </a:ext>
+            </a:extLst>
+          </a:blip>
+          <a:srcRect l="3930" t="40089" r="71252" b="42269"/>
+          <a:stretch/>
+        </p:blipFill>
+        <p:spPr>
+          <a:xfrm rot="173338">
+            <a:off x="1435141" y="2356971"/>
+            <a:ext cx="1677239" cy="1479119"/>
+          </a:xfrm>
+          <a:prstGeom prst="rect">
+            <a:avLst/>
+          </a:prstGeom>
+        </p:spPr>
+      </p:pic>
+      <p:sp>
+        <p:nvSpPr>
+          <p:cNvPr id="7" name="화살표: 위쪽/아래쪽 6">
+            <a:extLst>
+              <a:ext uri="{FF2B5EF4-FFF2-40B4-BE49-F238E27FC236}">
+                <a16:creationId xmlns:a16="http://schemas.microsoft.com/office/drawing/2014/main" id="{C39E8008-C0B9-FDFB-7194-67F861863C4E}"/>
+              </a:ext>
+            </a:extLst>
+          </p:cNvPr>
+          <p:cNvSpPr/>
+          <p:nvPr/>
+        </p:nvSpPr>
+        <p:spPr>
+          <a:xfrm>
+            <a:off x="3102133" y="2551618"/>
+            <a:ext cx="234111" cy="948303"/>
+          </a:xfrm>
+          <a:prstGeom prst="upDownArrow">
+            <a:avLst/>
+          </a:prstGeom>
+          <a:solidFill>
+            <a:schemeClr val="tx1"/>
+          </a:solidFill>
+        </p:spPr>
+        <p:style>
+          <a:lnRef idx="2">
+            <a:schemeClr val="accent1">
+              <a:shade val="15000"/>
+            </a:schemeClr>
+          </a:lnRef>
+          <a:fillRef idx="1">
+            <a:schemeClr val="accent1"/>
+          </a:fillRef>
+          <a:effectRef idx="0">
+            <a:schemeClr val="accent1"/>
+          </a:effectRef>
+          <a:fontRef idx="minor">
+            <a:schemeClr val="lt1"/>
+          </a:fontRef>
+        </p:style>
+        <p:txBody>
+          <a:bodyPr rtlCol="0" anchor="ctr"/>
+          <a:lstStyle/>
+          <a:p>
+            <a:pPr algn="ctr"/>
+            <a:endParaRPr lang="ko-KR" altLang="en-US"/>
+          </a:p>
+        </p:txBody>
+      </p:sp>
+      <p:sp>
+        <p:nvSpPr>
+          <p:cNvPr id="8" name="화살표: 위쪽/아래쪽 7">
+            <a:extLst>
+              <a:ext uri="{FF2B5EF4-FFF2-40B4-BE49-F238E27FC236}">
+                <a16:creationId xmlns:a16="http://schemas.microsoft.com/office/drawing/2014/main" id="{C9831510-4221-CE41-7D85-C6D1B29C8BFF}"/>
+              </a:ext>
+            </a:extLst>
+          </p:cNvPr>
+          <p:cNvSpPr/>
+          <p:nvPr/>
+        </p:nvSpPr>
+        <p:spPr>
+          <a:xfrm>
+            <a:off x="4445978" y="3034301"/>
+            <a:ext cx="234111" cy="454986"/>
+          </a:xfrm>
+          <a:prstGeom prst="upDownArrow">
+            <a:avLst/>
+          </a:prstGeom>
+          <a:solidFill>
+            <a:schemeClr val="tx1"/>
+          </a:solidFill>
+        </p:spPr>
+        <p:style>
+          <a:lnRef idx="2">
+            <a:schemeClr val="accent1">
+              <a:shade val="15000"/>
+            </a:schemeClr>
+          </a:lnRef>
+          <a:fillRef idx="1">
+            <a:schemeClr val="accent1"/>
+          </a:fillRef>
+          <a:effectRef idx="0">
+            <a:schemeClr val="accent1"/>
+          </a:effectRef>
+          <a:fontRef idx="minor">
+            <a:schemeClr val="lt1"/>
+          </a:fontRef>
+        </p:style>
+        <p:txBody>
+          <a:bodyPr rtlCol="0" anchor="ctr"/>
+          <a:lstStyle/>
+          <a:p>
+            <a:pPr algn="ctr"/>
+            <a:endParaRPr lang="ko-KR" altLang="en-US"/>
+          </a:p>
+        </p:txBody>
+      </p:sp>
+    </p:spTree>
+    <p:extLst>
+      <p:ext uri="{BB962C8B-B14F-4D97-AF65-F5344CB8AC3E}">
+        <p14:creationId xmlns:p14="http://schemas.microsoft.com/office/powerpoint/2010/main" val="29280766"/>
+      </p:ext>
+    </p:extLst>
+  </p:cSld>
+  <p:clrMapOvr>
+    <a:masterClrMapping/>
+  </p:clrMapOvr>
+</p:sld>
+</file>
+
+<file path=ppt/slides/slide5.xml><?xml version="1.0" encoding="utf-8"?>
 <p:sld xmlns:a="http://schemas.openxmlformats.org/drawingml/2006/main" xmlns:r="http://schemas.openxmlformats.org/officeDocument/2006/relationships" xmlns:p="http://schemas.openxmlformats.org/presentationml/2006/main">
   <p:cSld>
     <p:spTree>
@@ -9311,7 +10544,7 @@
 </p:sld>
 </file>
 
-<file path=ppt/slides/slide5.xml><?xml version="1.0" encoding="utf-8"?>
+<file path=ppt/slides/slide6.xml><?xml version="1.0" encoding="utf-8"?>
 <p:sld xmlns:a="http://schemas.openxmlformats.org/drawingml/2006/main" xmlns:r="http://schemas.openxmlformats.org/officeDocument/2006/relationships" xmlns:p="http://schemas.openxmlformats.org/presentationml/2006/main">
   <p:cSld>
     <p:spTree>
@@ -10993,7 +12226,7 @@
 </p:sld>
 </file>
 
-<file path=ppt/slides/slide6.xml><?xml version="1.0" encoding="utf-8"?>
+<file path=ppt/slides/slide7.xml><?xml version="1.0" encoding="utf-8"?>
 <p:sld xmlns:a="http://schemas.openxmlformats.org/drawingml/2006/main" xmlns:r="http://schemas.openxmlformats.org/officeDocument/2006/relationships" xmlns:p="http://schemas.openxmlformats.org/presentationml/2006/main">
   <p:cSld>
     <p:spTree>
@@ -11556,7 +12789,7 @@
 </p:sld>
 </file>
 
-<file path=ppt/slides/slide7.xml><?xml version="1.0" encoding="utf-8"?>
+<file path=ppt/slides/slide8.xml><?xml version="1.0" encoding="utf-8"?>
 <p:sld xmlns:a="http://schemas.openxmlformats.org/drawingml/2006/main" xmlns:r="http://schemas.openxmlformats.org/officeDocument/2006/relationships" xmlns:p="http://schemas.openxmlformats.org/presentationml/2006/main">
   <p:cSld>
     <p:spTree>
@@ -12575,7 +13808,7 @@
 </p:sld>
 </file>
 
-<file path=ppt/slides/slide8.xml><?xml version="1.0" encoding="utf-8"?>
+<file path=ppt/slides/slide9.xml><?xml version="1.0" encoding="utf-8"?>
 <p:sld xmlns:a="http://schemas.openxmlformats.org/drawingml/2006/main" xmlns:r="http://schemas.openxmlformats.org/officeDocument/2006/relationships" xmlns:p="http://schemas.openxmlformats.org/presentationml/2006/main">
   <p:cSld>
     <p:spTree>
@@ -13473,913 +14706,6 @@
     <p:extLst>
       <p:ext uri="{BB962C8B-B14F-4D97-AF65-F5344CB8AC3E}">
         <p14:creationId xmlns:p14="http://schemas.microsoft.com/office/powerpoint/2010/main" val="2221547893"/>
-      </p:ext>
-    </p:extLst>
-  </p:cSld>
-  <p:clrMapOvr>
-    <a:masterClrMapping/>
-  </p:clrMapOvr>
-</p:sld>
-</file>
-
-<file path=ppt/slides/slide9.xml><?xml version="1.0" encoding="utf-8"?>
-<p:sld xmlns:a="http://schemas.openxmlformats.org/drawingml/2006/main" xmlns:r="http://schemas.openxmlformats.org/officeDocument/2006/relationships" xmlns:p="http://schemas.openxmlformats.org/presentationml/2006/main">
-  <p:cSld>
-    <p:spTree>
-      <p:nvGrpSpPr>
-        <p:cNvPr id="1" name=""/>
-        <p:cNvGrpSpPr/>
-        <p:nvPr/>
-      </p:nvGrpSpPr>
-      <p:grpSpPr>
-        <a:xfrm>
-          <a:off x="0" y="0"/>
-          <a:ext cx="0" cy="0"/>
-          <a:chOff x="0" y="0"/>
-          <a:chExt cx="0" cy="0"/>
-        </a:xfrm>
-      </p:grpSpPr>
-      <p:sp>
-        <p:nvSpPr>
-          <p:cNvPr id="4" name="직사각형 3">
-            <a:extLst>
-              <a:ext uri="{FF2B5EF4-FFF2-40B4-BE49-F238E27FC236}">
-                <a16:creationId xmlns:a16="http://schemas.microsoft.com/office/drawing/2014/main" id="{0FBF6C5F-499E-B79E-B8EA-3960EB89DDE2}"/>
-              </a:ext>
-            </a:extLst>
-          </p:cNvPr>
-          <p:cNvSpPr/>
-          <p:nvPr/>
-        </p:nvSpPr>
-        <p:spPr>
-          <a:xfrm>
-            <a:off x="292990" y="176510"/>
-            <a:ext cx="4905510" cy="923330"/>
-          </a:xfrm>
-          <a:prstGeom prst="rect">
-            <a:avLst/>
-          </a:prstGeom>
-          <a:noFill/>
-        </p:spPr>
-        <p:txBody>
-          <a:bodyPr wrap="none" lIns="91440" tIns="45720" rIns="91440" bIns="45720">
-            <a:spAutoFit/>
-          </a:bodyPr>
-          <a:lstStyle/>
-          <a:p>
-            <a:r>
-              <a:rPr lang="ko-KR" altLang="en-US" sz="5400" b="1" cap="none" spc="0" dirty="0">
-                <a:ln w="0"/>
-                <a:solidFill>
-                  <a:schemeClr val="accent6"/>
-                </a:solidFill>
-                <a:effectLst>
-                  <a:outerShdw blurRad="38100" dist="19050" dir="2700000" algn="tl" rotWithShape="0">
-                    <a:schemeClr val="dk1">
-                      <a:alpha val="40000"/>
-                    </a:schemeClr>
-                  </a:outerShdw>
-                </a:effectLst>
-                <a:latin typeface="휴먼모음T" panose="02030504000101010101" pitchFamily="18" charset="-127"/>
-                <a:ea typeface="휴먼모음T" panose="02030504000101010101" pitchFamily="18" charset="-127"/>
-              </a:rPr>
-              <a:t>개발 내용 </a:t>
-            </a:r>
-            <a:r>
-              <a:rPr lang="en-US" altLang="ko-KR" sz="5400" b="1" cap="none" spc="0" dirty="0">
-                <a:ln w="0"/>
-                <a:solidFill>
-                  <a:schemeClr val="accent6"/>
-                </a:solidFill>
-                <a:effectLst>
-                  <a:outerShdw blurRad="38100" dist="19050" dir="2700000" algn="tl" rotWithShape="0">
-                    <a:schemeClr val="dk1">
-                      <a:alpha val="40000"/>
-                    </a:schemeClr>
-                  </a:outerShdw>
-                </a:effectLst>
-                <a:latin typeface="휴먼모음T" panose="02030504000101010101" pitchFamily="18" charset="-127"/>
-                <a:ea typeface="휴먼모음T" panose="02030504000101010101" pitchFamily="18" charset="-127"/>
-              </a:rPr>
-              <a:t>- </a:t>
-            </a:r>
-            <a:r>
-              <a:rPr lang="ko-KR" altLang="en-US" sz="5400" b="1" cap="none" spc="0" dirty="0">
-                <a:ln w="0"/>
-                <a:solidFill>
-                  <a:schemeClr val="accent6"/>
-                </a:solidFill>
-                <a:effectLst>
-                  <a:outerShdw blurRad="38100" dist="19050" dir="2700000" algn="tl" rotWithShape="0">
-                    <a:schemeClr val="dk1">
-                      <a:alpha val="40000"/>
-                    </a:schemeClr>
-                  </a:outerShdw>
-                </a:effectLst>
-                <a:latin typeface="휴먼모음T" panose="02030504000101010101" pitchFamily="18" charset="-127"/>
-                <a:ea typeface="휴먼모음T" panose="02030504000101010101" pitchFamily="18" charset="-127"/>
-              </a:rPr>
-              <a:t>서버</a:t>
-            </a:r>
-            <a:endParaRPr lang="en-US" altLang="ko-KR" sz="5400" b="1" cap="none" spc="0" dirty="0">
-              <a:ln w="0"/>
-              <a:solidFill>
-                <a:schemeClr val="accent6"/>
-              </a:solidFill>
-              <a:effectLst>
-                <a:outerShdw blurRad="38100" dist="19050" dir="2700000" algn="tl" rotWithShape="0">
-                  <a:schemeClr val="dk1">
-                    <a:alpha val="40000"/>
-                  </a:schemeClr>
-                </a:outerShdw>
-              </a:effectLst>
-              <a:latin typeface="휴먼모음T" panose="02030504000101010101" pitchFamily="18" charset="-127"/>
-              <a:ea typeface="휴먼모음T" panose="02030504000101010101" pitchFamily="18" charset="-127"/>
-            </a:endParaRPr>
-          </a:p>
-        </p:txBody>
-      </p:sp>
-      <p:sp>
-        <p:nvSpPr>
-          <p:cNvPr id="7" name="직사각형 6">
-            <a:extLst>
-              <a:ext uri="{FF2B5EF4-FFF2-40B4-BE49-F238E27FC236}">
-                <a16:creationId xmlns:a16="http://schemas.microsoft.com/office/drawing/2014/main" id="{26ED716D-0378-36B4-0801-2AFF20DBB503}"/>
-              </a:ext>
-            </a:extLst>
-          </p:cNvPr>
-          <p:cNvSpPr/>
-          <p:nvPr/>
-        </p:nvSpPr>
-        <p:spPr>
-          <a:xfrm>
-            <a:off x="466725" y="1200150"/>
-            <a:ext cx="5438775" cy="2914650"/>
-          </a:xfrm>
-          <a:prstGeom prst="rect">
-            <a:avLst/>
-          </a:prstGeom>
-        </p:spPr>
-        <p:style>
-          <a:lnRef idx="2">
-            <a:schemeClr val="accent1">
-              <a:shade val="15000"/>
-            </a:schemeClr>
-          </a:lnRef>
-          <a:fillRef idx="1">
-            <a:schemeClr val="accent1"/>
-          </a:fillRef>
-          <a:effectRef idx="0">
-            <a:schemeClr val="accent1"/>
-          </a:effectRef>
-          <a:fontRef idx="minor">
-            <a:schemeClr val="lt1"/>
-          </a:fontRef>
-        </p:style>
-        <p:txBody>
-          <a:bodyPr rtlCol="0" anchor="ctr"/>
-          <a:lstStyle/>
-          <a:p>
-            <a:pPr algn="ctr"/>
-            <a:endParaRPr lang="ko-KR" altLang="en-US"/>
-          </a:p>
-        </p:txBody>
-      </p:sp>
-      <p:sp>
-        <p:nvSpPr>
-          <p:cNvPr id="8" name="직사각형 7">
-            <a:extLst>
-              <a:ext uri="{FF2B5EF4-FFF2-40B4-BE49-F238E27FC236}">
-                <a16:creationId xmlns:a16="http://schemas.microsoft.com/office/drawing/2014/main" id="{3475973E-D0C8-7DE4-A40F-6CF6F1A89151}"/>
-              </a:ext>
-            </a:extLst>
-          </p:cNvPr>
-          <p:cNvSpPr/>
-          <p:nvPr/>
-        </p:nvSpPr>
-        <p:spPr>
-          <a:xfrm>
-            <a:off x="6286502" y="1200150"/>
-            <a:ext cx="5438775" cy="2914650"/>
-          </a:xfrm>
-          <a:prstGeom prst="rect">
-            <a:avLst/>
-          </a:prstGeom>
-        </p:spPr>
-        <p:style>
-          <a:lnRef idx="2">
-            <a:schemeClr val="accent1">
-              <a:shade val="15000"/>
-            </a:schemeClr>
-          </a:lnRef>
-          <a:fillRef idx="1">
-            <a:schemeClr val="accent1"/>
-          </a:fillRef>
-          <a:effectRef idx="0">
-            <a:schemeClr val="accent1"/>
-          </a:effectRef>
-          <a:fontRef idx="minor">
-            <a:schemeClr val="lt1"/>
-          </a:fontRef>
-        </p:style>
-        <p:txBody>
-          <a:bodyPr rtlCol="0" anchor="ctr"/>
-          <a:lstStyle/>
-          <a:p>
-            <a:pPr algn="ctr"/>
-            <a:endParaRPr lang="ko-KR" altLang="en-US"/>
-          </a:p>
-        </p:txBody>
-      </p:sp>
-      <p:sp>
-        <p:nvSpPr>
-          <p:cNvPr id="9" name="내용 개체 틀 2">
-            <a:extLst>
-              <a:ext uri="{FF2B5EF4-FFF2-40B4-BE49-F238E27FC236}">
-                <a16:creationId xmlns:a16="http://schemas.microsoft.com/office/drawing/2014/main" id="{5693C7C7-FD8F-08C0-14FD-99374B6121BD}"/>
-              </a:ext>
-            </a:extLst>
-          </p:cNvPr>
-          <p:cNvSpPr>
-            <a:spLocks noGrp="1"/>
-          </p:cNvSpPr>
-          <p:nvPr>
-            <p:ph idx="1"/>
-          </p:nvPr>
-        </p:nvSpPr>
-        <p:spPr>
-          <a:xfrm>
-            <a:off x="1123952" y="2419052"/>
-            <a:ext cx="4657725" cy="1228725"/>
-          </a:xfrm>
-        </p:spPr>
-        <p:txBody>
-          <a:bodyPr>
-            <a:normAutofit/>
-          </a:bodyPr>
-          <a:lstStyle/>
-          <a:p>
-            <a:pPr marL="0" indent="0">
-              <a:buNone/>
-            </a:pPr>
-            <a:r>
-              <a:rPr lang="ko-KR" altLang="en-US" sz="2000" b="1" dirty="0"/>
-              <a:t>작업 내용 대표 이미지</a:t>
-            </a:r>
-            <a:br>
-              <a:rPr lang="en-US" altLang="ko-KR" sz="2000" b="1" dirty="0"/>
-            </a:br>
-            <a:endParaRPr lang="en-US" altLang="ko-KR" sz="2000" b="1" dirty="0"/>
-          </a:p>
-        </p:txBody>
-      </p:sp>
-      <p:sp>
-        <p:nvSpPr>
-          <p:cNvPr id="10" name="내용 개체 틀 2">
-            <a:extLst>
-              <a:ext uri="{FF2B5EF4-FFF2-40B4-BE49-F238E27FC236}">
-                <a16:creationId xmlns:a16="http://schemas.microsoft.com/office/drawing/2014/main" id="{F6E3DF7D-A94D-76E9-BAAA-9E2B434CCA2B}"/>
-              </a:ext>
-            </a:extLst>
-          </p:cNvPr>
-          <p:cNvSpPr txBox="1">
-            <a:spLocks/>
-          </p:cNvSpPr>
-          <p:nvPr/>
-        </p:nvSpPr>
-        <p:spPr>
-          <a:xfrm>
-            <a:off x="7153277" y="2419051"/>
-            <a:ext cx="4657725" cy="1228725"/>
-          </a:xfrm>
-          <a:prstGeom prst="rect">
-            <a:avLst/>
-          </a:prstGeom>
-        </p:spPr>
-        <p:txBody>
-          <a:bodyPr vert="horz" lIns="91440" tIns="45720" rIns="91440" bIns="45720" rtlCol="0">
-            <a:normAutofit/>
-          </a:bodyPr>
-          <a:lstStyle>
-            <a:lvl1pPr marL="228600" indent="-228600" algn="l" defTabSz="914400" rtl="0" eaLnBrk="1" latinLnBrk="1" hangingPunct="1">
-              <a:lnSpc>
-                <a:spcPct val="90000"/>
-              </a:lnSpc>
-              <a:spcBef>
-                <a:spcPts val="1000"/>
-              </a:spcBef>
-              <a:buFont typeface="Arial" panose="020B0604020202020204" pitchFamily="34" charset="0"/>
-              <a:buChar char="•"/>
-              <a:defRPr sz="2800" kern="1200">
-                <a:solidFill>
-                  <a:schemeClr val="tx1"/>
-                </a:solidFill>
-                <a:latin typeface="+mn-lt"/>
-                <a:ea typeface="+mn-ea"/>
-                <a:cs typeface="+mn-cs"/>
-              </a:defRPr>
-            </a:lvl1pPr>
-            <a:lvl2pPr marL="685800" indent="-228600" algn="l" defTabSz="914400" rtl="0" eaLnBrk="1" latinLnBrk="1" hangingPunct="1">
-              <a:lnSpc>
-                <a:spcPct val="90000"/>
-              </a:lnSpc>
-              <a:spcBef>
-                <a:spcPts val="500"/>
-              </a:spcBef>
-              <a:buFont typeface="Arial" panose="020B0604020202020204" pitchFamily="34" charset="0"/>
-              <a:buChar char="•"/>
-              <a:defRPr sz="2400" kern="1200">
-                <a:solidFill>
-                  <a:schemeClr val="tx1"/>
-                </a:solidFill>
-                <a:latin typeface="+mn-lt"/>
-                <a:ea typeface="+mn-ea"/>
-                <a:cs typeface="+mn-cs"/>
-              </a:defRPr>
-            </a:lvl2pPr>
-            <a:lvl3pPr marL="1143000" indent="-228600" algn="l" defTabSz="914400" rtl="0" eaLnBrk="1" latinLnBrk="1" hangingPunct="1">
-              <a:lnSpc>
-                <a:spcPct val="90000"/>
-              </a:lnSpc>
-              <a:spcBef>
-                <a:spcPts val="500"/>
-              </a:spcBef>
-              <a:buFont typeface="Arial" panose="020B0604020202020204" pitchFamily="34" charset="0"/>
-              <a:buChar char="•"/>
-              <a:defRPr sz="2000" kern="1200">
-                <a:solidFill>
-                  <a:schemeClr val="tx1"/>
-                </a:solidFill>
-                <a:latin typeface="+mn-lt"/>
-                <a:ea typeface="+mn-ea"/>
-                <a:cs typeface="+mn-cs"/>
-              </a:defRPr>
-            </a:lvl3pPr>
-            <a:lvl4pPr marL="1600200" indent="-228600" algn="l" defTabSz="914400" rtl="0" eaLnBrk="1" latinLnBrk="1" hangingPunct="1">
-              <a:lnSpc>
-                <a:spcPct val="90000"/>
-              </a:lnSpc>
-              <a:spcBef>
-                <a:spcPts val="500"/>
-              </a:spcBef>
-              <a:buFont typeface="Arial" panose="020B0604020202020204" pitchFamily="34" charset="0"/>
-              <a:buChar char="•"/>
-              <a:defRPr sz="1800" kern="1200">
-                <a:solidFill>
-                  <a:schemeClr val="tx1"/>
-                </a:solidFill>
-                <a:latin typeface="+mn-lt"/>
-                <a:ea typeface="+mn-ea"/>
-                <a:cs typeface="+mn-cs"/>
-              </a:defRPr>
-            </a:lvl4pPr>
-            <a:lvl5pPr marL="2057400" indent="-228600" algn="l" defTabSz="914400" rtl="0" eaLnBrk="1" latinLnBrk="1" hangingPunct="1">
-              <a:lnSpc>
-                <a:spcPct val="90000"/>
-              </a:lnSpc>
-              <a:spcBef>
-                <a:spcPts val="500"/>
-              </a:spcBef>
-              <a:buFont typeface="Arial" panose="020B0604020202020204" pitchFamily="34" charset="0"/>
-              <a:buChar char="•"/>
-              <a:defRPr sz="1800" kern="1200">
-                <a:solidFill>
-                  <a:schemeClr val="tx1"/>
-                </a:solidFill>
-                <a:latin typeface="+mn-lt"/>
-                <a:ea typeface="+mn-ea"/>
-                <a:cs typeface="+mn-cs"/>
-              </a:defRPr>
-            </a:lvl5pPr>
-            <a:lvl6pPr marL="2514600" indent="-228600" algn="l" defTabSz="914400" rtl="0" eaLnBrk="1" latinLnBrk="1" hangingPunct="1">
-              <a:lnSpc>
-                <a:spcPct val="90000"/>
-              </a:lnSpc>
-              <a:spcBef>
-                <a:spcPts val="500"/>
-              </a:spcBef>
-              <a:buFont typeface="Arial" panose="020B0604020202020204" pitchFamily="34" charset="0"/>
-              <a:buChar char="•"/>
-              <a:defRPr sz="1800" kern="1200">
-                <a:solidFill>
-                  <a:schemeClr val="tx1"/>
-                </a:solidFill>
-                <a:latin typeface="+mn-lt"/>
-                <a:ea typeface="+mn-ea"/>
-                <a:cs typeface="+mn-cs"/>
-              </a:defRPr>
-            </a:lvl6pPr>
-            <a:lvl7pPr marL="2971800" indent="-228600" algn="l" defTabSz="914400" rtl="0" eaLnBrk="1" latinLnBrk="1" hangingPunct="1">
-              <a:lnSpc>
-                <a:spcPct val="90000"/>
-              </a:lnSpc>
-              <a:spcBef>
-                <a:spcPts val="500"/>
-              </a:spcBef>
-              <a:buFont typeface="Arial" panose="020B0604020202020204" pitchFamily="34" charset="0"/>
-              <a:buChar char="•"/>
-              <a:defRPr sz="1800" kern="1200">
-                <a:solidFill>
-                  <a:schemeClr val="tx1"/>
-                </a:solidFill>
-                <a:latin typeface="+mn-lt"/>
-                <a:ea typeface="+mn-ea"/>
-                <a:cs typeface="+mn-cs"/>
-              </a:defRPr>
-            </a:lvl7pPr>
-            <a:lvl8pPr marL="3429000" indent="-228600" algn="l" defTabSz="914400" rtl="0" eaLnBrk="1" latinLnBrk="1" hangingPunct="1">
-              <a:lnSpc>
-                <a:spcPct val="90000"/>
-              </a:lnSpc>
-              <a:spcBef>
-                <a:spcPts val="500"/>
-              </a:spcBef>
-              <a:buFont typeface="Arial" panose="020B0604020202020204" pitchFamily="34" charset="0"/>
-              <a:buChar char="•"/>
-              <a:defRPr sz="1800" kern="1200">
-                <a:solidFill>
-                  <a:schemeClr val="tx1"/>
-                </a:solidFill>
-                <a:latin typeface="+mn-lt"/>
-                <a:ea typeface="+mn-ea"/>
-                <a:cs typeface="+mn-cs"/>
-              </a:defRPr>
-            </a:lvl8pPr>
-            <a:lvl9pPr marL="3886200" indent="-228600" algn="l" defTabSz="914400" rtl="0" eaLnBrk="1" latinLnBrk="1" hangingPunct="1">
-              <a:lnSpc>
-                <a:spcPct val="90000"/>
-              </a:lnSpc>
-              <a:spcBef>
-                <a:spcPts val="500"/>
-              </a:spcBef>
-              <a:buFont typeface="Arial" panose="020B0604020202020204" pitchFamily="34" charset="0"/>
-              <a:buChar char="•"/>
-              <a:defRPr sz="1800" kern="1200">
-                <a:solidFill>
-                  <a:schemeClr val="tx1"/>
-                </a:solidFill>
-                <a:latin typeface="+mn-lt"/>
-                <a:ea typeface="+mn-ea"/>
-                <a:cs typeface="+mn-cs"/>
-              </a:defRPr>
-            </a:lvl9pPr>
-          </a:lstStyle>
-          <a:p>
-            <a:pPr marL="0" indent="0">
-              <a:buFont typeface="Arial" panose="020B0604020202020204" pitchFamily="34" charset="0"/>
-              <a:buNone/>
-            </a:pPr>
-            <a:r>
-              <a:rPr lang="ko-KR" altLang="en-US" sz="2000" b="1" dirty="0"/>
-              <a:t>작업 내용 대표 이미지</a:t>
-            </a:r>
-            <a:br>
-              <a:rPr lang="en-US" altLang="ko-KR" sz="2000" b="1" dirty="0"/>
-            </a:br>
-            <a:endParaRPr lang="en-US" altLang="ko-KR" sz="2000" b="1" dirty="0"/>
-          </a:p>
-        </p:txBody>
-      </p:sp>
-      <p:sp>
-        <p:nvSpPr>
-          <p:cNvPr id="11" name="내용 개체 틀 2">
-            <a:extLst>
-              <a:ext uri="{FF2B5EF4-FFF2-40B4-BE49-F238E27FC236}">
-                <a16:creationId xmlns:a16="http://schemas.microsoft.com/office/drawing/2014/main" id="{0C38CF48-B117-1F0D-6A79-6D730DFAA7C7}"/>
-              </a:ext>
-            </a:extLst>
-          </p:cNvPr>
-          <p:cNvSpPr txBox="1">
-            <a:spLocks/>
-          </p:cNvSpPr>
-          <p:nvPr/>
-        </p:nvSpPr>
-        <p:spPr>
-          <a:xfrm>
-            <a:off x="466725" y="4581227"/>
-            <a:ext cx="4857748" cy="1771948"/>
-          </a:xfrm>
-          <a:prstGeom prst="rect">
-            <a:avLst/>
-          </a:prstGeom>
-        </p:spPr>
-        <p:txBody>
-          <a:bodyPr vert="horz" lIns="91440" tIns="45720" rIns="91440" bIns="45720" rtlCol="0">
-            <a:normAutofit/>
-          </a:bodyPr>
-          <a:lstStyle>
-            <a:lvl1pPr marL="228600" indent="-228600" algn="l" defTabSz="914400" rtl="0" eaLnBrk="1" latinLnBrk="1" hangingPunct="1">
-              <a:lnSpc>
-                <a:spcPct val="90000"/>
-              </a:lnSpc>
-              <a:spcBef>
-                <a:spcPts val="1000"/>
-              </a:spcBef>
-              <a:buFont typeface="Arial" panose="020B0604020202020204" pitchFamily="34" charset="0"/>
-              <a:buChar char="•"/>
-              <a:defRPr sz="2800" kern="1200">
-                <a:solidFill>
-                  <a:schemeClr val="tx1"/>
-                </a:solidFill>
-                <a:latin typeface="+mn-lt"/>
-                <a:ea typeface="+mn-ea"/>
-                <a:cs typeface="+mn-cs"/>
-              </a:defRPr>
-            </a:lvl1pPr>
-            <a:lvl2pPr marL="685800" indent="-228600" algn="l" defTabSz="914400" rtl="0" eaLnBrk="1" latinLnBrk="1" hangingPunct="1">
-              <a:lnSpc>
-                <a:spcPct val="90000"/>
-              </a:lnSpc>
-              <a:spcBef>
-                <a:spcPts val="500"/>
-              </a:spcBef>
-              <a:buFont typeface="Arial" panose="020B0604020202020204" pitchFamily="34" charset="0"/>
-              <a:buChar char="•"/>
-              <a:defRPr sz="2400" kern="1200">
-                <a:solidFill>
-                  <a:schemeClr val="tx1"/>
-                </a:solidFill>
-                <a:latin typeface="+mn-lt"/>
-                <a:ea typeface="+mn-ea"/>
-                <a:cs typeface="+mn-cs"/>
-              </a:defRPr>
-            </a:lvl2pPr>
-            <a:lvl3pPr marL="1143000" indent="-228600" algn="l" defTabSz="914400" rtl="0" eaLnBrk="1" latinLnBrk="1" hangingPunct="1">
-              <a:lnSpc>
-                <a:spcPct val="90000"/>
-              </a:lnSpc>
-              <a:spcBef>
-                <a:spcPts val="500"/>
-              </a:spcBef>
-              <a:buFont typeface="Arial" panose="020B0604020202020204" pitchFamily="34" charset="0"/>
-              <a:buChar char="•"/>
-              <a:defRPr sz="2000" kern="1200">
-                <a:solidFill>
-                  <a:schemeClr val="tx1"/>
-                </a:solidFill>
-                <a:latin typeface="+mn-lt"/>
-                <a:ea typeface="+mn-ea"/>
-                <a:cs typeface="+mn-cs"/>
-              </a:defRPr>
-            </a:lvl3pPr>
-            <a:lvl4pPr marL="1600200" indent="-228600" algn="l" defTabSz="914400" rtl="0" eaLnBrk="1" latinLnBrk="1" hangingPunct="1">
-              <a:lnSpc>
-                <a:spcPct val="90000"/>
-              </a:lnSpc>
-              <a:spcBef>
-                <a:spcPts val="500"/>
-              </a:spcBef>
-              <a:buFont typeface="Arial" panose="020B0604020202020204" pitchFamily="34" charset="0"/>
-              <a:buChar char="•"/>
-              <a:defRPr sz="1800" kern="1200">
-                <a:solidFill>
-                  <a:schemeClr val="tx1"/>
-                </a:solidFill>
-                <a:latin typeface="+mn-lt"/>
-                <a:ea typeface="+mn-ea"/>
-                <a:cs typeface="+mn-cs"/>
-              </a:defRPr>
-            </a:lvl4pPr>
-            <a:lvl5pPr marL="2057400" indent="-228600" algn="l" defTabSz="914400" rtl="0" eaLnBrk="1" latinLnBrk="1" hangingPunct="1">
-              <a:lnSpc>
-                <a:spcPct val="90000"/>
-              </a:lnSpc>
-              <a:spcBef>
-                <a:spcPts val="500"/>
-              </a:spcBef>
-              <a:buFont typeface="Arial" panose="020B0604020202020204" pitchFamily="34" charset="0"/>
-              <a:buChar char="•"/>
-              <a:defRPr sz="1800" kern="1200">
-                <a:solidFill>
-                  <a:schemeClr val="tx1"/>
-                </a:solidFill>
-                <a:latin typeface="+mn-lt"/>
-                <a:ea typeface="+mn-ea"/>
-                <a:cs typeface="+mn-cs"/>
-              </a:defRPr>
-            </a:lvl5pPr>
-            <a:lvl6pPr marL="2514600" indent="-228600" algn="l" defTabSz="914400" rtl="0" eaLnBrk="1" latinLnBrk="1" hangingPunct="1">
-              <a:lnSpc>
-                <a:spcPct val="90000"/>
-              </a:lnSpc>
-              <a:spcBef>
-                <a:spcPts val="500"/>
-              </a:spcBef>
-              <a:buFont typeface="Arial" panose="020B0604020202020204" pitchFamily="34" charset="0"/>
-              <a:buChar char="•"/>
-              <a:defRPr sz="1800" kern="1200">
-                <a:solidFill>
-                  <a:schemeClr val="tx1"/>
-                </a:solidFill>
-                <a:latin typeface="+mn-lt"/>
-                <a:ea typeface="+mn-ea"/>
-                <a:cs typeface="+mn-cs"/>
-              </a:defRPr>
-            </a:lvl6pPr>
-            <a:lvl7pPr marL="2971800" indent="-228600" algn="l" defTabSz="914400" rtl="0" eaLnBrk="1" latinLnBrk="1" hangingPunct="1">
-              <a:lnSpc>
-                <a:spcPct val="90000"/>
-              </a:lnSpc>
-              <a:spcBef>
-                <a:spcPts val="500"/>
-              </a:spcBef>
-              <a:buFont typeface="Arial" panose="020B0604020202020204" pitchFamily="34" charset="0"/>
-              <a:buChar char="•"/>
-              <a:defRPr sz="1800" kern="1200">
-                <a:solidFill>
-                  <a:schemeClr val="tx1"/>
-                </a:solidFill>
-                <a:latin typeface="+mn-lt"/>
-                <a:ea typeface="+mn-ea"/>
-                <a:cs typeface="+mn-cs"/>
-              </a:defRPr>
-            </a:lvl7pPr>
-            <a:lvl8pPr marL="3429000" indent="-228600" algn="l" defTabSz="914400" rtl="0" eaLnBrk="1" latinLnBrk="1" hangingPunct="1">
-              <a:lnSpc>
-                <a:spcPct val="90000"/>
-              </a:lnSpc>
-              <a:spcBef>
-                <a:spcPts val="500"/>
-              </a:spcBef>
-              <a:buFont typeface="Arial" panose="020B0604020202020204" pitchFamily="34" charset="0"/>
-              <a:buChar char="•"/>
-              <a:defRPr sz="1800" kern="1200">
-                <a:solidFill>
-                  <a:schemeClr val="tx1"/>
-                </a:solidFill>
-                <a:latin typeface="+mn-lt"/>
-                <a:ea typeface="+mn-ea"/>
-                <a:cs typeface="+mn-cs"/>
-              </a:defRPr>
-            </a:lvl8pPr>
-            <a:lvl9pPr marL="3886200" indent="-228600" algn="l" defTabSz="914400" rtl="0" eaLnBrk="1" latinLnBrk="1" hangingPunct="1">
-              <a:lnSpc>
-                <a:spcPct val="90000"/>
-              </a:lnSpc>
-              <a:spcBef>
-                <a:spcPts val="500"/>
-              </a:spcBef>
-              <a:buFont typeface="Arial" panose="020B0604020202020204" pitchFamily="34" charset="0"/>
-              <a:buChar char="•"/>
-              <a:defRPr sz="1800" kern="1200">
-                <a:solidFill>
-                  <a:schemeClr val="tx1"/>
-                </a:solidFill>
-                <a:latin typeface="+mn-lt"/>
-                <a:ea typeface="+mn-ea"/>
-                <a:cs typeface="+mn-cs"/>
-              </a:defRPr>
-            </a:lvl9pPr>
-          </a:lstStyle>
-          <a:p>
-            <a:pPr marL="0" indent="0">
-              <a:buFont typeface="Arial" panose="020B0604020202020204" pitchFamily="34" charset="0"/>
-              <a:buNone/>
-            </a:pPr>
-            <a:r>
-              <a:rPr lang="ko-KR" altLang="en-US" sz="2000" b="1" dirty="0"/>
-              <a:t>작업 내용</a:t>
-            </a:r>
-            <a:br>
-              <a:rPr lang="en-US" altLang="ko-KR" sz="2000" b="1" dirty="0"/>
-            </a:br>
-            <a:r>
-              <a:rPr lang="en-US" altLang="ko-KR" sz="1800" dirty="0"/>
-              <a:t>-</a:t>
-            </a:r>
-            <a:r>
-              <a:rPr lang="ko-KR" altLang="en-US" sz="1800" dirty="0"/>
-              <a:t>짧게 작업내용 설명</a:t>
-            </a:r>
-            <a:br>
-              <a:rPr lang="en-US" altLang="ko-KR" sz="2000" b="1" dirty="0"/>
-            </a:br>
-            <a:endParaRPr lang="en-US" altLang="ko-KR" sz="2000" b="1" dirty="0"/>
-          </a:p>
-        </p:txBody>
-      </p:sp>
-      <p:sp>
-        <p:nvSpPr>
-          <p:cNvPr id="12" name="내용 개체 틀 2">
-            <a:extLst>
-              <a:ext uri="{FF2B5EF4-FFF2-40B4-BE49-F238E27FC236}">
-                <a16:creationId xmlns:a16="http://schemas.microsoft.com/office/drawing/2014/main" id="{600D0733-0D94-799F-A294-070BD7D49E0C}"/>
-              </a:ext>
-            </a:extLst>
-          </p:cNvPr>
-          <p:cNvSpPr txBox="1">
-            <a:spLocks/>
-          </p:cNvSpPr>
-          <p:nvPr/>
-        </p:nvSpPr>
-        <p:spPr>
-          <a:xfrm>
-            <a:off x="6286502" y="4581227"/>
-            <a:ext cx="4857748" cy="1771948"/>
-          </a:xfrm>
-          <a:prstGeom prst="rect">
-            <a:avLst/>
-          </a:prstGeom>
-        </p:spPr>
-        <p:txBody>
-          <a:bodyPr vert="horz" lIns="91440" tIns="45720" rIns="91440" bIns="45720" rtlCol="0">
-            <a:normAutofit/>
-          </a:bodyPr>
-          <a:lstStyle>
-            <a:lvl1pPr marL="228600" indent="-228600" algn="l" defTabSz="914400" rtl="0" eaLnBrk="1" latinLnBrk="1" hangingPunct="1">
-              <a:lnSpc>
-                <a:spcPct val="90000"/>
-              </a:lnSpc>
-              <a:spcBef>
-                <a:spcPts val="1000"/>
-              </a:spcBef>
-              <a:buFont typeface="Arial" panose="020B0604020202020204" pitchFamily="34" charset="0"/>
-              <a:buChar char="•"/>
-              <a:defRPr sz="2800" kern="1200">
-                <a:solidFill>
-                  <a:schemeClr val="tx1"/>
-                </a:solidFill>
-                <a:latin typeface="+mn-lt"/>
-                <a:ea typeface="+mn-ea"/>
-                <a:cs typeface="+mn-cs"/>
-              </a:defRPr>
-            </a:lvl1pPr>
-            <a:lvl2pPr marL="685800" indent="-228600" algn="l" defTabSz="914400" rtl="0" eaLnBrk="1" latinLnBrk="1" hangingPunct="1">
-              <a:lnSpc>
-                <a:spcPct val="90000"/>
-              </a:lnSpc>
-              <a:spcBef>
-                <a:spcPts val="500"/>
-              </a:spcBef>
-              <a:buFont typeface="Arial" panose="020B0604020202020204" pitchFamily="34" charset="0"/>
-              <a:buChar char="•"/>
-              <a:defRPr sz="2400" kern="1200">
-                <a:solidFill>
-                  <a:schemeClr val="tx1"/>
-                </a:solidFill>
-                <a:latin typeface="+mn-lt"/>
-                <a:ea typeface="+mn-ea"/>
-                <a:cs typeface="+mn-cs"/>
-              </a:defRPr>
-            </a:lvl2pPr>
-            <a:lvl3pPr marL="1143000" indent="-228600" algn="l" defTabSz="914400" rtl="0" eaLnBrk="1" latinLnBrk="1" hangingPunct="1">
-              <a:lnSpc>
-                <a:spcPct val="90000"/>
-              </a:lnSpc>
-              <a:spcBef>
-                <a:spcPts val="500"/>
-              </a:spcBef>
-              <a:buFont typeface="Arial" panose="020B0604020202020204" pitchFamily="34" charset="0"/>
-              <a:buChar char="•"/>
-              <a:defRPr sz="2000" kern="1200">
-                <a:solidFill>
-                  <a:schemeClr val="tx1"/>
-                </a:solidFill>
-                <a:latin typeface="+mn-lt"/>
-                <a:ea typeface="+mn-ea"/>
-                <a:cs typeface="+mn-cs"/>
-              </a:defRPr>
-            </a:lvl3pPr>
-            <a:lvl4pPr marL="1600200" indent="-228600" algn="l" defTabSz="914400" rtl="0" eaLnBrk="1" latinLnBrk="1" hangingPunct="1">
-              <a:lnSpc>
-                <a:spcPct val="90000"/>
-              </a:lnSpc>
-              <a:spcBef>
-                <a:spcPts val="500"/>
-              </a:spcBef>
-              <a:buFont typeface="Arial" panose="020B0604020202020204" pitchFamily="34" charset="0"/>
-              <a:buChar char="•"/>
-              <a:defRPr sz="1800" kern="1200">
-                <a:solidFill>
-                  <a:schemeClr val="tx1"/>
-                </a:solidFill>
-                <a:latin typeface="+mn-lt"/>
-                <a:ea typeface="+mn-ea"/>
-                <a:cs typeface="+mn-cs"/>
-              </a:defRPr>
-            </a:lvl4pPr>
-            <a:lvl5pPr marL="2057400" indent="-228600" algn="l" defTabSz="914400" rtl="0" eaLnBrk="1" latinLnBrk="1" hangingPunct="1">
-              <a:lnSpc>
-                <a:spcPct val="90000"/>
-              </a:lnSpc>
-              <a:spcBef>
-                <a:spcPts val="500"/>
-              </a:spcBef>
-              <a:buFont typeface="Arial" panose="020B0604020202020204" pitchFamily="34" charset="0"/>
-              <a:buChar char="•"/>
-              <a:defRPr sz="1800" kern="1200">
-                <a:solidFill>
-                  <a:schemeClr val="tx1"/>
-                </a:solidFill>
-                <a:latin typeface="+mn-lt"/>
-                <a:ea typeface="+mn-ea"/>
-                <a:cs typeface="+mn-cs"/>
-              </a:defRPr>
-            </a:lvl5pPr>
-            <a:lvl6pPr marL="2514600" indent="-228600" algn="l" defTabSz="914400" rtl="0" eaLnBrk="1" latinLnBrk="1" hangingPunct="1">
-              <a:lnSpc>
-                <a:spcPct val="90000"/>
-              </a:lnSpc>
-              <a:spcBef>
-                <a:spcPts val="500"/>
-              </a:spcBef>
-              <a:buFont typeface="Arial" panose="020B0604020202020204" pitchFamily="34" charset="0"/>
-              <a:buChar char="•"/>
-              <a:defRPr sz="1800" kern="1200">
-                <a:solidFill>
-                  <a:schemeClr val="tx1"/>
-                </a:solidFill>
-                <a:latin typeface="+mn-lt"/>
-                <a:ea typeface="+mn-ea"/>
-                <a:cs typeface="+mn-cs"/>
-              </a:defRPr>
-            </a:lvl6pPr>
-            <a:lvl7pPr marL="2971800" indent="-228600" algn="l" defTabSz="914400" rtl="0" eaLnBrk="1" latinLnBrk="1" hangingPunct="1">
-              <a:lnSpc>
-                <a:spcPct val="90000"/>
-              </a:lnSpc>
-              <a:spcBef>
-                <a:spcPts val="500"/>
-              </a:spcBef>
-              <a:buFont typeface="Arial" panose="020B0604020202020204" pitchFamily="34" charset="0"/>
-              <a:buChar char="•"/>
-              <a:defRPr sz="1800" kern="1200">
-                <a:solidFill>
-                  <a:schemeClr val="tx1"/>
-                </a:solidFill>
-                <a:latin typeface="+mn-lt"/>
-                <a:ea typeface="+mn-ea"/>
-                <a:cs typeface="+mn-cs"/>
-              </a:defRPr>
-            </a:lvl7pPr>
-            <a:lvl8pPr marL="3429000" indent="-228600" algn="l" defTabSz="914400" rtl="0" eaLnBrk="1" latinLnBrk="1" hangingPunct="1">
-              <a:lnSpc>
-                <a:spcPct val="90000"/>
-              </a:lnSpc>
-              <a:spcBef>
-                <a:spcPts val="500"/>
-              </a:spcBef>
-              <a:buFont typeface="Arial" panose="020B0604020202020204" pitchFamily="34" charset="0"/>
-              <a:buChar char="•"/>
-              <a:defRPr sz="1800" kern="1200">
-                <a:solidFill>
-                  <a:schemeClr val="tx1"/>
-                </a:solidFill>
-                <a:latin typeface="+mn-lt"/>
-                <a:ea typeface="+mn-ea"/>
-                <a:cs typeface="+mn-cs"/>
-              </a:defRPr>
-            </a:lvl8pPr>
-            <a:lvl9pPr marL="3886200" indent="-228600" algn="l" defTabSz="914400" rtl="0" eaLnBrk="1" latinLnBrk="1" hangingPunct="1">
-              <a:lnSpc>
-                <a:spcPct val="90000"/>
-              </a:lnSpc>
-              <a:spcBef>
-                <a:spcPts val="500"/>
-              </a:spcBef>
-              <a:buFont typeface="Arial" panose="020B0604020202020204" pitchFamily="34" charset="0"/>
-              <a:buChar char="•"/>
-              <a:defRPr sz="1800" kern="1200">
-                <a:solidFill>
-                  <a:schemeClr val="tx1"/>
-                </a:solidFill>
-                <a:latin typeface="+mn-lt"/>
-                <a:ea typeface="+mn-ea"/>
-                <a:cs typeface="+mn-cs"/>
-              </a:defRPr>
-            </a:lvl9pPr>
-          </a:lstStyle>
-          <a:p>
-            <a:pPr marL="0" indent="0">
-              <a:buFont typeface="Arial" panose="020B0604020202020204" pitchFamily="34" charset="0"/>
-              <a:buNone/>
-            </a:pPr>
-            <a:r>
-              <a:rPr lang="ko-KR" altLang="en-US" sz="2000" b="1" dirty="0"/>
-              <a:t>작업 내용</a:t>
-            </a:r>
-            <a:br>
-              <a:rPr lang="en-US" altLang="ko-KR" sz="2000" b="1" dirty="0"/>
-            </a:br>
-            <a:r>
-              <a:rPr lang="en-US" altLang="ko-KR" sz="1800" dirty="0"/>
-              <a:t>-</a:t>
-            </a:r>
-            <a:r>
-              <a:rPr lang="ko-KR" altLang="en-US" sz="1800" dirty="0"/>
-              <a:t>짧게 작업내용 설명</a:t>
-            </a:r>
-            <a:br>
-              <a:rPr lang="en-US" altLang="ko-KR" sz="2000" b="1" dirty="0"/>
-            </a:br>
-            <a:endParaRPr lang="en-US" altLang="ko-KR" sz="2000" b="1" dirty="0"/>
-          </a:p>
-        </p:txBody>
-      </p:sp>
-    </p:spTree>
-    <p:extLst>
-      <p:ext uri="{BB962C8B-B14F-4D97-AF65-F5344CB8AC3E}">
-        <p14:creationId xmlns:p14="http://schemas.microsoft.com/office/powerpoint/2010/main" val="625103422"/>
       </p:ext>
     </p:extLst>
   </p:cSld>

--- a/제안서/EatUpAll_고윤범_노창현_양재성.pptx
+++ b/제안서/EatUpAll_고윤범_노창현_양재성.pptx
@@ -5,25 +5,26 @@
     <p:sldMasterId id="2147483648" r:id="rId1"/>
   </p:sldMasterIdLst>
   <p:notesMasterIdLst>
-    <p:notesMasterId r:id="rId18"/>
+    <p:notesMasterId r:id="rId19"/>
   </p:notesMasterIdLst>
   <p:sldIdLst>
     <p:sldId id="256" r:id="rId2"/>
     <p:sldId id="257" r:id="rId3"/>
     <p:sldId id="258" r:id="rId4"/>
     <p:sldId id="271" r:id="rId5"/>
-    <p:sldId id="259" r:id="rId6"/>
-    <p:sldId id="269" r:id="rId7"/>
-    <p:sldId id="260" r:id="rId8"/>
-    <p:sldId id="261" r:id="rId9"/>
-    <p:sldId id="262" r:id="rId10"/>
-    <p:sldId id="263" r:id="rId11"/>
-    <p:sldId id="264" r:id="rId12"/>
-    <p:sldId id="270" r:id="rId13"/>
-    <p:sldId id="265" r:id="rId14"/>
-    <p:sldId id="266" r:id="rId15"/>
-    <p:sldId id="267" r:id="rId16"/>
-    <p:sldId id="268" r:id="rId17"/>
+    <p:sldId id="272" r:id="rId6"/>
+    <p:sldId id="259" r:id="rId7"/>
+    <p:sldId id="269" r:id="rId8"/>
+    <p:sldId id="260" r:id="rId9"/>
+    <p:sldId id="261" r:id="rId10"/>
+    <p:sldId id="262" r:id="rId11"/>
+    <p:sldId id="263" r:id="rId12"/>
+    <p:sldId id="264" r:id="rId13"/>
+    <p:sldId id="270" r:id="rId14"/>
+    <p:sldId id="265" r:id="rId15"/>
+    <p:sldId id="266" r:id="rId16"/>
+    <p:sldId id="267" r:id="rId17"/>
+    <p:sldId id="268" r:id="rId18"/>
   </p:sldIdLst>
   <p:sldSz cx="12192000" cy="6858000"/>
   <p:notesSz cx="6858000" cy="9144000"/>
@@ -212,7 +213,7 @@
           <a:p>
             <a:fld id="{044A58A7-709E-46FC-AEE1-1473306D45A0}" type="datetimeFigureOut">
               <a:rPr lang="ko-KR" altLang="en-US" smtClean="0"/>
-              <a:t>2024-05-07</a:t>
+              <a:t>2024-05-08</a:t>
             </a:fld>
             <a:endParaRPr lang="ko-KR" altLang="en-US"/>
           </a:p>
@@ -710,7 +711,7 @@
           <a:p>
             <a:fld id="{90A2938B-F5F0-4775-96EC-70191FEAE962}" type="datetimeFigureOut">
               <a:rPr lang="ko-KR" altLang="en-US" smtClean="0"/>
-              <a:t>2024-05-07</a:t>
+              <a:t>2024-05-08</a:t>
             </a:fld>
             <a:endParaRPr lang="ko-KR" altLang="en-US"/>
           </a:p>
@@ -908,7 +909,7 @@
           <a:p>
             <a:fld id="{90A2938B-F5F0-4775-96EC-70191FEAE962}" type="datetimeFigureOut">
               <a:rPr lang="ko-KR" altLang="en-US" smtClean="0"/>
-              <a:t>2024-05-07</a:t>
+              <a:t>2024-05-08</a:t>
             </a:fld>
             <a:endParaRPr lang="ko-KR" altLang="en-US"/>
           </a:p>
@@ -1116,7 +1117,7 @@
           <a:p>
             <a:fld id="{90A2938B-F5F0-4775-96EC-70191FEAE962}" type="datetimeFigureOut">
               <a:rPr lang="ko-KR" altLang="en-US" smtClean="0"/>
-              <a:t>2024-05-07</a:t>
+              <a:t>2024-05-08</a:t>
             </a:fld>
             <a:endParaRPr lang="ko-KR" altLang="en-US"/>
           </a:p>
@@ -1314,7 +1315,7 @@
           <a:p>
             <a:fld id="{90A2938B-F5F0-4775-96EC-70191FEAE962}" type="datetimeFigureOut">
               <a:rPr lang="ko-KR" altLang="en-US" smtClean="0"/>
-              <a:t>2024-05-07</a:t>
+              <a:t>2024-05-08</a:t>
             </a:fld>
             <a:endParaRPr lang="ko-KR" altLang="en-US"/>
           </a:p>
@@ -1589,7 +1590,7 @@
           <a:p>
             <a:fld id="{90A2938B-F5F0-4775-96EC-70191FEAE962}" type="datetimeFigureOut">
               <a:rPr lang="ko-KR" altLang="en-US" smtClean="0"/>
-              <a:t>2024-05-07</a:t>
+              <a:t>2024-05-08</a:t>
             </a:fld>
             <a:endParaRPr lang="ko-KR" altLang="en-US"/>
           </a:p>
@@ -1854,7 +1855,7 @@
           <a:p>
             <a:fld id="{90A2938B-F5F0-4775-96EC-70191FEAE962}" type="datetimeFigureOut">
               <a:rPr lang="ko-KR" altLang="en-US" smtClean="0"/>
-              <a:t>2024-05-07</a:t>
+              <a:t>2024-05-08</a:t>
             </a:fld>
             <a:endParaRPr lang="ko-KR" altLang="en-US"/>
           </a:p>
@@ -2266,7 +2267,7 @@
           <a:p>
             <a:fld id="{90A2938B-F5F0-4775-96EC-70191FEAE962}" type="datetimeFigureOut">
               <a:rPr lang="ko-KR" altLang="en-US" smtClean="0"/>
-              <a:t>2024-05-07</a:t>
+              <a:t>2024-05-08</a:t>
             </a:fld>
             <a:endParaRPr lang="ko-KR" altLang="en-US"/>
           </a:p>
@@ -2407,7 +2408,7 @@
           <a:p>
             <a:fld id="{90A2938B-F5F0-4775-96EC-70191FEAE962}" type="datetimeFigureOut">
               <a:rPr lang="ko-KR" altLang="en-US" smtClean="0"/>
-              <a:t>2024-05-07</a:t>
+              <a:t>2024-05-08</a:t>
             </a:fld>
             <a:endParaRPr lang="ko-KR" altLang="en-US"/>
           </a:p>
@@ -2520,7 +2521,7 @@
           <a:p>
             <a:fld id="{90A2938B-F5F0-4775-96EC-70191FEAE962}" type="datetimeFigureOut">
               <a:rPr lang="ko-KR" altLang="en-US" smtClean="0"/>
-              <a:t>2024-05-07</a:t>
+              <a:t>2024-05-08</a:t>
             </a:fld>
             <a:endParaRPr lang="ko-KR" altLang="en-US"/>
           </a:p>
@@ -2831,7 +2832,7 @@
           <a:p>
             <a:fld id="{90A2938B-F5F0-4775-96EC-70191FEAE962}" type="datetimeFigureOut">
               <a:rPr lang="ko-KR" altLang="en-US" smtClean="0"/>
-              <a:t>2024-05-07</a:t>
+              <a:t>2024-05-08</a:t>
             </a:fld>
             <a:endParaRPr lang="ko-KR" altLang="en-US"/>
           </a:p>
@@ -3119,7 +3120,7 @@
           <a:p>
             <a:fld id="{90A2938B-F5F0-4775-96EC-70191FEAE962}" type="datetimeFigureOut">
               <a:rPr lang="ko-KR" altLang="en-US" smtClean="0"/>
-              <a:t>2024-05-07</a:t>
+              <a:t>2024-05-08</a:t>
             </a:fld>
             <a:endParaRPr lang="ko-KR" altLang="en-US"/>
           </a:p>
@@ -3360,7 +3361,7 @@
           <a:p>
             <a:fld id="{90A2938B-F5F0-4775-96EC-70191FEAE962}" type="datetimeFigureOut">
               <a:rPr lang="ko-KR" altLang="en-US" smtClean="0"/>
-              <a:t>2024-05-07</a:t>
+              <a:t>2024-05-08</a:t>
             </a:fld>
             <a:endParaRPr lang="ko-KR" altLang="en-US"/>
           </a:p>
@@ -4104,10 +4105,10 @@
       </p:grpSpPr>
       <p:sp>
         <p:nvSpPr>
-          <p:cNvPr id="4" name="직사각형 3">
-            <a:extLst>
-              <a:ext uri="{FF2B5EF4-FFF2-40B4-BE49-F238E27FC236}">
-                <a16:creationId xmlns:a16="http://schemas.microsoft.com/office/drawing/2014/main" id="{0FBF6C5F-499E-B79E-B8EA-3960EB89DDE2}"/>
+          <p:cNvPr id="6" name="직사각형 5">
+            <a:extLst>
+              <a:ext uri="{FF2B5EF4-FFF2-40B4-BE49-F238E27FC236}">
+                <a16:creationId xmlns:a16="http://schemas.microsoft.com/office/drawing/2014/main" id="{5F46C736-9D3C-D8A6-5AAE-B414BA1D753C}"/>
               </a:ext>
             </a:extLst>
           </p:cNvPr>
@@ -4117,7 +4118,7 @@
         <p:spPr>
           <a:xfrm>
             <a:off x="292990" y="176510"/>
-            <a:ext cx="4905510" cy="923330"/>
+            <a:ext cx="6700873" cy="923330"/>
           </a:xfrm>
           <a:prstGeom prst="rect">
             <a:avLst/>
@@ -4182,7 +4183,7 @@
                 <a:latin typeface="휴먼모음T" panose="02030504000101010101" pitchFamily="18" charset="-127"/>
                 <a:ea typeface="휴먼모음T" panose="02030504000101010101" pitchFamily="18" charset="-127"/>
               </a:rPr>
-              <a:t>서버</a:t>
+              <a:t>클라이언트</a:t>
             </a:r>
             <a:endParaRPr lang="en-US" altLang="ko-KR" sz="5400" b="1" cap="none" spc="0" dirty="0">
               <a:ln w="0"/>
@@ -4204,10 +4205,10 @@
       </p:sp>
       <p:sp>
         <p:nvSpPr>
-          <p:cNvPr id="7" name="직사각형 6">
-            <a:extLst>
-              <a:ext uri="{FF2B5EF4-FFF2-40B4-BE49-F238E27FC236}">
-                <a16:creationId xmlns:a16="http://schemas.microsoft.com/office/drawing/2014/main" id="{26ED716D-0378-36B4-0801-2AFF20DBB503}"/>
+          <p:cNvPr id="8" name="직사각형 7">
+            <a:extLst>
+              <a:ext uri="{FF2B5EF4-FFF2-40B4-BE49-F238E27FC236}">
+                <a16:creationId xmlns:a16="http://schemas.microsoft.com/office/drawing/2014/main" id="{CC2234C4-E9BE-372E-A776-F89DDB0216DD}"/>
               </a:ext>
             </a:extLst>
           </p:cNvPr>
@@ -4250,10 +4251,10 @@
       </p:sp>
       <p:sp>
         <p:nvSpPr>
-          <p:cNvPr id="8" name="직사각형 7">
-            <a:extLst>
-              <a:ext uri="{FF2B5EF4-FFF2-40B4-BE49-F238E27FC236}">
-                <a16:creationId xmlns:a16="http://schemas.microsoft.com/office/drawing/2014/main" id="{3475973E-D0C8-7DE4-A40F-6CF6F1A89151}"/>
+          <p:cNvPr id="9" name="직사각형 8">
+            <a:extLst>
+              <a:ext uri="{FF2B5EF4-FFF2-40B4-BE49-F238E27FC236}">
+                <a16:creationId xmlns:a16="http://schemas.microsoft.com/office/drawing/2014/main" id="{16C00056-02F9-32BE-EA20-80C6A614C650}"/>
               </a:ext>
             </a:extLst>
           </p:cNvPr>
@@ -4296,10 +4297,10 @@
       </p:sp>
       <p:sp>
         <p:nvSpPr>
-          <p:cNvPr id="9" name="내용 개체 틀 2">
-            <a:extLst>
-              <a:ext uri="{FF2B5EF4-FFF2-40B4-BE49-F238E27FC236}">
-                <a16:creationId xmlns:a16="http://schemas.microsoft.com/office/drawing/2014/main" id="{5693C7C7-FD8F-08C0-14FD-99374B6121BD}"/>
+          <p:cNvPr id="7" name="내용 개체 틀 2">
+            <a:extLst>
+              <a:ext uri="{FF2B5EF4-FFF2-40B4-BE49-F238E27FC236}">
+                <a16:creationId xmlns:a16="http://schemas.microsoft.com/office/drawing/2014/main" id="{3ECE9318-D1FC-EFCA-5F60-111EE10548D6}"/>
               </a:ext>
             </a:extLst>
           </p:cNvPr>
@@ -4341,7 +4342,7 @@
           <p:cNvPr id="10" name="내용 개체 틀 2">
             <a:extLst>
               <a:ext uri="{FF2B5EF4-FFF2-40B4-BE49-F238E27FC236}">
-                <a16:creationId xmlns:a16="http://schemas.microsoft.com/office/drawing/2014/main" id="{F6E3DF7D-A94D-76E9-BAAA-9E2B434CCA2B}"/>
+                <a16:creationId xmlns:a16="http://schemas.microsoft.com/office/drawing/2014/main" id="{C8E90164-CC83-81DC-B9BA-E247EB78C49F}"/>
               </a:ext>
             </a:extLst>
           </p:cNvPr>
@@ -4548,7 +4549,7 @@
           <p:cNvPr id="11" name="내용 개체 틀 2">
             <a:extLst>
               <a:ext uri="{FF2B5EF4-FFF2-40B4-BE49-F238E27FC236}">
-                <a16:creationId xmlns:a16="http://schemas.microsoft.com/office/drawing/2014/main" id="{0C38CF48-B117-1F0D-6A79-6D730DFAA7C7}"/>
+                <a16:creationId xmlns:a16="http://schemas.microsoft.com/office/drawing/2014/main" id="{1574701F-3BF9-DC23-DC93-8D88320008FA}"/>
               </a:ext>
             </a:extLst>
           </p:cNvPr>
@@ -4766,7 +4767,7 @@
           <p:cNvPr id="12" name="내용 개체 틀 2">
             <a:extLst>
               <a:ext uri="{FF2B5EF4-FFF2-40B4-BE49-F238E27FC236}">
-                <a16:creationId xmlns:a16="http://schemas.microsoft.com/office/drawing/2014/main" id="{600D0733-0D94-799F-A294-070BD7D49E0C}"/>
+                <a16:creationId xmlns:a16="http://schemas.microsoft.com/office/drawing/2014/main" id="{3419BED9-DB5A-AF2B-084F-32B51B4FE9EF}"/>
               </a:ext>
             </a:extLst>
           </p:cNvPr>
@@ -4982,6 +4983,913 @@
     </p:spTree>
     <p:extLst>
       <p:ext uri="{BB962C8B-B14F-4D97-AF65-F5344CB8AC3E}">
+        <p14:creationId xmlns:p14="http://schemas.microsoft.com/office/powerpoint/2010/main" val="2221547893"/>
+      </p:ext>
+    </p:extLst>
+  </p:cSld>
+  <p:clrMapOvr>
+    <a:masterClrMapping/>
+  </p:clrMapOvr>
+</p:sld>
+</file>
+
+<file path=ppt/slides/slide11.xml><?xml version="1.0" encoding="utf-8"?>
+<p:sld xmlns:a="http://schemas.openxmlformats.org/drawingml/2006/main" xmlns:r="http://schemas.openxmlformats.org/officeDocument/2006/relationships" xmlns:p="http://schemas.openxmlformats.org/presentationml/2006/main">
+  <p:cSld>
+    <p:spTree>
+      <p:nvGrpSpPr>
+        <p:cNvPr id="1" name=""/>
+        <p:cNvGrpSpPr/>
+        <p:nvPr/>
+      </p:nvGrpSpPr>
+      <p:grpSpPr>
+        <a:xfrm>
+          <a:off x="0" y="0"/>
+          <a:ext cx="0" cy="0"/>
+          <a:chOff x="0" y="0"/>
+          <a:chExt cx="0" cy="0"/>
+        </a:xfrm>
+      </p:grpSpPr>
+      <p:sp>
+        <p:nvSpPr>
+          <p:cNvPr id="4" name="직사각형 3">
+            <a:extLst>
+              <a:ext uri="{FF2B5EF4-FFF2-40B4-BE49-F238E27FC236}">
+                <a16:creationId xmlns:a16="http://schemas.microsoft.com/office/drawing/2014/main" id="{0FBF6C5F-499E-B79E-B8EA-3960EB89DDE2}"/>
+              </a:ext>
+            </a:extLst>
+          </p:cNvPr>
+          <p:cNvSpPr/>
+          <p:nvPr/>
+        </p:nvSpPr>
+        <p:spPr>
+          <a:xfrm>
+            <a:off x="292990" y="176510"/>
+            <a:ext cx="4905510" cy="923330"/>
+          </a:xfrm>
+          <a:prstGeom prst="rect">
+            <a:avLst/>
+          </a:prstGeom>
+          <a:noFill/>
+        </p:spPr>
+        <p:txBody>
+          <a:bodyPr wrap="none" lIns="91440" tIns="45720" rIns="91440" bIns="45720">
+            <a:spAutoFit/>
+          </a:bodyPr>
+          <a:lstStyle/>
+          <a:p>
+            <a:r>
+              <a:rPr lang="ko-KR" altLang="en-US" sz="5400" b="1" cap="none" spc="0" dirty="0">
+                <a:ln w="0"/>
+                <a:solidFill>
+                  <a:schemeClr val="accent6"/>
+                </a:solidFill>
+                <a:effectLst>
+                  <a:outerShdw blurRad="38100" dist="19050" dir="2700000" algn="tl" rotWithShape="0">
+                    <a:schemeClr val="dk1">
+                      <a:alpha val="40000"/>
+                    </a:schemeClr>
+                  </a:outerShdw>
+                </a:effectLst>
+                <a:latin typeface="휴먼모음T" panose="02030504000101010101" pitchFamily="18" charset="-127"/>
+                <a:ea typeface="휴먼모음T" panose="02030504000101010101" pitchFamily="18" charset="-127"/>
+              </a:rPr>
+              <a:t>개발 내용 </a:t>
+            </a:r>
+            <a:r>
+              <a:rPr lang="en-US" altLang="ko-KR" sz="5400" b="1" cap="none" spc="0" dirty="0">
+                <a:ln w="0"/>
+                <a:solidFill>
+                  <a:schemeClr val="accent6"/>
+                </a:solidFill>
+                <a:effectLst>
+                  <a:outerShdw blurRad="38100" dist="19050" dir="2700000" algn="tl" rotWithShape="0">
+                    <a:schemeClr val="dk1">
+                      <a:alpha val="40000"/>
+                    </a:schemeClr>
+                  </a:outerShdw>
+                </a:effectLst>
+                <a:latin typeface="휴먼모음T" panose="02030504000101010101" pitchFamily="18" charset="-127"/>
+                <a:ea typeface="휴먼모음T" panose="02030504000101010101" pitchFamily="18" charset="-127"/>
+              </a:rPr>
+              <a:t>- </a:t>
+            </a:r>
+            <a:r>
+              <a:rPr lang="ko-KR" altLang="en-US" sz="5400" b="1" cap="none" spc="0" dirty="0">
+                <a:ln w="0"/>
+                <a:solidFill>
+                  <a:schemeClr val="accent6"/>
+                </a:solidFill>
+                <a:effectLst>
+                  <a:outerShdw blurRad="38100" dist="19050" dir="2700000" algn="tl" rotWithShape="0">
+                    <a:schemeClr val="dk1">
+                      <a:alpha val="40000"/>
+                    </a:schemeClr>
+                  </a:outerShdw>
+                </a:effectLst>
+                <a:latin typeface="휴먼모음T" panose="02030504000101010101" pitchFamily="18" charset="-127"/>
+                <a:ea typeface="휴먼모음T" panose="02030504000101010101" pitchFamily="18" charset="-127"/>
+              </a:rPr>
+              <a:t>서버</a:t>
+            </a:r>
+            <a:endParaRPr lang="en-US" altLang="ko-KR" sz="5400" b="1" cap="none" spc="0" dirty="0">
+              <a:ln w="0"/>
+              <a:solidFill>
+                <a:schemeClr val="accent6"/>
+              </a:solidFill>
+              <a:effectLst>
+                <a:outerShdw blurRad="38100" dist="19050" dir="2700000" algn="tl" rotWithShape="0">
+                  <a:schemeClr val="dk1">
+                    <a:alpha val="40000"/>
+                  </a:schemeClr>
+                </a:outerShdw>
+              </a:effectLst>
+              <a:latin typeface="휴먼모음T" panose="02030504000101010101" pitchFamily="18" charset="-127"/>
+              <a:ea typeface="휴먼모음T" panose="02030504000101010101" pitchFamily="18" charset="-127"/>
+            </a:endParaRPr>
+          </a:p>
+        </p:txBody>
+      </p:sp>
+      <p:sp>
+        <p:nvSpPr>
+          <p:cNvPr id="7" name="직사각형 6">
+            <a:extLst>
+              <a:ext uri="{FF2B5EF4-FFF2-40B4-BE49-F238E27FC236}">
+                <a16:creationId xmlns:a16="http://schemas.microsoft.com/office/drawing/2014/main" id="{26ED716D-0378-36B4-0801-2AFF20DBB503}"/>
+              </a:ext>
+            </a:extLst>
+          </p:cNvPr>
+          <p:cNvSpPr/>
+          <p:nvPr/>
+        </p:nvSpPr>
+        <p:spPr>
+          <a:xfrm>
+            <a:off x="466725" y="1200150"/>
+            <a:ext cx="5438775" cy="2914650"/>
+          </a:xfrm>
+          <a:prstGeom prst="rect">
+            <a:avLst/>
+          </a:prstGeom>
+        </p:spPr>
+        <p:style>
+          <a:lnRef idx="2">
+            <a:schemeClr val="accent1">
+              <a:shade val="15000"/>
+            </a:schemeClr>
+          </a:lnRef>
+          <a:fillRef idx="1">
+            <a:schemeClr val="accent1"/>
+          </a:fillRef>
+          <a:effectRef idx="0">
+            <a:schemeClr val="accent1"/>
+          </a:effectRef>
+          <a:fontRef idx="minor">
+            <a:schemeClr val="lt1"/>
+          </a:fontRef>
+        </p:style>
+        <p:txBody>
+          <a:bodyPr rtlCol="0" anchor="ctr"/>
+          <a:lstStyle/>
+          <a:p>
+            <a:pPr algn="ctr"/>
+            <a:endParaRPr lang="ko-KR" altLang="en-US"/>
+          </a:p>
+        </p:txBody>
+      </p:sp>
+      <p:sp>
+        <p:nvSpPr>
+          <p:cNvPr id="8" name="직사각형 7">
+            <a:extLst>
+              <a:ext uri="{FF2B5EF4-FFF2-40B4-BE49-F238E27FC236}">
+                <a16:creationId xmlns:a16="http://schemas.microsoft.com/office/drawing/2014/main" id="{3475973E-D0C8-7DE4-A40F-6CF6F1A89151}"/>
+              </a:ext>
+            </a:extLst>
+          </p:cNvPr>
+          <p:cNvSpPr/>
+          <p:nvPr/>
+        </p:nvSpPr>
+        <p:spPr>
+          <a:xfrm>
+            <a:off x="6286502" y="1200150"/>
+            <a:ext cx="5438775" cy="2914650"/>
+          </a:xfrm>
+          <a:prstGeom prst="rect">
+            <a:avLst/>
+          </a:prstGeom>
+        </p:spPr>
+        <p:style>
+          <a:lnRef idx="2">
+            <a:schemeClr val="accent1">
+              <a:shade val="15000"/>
+            </a:schemeClr>
+          </a:lnRef>
+          <a:fillRef idx="1">
+            <a:schemeClr val="accent1"/>
+          </a:fillRef>
+          <a:effectRef idx="0">
+            <a:schemeClr val="accent1"/>
+          </a:effectRef>
+          <a:fontRef idx="minor">
+            <a:schemeClr val="lt1"/>
+          </a:fontRef>
+        </p:style>
+        <p:txBody>
+          <a:bodyPr rtlCol="0" anchor="ctr"/>
+          <a:lstStyle/>
+          <a:p>
+            <a:pPr algn="ctr"/>
+            <a:endParaRPr lang="ko-KR" altLang="en-US"/>
+          </a:p>
+        </p:txBody>
+      </p:sp>
+      <p:sp>
+        <p:nvSpPr>
+          <p:cNvPr id="9" name="내용 개체 틀 2">
+            <a:extLst>
+              <a:ext uri="{FF2B5EF4-FFF2-40B4-BE49-F238E27FC236}">
+                <a16:creationId xmlns:a16="http://schemas.microsoft.com/office/drawing/2014/main" id="{5693C7C7-FD8F-08C0-14FD-99374B6121BD}"/>
+              </a:ext>
+            </a:extLst>
+          </p:cNvPr>
+          <p:cNvSpPr>
+            <a:spLocks noGrp="1"/>
+          </p:cNvSpPr>
+          <p:nvPr>
+            <p:ph idx="1"/>
+          </p:nvPr>
+        </p:nvSpPr>
+        <p:spPr>
+          <a:xfrm>
+            <a:off x="1123952" y="2419052"/>
+            <a:ext cx="4657725" cy="1228725"/>
+          </a:xfrm>
+        </p:spPr>
+        <p:txBody>
+          <a:bodyPr>
+            <a:normAutofit/>
+          </a:bodyPr>
+          <a:lstStyle/>
+          <a:p>
+            <a:pPr marL="0" indent="0">
+              <a:buNone/>
+            </a:pPr>
+            <a:r>
+              <a:rPr lang="ko-KR" altLang="en-US" sz="2000" b="1" dirty="0"/>
+              <a:t>작업 내용 대표 이미지</a:t>
+            </a:r>
+            <a:br>
+              <a:rPr lang="en-US" altLang="ko-KR" sz="2000" b="1" dirty="0"/>
+            </a:br>
+            <a:endParaRPr lang="en-US" altLang="ko-KR" sz="2000" b="1" dirty="0"/>
+          </a:p>
+        </p:txBody>
+      </p:sp>
+      <p:sp>
+        <p:nvSpPr>
+          <p:cNvPr id="10" name="내용 개체 틀 2">
+            <a:extLst>
+              <a:ext uri="{FF2B5EF4-FFF2-40B4-BE49-F238E27FC236}">
+                <a16:creationId xmlns:a16="http://schemas.microsoft.com/office/drawing/2014/main" id="{F6E3DF7D-A94D-76E9-BAAA-9E2B434CCA2B}"/>
+              </a:ext>
+            </a:extLst>
+          </p:cNvPr>
+          <p:cNvSpPr txBox="1">
+            <a:spLocks/>
+          </p:cNvSpPr>
+          <p:nvPr/>
+        </p:nvSpPr>
+        <p:spPr>
+          <a:xfrm>
+            <a:off x="7153277" y="2419051"/>
+            <a:ext cx="4657725" cy="1228725"/>
+          </a:xfrm>
+          <a:prstGeom prst="rect">
+            <a:avLst/>
+          </a:prstGeom>
+        </p:spPr>
+        <p:txBody>
+          <a:bodyPr vert="horz" lIns="91440" tIns="45720" rIns="91440" bIns="45720" rtlCol="0">
+            <a:normAutofit/>
+          </a:bodyPr>
+          <a:lstStyle>
+            <a:lvl1pPr marL="228600" indent="-228600" algn="l" defTabSz="914400" rtl="0" eaLnBrk="1" latinLnBrk="1" hangingPunct="1">
+              <a:lnSpc>
+                <a:spcPct val="90000"/>
+              </a:lnSpc>
+              <a:spcBef>
+                <a:spcPts val="1000"/>
+              </a:spcBef>
+              <a:buFont typeface="Arial" panose="020B0604020202020204" pitchFamily="34" charset="0"/>
+              <a:buChar char="•"/>
+              <a:defRPr sz="2800" kern="1200">
+                <a:solidFill>
+                  <a:schemeClr val="tx1"/>
+                </a:solidFill>
+                <a:latin typeface="+mn-lt"/>
+                <a:ea typeface="+mn-ea"/>
+                <a:cs typeface="+mn-cs"/>
+              </a:defRPr>
+            </a:lvl1pPr>
+            <a:lvl2pPr marL="685800" indent="-228600" algn="l" defTabSz="914400" rtl="0" eaLnBrk="1" latinLnBrk="1" hangingPunct="1">
+              <a:lnSpc>
+                <a:spcPct val="90000"/>
+              </a:lnSpc>
+              <a:spcBef>
+                <a:spcPts val="500"/>
+              </a:spcBef>
+              <a:buFont typeface="Arial" panose="020B0604020202020204" pitchFamily="34" charset="0"/>
+              <a:buChar char="•"/>
+              <a:defRPr sz="2400" kern="1200">
+                <a:solidFill>
+                  <a:schemeClr val="tx1"/>
+                </a:solidFill>
+                <a:latin typeface="+mn-lt"/>
+                <a:ea typeface="+mn-ea"/>
+                <a:cs typeface="+mn-cs"/>
+              </a:defRPr>
+            </a:lvl2pPr>
+            <a:lvl3pPr marL="1143000" indent="-228600" algn="l" defTabSz="914400" rtl="0" eaLnBrk="1" latinLnBrk="1" hangingPunct="1">
+              <a:lnSpc>
+                <a:spcPct val="90000"/>
+              </a:lnSpc>
+              <a:spcBef>
+                <a:spcPts val="500"/>
+              </a:spcBef>
+              <a:buFont typeface="Arial" panose="020B0604020202020204" pitchFamily="34" charset="0"/>
+              <a:buChar char="•"/>
+              <a:defRPr sz="2000" kern="1200">
+                <a:solidFill>
+                  <a:schemeClr val="tx1"/>
+                </a:solidFill>
+                <a:latin typeface="+mn-lt"/>
+                <a:ea typeface="+mn-ea"/>
+                <a:cs typeface="+mn-cs"/>
+              </a:defRPr>
+            </a:lvl3pPr>
+            <a:lvl4pPr marL="1600200" indent="-228600" algn="l" defTabSz="914400" rtl="0" eaLnBrk="1" latinLnBrk="1" hangingPunct="1">
+              <a:lnSpc>
+                <a:spcPct val="90000"/>
+              </a:lnSpc>
+              <a:spcBef>
+                <a:spcPts val="500"/>
+              </a:spcBef>
+              <a:buFont typeface="Arial" panose="020B0604020202020204" pitchFamily="34" charset="0"/>
+              <a:buChar char="•"/>
+              <a:defRPr sz="1800" kern="1200">
+                <a:solidFill>
+                  <a:schemeClr val="tx1"/>
+                </a:solidFill>
+                <a:latin typeface="+mn-lt"/>
+                <a:ea typeface="+mn-ea"/>
+                <a:cs typeface="+mn-cs"/>
+              </a:defRPr>
+            </a:lvl4pPr>
+            <a:lvl5pPr marL="2057400" indent="-228600" algn="l" defTabSz="914400" rtl="0" eaLnBrk="1" latinLnBrk="1" hangingPunct="1">
+              <a:lnSpc>
+                <a:spcPct val="90000"/>
+              </a:lnSpc>
+              <a:spcBef>
+                <a:spcPts val="500"/>
+              </a:spcBef>
+              <a:buFont typeface="Arial" panose="020B0604020202020204" pitchFamily="34" charset="0"/>
+              <a:buChar char="•"/>
+              <a:defRPr sz="1800" kern="1200">
+                <a:solidFill>
+                  <a:schemeClr val="tx1"/>
+                </a:solidFill>
+                <a:latin typeface="+mn-lt"/>
+                <a:ea typeface="+mn-ea"/>
+                <a:cs typeface="+mn-cs"/>
+              </a:defRPr>
+            </a:lvl5pPr>
+            <a:lvl6pPr marL="2514600" indent="-228600" algn="l" defTabSz="914400" rtl="0" eaLnBrk="1" latinLnBrk="1" hangingPunct="1">
+              <a:lnSpc>
+                <a:spcPct val="90000"/>
+              </a:lnSpc>
+              <a:spcBef>
+                <a:spcPts val="500"/>
+              </a:spcBef>
+              <a:buFont typeface="Arial" panose="020B0604020202020204" pitchFamily="34" charset="0"/>
+              <a:buChar char="•"/>
+              <a:defRPr sz="1800" kern="1200">
+                <a:solidFill>
+                  <a:schemeClr val="tx1"/>
+                </a:solidFill>
+                <a:latin typeface="+mn-lt"/>
+                <a:ea typeface="+mn-ea"/>
+                <a:cs typeface="+mn-cs"/>
+              </a:defRPr>
+            </a:lvl6pPr>
+            <a:lvl7pPr marL="2971800" indent="-228600" algn="l" defTabSz="914400" rtl="0" eaLnBrk="1" latinLnBrk="1" hangingPunct="1">
+              <a:lnSpc>
+                <a:spcPct val="90000"/>
+              </a:lnSpc>
+              <a:spcBef>
+                <a:spcPts val="500"/>
+              </a:spcBef>
+              <a:buFont typeface="Arial" panose="020B0604020202020204" pitchFamily="34" charset="0"/>
+              <a:buChar char="•"/>
+              <a:defRPr sz="1800" kern="1200">
+                <a:solidFill>
+                  <a:schemeClr val="tx1"/>
+                </a:solidFill>
+                <a:latin typeface="+mn-lt"/>
+                <a:ea typeface="+mn-ea"/>
+                <a:cs typeface="+mn-cs"/>
+              </a:defRPr>
+            </a:lvl7pPr>
+            <a:lvl8pPr marL="3429000" indent="-228600" algn="l" defTabSz="914400" rtl="0" eaLnBrk="1" latinLnBrk="1" hangingPunct="1">
+              <a:lnSpc>
+                <a:spcPct val="90000"/>
+              </a:lnSpc>
+              <a:spcBef>
+                <a:spcPts val="500"/>
+              </a:spcBef>
+              <a:buFont typeface="Arial" panose="020B0604020202020204" pitchFamily="34" charset="0"/>
+              <a:buChar char="•"/>
+              <a:defRPr sz="1800" kern="1200">
+                <a:solidFill>
+                  <a:schemeClr val="tx1"/>
+                </a:solidFill>
+                <a:latin typeface="+mn-lt"/>
+                <a:ea typeface="+mn-ea"/>
+                <a:cs typeface="+mn-cs"/>
+              </a:defRPr>
+            </a:lvl8pPr>
+            <a:lvl9pPr marL="3886200" indent="-228600" algn="l" defTabSz="914400" rtl="0" eaLnBrk="1" latinLnBrk="1" hangingPunct="1">
+              <a:lnSpc>
+                <a:spcPct val="90000"/>
+              </a:lnSpc>
+              <a:spcBef>
+                <a:spcPts val="500"/>
+              </a:spcBef>
+              <a:buFont typeface="Arial" panose="020B0604020202020204" pitchFamily="34" charset="0"/>
+              <a:buChar char="•"/>
+              <a:defRPr sz="1800" kern="1200">
+                <a:solidFill>
+                  <a:schemeClr val="tx1"/>
+                </a:solidFill>
+                <a:latin typeface="+mn-lt"/>
+                <a:ea typeface="+mn-ea"/>
+                <a:cs typeface="+mn-cs"/>
+              </a:defRPr>
+            </a:lvl9pPr>
+          </a:lstStyle>
+          <a:p>
+            <a:pPr marL="0" indent="0">
+              <a:buFont typeface="Arial" panose="020B0604020202020204" pitchFamily="34" charset="0"/>
+              <a:buNone/>
+            </a:pPr>
+            <a:r>
+              <a:rPr lang="ko-KR" altLang="en-US" sz="2000" b="1" dirty="0"/>
+              <a:t>작업 내용 대표 이미지</a:t>
+            </a:r>
+            <a:br>
+              <a:rPr lang="en-US" altLang="ko-KR" sz="2000" b="1" dirty="0"/>
+            </a:br>
+            <a:endParaRPr lang="en-US" altLang="ko-KR" sz="2000" b="1" dirty="0"/>
+          </a:p>
+        </p:txBody>
+      </p:sp>
+      <p:sp>
+        <p:nvSpPr>
+          <p:cNvPr id="11" name="내용 개체 틀 2">
+            <a:extLst>
+              <a:ext uri="{FF2B5EF4-FFF2-40B4-BE49-F238E27FC236}">
+                <a16:creationId xmlns:a16="http://schemas.microsoft.com/office/drawing/2014/main" id="{0C38CF48-B117-1F0D-6A79-6D730DFAA7C7}"/>
+              </a:ext>
+            </a:extLst>
+          </p:cNvPr>
+          <p:cNvSpPr txBox="1">
+            <a:spLocks/>
+          </p:cNvSpPr>
+          <p:nvPr/>
+        </p:nvSpPr>
+        <p:spPr>
+          <a:xfrm>
+            <a:off x="466725" y="4581227"/>
+            <a:ext cx="4857748" cy="1771948"/>
+          </a:xfrm>
+          <a:prstGeom prst="rect">
+            <a:avLst/>
+          </a:prstGeom>
+        </p:spPr>
+        <p:txBody>
+          <a:bodyPr vert="horz" lIns="91440" tIns="45720" rIns="91440" bIns="45720" rtlCol="0">
+            <a:normAutofit/>
+          </a:bodyPr>
+          <a:lstStyle>
+            <a:lvl1pPr marL="228600" indent="-228600" algn="l" defTabSz="914400" rtl="0" eaLnBrk="1" latinLnBrk="1" hangingPunct="1">
+              <a:lnSpc>
+                <a:spcPct val="90000"/>
+              </a:lnSpc>
+              <a:spcBef>
+                <a:spcPts val="1000"/>
+              </a:spcBef>
+              <a:buFont typeface="Arial" panose="020B0604020202020204" pitchFamily="34" charset="0"/>
+              <a:buChar char="•"/>
+              <a:defRPr sz="2800" kern="1200">
+                <a:solidFill>
+                  <a:schemeClr val="tx1"/>
+                </a:solidFill>
+                <a:latin typeface="+mn-lt"/>
+                <a:ea typeface="+mn-ea"/>
+                <a:cs typeface="+mn-cs"/>
+              </a:defRPr>
+            </a:lvl1pPr>
+            <a:lvl2pPr marL="685800" indent="-228600" algn="l" defTabSz="914400" rtl="0" eaLnBrk="1" latinLnBrk="1" hangingPunct="1">
+              <a:lnSpc>
+                <a:spcPct val="90000"/>
+              </a:lnSpc>
+              <a:spcBef>
+                <a:spcPts val="500"/>
+              </a:spcBef>
+              <a:buFont typeface="Arial" panose="020B0604020202020204" pitchFamily="34" charset="0"/>
+              <a:buChar char="•"/>
+              <a:defRPr sz="2400" kern="1200">
+                <a:solidFill>
+                  <a:schemeClr val="tx1"/>
+                </a:solidFill>
+                <a:latin typeface="+mn-lt"/>
+                <a:ea typeface="+mn-ea"/>
+                <a:cs typeface="+mn-cs"/>
+              </a:defRPr>
+            </a:lvl2pPr>
+            <a:lvl3pPr marL="1143000" indent="-228600" algn="l" defTabSz="914400" rtl="0" eaLnBrk="1" latinLnBrk="1" hangingPunct="1">
+              <a:lnSpc>
+                <a:spcPct val="90000"/>
+              </a:lnSpc>
+              <a:spcBef>
+                <a:spcPts val="500"/>
+              </a:spcBef>
+              <a:buFont typeface="Arial" panose="020B0604020202020204" pitchFamily="34" charset="0"/>
+              <a:buChar char="•"/>
+              <a:defRPr sz="2000" kern="1200">
+                <a:solidFill>
+                  <a:schemeClr val="tx1"/>
+                </a:solidFill>
+                <a:latin typeface="+mn-lt"/>
+                <a:ea typeface="+mn-ea"/>
+                <a:cs typeface="+mn-cs"/>
+              </a:defRPr>
+            </a:lvl3pPr>
+            <a:lvl4pPr marL="1600200" indent="-228600" algn="l" defTabSz="914400" rtl="0" eaLnBrk="1" latinLnBrk="1" hangingPunct="1">
+              <a:lnSpc>
+                <a:spcPct val="90000"/>
+              </a:lnSpc>
+              <a:spcBef>
+                <a:spcPts val="500"/>
+              </a:spcBef>
+              <a:buFont typeface="Arial" panose="020B0604020202020204" pitchFamily="34" charset="0"/>
+              <a:buChar char="•"/>
+              <a:defRPr sz="1800" kern="1200">
+                <a:solidFill>
+                  <a:schemeClr val="tx1"/>
+                </a:solidFill>
+                <a:latin typeface="+mn-lt"/>
+                <a:ea typeface="+mn-ea"/>
+                <a:cs typeface="+mn-cs"/>
+              </a:defRPr>
+            </a:lvl4pPr>
+            <a:lvl5pPr marL="2057400" indent="-228600" algn="l" defTabSz="914400" rtl="0" eaLnBrk="1" latinLnBrk="1" hangingPunct="1">
+              <a:lnSpc>
+                <a:spcPct val="90000"/>
+              </a:lnSpc>
+              <a:spcBef>
+                <a:spcPts val="500"/>
+              </a:spcBef>
+              <a:buFont typeface="Arial" panose="020B0604020202020204" pitchFamily="34" charset="0"/>
+              <a:buChar char="•"/>
+              <a:defRPr sz="1800" kern="1200">
+                <a:solidFill>
+                  <a:schemeClr val="tx1"/>
+                </a:solidFill>
+                <a:latin typeface="+mn-lt"/>
+                <a:ea typeface="+mn-ea"/>
+                <a:cs typeface="+mn-cs"/>
+              </a:defRPr>
+            </a:lvl5pPr>
+            <a:lvl6pPr marL="2514600" indent="-228600" algn="l" defTabSz="914400" rtl="0" eaLnBrk="1" latinLnBrk="1" hangingPunct="1">
+              <a:lnSpc>
+                <a:spcPct val="90000"/>
+              </a:lnSpc>
+              <a:spcBef>
+                <a:spcPts val="500"/>
+              </a:spcBef>
+              <a:buFont typeface="Arial" panose="020B0604020202020204" pitchFamily="34" charset="0"/>
+              <a:buChar char="•"/>
+              <a:defRPr sz="1800" kern="1200">
+                <a:solidFill>
+                  <a:schemeClr val="tx1"/>
+                </a:solidFill>
+                <a:latin typeface="+mn-lt"/>
+                <a:ea typeface="+mn-ea"/>
+                <a:cs typeface="+mn-cs"/>
+              </a:defRPr>
+            </a:lvl6pPr>
+            <a:lvl7pPr marL="2971800" indent="-228600" algn="l" defTabSz="914400" rtl="0" eaLnBrk="1" latinLnBrk="1" hangingPunct="1">
+              <a:lnSpc>
+                <a:spcPct val="90000"/>
+              </a:lnSpc>
+              <a:spcBef>
+                <a:spcPts val="500"/>
+              </a:spcBef>
+              <a:buFont typeface="Arial" panose="020B0604020202020204" pitchFamily="34" charset="0"/>
+              <a:buChar char="•"/>
+              <a:defRPr sz="1800" kern="1200">
+                <a:solidFill>
+                  <a:schemeClr val="tx1"/>
+                </a:solidFill>
+                <a:latin typeface="+mn-lt"/>
+                <a:ea typeface="+mn-ea"/>
+                <a:cs typeface="+mn-cs"/>
+              </a:defRPr>
+            </a:lvl7pPr>
+            <a:lvl8pPr marL="3429000" indent="-228600" algn="l" defTabSz="914400" rtl="0" eaLnBrk="1" latinLnBrk="1" hangingPunct="1">
+              <a:lnSpc>
+                <a:spcPct val="90000"/>
+              </a:lnSpc>
+              <a:spcBef>
+                <a:spcPts val="500"/>
+              </a:spcBef>
+              <a:buFont typeface="Arial" panose="020B0604020202020204" pitchFamily="34" charset="0"/>
+              <a:buChar char="•"/>
+              <a:defRPr sz="1800" kern="1200">
+                <a:solidFill>
+                  <a:schemeClr val="tx1"/>
+                </a:solidFill>
+                <a:latin typeface="+mn-lt"/>
+                <a:ea typeface="+mn-ea"/>
+                <a:cs typeface="+mn-cs"/>
+              </a:defRPr>
+            </a:lvl8pPr>
+            <a:lvl9pPr marL="3886200" indent="-228600" algn="l" defTabSz="914400" rtl="0" eaLnBrk="1" latinLnBrk="1" hangingPunct="1">
+              <a:lnSpc>
+                <a:spcPct val="90000"/>
+              </a:lnSpc>
+              <a:spcBef>
+                <a:spcPts val="500"/>
+              </a:spcBef>
+              <a:buFont typeface="Arial" panose="020B0604020202020204" pitchFamily="34" charset="0"/>
+              <a:buChar char="•"/>
+              <a:defRPr sz="1800" kern="1200">
+                <a:solidFill>
+                  <a:schemeClr val="tx1"/>
+                </a:solidFill>
+                <a:latin typeface="+mn-lt"/>
+                <a:ea typeface="+mn-ea"/>
+                <a:cs typeface="+mn-cs"/>
+              </a:defRPr>
+            </a:lvl9pPr>
+          </a:lstStyle>
+          <a:p>
+            <a:pPr marL="0" indent="0">
+              <a:buFont typeface="Arial" panose="020B0604020202020204" pitchFamily="34" charset="0"/>
+              <a:buNone/>
+            </a:pPr>
+            <a:r>
+              <a:rPr lang="ko-KR" altLang="en-US" sz="2000" b="1" dirty="0"/>
+              <a:t>작업 내용</a:t>
+            </a:r>
+            <a:br>
+              <a:rPr lang="en-US" altLang="ko-KR" sz="2000" b="1" dirty="0"/>
+            </a:br>
+            <a:r>
+              <a:rPr lang="en-US" altLang="ko-KR" sz="1800" dirty="0"/>
+              <a:t>-</a:t>
+            </a:r>
+            <a:r>
+              <a:rPr lang="ko-KR" altLang="en-US" sz="1800" dirty="0"/>
+              <a:t>짧게 작업내용 설명</a:t>
+            </a:r>
+            <a:br>
+              <a:rPr lang="en-US" altLang="ko-KR" sz="2000" b="1" dirty="0"/>
+            </a:br>
+            <a:endParaRPr lang="en-US" altLang="ko-KR" sz="2000" b="1" dirty="0"/>
+          </a:p>
+        </p:txBody>
+      </p:sp>
+      <p:sp>
+        <p:nvSpPr>
+          <p:cNvPr id="12" name="내용 개체 틀 2">
+            <a:extLst>
+              <a:ext uri="{FF2B5EF4-FFF2-40B4-BE49-F238E27FC236}">
+                <a16:creationId xmlns:a16="http://schemas.microsoft.com/office/drawing/2014/main" id="{600D0733-0D94-799F-A294-070BD7D49E0C}"/>
+              </a:ext>
+            </a:extLst>
+          </p:cNvPr>
+          <p:cNvSpPr txBox="1">
+            <a:spLocks/>
+          </p:cNvSpPr>
+          <p:nvPr/>
+        </p:nvSpPr>
+        <p:spPr>
+          <a:xfrm>
+            <a:off x="6286502" y="4581227"/>
+            <a:ext cx="4857748" cy="1771948"/>
+          </a:xfrm>
+          <a:prstGeom prst="rect">
+            <a:avLst/>
+          </a:prstGeom>
+        </p:spPr>
+        <p:txBody>
+          <a:bodyPr vert="horz" lIns="91440" tIns="45720" rIns="91440" bIns="45720" rtlCol="0">
+            <a:normAutofit/>
+          </a:bodyPr>
+          <a:lstStyle>
+            <a:lvl1pPr marL="228600" indent="-228600" algn="l" defTabSz="914400" rtl="0" eaLnBrk="1" latinLnBrk="1" hangingPunct="1">
+              <a:lnSpc>
+                <a:spcPct val="90000"/>
+              </a:lnSpc>
+              <a:spcBef>
+                <a:spcPts val="1000"/>
+              </a:spcBef>
+              <a:buFont typeface="Arial" panose="020B0604020202020204" pitchFamily="34" charset="0"/>
+              <a:buChar char="•"/>
+              <a:defRPr sz="2800" kern="1200">
+                <a:solidFill>
+                  <a:schemeClr val="tx1"/>
+                </a:solidFill>
+                <a:latin typeface="+mn-lt"/>
+                <a:ea typeface="+mn-ea"/>
+                <a:cs typeface="+mn-cs"/>
+              </a:defRPr>
+            </a:lvl1pPr>
+            <a:lvl2pPr marL="685800" indent="-228600" algn="l" defTabSz="914400" rtl="0" eaLnBrk="1" latinLnBrk="1" hangingPunct="1">
+              <a:lnSpc>
+                <a:spcPct val="90000"/>
+              </a:lnSpc>
+              <a:spcBef>
+                <a:spcPts val="500"/>
+              </a:spcBef>
+              <a:buFont typeface="Arial" panose="020B0604020202020204" pitchFamily="34" charset="0"/>
+              <a:buChar char="•"/>
+              <a:defRPr sz="2400" kern="1200">
+                <a:solidFill>
+                  <a:schemeClr val="tx1"/>
+                </a:solidFill>
+                <a:latin typeface="+mn-lt"/>
+                <a:ea typeface="+mn-ea"/>
+                <a:cs typeface="+mn-cs"/>
+              </a:defRPr>
+            </a:lvl2pPr>
+            <a:lvl3pPr marL="1143000" indent="-228600" algn="l" defTabSz="914400" rtl="0" eaLnBrk="1" latinLnBrk="1" hangingPunct="1">
+              <a:lnSpc>
+                <a:spcPct val="90000"/>
+              </a:lnSpc>
+              <a:spcBef>
+                <a:spcPts val="500"/>
+              </a:spcBef>
+              <a:buFont typeface="Arial" panose="020B0604020202020204" pitchFamily="34" charset="0"/>
+              <a:buChar char="•"/>
+              <a:defRPr sz="2000" kern="1200">
+                <a:solidFill>
+                  <a:schemeClr val="tx1"/>
+                </a:solidFill>
+                <a:latin typeface="+mn-lt"/>
+                <a:ea typeface="+mn-ea"/>
+                <a:cs typeface="+mn-cs"/>
+              </a:defRPr>
+            </a:lvl3pPr>
+            <a:lvl4pPr marL="1600200" indent="-228600" algn="l" defTabSz="914400" rtl="0" eaLnBrk="1" latinLnBrk="1" hangingPunct="1">
+              <a:lnSpc>
+                <a:spcPct val="90000"/>
+              </a:lnSpc>
+              <a:spcBef>
+                <a:spcPts val="500"/>
+              </a:spcBef>
+              <a:buFont typeface="Arial" panose="020B0604020202020204" pitchFamily="34" charset="0"/>
+              <a:buChar char="•"/>
+              <a:defRPr sz="1800" kern="1200">
+                <a:solidFill>
+                  <a:schemeClr val="tx1"/>
+                </a:solidFill>
+                <a:latin typeface="+mn-lt"/>
+                <a:ea typeface="+mn-ea"/>
+                <a:cs typeface="+mn-cs"/>
+              </a:defRPr>
+            </a:lvl4pPr>
+            <a:lvl5pPr marL="2057400" indent="-228600" algn="l" defTabSz="914400" rtl="0" eaLnBrk="1" latinLnBrk="1" hangingPunct="1">
+              <a:lnSpc>
+                <a:spcPct val="90000"/>
+              </a:lnSpc>
+              <a:spcBef>
+                <a:spcPts val="500"/>
+              </a:spcBef>
+              <a:buFont typeface="Arial" panose="020B0604020202020204" pitchFamily="34" charset="0"/>
+              <a:buChar char="•"/>
+              <a:defRPr sz="1800" kern="1200">
+                <a:solidFill>
+                  <a:schemeClr val="tx1"/>
+                </a:solidFill>
+                <a:latin typeface="+mn-lt"/>
+                <a:ea typeface="+mn-ea"/>
+                <a:cs typeface="+mn-cs"/>
+              </a:defRPr>
+            </a:lvl5pPr>
+            <a:lvl6pPr marL="2514600" indent="-228600" algn="l" defTabSz="914400" rtl="0" eaLnBrk="1" latinLnBrk="1" hangingPunct="1">
+              <a:lnSpc>
+                <a:spcPct val="90000"/>
+              </a:lnSpc>
+              <a:spcBef>
+                <a:spcPts val="500"/>
+              </a:spcBef>
+              <a:buFont typeface="Arial" panose="020B0604020202020204" pitchFamily="34" charset="0"/>
+              <a:buChar char="•"/>
+              <a:defRPr sz="1800" kern="1200">
+                <a:solidFill>
+                  <a:schemeClr val="tx1"/>
+                </a:solidFill>
+                <a:latin typeface="+mn-lt"/>
+                <a:ea typeface="+mn-ea"/>
+                <a:cs typeface="+mn-cs"/>
+              </a:defRPr>
+            </a:lvl6pPr>
+            <a:lvl7pPr marL="2971800" indent="-228600" algn="l" defTabSz="914400" rtl="0" eaLnBrk="1" latinLnBrk="1" hangingPunct="1">
+              <a:lnSpc>
+                <a:spcPct val="90000"/>
+              </a:lnSpc>
+              <a:spcBef>
+                <a:spcPts val="500"/>
+              </a:spcBef>
+              <a:buFont typeface="Arial" panose="020B0604020202020204" pitchFamily="34" charset="0"/>
+              <a:buChar char="•"/>
+              <a:defRPr sz="1800" kern="1200">
+                <a:solidFill>
+                  <a:schemeClr val="tx1"/>
+                </a:solidFill>
+                <a:latin typeface="+mn-lt"/>
+                <a:ea typeface="+mn-ea"/>
+                <a:cs typeface="+mn-cs"/>
+              </a:defRPr>
+            </a:lvl7pPr>
+            <a:lvl8pPr marL="3429000" indent="-228600" algn="l" defTabSz="914400" rtl="0" eaLnBrk="1" latinLnBrk="1" hangingPunct="1">
+              <a:lnSpc>
+                <a:spcPct val="90000"/>
+              </a:lnSpc>
+              <a:spcBef>
+                <a:spcPts val="500"/>
+              </a:spcBef>
+              <a:buFont typeface="Arial" panose="020B0604020202020204" pitchFamily="34" charset="0"/>
+              <a:buChar char="•"/>
+              <a:defRPr sz="1800" kern="1200">
+                <a:solidFill>
+                  <a:schemeClr val="tx1"/>
+                </a:solidFill>
+                <a:latin typeface="+mn-lt"/>
+                <a:ea typeface="+mn-ea"/>
+                <a:cs typeface="+mn-cs"/>
+              </a:defRPr>
+            </a:lvl8pPr>
+            <a:lvl9pPr marL="3886200" indent="-228600" algn="l" defTabSz="914400" rtl="0" eaLnBrk="1" latinLnBrk="1" hangingPunct="1">
+              <a:lnSpc>
+                <a:spcPct val="90000"/>
+              </a:lnSpc>
+              <a:spcBef>
+                <a:spcPts val="500"/>
+              </a:spcBef>
+              <a:buFont typeface="Arial" panose="020B0604020202020204" pitchFamily="34" charset="0"/>
+              <a:buChar char="•"/>
+              <a:defRPr sz="1800" kern="1200">
+                <a:solidFill>
+                  <a:schemeClr val="tx1"/>
+                </a:solidFill>
+                <a:latin typeface="+mn-lt"/>
+                <a:ea typeface="+mn-ea"/>
+                <a:cs typeface="+mn-cs"/>
+              </a:defRPr>
+            </a:lvl9pPr>
+          </a:lstStyle>
+          <a:p>
+            <a:pPr marL="0" indent="0">
+              <a:buFont typeface="Arial" panose="020B0604020202020204" pitchFamily="34" charset="0"/>
+              <a:buNone/>
+            </a:pPr>
+            <a:r>
+              <a:rPr lang="ko-KR" altLang="en-US" sz="2000" b="1" dirty="0"/>
+              <a:t>작업 내용</a:t>
+            </a:r>
+            <a:br>
+              <a:rPr lang="en-US" altLang="ko-KR" sz="2000" b="1" dirty="0"/>
+            </a:br>
+            <a:r>
+              <a:rPr lang="en-US" altLang="ko-KR" sz="1800" dirty="0"/>
+              <a:t>-</a:t>
+            </a:r>
+            <a:r>
+              <a:rPr lang="ko-KR" altLang="en-US" sz="1800" dirty="0"/>
+              <a:t>짧게 작업내용 설명</a:t>
+            </a:r>
+            <a:br>
+              <a:rPr lang="en-US" altLang="ko-KR" sz="2000" b="1" dirty="0"/>
+            </a:br>
+            <a:endParaRPr lang="en-US" altLang="ko-KR" sz="2000" b="1" dirty="0"/>
+          </a:p>
+        </p:txBody>
+      </p:sp>
+    </p:spTree>
+    <p:extLst>
+      <p:ext uri="{BB962C8B-B14F-4D97-AF65-F5344CB8AC3E}">
         <p14:creationId xmlns:p14="http://schemas.microsoft.com/office/powerpoint/2010/main" val="625103422"/>
       </p:ext>
     </p:extLst>
@@ -4992,7 +5900,7 @@
 </p:sld>
 </file>
 
-<file path=ppt/slides/slide11.xml><?xml version="1.0" encoding="utf-8"?>
+<file path=ppt/slides/slide12.xml><?xml version="1.0" encoding="utf-8"?>
 <p:sld xmlns:a="http://schemas.openxmlformats.org/drawingml/2006/main" xmlns:r="http://schemas.openxmlformats.org/officeDocument/2006/relationships" xmlns:p="http://schemas.openxmlformats.org/presentationml/2006/main">
   <p:cSld>
     <p:spTree>
@@ -5622,7 +6530,7 @@
 </p:sld>
 </file>
 
-<file path=ppt/slides/slide12.xml><?xml version="1.0" encoding="utf-8"?>
+<file path=ppt/slides/slide13.xml><?xml version="1.0" encoding="utf-8"?>
 <p:sld xmlns:a="http://schemas.openxmlformats.org/drawingml/2006/main" xmlns:r="http://schemas.openxmlformats.org/officeDocument/2006/relationships" xmlns:p="http://schemas.openxmlformats.org/presentationml/2006/main">
   <p:cSld>
     <p:spTree>
@@ -6247,7 +7155,7 @@
 </p:sld>
 </file>
 
-<file path=ppt/slides/slide13.xml><?xml version="1.0" encoding="utf-8"?>
+<file path=ppt/slides/slide14.xml><?xml version="1.0" encoding="utf-8"?>
 <p:sld xmlns:a="http://schemas.openxmlformats.org/drawingml/2006/main" xmlns:r="http://schemas.openxmlformats.org/officeDocument/2006/relationships" xmlns:p="http://schemas.openxmlformats.org/presentationml/2006/main">
   <p:cSld>
     <p:spTree>
@@ -6341,7 +7249,7 @@
 </p:sld>
 </file>
 
-<file path=ppt/slides/slide14.xml><?xml version="1.0" encoding="utf-8"?>
+<file path=ppt/slides/slide15.xml><?xml version="1.0" encoding="utf-8"?>
 <p:sld xmlns:a="http://schemas.openxmlformats.org/drawingml/2006/main" xmlns:r="http://schemas.openxmlformats.org/officeDocument/2006/relationships" xmlns:p="http://schemas.openxmlformats.org/presentationml/2006/main">
   <p:cSld>
     <p:spTree>
@@ -7454,7 +8362,7 @@
 </p:sld>
 </file>
 
-<file path=ppt/slides/slide15.xml><?xml version="1.0" encoding="utf-8"?>
+<file path=ppt/slides/slide16.xml><?xml version="1.0" encoding="utf-8"?>
 <p:sld xmlns:a="http://schemas.openxmlformats.org/drawingml/2006/main" xmlns:r="http://schemas.openxmlformats.org/officeDocument/2006/relationships" xmlns:p="http://schemas.openxmlformats.org/presentationml/2006/main">
   <p:cSld>
     <p:spTree>
@@ -7579,7 +8487,7 @@
 </p:sld>
 </file>
 
-<file path=ppt/slides/slide16.xml><?xml version="1.0" encoding="utf-8"?>
+<file path=ppt/slides/slide17.xml><?xml version="1.0" encoding="utf-8"?>
 <p:sld xmlns:a="http://schemas.openxmlformats.org/drawingml/2006/main" xmlns:r="http://schemas.openxmlformats.org/officeDocument/2006/relationships" xmlns:p="http://schemas.openxmlformats.org/presentationml/2006/main">
   <p:cSld>
     <p:spTree>
@@ -8675,8 +9583,8 @@
         </p:nvSpPr>
         <p:spPr>
           <a:xfrm>
-            <a:off x="2643772" y="2505670"/>
-            <a:ext cx="6904455" cy="923330"/>
+            <a:off x="3804346" y="2505670"/>
+            <a:ext cx="4583306" cy="923330"/>
           </a:xfrm>
           <a:prstGeom prst="rect">
             <a:avLst/>
@@ -8691,7 +9599,7 @@
           <a:p>
             <a:pPr algn="ctr"/>
             <a:r>
-              <a:rPr lang="ko-KR" altLang="en-US" sz="5400" b="0" cap="none" spc="0" dirty="0" err="1">
+              <a:rPr lang="ko-KR" altLang="en-US" sz="5400" b="0" cap="none" spc="0" dirty="0">
                 <a:ln w="0"/>
                 <a:solidFill>
                   <a:schemeClr val="tx1"/>
@@ -8704,23 +9612,7 @@
                   </a:outerShdw>
                 </a:effectLst>
               </a:rPr>
-              <a:t>인게임</a:t>
-            </a:r>
-            <a:r>
-              <a:rPr lang="ko-KR" altLang="en-US" sz="5400" b="0" cap="none" spc="0" dirty="0">
-                <a:ln w="0"/>
-                <a:solidFill>
-                  <a:schemeClr val="tx1"/>
-                </a:solidFill>
-                <a:effectLst>
-                  <a:outerShdw blurRad="38100" dist="19050" dir="2700000" algn="tl" rotWithShape="0">
-                    <a:schemeClr val="dk1">
-                      <a:alpha val="40000"/>
-                    </a:schemeClr>
-                  </a:outerShdw>
-                </a:effectLst>
-              </a:rPr>
-              <a:t> 이미지로 변경</a:t>
+              <a:t>이미지로 변경</a:t>
             </a:r>
             <a:endParaRPr lang="en-US" altLang="ko-KR" sz="5400" b="0" cap="none" spc="0" dirty="0">
               <a:ln w="0"/>
@@ -8882,8 +9774,8 @@
         </p:nvSpPr>
         <p:spPr>
           <a:xfrm>
-            <a:off x="927576" y="1436017"/>
-            <a:ext cx="5078997" cy="2349117"/>
+            <a:off x="918051" y="1600200"/>
+            <a:ext cx="5078997" cy="1661059"/>
           </a:xfrm>
           <a:prstGeom prst="roundRect">
             <a:avLst/>
@@ -8952,7 +9844,7 @@
         </p:blipFill>
         <p:spPr>
           <a:xfrm rot="173338">
-            <a:off x="1435141" y="2356971"/>
+            <a:off x="1425616" y="1833096"/>
             <a:ext cx="1677239" cy="1479119"/>
           </a:xfrm>
           <a:prstGeom prst="rect">
@@ -8974,7 +9866,7 @@
         </p:nvSpPr>
         <p:spPr>
           <a:xfrm>
-            <a:off x="3102133" y="2551618"/>
+            <a:off x="3092608" y="2027743"/>
             <a:ext cx="234111" cy="948303"/>
           </a:xfrm>
           <a:prstGeom prst="upDownArrow">
@@ -9023,7 +9915,7 @@
         </p:nvSpPr>
         <p:spPr>
           <a:xfrm>
-            <a:off x="4445978" y="3034301"/>
+            <a:off x="4897352" y="2521060"/>
             <a:ext cx="234111" cy="454986"/>
           </a:xfrm>
           <a:prstGeom prst="upDownArrow">
@@ -9058,6 +9950,986 @@
           </a:p>
         </p:txBody>
       </p:sp>
+      <p:sp>
+        <p:nvSpPr>
+          <p:cNvPr id="2" name="사각형: 둥근 모서리 1">
+            <a:extLst>
+              <a:ext uri="{FF2B5EF4-FFF2-40B4-BE49-F238E27FC236}">
+                <a16:creationId xmlns:a16="http://schemas.microsoft.com/office/drawing/2014/main" id="{5147C9A6-A0B8-F342-A050-F8310EFF5D70}"/>
+              </a:ext>
+            </a:extLst>
+          </p:cNvPr>
+          <p:cNvSpPr/>
+          <p:nvPr/>
+        </p:nvSpPr>
+        <p:spPr>
+          <a:xfrm>
+            <a:off x="6167769" y="1600200"/>
+            <a:ext cx="5078997" cy="1661059"/>
+          </a:xfrm>
+          <a:prstGeom prst="roundRect">
+            <a:avLst/>
+          </a:prstGeom>
+          <a:solidFill>
+            <a:schemeClr val="accent6">
+              <a:lumMod val="40000"/>
+              <a:lumOff val="60000"/>
+            </a:schemeClr>
+          </a:solidFill>
+          <a:ln>
+            <a:solidFill>
+              <a:schemeClr val="tx1"/>
+            </a:solidFill>
+          </a:ln>
+        </p:spPr>
+        <p:style>
+          <a:lnRef idx="2">
+            <a:schemeClr val="accent1">
+              <a:shade val="15000"/>
+            </a:schemeClr>
+          </a:lnRef>
+          <a:fillRef idx="1">
+            <a:schemeClr val="accent1"/>
+          </a:fillRef>
+          <a:effectRef idx="0">
+            <a:schemeClr val="accent1"/>
+          </a:effectRef>
+          <a:fontRef idx="minor">
+            <a:schemeClr val="lt1"/>
+          </a:fontRef>
+        </p:style>
+        <p:txBody>
+          <a:bodyPr rtlCol="0" anchor="ctr"/>
+          <a:lstStyle/>
+          <a:p>
+            <a:pPr algn="ctr"/>
+            <a:endParaRPr lang="ko-KR" altLang="en-US"/>
+          </a:p>
+        </p:txBody>
+      </p:sp>
+      <p:pic>
+        <p:nvPicPr>
+          <p:cNvPr id="3" name="그림 2" descr="그린, 스크린샷이(가) 표시된 사진&#10;&#10;자동 생성된 설명">
+            <a:extLst>
+              <a:ext uri="{FF2B5EF4-FFF2-40B4-BE49-F238E27FC236}">
+                <a16:creationId xmlns:a16="http://schemas.microsoft.com/office/drawing/2014/main" id="{53591969-6CA2-742E-B3BE-446A5BE17330}"/>
+              </a:ext>
+            </a:extLst>
+          </p:cNvPr>
+          <p:cNvPicPr>
+            <a:picLocks noChangeAspect="1"/>
+          </p:cNvPicPr>
+          <p:nvPr/>
+        </p:nvPicPr>
+        <p:blipFill rotWithShape="1">
+          <a:blip r:embed="rId2">
+            <a:extLst>
+              <a:ext uri="{28A0092B-C50C-407E-A947-70E740481C1C}">
+                <a14:useLocalDpi xmlns:a14="http://schemas.microsoft.com/office/drawing/2010/main" val="0"/>
+              </a:ext>
+            </a:extLst>
+          </a:blip>
+          <a:srcRect l="3930" t="40089" r="71252" b="42269"/>
+          <a:stretch/>
+        </p:blipFill>
+        <p:spPr>
+          <a:xfrm rot="21284854" flipH="1">
+            <a:off x="8769998" y="1561824"/>
+            <a:ext cx="2607999" cy="1880139"/>
+          </a:xfrm>
+          <a:prstGeom prst="rect">
+            <a:avLst/>
+          </a:prstGeom>
+        </p:spPr>
+      </p:pic>
+      <p:pic>
+        <p:nvPicPr>
+          <p:cNvPr id="9" name="그림 8" descr="그림, 스케치, 아동 미술, 클립아트이(가) 표시된 사진&#10;&#10;자동 생성된 설명">
+            <a:extLst>
+              <a:ext uri="{FF2B5EF4-FFF2-40B4-BE49-F238E27FC236}">
+                <a16:creationId xmlns:a16="http://schemas.microsoft.com/office/drawing/2014/main" id="{1692A6DC-312B-931A-86FA-4FA1D7E27C0B}"/>
+              </a:ext>
+            </a:extLst>
+          </p:cNvPr>
+          <p:cNvPicPr>
+            <a:picLocks noChangeAspect="1"/>
+          </p:cNvPicPr>
+          <p:nvPr/>
+        </p:nvPicPr>
+        <p:blipFill rotWithShape="1">
+          <a:blip r:embed="rId3">
+            <a:extLst>
+              <a:ext uri="{BEBA8EAE-BF5A-486C-A8C5-ECC9F3942E4B}">
+                <a14:imgProps xmlns:a14="http://schemas.microsoft.com/office/drawing/2010/main">
+                  <a14:imgLayer r:embed="rId4">
+                    <a14:imgEffect>
+                      <a14:backgroundRemoval t="18500" b="60750" l="18750" r="75500">
+                        <a14:foregroundMark x1="25500" y1="58250" x2="29750" y2="32500"/>
+                        <a14:foregroundMark x1="29750" y1="32500" x2="52000" y2="20250"/>
+                        <a14:foregroundMark x1="52000" y1="20250" x2="71250" y2="34750"/>
+                        <a14:foregroundMark x1="71250" y1="34750" x2="69500" y2="58250"/>
+                        <a14:foregroundMark x1="69500" y1="58250" x2="24500" y2="56500"/>
+                        <a14:foregroundMark x1="20250" y1="52000" x2="20250" y2="43250"/>
+                        <a14:foregroundMark x1="18250" y1="49000" x2="43000" y2="60000"/>
+                        <a14:foregroundMark x1="43000" y1="60000" x2="66500" y2="57250"/>
+                        <a14:foregroundMark x1="66500" y1="57250" x2="72750" y2="39000"/>
+                        <a14:foregroundMark x1="40000" y1="59000" x2="19000" y2="48500"/>
+                        <a14:foregroundMark x1="19000" y1="48500" x2="18750" y2="47500"/>
+                        <a14:foregroundMark x1="18750" y1="51500" x2="41750" y2="60750"/>
+                        <a14:foregroundMark x1="54250" y1="19000" x2="31500" y2="29000"/>
+                        <a14:foregroundMark x1="31500" y1="29000" x2="18750" y2="43750"/>
+                        <a14:foregroundMark x1="33250" y1="27750" x2="54250" y2="18500"/>
+                        <a14:foregroundMark x1="75500" y1="52500" x2="75500" y2="52500"/>
+                      </a14:backgroundRemoval>
+                    </a14:imgEffect>
+                  </a14:imgLayer>
+                </a14:imgProps>
+              </a:ext>
+              <a:ext uri="{28A0092B-C50C-407E-A947-70E740481C1C}">
+                <a14:useLocalDpi xmlns:a14="http://schemas.microsoft.com/office/drawing/2010/main" val="0"/>
+              </a:ext>
+            </a:extLst>
+          </a:blip>
+          <a:srcRect l="14643" t="15645" r="20171" b="37203"/>
+          <a:stretch/>
+        </p:blipFill>
+        <p:spPr>
+          <a:xfrm>
+            <a:off x="6641073" y="2036518"/>
+            <a:ext cx="1356864" cy="981484"/>
+          </a:xfrm>
+          <a:prstGeom prst="rect">
+            <a:avLst/>
+          </a:prstGeom>
+        </p:spPr>
+      </p:pic>
+      <p:pic>
+        <p:nvPicPr>
+          <p:cNvPr id="10" name="그림 9" descr="그린, 스크린샷이(가) 표시된 사진&#10;&#10;자동 생성된 설명">
+            <a:extLst>
+              <a:ext uri="{FF2B5EF4-FFF2-40B4-BE49-F238E27FC236}">
+                <a16:creationId xmlns:a16="http://schemas.microsoft.com/office/drawing/2014/main" id="{A55598B7-8403-72E5-EDE9-C59E60FD483A}"/>
+              </a:ext>
+            </a:extLst>
+          </p:cNvPr>
+          <p:cNvPicPr>
+            <a:picLocks noChangeAspect="1"/>
+          </p:cNvPicPr>
+          <p:nvPr/>
+        </p:nvPicPr>
+        <p:blipFill rotWithShape="1">
+          <a:blip r:embed="rId2">
+            <a:extLst>
+              <a:ext uri="{28A0092B-C50C-407E-A947-70E740481C1C}">
+                <a14:useLocalDpi xmlns:a14="http://schemas.microsoft.com/office/drawing/2010/main" val="0"/>
+              </a:ext>
+            </a:extLst>
+          </a:blip>
+          <a:srcRect l="3930" t="40089" r="71252" b="42269"/>
+          <a:stretch/>
+        </p:blipFill>
+        <p:spPr>
+          <a:xfrm rot="21284854" flipH="1">
+            <a:off x="6386123" y="1877365"/>
+            <a:ext cx="1934046" cy="1394278"/>
+          </a:xfrm>
+          <a:prstGeom prst="rect">
+            <a:avLst/>
+          </a:prstGeom>
+        </p:spPr>
+      </p:pic>
+      <p:cxnSp>
+        <p:nvCxnSpPr>
+          <p:cNvPr id="11" name="직선 화살표 연결선 10">
+            <a:extLst>
+              <a:ext uri="{FF2B5EF4-FFF2-40B4-BE49-F238E27FC236}">
+                <a16:creationId xmlns:a16="http://schemas.microsoft.com/office/drawing/2014/main" id="{213C041F-B966-65CF-F815-E674618BAE17}"/>
+              </a:ext>
+            </a:extLst>
+          </p:cNvPr>
+          <p:cNvCxnSpPr>
+            <a:cxnSpLocks/>
+          </p:cNvCxnSpPr>
+          <p:nvPr/>
+        </p:nvCxnSpPr>
+        <p:spPr>
+          <a:xfrm>
+            <a:off x="8339027" y="2563791"/>
+            <a:ext cx="523443" cy="8864"/>
+          </a:xfrm>
+          <a:prstGeom prst="straightConnector1">
+            <a:avLst/>
+          </a:prstGeom>
+          <a:ln w="76200">
+            <a:tailEnd type="triangle"/>
+          </a:ln>
+        </p:spPr>
+        <p:style>
+          <a:lnRef idx="1">
+            <a:schemeClr val="dk1"/>
+          </a:lnRef>
+          <a:fillRef idx="0">
+            <a:schemeClr val="dk1"/>
+          </a:fillRef>
+          <a:effectRef idx="0">
+            <a:schemeClr val="dk1"/>
+          </a:effectRef>
+          <a:fontRef idx="minor">
+            <a:schemeClr val="tx1"/>
+          </a:fontRef>
+        </p:style>
+      </p:cxnSp>
+      <p:pic>
+        <p:nvPicPr>
+          <p:cNvPr id="13" name="그림 12" descr="공구, 주방용품이(가) 표시된 사진&#10;&#10;자동 생성된 설명">
+            <a:extLst>
+              <a:ext uri="{FF2B5EF4-FFF2-40B4-BE49-F238E27FC236}">
+                <a16:creationId xmlns:a16="http://schemas.microsoft.com/office/drawing/2014/main" id="{3E27D2F5-07B0-5F8D-51D2-78604B2B5AD1}"/>
+              </a:ext>
+            </a:extLst>
+          </p:cNvPr>
+          <p:cNvPicPr>
+            <a:picLocks noChangeAspect="1"/>
+          </p:cNvPicPr>
+          <p:nvPr/>
+        </p:nvPicPr>
+        <p:blipFill rotWithShape="1">
+          <a:blip r:embed="rId5">
+            <a:extLst>
+              <a:ext uri="{BEBA8EAE-BF5A-486C-A8C5-ECC9F3942E4B}">
+                <a14:imgProps xmlns:a14="http://schemas.microsoft.com/office/drawing/2010/main">
+                  <a14:imgLayer r:embed="rId6">
+                    <a14:imgEffect>
+                      <a14:backgroundRemoval t="27544" b="57056" l="27274" r="61951">
+                        <a14:foregroundMark x1="31000" y1="53250" x2="53500" y2="30000"/>
+                      </a14:backgroundRemoval>
+                    </a14:imgEffect>
+                  </a14:imgLayer>
+                </a14:imgProps>
+              </a:ext>
+              <a:ext uri="{28A0092B-C50C-407E-A947-70E740481C1C}">
+                <a14:useLocalDpi xmlns:a14="http://schemas.microsoft.com/office/drawing/2010/main" val="0"/>
+              </a:ext>
+            </a:extLst>
+          </a:blip>
+          <a:srcRect l="22939" t="23855" r="33714" b="39255"/>
+          <a:stretch/>
+        </p:blipFill>
+        <p:spPr>
+          <a:xfrm>
+            <a:off x="4333965" y="2512527"/>
+            <a:ext cx="670530" cy="570648"/>
+          </a:xfrm>
+          <a:prstGeom prst="rect">
+            <a:avLst/>
+          </a:prstGeom>
+        </p:spPr>
+      </p:pic>
+      <p:sp>
+        <p:nvSpPr>
+          <p:cNvPr id="14" name="내용 개체 틀 2">
+            <a:extLst>
+              <a:ext uri="{FF2B5EF4-FFF2-40B4-BE49-F238E27FC236}">
+                <a16:creationId xmlns:a16="http://schemas.microsoft.com/office/drawing/2014/main" id="{76CF5103-FE1A-905C-478B-426ACC7E9BAA}"/>
+              </a:ext>
+            </a:extLst>
+          </p:cNvPr>
+          <p:cNvSpPr>
+            <a:spLocks noGrp="1"/>
+          </p:cNvSpPr>
+          <p:nvPr>
+            <p:ph idx="1"/>
+          </p:nvPr>
+        </p:nvSpPr>
+        <p:spPr>
+          <a:xfrm>
+            <a:off x="918051" y="3342406"/>
+            <a:ext cx="10045224" cy="501329"/>
+          </a:xfrm>
+        </p:spPr>
+        <p:txBody>
+          <a:bodyPr>
+            <a:normAutofit/>
+          </a:bodyPr>
+          <a:lstStyle/>
+          <a:p>
+            <a:pPr marL="0" indent="0">
+              <a:buNone/>
+            </a:pPr>
+            <a:r>
+              <a:rPr lang="ko-KR" altLang="en-US" sz="2000" dirty="0">
+                <a:latin typeface="휴먼모음T" panose="02030504000101010101" pitchFamily="18" charset="-127"/>
+                <a:ea typeface="휴먼모음T" panose="02030504000101010101" pitchFamily="18" charset="-127"/>
+              </a:rPr>
+              <a:t>자신보다 부피가 적은 오브젝트를 흡수하여 크기를 키울 수 있다</a:t>
+            </a:r>
+            <a:r>
+              <a:rPr lang="en-US" altLang="ko-KR" sz="2000" dirty="0">
+                <a:latin typeface="휴먼모음T" panose="02030504000101010101" pitchFamily="18" charset="-127"/>
+                <a:ea typeface="휴먼모음T" panose="02030504000101010101" pitchFamily="18" charset="-127"/>
+              </a:rPr>
+              <a:t>.</a:t>
+            </a:r>
+            <a:endParaRPr lang="ko-KR" altLang="en-US" sz="2000" dirty="0">
+              <a:latin typeface="휴먼모음T" panose="02030504000101010101" pitchFamily="18" charset="-127"/>
+              <a:ea typeface="휴먼모음T" panose="02030504000101010101" pitchFamily="18" charset="-127"/>
+            </a:endParaRPr>
+          </a:p>
+        </p:txBody>
+      </p:sp>
+      <p:sp>
+        <p:nvSpPr>
+          <p:cNvPr id="15" name="사각형: 둥근 모서리 14">
+            <a:extLst>
+              <a:ext uri="{FF2B5EF4-FFF2-40B4-BE49-F238E27FC236}">
+                <a16:creationId xmlns:a16="http://schemas.microsoft.com/office/drawing/2014/main" id="{2AF756C2-32DE-4124-302A-C86500FD11CE}"/>
+              </a:ext>
+            </a:extLst>
+          </p:cNvPr>
+          <p:cNvSpPr/>
+          <p:nvPr/>
+        </p:nvSpPr>
+        <p:spPr>
+          <a:xfrm>
+            <a:off x="918051" y="3924882"/>
+            <a:ext cx="5078997" cy="1367272"/>
+          </a:xfrm>
+          <a:prstGeom prst="roundRect">
+            <a:avLst/>
+          </a:prstGeom>
+          <a:solidFill>
+            <a:schemeClr val="accent6">
+              <a:lumMod val="40000"/>
+              <a:lumOff val="60000"/>
+            </a:schemeClr>
+          </a:solidFill>
+          <a:ln>
+            <a:solidFill>
+              <a:schemeClr val="tx1"/>
+            </a:solidFill>
+          </a:ln>
+        </p:spPr>
+        <p:style>
+          <a:lnRef idx="2">
+            <a:schemeClr val="accent1">
+              <a:shade val="15000"/>
+            </a:schemeClr>
+          </a:lnRef>
+          <a:fillRef idx="1">
+            <a:schemeClr val="accent1"/>
+          </a:fillRef>
+          <a:effectRef idx="0">
+            <a:schemeClr val="accent1"/>
+          </a:effectRef>
+          <a:fontRef idx="minor">
+            <a:schemeClr val="lt1"/>
+          </a:fontRef>
+        </p:style>
+        <p:txBody>
+          <a:bodyPr rtlCol="0" anchor="ctr"/>
+          <a:lstStyle/>
+          <a:p>
+            <a:pPr algn="ctr"/>
+            <a:endParaRPr lang="ko-KR" altLang="en-US"/>
+          </a:p>
+        </p:txBody>
+      </p:sp>
+      <p:cxnSp>
+        <p:nvCxnSpPr>
+          <p:cNvPr id="16" name="직선 화살표 연결선 15">
+            <a:extLst>
+              <a:ext uri="{FF2B5EF4-FFF2-40B4-BE49-F238E27FC236}">
+                <a16:creationId xmlns:a16="http://schemas.microsoft.com/office/drawing/2014/main" id="{7F98C3E9-D2BF-C6CC-7D68-433FA3FD7A21}"/>
+              </a:ext>
+            </a:extLst>
+          </p:cNvPr>
+          <p:cNvCxnSpPr/>
+          <p:nvPr/>
+        </p:nvCxnSpPr>
+        <p:spPr>
+          <a:xfrm>
+            <a:off x="3457549" y="4657842"/>
+            <a:ext cx="539406" cy="0"/>
+          </a:xfrm>
+          <a:prstGeom prst="straightConnector1">
+            <a:avLst/>
+          </a:prstGeom>
+          <a:ln w="76200">
+            <a:tailEnd type="triangle"/>
+          </a:ln>
+        </p:spPr>
+        <p:style>
+          <a:lnRef idx="1">
+            <a:schemeClr val="dk1"/>
+          </a:lnRef>
+          <a:fillRef idx="0">
+            <a:schemeClr val="dk1"/>
+          </a:fillRef>
+          <a:effectRef idx="0">
+            <a:schemeClr val="dk1"/>
+          </a:effectRef>
+          <a:fontRef idx="minor">
+            <a:schemeClr val="tx1"/>
+          </a:fontRef>
+        </p:style>
+      </p:cxnSp>
+      <p:pic>
+        <p:nvPicPr>
+          <p:cNvPr id="17" name="그림 16" descr="그린, 스크린샷이(가) 표시된 사진&#10;&#10;자동 생성된 설명">
+            <a:extLst>
+              <a:ext uri="{FF2B5EF4-FFF2-40B4-BE49-F238E27FC236}">
+                <a16:creationId xmlns:a16="http://schemas.microsoft.com/office/drawing/2014/main" id="{99C7541F-5AEC-D350-8D1B-DCA2C583A0DA}"/>
+              </a:ext>
+            </a:extLst>
+          </p:cNvPr>
+          <p:cNvPicPr>
+            <a:picLocks noChangeAspect="1"/>
+          </p:cNvPicPr>
+          <p:nvPr/>
+        </p:nvPicPr>
+        <p:blipFill rotWithShape="1">
+          <a:blip r:embed="rId2">
+            <a:extLst>
+              <a:ext uri="{28A0092B-C50C-407E-A947-70E740481C1C}">
+                <a14:useLocalDpi xmlns:a14="http://schemas.microsoft.com/office/drawing/2010/main" val="0"/>
+              </a:ext>
+            </a:extLst>
+          </a:blip>
+          <a:srcRect l="3930" t="40089" r="71252" b="42269"/>
+          <a:stretch/>
+        </p:blipFill>
+        <p:spPr>
+          <a:xfrm rot="21284854" flipH="1">
+            <a:off x="1379715" y="4016344"/>
+            <a:ext cx="2066532" cy="1489789"/>
+          </a:xfrm>
+          <a:prstGeom prst="rect">
+            <a:avLst/>
+          </a:prstGeom>
+        </p:spPr>
+      </p:pic>
+      <p:pic>
+        <p:nvPicPr>
+          <p:cNvPr id="18" name="그림 17" descr="그린, 스크린샷이(가) 표시된 사진&#10;&#10;자동 생성된 설명">
+            <a:extLst>
+              <a:ext uri="{FF2B5EF4-FFF2-40B4-BE49-F238E27FC236}">
+                <a16:creationId xmlns:a16="http://schemas.microsoft.com/office/drawing/2014/main" id="{E2AD96F3-6464-82EB-01D3-BBC6ED14356B}"/>
+              </a:ext>
+            </a:extLst>
+          </p:cNvPr>
+          <p:cNvPicPr>
+            <a:picLocks noChangeAspect="1"/>
+          </p:cNvPicPr>
+          <p:nvPr/>
+        </p:nvPicPr>
+        <p:blipFill rotWithShape="1">
+          <a:blip r:embed="rId7">
+            <a:extLst>
+              <a:ext uri="{28A0092B-C50C-407E-A947-70E740481C1C}">
+                <a14:useLocalDpi xmlns:a14="http://schemas.microsoft.com/office/drawing/2010/main" val="0"/>
+              </a:ext>
+            </a:extLst>
+          </a:blip>
+          <a:srcRect l="64413" t="41666" r="9497" b="37883"/>
+          <a:stretch/>
+        </p:blipFill>
+        <p:spPr>
+          <a:xfrm flipH="1">
+            <a:off x="4342388" y="4392607"/>
+            <a:ext cx="1214360" cy="841651"/>
+          </a:xfrm>
+          <a:prstGeom prst="rect">
+            <a:avLst/>
+          </a:prstGeom>
+        </p:spPr>
+      </p:pic>
+      <p:sp>
+        <p:nvSpPr>
+          <p:cNvPr id="19" name="내용 개체 틀 2">
+            <a:extLst>
+              <a:ext uri="{FF2B5EF4-FFF2-40B4-BE49-F238E27FC236}">
+                <a16:creationId xmlns:a16="http://schemas.microsoft.com/office/drawing/2014/main" id="{3B286387-34F9-1A60-380F-6808A7E51542}"/>
+              </a:ext>
+            </a:extLst>
+          </p:cNvPr>
+          <p:cNvSpPr txBox="1">
+            <a:spLocks/>
+          </p:cNvSpPr>
+          <p:nvPr/>
+        </p:nvSpPr>
+        <p:spPr>
+          <a:xfrm>
+            <a:off x="918051" y="5596608"/>
+            <a:ext cx="10045224" cy="985167"/>
+          </a:xfrm>
+          <a:prstGeom prst="rect">
+            <a:avLst/>
+          </a:prstGeom>
+        </p:spPr>
+        <p:txBody>
+          <a:bodyPr vert="horz" lIns="91440" tIns="45720" rIns="91440" bIns="45720" rtlCol="0">
+            <a:normAutofit/>
+          </a:bodyPr>
+          <a:lstStyle>
+            <a:lvl1pPr marL="228600" indent="-228600" algn="l" defTabSz="914400" rtl="0" eaLnBrk="1" latinLnBrk="1" hangingPunct="1">
+              <a:lnSpc>
+                <a:spcPct val="90000"/>
+              </a:lnSpc>
+              <a:spcBef>
+                <a:spcPts val="1000"/>
+              </a:spcBef>
+              <a:buFont typeface="Arial" panose="020B0604020202020204" pitchFamily="34" charset="0"/>
+              <a:buChar char="•"/>
+              <a:defRPr sz="2800" kern="1200">
+                <a:solidFill>
+                  <a:schemeClr val="tx1"/>
+                </a:solidFill>
+                <a:latin typeface="+mn-lt"/>
+                <a:ea typeface="+mn-ea"/>
+                <a:cs typeface="+mn-cs"/>
+              </a:defRPr>
+            </a:lvl1pPr>
+            <a:lvl2pPr marL="685800" indent="-228600" algn="l" defTabSz="914400" rtl="0" eaLnBrk="1" latinLnBrk="1" hangingPunct="1">
+              <a:lnSpc>
+                <a:spcPct val="90000"/>
+              </a:lnSpc>
+              <a:spcBef>
+                <a:spcPts val="500"/>
+              </a:spcBef>
+              <a:buFont typeface="Arial" panose="020B0604020202020204" pitchFamily="34" charset="0"/>
+              <a:buChar char="•"/>
+              <a:defRPr sz="2400" kern="1200">
+                <a:solidFill>
+                  <a:schemeClr val="tx1"/>
+                </a:solidFill>
+                <a:latin typeface="+mn-lt"/>
+                <a:ea typeface="+mn-ea"/>
+                <a:cs typeface="+mn-cs"/>
+              </a:defRPr>
+            </a:lvl2pPr>
+            <a:lvl3pPr marL="1143000" indent="-228600" algn="l" defTabSz="914400" rtl="0" eaLnBrk="1" latinLnBrk="1" hangingPunct="1">
+              <a:lnSpc>
+                <a:spcPct val="90000"/>
+              </a:lnSpc>
+              <a:spcBef>
+                <a:spcPts val="500"/>
+              </a:spcBef>
+              <a:buFont typeface="Arial" panose="020B0604020202020204" pitchFamily="34" charset="0"/>
+              <a:buChar char="•"/>
+              <a:defRPr sz="2000" kern="1200">
+                <a:solidFill>
+                  <a:schemeClr val="tx1"/>
+                </a:solidFill>
+                <a:latin typeface="+mn-lt"/>
+                <a:ea typeface="+mn-ea"/>
+                <a:cs typeface="+mn-cs"/>
+              </a:defRPr>
+            </a:lvl3pPr>
+            <a:lvl4pPr marL="1600200" indent="-228600" algn="l" defTabSz="914400" rtl="0" eaLnBrk="1" latinLnBrk="1" hangingPunct="1">
+              <a:lnSpc>
+                <a:spcPct val="90000"/>
+              </a:lnSpc>
+              <a:spcBef>
+                <a:spcPts val="500"/>
+              </a:spcBef>
+              <a:buFont typeface="Arial" panose="020B0604020202020204" pitchFamily="34" charset="0"/>
+              <a:buChar char="•"/>
+              <a:defRPr sz="1800" kern="1200">
+                <a:solidFill>
+                  <a:schemeClr val="tx1"/>
+                </a:solidFill>
+                <a:latin typeface="+mn-lt"/>
+                <a:ea typeface="+mn-ea"/>
+                <a:cs typeface="+mn-cs"/>
+              </a:defRPr>
+            </a:lvl4pPr>
+            <a:lvl5pPr marL="2057400" indent="-228600" algn="l" defTabSz="914400" rtl="0" eaLnBrk="1" latinLnBrk="1" hangingPunct="1">
+              <a:lnSpc>
+                <a:spcPct val="90000"/>
+              </a:lnSpc>
+              <a:spcBef>
+                <a:spcPts val="500"/>
+              </a:spcBef>
+              <a:buFont typeface="Arial" panose="020B0604020202020204" pitchFamily="34" charset="0"/>
+              <a:buChar char="•"/>
+              <a:defRPr sz="1800" kern="1200">
+                <a:solidFill>
+                  <a:schemeClr val="tx1"/>
+                </a:solidFill>
+                <a:latin typeface="+mn-lt"/>
+                <a:ea typeface="+mn-ea"/>
+                <a:cs typeface="+mn-cs"/>
+              </a:defRPr>
+            </a:lvl5pPr>
+            <a:lvl6pPr marL="2514600" indent="-228600" algn="l" defTabSz="914400" rtl="0" eaLnBrk="1" latinLnBrk="1" hangingPunct="1">
+              <a:lnSpc>
+                <a:spcPct val="90000"/>
+              </a:lnSpc>
+              <a:spcBef>
+                <a:spcPts val="500"/>
+              </a:spcBef>
+              <a:buFont typeface="Arial" panose="020B0604020202020204" pitchFamily="34" charset="0"/>
+              <a:buChar char="•"/>
+              <a:defRPr sz="1800" kern="1200">
+                <a:solidFill>
+                  <a:schemeClr val="tx1"/>
+                </a:solidFill>
+                <a:latin typeface="+mn-lt"/>
+                <a:ea typeface="+mn-ea"/>
+                <a:cs typeface="+mn-cs"/>
+              </a:defRPr>
+            </a:lvl6pPr>
+            <a:lvl7pPr marL="2971800" indent="-228600" algn="l" defTabSz="914400" rtl="0" eaLnBrk="1" latinLnBrk="1" hangingPunct="1">
+              <a:lnSpc>
+                <a:spcPct val="90000"/>
+              </a:lnSpc>
+              <a:spcBef>
+                <a:spcPts val="500"/>
+              </a:spcBef>
+              <a:buFont typeface="Arial" panose="020B0604020202020204" pitchFamily="34" charset="0"/>
+              <a:buChar char="•"/>
+              <a:defRPr sz="1800" kern="1200">
+                <a:solidFill>
+                  <a:schemeClr val="tx1"/>
+                </a:solidFill>
+                <a:latin typeface="+mn-lt"/>
+                <a:ea typeface="+mn-ea"/>
+                <a:cs typeface="+mn-cs"/>
+              </a:defRPr>
+            </a:lvl7pPr>
+            <a:lvl8pPr marL="3429000" indent="-228600" algn="l" defTabSz="914400" rtl="0" eaLnBrk="1" latinLnBrk="1" hangingPunct="1">
+              <a:lnSpc>
+                <a:spcPct val="90000"/>
+              </a:lnSpc>
+              <a:spcBef>
+                <a:spcPts val="500"/>
+              </a:spcBef>
+              <a:buFont typeface="Arial" panose="020B0604020202020204" pitchFamily="34" charset="0"/>
+              <a:buChar char="•"/>
+              <a:defRPr sz="1800" kern="1200">
+                <a:solidFill>
+                  <a:schemeClr val="tx1"/>
+                </a:solidFill>
+                <a:latin typeface="+mn-lt"/>
+                <a:ea typeface="+mn-ea"/>
+                <a:cs typeface="+mn-cs"/>
+              </a:defRPr>
+            </a:lvl8pPr>
+            <a:lvl9pPr marL="3886200" indent="-228600" algn="l" defTabSz="914400" rtl="0" eaLnBrk="1" latinLnBrk="1" hangingPunct="1">
+              <a:lnSpc>
+                <a:spcPct val="90000"/>
+              </a:lnSpc>
+              <a:spcBef>
+                <a:spcPts val="500"/>
+              </a:spcBef>
+              <a:buFont typeface="Arial" panose="020B0604020202020204" pitchFamily="34" charset="0"/>
+              <a:buChar char="•"/>
+              <a:defRPr sz="1800" kern="1200">
+                <a:solidFill>
+                  <a:schemeClr val="tx1"/>
+                </a:solidFill>
+                <a:latin typeface="+mn-lt"/>
+                <a:ea typeface="+mn-ea"/>
+                <a:cs typeface="+mn-cs"/>
+              </a:defRPr>
+            </a:lvl9pPr>
+          </a:lstStyle>
+          <a:p>
+            <a:pPr marL="0" indent="0">
+              <a:buFont typeface="Arial" panose="020B0604020202020204" pitchFamily="34" charset="0"/>
+              <a:buNone/>
+            </a:pPr>
+            <a:r>
+              <a:rPr lang="ko-KR" altLang="en-US" sz="2000" dirty="0">
+                <a:latin typeface="휴먼모음T" panose="02030504000101010101" pitchFamily="18" charset="-127"/>
+                <a:ea typeface="휴먼모음T" panose="02030504000101010101" pitchFamily="18" charset="-127"/>
+              </a:rPr>
+              <a:t>플레이어에게 빨아 들여지면 </a:t>
+            </a:r>
+            <a:r>
+              <a:rPr lang="ko-KR" altLang="en-US" sz="2000" dirty="0" err="1">
+                <a:latin typeface="휴먼모음T" panose="02030504000101010101" pitchFamily="18" charset="-127"/>
+                <a:ea typeface="휴먼모음T" panose="02030504000101010101" pitchFamily="18" charset="-127"/>
+              </a:rPr>
+              <a:t>슬라임의</a:t>
+            </a:r>
+            <a:r>
+              <a:rPr lang="ko-KR" altLang="en-US" sz="2000" dirty="0">
+                <a:latin typeface="휴먼모음T" panose="02030504000101010101" pitchFamily="18" charset="-127"/>
+                <a:ea typeface="휴먼모음T" panose="02030504000101010101" pitchFamily="18" charset="-127"/>
+              </a:rPr>
+              <a:t> 크기가 감소하고 완전히 빨아들여지면 패배한다</a:t>
+            </a:r>
+            <a:r>
+              <a:rPr lang="en-US" altLang="ko-KR" dirty="0">
+                <a:latin typeface="휴먼모음T" panose="02030504000101010101" pitchFamily="18" charset="-127"/>
+                <a:ea typeface="휴먼모음T" panose="02030504000101010101" pitchFamily="18" charset="-127"/>
+              </a:rPr>
+              <a:t>.</a:t>
+            </a:r>
+            <a:br>
+              <a:rPr lang="en-US" altLang="ko-KR" dirty="0">
+                <a:latin typeface="휴먼모음T" panose="02030504000101010101" pitchFamily="18" charset="-127"/>
+                <a:ea typeface="휴먼모음T" panose="02030504000101010101" pitchFamily="18" charset="-127"/>
+              </a:rPr>
+            </a:br>
+            <a:r>
+              <a:rPr lang="ko-KR" altLang="en-US" sz="2000" dirty="0">
+                <a:latin typeface="휴먼모음T" panose="02030504000101010101" pitchFamily="18" charset="-127"/>
+                <a:ea typeface="휴먼모음T" panose="02030504000101010101" pitchFamily="18" charset="-127"/>
+              </a:rPr>
+              <a:t>플레이어를 흡수할 수 있는 크기 까지 크기를 키워 플레이어를 모두 먹으면 승리한다</a:t>
+            </a:r>
+            <a:r>
+              <a:rPr lang="en-US" altLang="ko-KR" sz="2000" dirty="0">
+                <a:latin typeface="휴먼모음T" panose="02030504000101010101" pitchFamily="18" charset="-127"/>
+                <a:ea typeface="휴먼모음T" panose="02030504000101010101" pitchFamily="18" charset="-127"/>
+              </a:rPr>
+              <a:t>.</a:t>
+            </a:r>
+            <a:endParaRPr lang="ko-KR" altLang="en-US" dirty="0">
+              <a:latin typeface="휴먼모음T" panose="02030504000101010101" pitchFamily="18" charset="-127"/>
+              <a:ea typeface="휴먼모음T" panose="02030504000101010101" pitchFamily="18" charset="-127"/>
+            </a:endParaRPr>
+          </a:p>
+        </p:txBody>
+      </p:sp>
+      <p:pic>
+        <p:nvPicPr>
+          <p:cNvPr id="20" name="그림 19" descr="스크린샷, 디자인이(가) 표시된 사진&#10;&#10;자동 생성된 설명">
+            <a:extLst>
+              <a:ext uri="{FF2B5EF4-FFF2-40B4-BE49-F238E27FC236}">
+                <a16:creationId xmlns:a16="http://schemas.microsoft.com/office/drawing/2014/main" id="{38057D9C-A9D0-8668-D4B6-76B5E4135CB5}"/>
+              </a:ext>
+            </a:extLst>
+          </p:cNvPr>
+          <p:cNvPicPr>
+            <a:picLocks noChangeAspect="1"/>
+          </p:cNvPicPr>
+          <p:nvPr/>
+        </p:nvPicPr>
+        <p:blipFill>
+          <a:blip r:embed="rId8">
+            <a:extLst>
+              <a:ext uri="{28A0092B-C50C-407E-A947-70E740481C1C}">
+                <a14:useLocalDpi xmlns:a14="http://schemas.microsoft.com/office/drawing/2010/main" val="0"/>
+              </a:ext>
+            </a:extLst>
+          </a:blip>
+          <a:stretch>
+            <a:fillRect/>
+          </a:stretch>
+        </p:blipFill>
+        <p:spPr>
+          <a:xfrm rot="18604772">
+            <a:off x="1352433" y="4233140"/>
+            <a:ext cx="311647" cy="311647"/>
+          </a:xfrm>
+          <a:prstGeom prst="rect">
+            <a:avLst/>
+          </a:prstGeom>
+        </p:spPr>
+      </p:pic>
+      <p:pic>
+        <p:nvPicPr>
+          <p:cNvPr id="21" name="그림 20" descr="스크린샷, 디자인이(가) 표시된 사진&#10;&#10;자동 생성된 설명">
+            <a:extLst>
+              <a:ext uri="{FF2B5EF4-FFF2-40B4-BE49-F238E27FC236}">
+                <a16:creationId xmlns:a16="http://schemas.microsoft.com/office/drawing/2014/main" id="{BA9DD34B-A977-5131-74CF-260690C6A983}"/>
+              </a:ext>
+            </a:extLst>
+          </p:cNvPr>
+          <p:cNvPicPr>
+            <a:picLocks noChangeAspect="1"/>
+          </p:cNvPicPr>
+          <p:nvPr/>
+        </p:nvPicPr>
+        <p:blipFill>
+          <a:blip r:embed="rId8">
+            <a:extLst>
+              <a:ext uri="{28A0092B-C50C-407E-A947-70E740481C1C}">
+                <a14:useLocalDpi xmlns:a14="http://schemas.microsoft.com/office/drawing/2010/main" val="0"/>
+              </a:ext>
+            </a:extLst>
+          </a:blip>
+          <a:stretch>
+            <a:fillRect/>
+          </a:stretch>
+        </p:blipFill>
+        <p:spPr>
+          <a:xfrm rot="18604772">
+            <a:off x="4158640" y="4152913"/>
+            <a:ext cx="311647" cy="311647"/>
+          </a:xfrm>
+          <a:prstGeom prst="rect">
+            <a:avLst/>
+          </a:prstGeom>
+        </p:spPr>
+      </p:pic>
+      <p:sp>
+        <p:nvSpPr>
+          <p:cNvPr id="22" name="사각형: 둥근 모서리 21">
+            <a:extLst>
+              <a:ext uri="{FF2B5EF4-FFF2-40B4-BE49-F238E27FC236}">
+                <a16:creationId xmlns:a16="http://schemas.microsoft.com/office/drawing/2014/main" id="{604874DA-6956-9FBB-B652-D7CF2CBD6D0C}"/>
+              </a:ext>
+            </a:extLst>
+          </p:cNvPr>
+          <p:cNvSpPr/>
+          <p:nvPr/>
+        </p:nvSpPr>
+        <p:spPr>
+          <a:xfrm>
+            <a:off x="6149916" y="3924882"/>
+            <a:ext cx="5078997" cy="1367272"/>
+          </a:xfrm>
+          <a:prstGeom prst="roundRect">
+            <a:avLst/>
+          </a:prstGeom>
+          <a:solidFill>
+            <a:schemeClr val="accent6">
+              <a:lumMod val="40000"/>
+              <a:lumOff val="60000"/>
+            </a:schemeClr>
+          </a:solidFill>
+          <a:ln>
+            <a:solidFill>
+              <a:schemeClr val="tx1"/>
+            </a:solidFill>
+          </a:ln>
+        </p:spPr>
+        <p:style>
+          <a:lnRef idx="2">
+            <a:schemeClr val="accent1">
+              <a:shade val="15000"/>
+            </a:schemeClr>
+          </a:lnRef>
+          <a:fillRef idx="1">
+            <a:schemeClr val="accent1"/>
+          </a:fillRef>
+          <a:effectRef idx="0">
+            <a:schemeClr val="accent1"/>
+          </a:effectRef>
+          <a:fontRef idx="minor">
+            <a:schemeClr val="lt1"/>
+          </a:fontRef>
+        </p:style>
+        <p:txBody>
+          <a:bodyPr rtlCol="0" anchor="ctr"/>
+          <a:lstStyle/>
+          <a:p>
+            <a:pPr algn="ctr"/>
+            <a:endParaRPr lang="ko-KR" altLang="en-US"/>
+          </a:p>
+        </p:txBody>
+      </p:sp>
+      <p:pic>
+        <p:nvPicPr>
+          <p:cNvPr id="23" name="그림 22" descr="그린, 스크린샷이(가) 표시된 사진&#10;&#10;자동 생성된 설명">
+            <a:extLst>
+              <a:ext uri="{FF2B5EF4-FFF2-40B4-BE49-F238E27FC236}">
+                <a16:creationId xmlns:a16="http://schemas.microsoft.com/office/drawing/2014/main" id="{9E9A15EB-7911-AC69-044B-7902FB0091DE}"/>
+              </a:ext>
+            </a:extLst>
+          </p:cNvPr>
+          <p:cNvPicPr>
+            <a:picLocks noChangeAspect="1"/>
+          </p:cNvPicPr>
+          <p:nvPr/>
+        </p:nvPicPr>
+        <p:blipFill rotWithShape="1">
+          <a:blip r:embed="rId2">
+            <a:extLst>
+              <a:ext uri="{28A0092B-C50C-407E-A947-70E740481C1C}">
+                <a14:useLocalDpi xmlns:a14="http://schemas.microsoft.com/office/drawing/2010/main" val="0"/>
+              </a:ext>
+            </a:extLst>
+          </a:blip>
+          <a:srcRect l="3930" t="40089" r="71252" b="42269"/>
+          <a:stretch/>
+        </p:blipFill>
+        <p:spPr>
+          <a:xfrm rot="21284854" flipH="1">
+            <a:off x="7704211" y="3759017"/>
+            <a:ext cx="2006111" cy="1824311"/>
+          </a:xfrm>
+          <a:prstGeom prst="rect">
+            <a:avLst/>
+          </a:prstGeom>
+        </p:spPr>
+      </p:pic>
+      <p:pic>
+        <p:nvPicPr>
+          <p:cNvPr id="27" name="그림 26" descr="블랙, 어둠, 스크린샷이(가) 표시된 사진&#10;&#10;자동 생성된 설명">
+            <a:extLst>
+              <a:ext uri="{FF2B5EF4-FFF2-40B4-BE49-F238E27FC236}">
+                <a16:creationId xmlns:a16="http://schemas.microsoft.com/office/drawing/2014/main" id="{A0731D8A-1EC2-FB2C-E710-9F206963B94C}"/>
+              </a:ext>
+            </a:extLst>
+          </p:cNvPr>
+          <p:cNvPicPr>
+            <a:picLocks noChangeAspect="1"/>
+          </p:cNvPicPr>
+          <p:nvPr/>
+        </p:nvPicPr>
+        <p:blipFill>
+          <a:blip r:embed="rId9">
+            <a:extLst>
+              <a:ext uri="{28A0092B-C50C-407E-A947-70E740481C1C}">
+                <a14:useLocalDpi xmlns:a14="http://schemas.microsoft.com/office/drawing/2010/main" val="0"/>
+              </a:ext>
+            </a:extLst>
+          </a:blip>
+          <a:stretch>
+            <a:fillRect/>
+          </a:stretch>
+        </p:blipFill>
+        <p:spPr>
+          <a:xfrm rot="2968878">
+            <a:off x="8712298" y="4527640"/>
+            <a:ext cx="676647" cy="676647"/>
+          </a:xfrm>
+          <a:prstGeom prst="rect">
+            <a:avLst/>
+          </a:prstGeom>
+        </p:spPr>
+      </p:pic>
+      <p:pic>
+        <p:nvPicPr>
+          <p:cNvPr id="28" name="그림 27" descr="블랙, 어둠, 스크린샷이(가) 표시된 사진&#10;&#10;자동 생성된 설명">
+            <a:extLst>
+              <a:ext uri="{FF2B5EF4-FFF2-40B4-BE49-F238E27FC236}">
+                <a16:creationId xmlns:a16="http://schemas.microsoft.com/office/drawing/2014/main" id="{352EE91A-FFFD-CCB1-E9E4-370501CEA27A}"/>
+              </a:ext>
+            </a:extLst>
+          </p:cNvPr>
+          <p:cNvPicPr>
+            <a:picLocks noChangeAspect="1"/>
+          </p:cNvPicPr>
+          <p:nvPr/>
+        </p:nvPicPr>
+        <p:blipFill>
+          <a:blip r:embed="rId9">
+            <a:extLst>
+              <a:ext uri="{28A0092B-C50C-407E-A947-70E740481C1C}">
+                <a14:useLocalDpi xmlns:a14="http://schemas.microsoft.com/office/drawing/2010/main" val="0"/>
+              </a:ext>
+            </a:extLst>
+          </a:blip>
+          <a:stretch>
+            <a:fillRect/>
+          </a:stretch>
+        </p:blipFill>
+        <p:spPr>
+          <a:xfrm rot="18893451">
+            <a:off x="8237947" y="4096214"/>
+            <a:ext cx="676647" cy="676647"/>
+          </a:xfrm>
+          <a:prstGeom prst="rect">
+            <a:avLst/>
+          </a:prstGeom>
+        </p:spPr>
+      </p:pic>
     </p:spTree>
     <p:extLst>
       <p:ext uri="{BB962C8B-B14F-4D97-AF65-F5344CB8AC3E}">
@@ -9072,6 +10944,1254 @@
 </file>
 
 <file path=ppt/slides/slide5.xml><?xml version="1.0" encoding="utf-8"?>
+<p:sld xmlns:a="http://schemas.openxmlformats.org/drawingml/2006/main" xmlns:r="http://schemas.openxmlformats.org/officeDocument/2006/relationships" xmlns:p="http://schemas.openxmlformats.org/presentationml/2006/main">
+  <p:cSld>
+    <p:spTree>
+      <p:nvGrpSpPr>
+        <p:cNvPr id="1" name=""/>
+        <p:cNvGrpSpPr/>
+        <p:nvPr/>
+      </p:nvGrpSpPr>
+      <p:grpSpPr>
+        <a:xfrm>
+          <a:off x="0" y="0"/>
+          <a:ext cx="0" cy="0"/>
+          <a:chOff x="0" y="0"/>
+          <a:chExt cx="0" cy="0"/>
+        </a:xfrm>
+      </p:grpSpPr>
+      <p:sp>
+        <p:nvSpPr>
+          <p:cNvPr id="4" name="직사각형 3">
+            <a:extLst>
+              <a:ext uri="{FF2B5EF4-FFF2-40B4-BE49-F238E27FC236}">
+                <a16:creationId xmlns:a16="http://schemas.microsoft.com/office/drawing/2014/main" id="{F4104F94-9E83-54C5-23BA-22591F6B0F42}"/>
+              </a:ext>
+            </a:extLst>
+          </p:cNvPr>
+          <p:cNvSpPr/>
+          <p:nvPr/>
+        </p:nvSpPr>
+        <p:spPr>
+          <a:xfrm>
+            <a:off x="292990" y="176510"/>
+            <a:ext cx="5559535" cy="923330"/>
+          </a:xfrm>
+          <a:prstGeom prst="rect">
+            <a:avLst/>
+          </a:prstGeom>
+          <a:noFill/>
+        </p:spPr>
+        <p:txBody>
+          <a:bodyPr wrap="none" lIns="91440" tIns="45720" rIns="91440" bIns="45720">
+            <a:spAutoFit/>
+          </a:bodyPr>
+          <a:lstStyle/>
+          <a:p>
+            <a:r>
+              <a:rPr lang="ko-KR" altLang="en-US" sz="5400" b="1" cap="none" spc="0" dirty="0">
+                <a:ln w="0"/>
+                <a:solidFill>
+                  <a:schemeClr val="accent6"/>
+                </a:solidFill>
+                <a:effectLst>
+                  <a:outerShdw blurRad="38100" dist="19050" dir="2700000" algn="tl" rotWithShape="0">
+                    <a:schemeClr val="dk1">
+                      <a:alpha val="40000"/>
+                    </a:schemeClr>
+                  </a:outerShdw>
+                </a:effectLst>
+                <a:latin typeface="휴먼모음T" panose="02030504000101010101" pitchFamily="18" charset="-127"/>
+                <a:ea typeface="휴먼모음T" panose="02030504000101010101" pitchFamily="18" charset="-127"/>
+              </a:rPr>
+              <a:t>개요 </a:t>
+            </a:r>
+            <a:r>
+              <a:rPr lang="en-US" altLang="ko-KR" sz="5400" b="1" cap="none" spc="0" dirty="0">
+                <a:ln w="0"/>
+                <a:solidFill>
+                  <a:schemeClr val="accent6"/>
+                </a:solidFill>
+                <a:effectLst>
+                  <a:outerShdw blurRad="38100" dist="19050" dir="2700000" algn="tl" rotWithShape="0">
+                    <a:schemeClr val="dk1">
+                      <a:alpha val="40000"/>
+                    </a:schemeClr>
+                  </a:outerShdw>
+                </a:effectLst>
+                <a:latin typeface="휴먼모음T" panose="02030504000101010101" pitchFamily="18" charset="-127"/>
+                <a:ea typeface="휴먼모음T" panose="02030504000101010101" pitchFamily="18" charset="-127"/>
+              </a:rPr>
+              <a:t>– </a:t>
+            </a:r>
+            <a:r>
+              <a:rPr lang="ko-KR" altLang="en-US" sz="5400" b="1" cap="none" spc="0" dirty="0">
+                <a:ln w="0"/>
+                <a:solidFill>
+                  <a:schemeClr val="accent6"/>
+                </a:solidFill>
+                <a:effectLst>
+                  <a:outerShdw blurRad="38100" dist="19050" dir="2700000" algn="tl" rotWithShape="0">
+                    <a:schemeClr val="dk1">
+                      <a:alpha val="40000"/>
+                    </a:schemeClr>
+                  </a:outerShdw>
+                </a:effectLst>
+                <a:latin typeface="휴먼모음T" panose="02030504000101010101" pitchFamily="18" charset="-127"/>
+                <a:ea typeface="휴먼모음T" panose="02030504000101010101" pitchFamily="18" charset="-127"/>
+              </a:rPr>
+              <a:t>게임 플레이</a:t>
+            </a:r>
+            <a:endParaRPr lang="en-US" altLang="ko-KR" sz="5400" b="1" cap="none" spc="0" dirty="0">
+              <a:ln w="0"/>
+              <a:solidFill>
+                <a:schemeClr val="accent6"/>
+              </a:solidFill>
+              <a:effectLst>
+                <a:outerShdw blurRad="38100" dist="19050" dir="2700000" algn="tl" rotWithShape="0">
+                  <a:schemeClr val="dk1">
+                    <a:alpha val="40000"/>
+                  </a:schemeClr>
+                </a:outerShdw>
+              </a:effectLst>
+              <a:latin typeface="휴먼모음T" panose="02030504000101010101" pitchFamily="18" charset="-127"/>
+              <a:ea typeface="휴먼모음T" panose="02030504000101010101" pitchFamily="18" charset="-127"/>
+            </a:endParaRPr>
+          </a:p>
+        </p:txBody>
+      </p:sp>
+      <p:sp>
+        <p:nvSpPr>
+          <p:cNvPr id="5" name="사각형: 둥근 모서리 4">
+            <a:extLst>
+              <a:ext uri="{FF2B5EF4-FFF2-40B4-BE49-F238E27FC236}">
+                <a16:creationId xmlns:a16="http://schemas.microsoft.com/office/drawing/2014/main" id="{02955CCE-4D66-3691-D677-F06FCCA05465}"/>
+              </a:ext>
+            </a:extLst>
+          </p:cNvPr>
+          <p:cNvSpPr/>
+          <p:nvPr/>
+        </p:nvSpPr>
+        <p:spPr>
+          <a:xfrm>
+            <a:off x="918051" y="1600200"/>
+            <a:ext cx="5078997" cy="1661059"/>
+          </a:xfrm>
+          <a:prstGeom prst="roundRect">
+            <a:avLst/>
+          </a:prstGeom>
+          <a:solidFill>
+            <a:schemeClr val="accent6">
+              <a:lumMod val="40000"/>
+              <a:lumOff val="60000"/>
+            </a:schemeClr>
+          </a:solidFill>
+          <a:ln>
+            <a:solidFill>
+              <a:schemeClr val="tx1"/>
+            </a:solidFill>
+          </a:ln>
+        </p:spPr>
+        <p:style>
+          <a:lnRef idx="2">
+            <a:schemeClr val="accent1">
+              <a:shade val="15000"/>
+            </a:schemeClr>
+          </a:lnRef>
+          <a:fillRef idx="1">
+            <a:schemeClr val="accent1"/>
+          </a:fillRef>
+          <a:effectRef idx="0">
+            <a:schemeClr val="accent1"/>
+          </a:effectRef>
+          <a:fontRef idx="minor">
+            <a:schemeClr val="lt1"/>
+          </a:fontRef>
+        </p:style>
+        <p:txBody>
+          <a:bodyPr rtlCol="0" anchor="ctr"/>
+          <a:lstStyle/>
+          <a:p>
+            <a:pPr algn="ctr"/>
+            <a:endParaRPr lang="ko-KR" altLang="en-US"/>
+          </a:p>
+        </p:txBody>
+      </p:sp>
+      <p:sp>
+        <p:nvSpPr>
+          <p:cNvPr id="2" name="사각형: 둥근 모서리 1">
+            <a:extLst>
+              <a:ext uri="{FF2B5EF4-FFF2-40B4-BE49-F238E27FC236}">
+                <a16:creationId xmlns:a16="http://schemas.microsoft.com/office/drawing/2014/main" id="{5147C9A6-A0B8-F342-A050-F8310EFF5D70}"/>
+              </a:ext>
+            </a:extLst>
+          </p:cNvPr>
+          <p:cNvSpPr/>
+          <p:nvPr/>
+        </p:nvSpPr>
+        <p:spPr>
+          <a:xfrm>
+            <a:off x="6167769" y="1600200"/>
+            <a:ext cx="5078997" cy="1661059"/>
+          </a:xfrm>
+          <a:prstGeom prst="roundRect">
+            <a:avLst/>
+          </a:prstGeom>
+          <a:solidFill>
+            <a:schemeClr val="accent6">
+              <a:lumMod val="40000"/>
+              <a:lumOff val="60000"/>
+            </a:schemeClr>
+          </a:solidFill>
+          <a:ln>
+            <a:solidFill>
+              <a:schemeClr val="tx1"/>
+            </a:solidFill>
+          </a:ln>
+        </p:spPr>
+        <p:style>
+          <a:lnRef idx="2">
+            <a:schemeClr val="accent1">
+              <a:shade val="15000"/>
+            </a:schemeClr>
+          </a:lnRef>
+          <a:fillRef idx="1">
+            <a:schemeClr val="accent1"/>
+          </a:fillRef>
+          <a:effectRef idx="0">
+            <a:schemeClr val="accent1"/>
+          </a:effectRef>
+          <a:fontRef idx="minor">
+            <a:schemeClr val="lt1"/>
+          </a:fontRef>
+        </p:style>
+        <p:txBody>
+          <a:bodyPr rtlCol="0" anchor="ctr"/>
+          <a:lstStyle/>
+          <a:p>
+            <a:pPr algn="ctr"/>
+            <a:endParaRPr lang="ko-KR" altLang="en-US"/>
+          </a:p>
+        </p:txBody>
+      </p:sp>
+      <p:sp>
+        <p:nvSpPr>
+          <p:cNvPr id="14" name="내용 개체 틀 2">
+            <a:extLst>
+              <a:ext uri="{FF2B5EF4-FFF2-40B4-BE49-F238E27FC236}">
+                <a16:creationId xmlns:a16="http://schemas.microsoft.com/office/drawing/2014/main" id="{76CF5103-FE1A-905C-478B-426ACC7E9BAA}"/>
+              </a:ext>
+            </a:extLst>
+          </p:cNvPr>
+          <p:cNvSpPr>
+            <a:spLocks noGrp="1"/>
+          </p:cNvSpPr>
+          <p:nvPr>
+            <p:ph idx="1"/>
+          </p:nvPr>
+        </p:nvSpPr>
+        <p:spPr>
+          <a:xfrm>
+            <a:off x="918051" y="3342406"/>
+            <a:ext cx="10045224" cy="752556"/>
+          </a:xfrm>
+        </p:spPr>
+        <p:txBody>
+          <a:bodyPr>
+            <a:normAutofit/>
+          </a:bodyPr>
+          <a:lstStyle/>
+          <a:p>
+            <a:pPr marL="0" indent="0">
+              <a:buNone/>
+            </a:pPr>
+            <a:r>
+              <a:rPr lang="ko-KR" altLang="en-US" sz="2000" dirty="0" err="1">
+                <a:latin typeface="휴먼모음T" panose="02030504000101010101" pitchFamily="18" charset="-127"/>
+                <a:ea typeface="휴먼모음T" panose="02030504000101010101" pitchFamily="18" charset="-127"/>
+              </a:rPr>
+              <a:t>슬라임을</a:t>
+            </a:r>
+            <a:r>
+              <a:rPr lang="ko-KR" altLang="en-US" sz="2000" dirty="0">
+                <a:latin typeface="휴먼모음T" panose="02030504000101010101" pitchFamily="18" charset="-127"/>
+                <a:ea typeface="휴먼모음T" panose="02030504000101010101" pitchFamily="18" charset="-127"/>
+              </a:rPr>
+              <a:t> 찾아 빨아들여서 퇴치 해야 한다</a:t>
+            </a:r>
+            <a:r>
+              <a:rPr lang="en-US" altLang="ko-KR" sz="2000" dirty="0">
+                <a:latin typeface="휴먼모음T" panose="02030504000101010101" pitchFamily="18" charset="-127"/>
+                <a:ea typeface="휴먼모음T" panose="02030504000101010101" pitchFamily="18" charset="-127"/>
+              </a:rPr>
+              <a:t>.</a:t>
+            </a:r>
+            <a:br>
+              <a:rPr lang="en-US" altLang="ko-KR" sz="2000" dirty="0">
+                <a:latin typeface="휴먼모음T" panose="02030504000101010101" pitchFamily="18" charset="-127"/>
+                <a:ea typeface="휴먼모음T" panose="02030504000101010101" pitchFamily="18" charset="-127"/>
+              </a:rPr>
+            </a:br>
+            <a:r>
+              <a:rPr lang="ko-KR" altLang="en-US" sz="2000" dirty="0">
+                <a:latin typeface="휴먼모음T" panose="02030504000101010101" pitchFamily="18" charset="-127"/>
+                <a:ea typeface="휴먼모음T" panose="02030504000101010101" pitchFamily="18" charset="-127"/>
+              </a:rPr>
+              <a:t>주변 오브젝트를 빨아들여서 </a:t>
+            </a:r>
+            <a:r>
+              <a:rPr lang="ko-KR" altLang="en-US" sz="2000" dirty="0" err="1">
+                <a:latin typeface="휴먼모음T" panose="02030504000101010101" pitchFamily="18" charset="-127"/>
+                <a:ea typeface="휴먼모음T" panose="02030504000101010101" pitchFamily="18" charset="-127"/>
+              </a:rPr>
+              <a:t>슬라임이</a:t>
+            </a:r>
+            <a:r>
+              <a:rPr lang="ko-KR" altLang="en-US" sz="2000" dirty="0">
+                <a:latin typeface="휴먼모음T" panose="02030504000101010101" pitchFamily="18" charset="-127"/>
+                <a:ea typeface="휴먼모음T" panose="02030504000101010101" pitchFamily="18" charset="-127"/>
+              </a:rPr>
+              <a:t> 성장하는 것을 방해 할 수 도 있다</a:t>
+            </a:r>
+            <a:r>
+              <a:rPr lang="en-US" altLang="ko-KR" sz="2000" dirty="0">
+                <a:latin typeface="휴먼모음T" panose="02030504000101010101" pitchFamily="18" charset="-127"/>
+                <a:ea typeface="휴먼모음T" panose="02030504000101010101" pitchFamily="18" charset="-127"/>
+              </a:rPr>
+              <a:t>.</a:t>
+            </a:r>
+            <a:endParaRPr lang="ko-KR" altLang="en-US" sz="2000" dirty="0">
+              <a:latin typeface="휴먼모음T" panose="02030504000101010101" pitchFamily="18" charset="-127"/>
+              <a:ea typeface="휴먼모음T" panose="02030504000101010101" pitchFamily="18" charset="-127"/>
+            </a:endParaRPr>
+          </a:p>
+        </p:txBody>
+      </p:sp>
+      <p:sp>
+        <p:nvSpPr>
+          <p:cNvPr id="15" name="사각형: 둥근 모서리 14">
+            <a:extLst>
+              <a:ext uri="{FF2B5EF4-FFF2-40B4-BE49-F238E27FC236}">
+                <a16:creationId xmlns:a16="http://schemas.microsoft.com/office/drawing/2014/main" id="{2AF756C2-32DE-4124-302A-C86500FD11CE}"/>
+              </a:ext>
+            </a:extLst>
+          </p:cNvPr>
+          <p:cNvSpPr/>
+          <p:nvPr/>
+        </p:nvSpPr>
+        <p:spPr>
+          <a:xfrm>
+            <a:off x="918051" y="4102630"/>
+            <a:ext cx="5078997" cy="1367272"/>
+          </a:xfrm>
+          <a:prstGeom prst="roundRect">
+            <a:avLst/>
+          </a:prstGeom>
+          <a:solidFill>
+            <a:schemeClr val="accent6">
+              <a:lumMod val="40000"/>
+              <a:lumOff val="60000"/>
+            </a:schemeClr>
+          </a:solidFill>
+          <a:ln>
+            <a:solidFill>
+              <a:schemeClr val="tx1"/>
+            </a:solidFill>
+          </a:ln>
+        </p:spPr>
+        <p:style>
+          <a:lnRef idx="2">
+            <a:schemeClr val="accent1">
+              <a:shade val="15000"/>
+            </a:schemeClr>
+          </a:lnRef>
+          <a:fillRef idx="1">
+            <a:schemeClr val="accent1"/>
+          </a:fillRef>
+          <a:effectRef idx="0">
+            <a:schemeClr val="accent1"/>
+          </a:effectRef>
+          <a:fontRef idx="minor">
+            <a:schemeClr val="lt1"/>
+          </a:fontRef>
+        </p:style>
+        <p:txBody>
+          <a:bodyPr rtlCol="0" anchor="ctr"/>
+          <a:lstStyle/>
+          <a:p>
+            <a:pPr algn="ctr"/>
+            <a:endParaRPr lang="ko-KR" altLang="en-US"/>
+          </a:p>
+        </p:txBody>
+      </p:sp>
+      <p:sp>
+        <p:nvSpPr>
+          <p:cNvPr id="19" name="내용 개체 틀 2">
+            <a:extLst>
+              <a:ext uri="{FF2B5EF4-FFF2-40B4-BE49-F238E27FC236}">
+                <a16:creationId xmlns:a16="http://schemas.microsoft.com/office/drawing/2014/main" id="{3B286387-34F9-1A60-380F-6808A7E51542}"/>
+              </a:ext>
+            </a:extLst>
+          </p:cNvPr>
+          <p:cNvSpPr txBox="1">
+            <a:spLocks/>
+          </p:cNvSpPr>
+          <p:nvPr/>
+        </p:nvSpPr>
+        <p:spPr>
+          <a:xfrm>
+            <a:off x="918051" y="5750790"/>
+            <a:ext cx="10045224" cy="531237"/>
+          </a:xfrm>
+          <a:prstGeom prst="rect">
+            <a:avLst/>
+          </a:prstGeom>
+        </p:spPr>
+        <p:txBody>
+          <a:bodyPr vert="horz" lIns="91440" tIns="45720" rIns="91440" bIns="45720" rtlCol="0">
+            <a:normAutofit/>
+          </a:bodyPr>
+          <a:lstStyle>
+            <a:lvl1pPr marL="228600" indent="-228600" algn="l" defTabSz="914400" rtl="0" eaLnBrk="1" latinLnBrk="1" hangingPunct="1">
+              <a:lnSpc>
+                <a:spcPct val="90000"/>
+              </a:lnSpc>
+              <a:spcBef>
+                <a:spcPts val="1000"/>
+              </a:spcBef>
+              <a:buFont typeface="Arial" panose="020B0604020202020204" pitchFamily="34" charset="0"/>
+              <a:buChar char="•"/>
+              <a:defRPr sz="2800" kern="1200">
+                <a:solidFill>
+                  <a:schemeClr val="tx1"/>
+                </a:solidFill>
+                <a:latin typeface="+mn-lt"/>
+                <a:ea typeface="+mn-ea"/>
+                <a:cs typeface="+mn-cs"/>
+              </a:defRPr>
+            </a:lvl1pPr>
+            <a:lvl2pPr marL="685800" indent="-228600" algn="l" defTabSz="914400" rtl="0" eaLnBrk="1" latinLnBrk="1" hangingPunct="1">
+              <a:lnSpc>
+                <a:spcPct val="90000"/>
+              </a:lnSpc>
+              <a:spcBef>
+                <a:spcPts val="500"/>
+              </a:spcBef>
+              <a:buFont typeface="Arial" panose="020B0604020202020204" pitchFamily="34" charset="0"/>
+              <a:buChar char="•"/>
+              <a:defRPr sz="2400" kern="1200">
+                <a:solidFill>
+                  <a:schemeClr val="tx1"/>
+                </a:solidFill>
+                <a:latin typeface="+mn-lt"/>
+                <a:ea typeface="+mn-ea"/>
+                <a:cs typeface="+mn-cs"/>
+              </a:defRPr>
+            </a:lvl2pPr>
+            <a:lvl3pPr marL="1143000" indent="-228600" algn="l" defTabSz="914400" rtl="0" eaLnBrk="1" latinLnBrk="1" hangingPunct="1">
+              <a:lnSpc>
+                <a:spcPct val="90000"/>
+              </a:lnSpc>
+              <a:spcBef>
+                <a:spcPts val="500"/>
+              </a:spcBef>
+              <a:buFont typeface="Arial" panose="020B0604020202020204" pitchFamily="34" charset="0"/>
+              <a:buChar char="•"/>
+              <a:defRPr sz="2000" kern="1200">
+                <a:solidFill>
+                  <a:schemeClr val="tx1"/>
+                </a:solidFill>
+                <a:latin typeface="+mn-lt"/>
+                <a:ea typeface="+mn-ea"/>
+                <a:cs typeface="+mn-cs"/>
+              </a:defRPr>
+            </a:lvl3pPr>
+            <a:lvl4pPr marL="1600200" indent="-228600" algn="l" defTabSz="914400" rtl="0" eaLnBrk="1" latinLnBrk="1" hangingPunct="1">
+              <a:lnSpc>
+                <a:spcPct val="90000"/>
+              </a:lnSpc>
+              <a:spcBef>
+                <a:spcPts val="500"/>
+              </a:spcBef>
+              <a:buFont typeface="Arial" panose="020B0604020202020204" pitchFamily="34" charset="0"/>
+              <a:buChar char="•"/>
+              <a:defRPr sz="1800" kern="1200">
+                <a:solidFill>
+                  <a:schemeClr val="tx1"/>
+                </a:solidFill>
+                <a:latin typeface="+mn-lt"/>
+                <a:ea typeface="+mn-ea"/>
+                <a:cs typeface="+mn-cs"/>
+              </a:defRPr>
+            </a:lvl4pPr>
+            <a:lvl5pPr marL="2057400" indent="-228600" algn="l" defTabSz="914400" rtl="0" eaLnBrk="1" latinLnBrk="1" hangingPunct="1">
+              <a:lnSpc>
+                <a:spcPct val="90000"/>
+              </a:lnSpc>
+              <a:spcBef>
+                <a:spcPts val="500"/>
+              </a:spcBef>
+              <a:buFont typeface="Arial" panose="020B0604020202020204" pitchFamily="34" charset="0"/>
+              <a:buChar char="•"/>
+              <a:defRPr sz="1800" kern="1200">
+                <a:solidFill>
+                  <a:schemeClr val="tx1"/>
+                </a:solidFill>
+                <a:latin typeface="+mn-lt"/>
+                <a:ea typeface="+mn-ea"/>
+                <a:cs typeface="+mn-cs"/>
+              </a:defRPr>
+            </a:lvl5pPr>
+            <a:lvl6pPr marL="2514600" indent="-228600" algn="l" defTabSz="914400" rtl="0" eaLnBrk="1" latinLnBrk="1" hangingPunct="1">
+              <a:lnSpc>
+                <a:spcPct val="90000"/>
+              </a:lnSpc>
+              <a:spcBef>
+                <a:spcPts val="500"/>
+              </a:spcBef>
+              <a:buFont typeface="Arial" panose="020B0604020202020204" pitchFamily="34" charset="0"/>
+              <a:buChar char="•"/>
+              <a:defRPr sz="1800" kern="1200">
+                <a:solidFill>
+                  <a:schemeClr val="tx1"/>
+                </a:solidFill>
+                <a:latin typeface="+mn-lt"/>
+                <a:ea typeface="+mn-ea"/>
+                <a:cs typeface="+mn-cs"/>
+              </a:defRPr>
+            </a:lvl6pPr>
+            <a:lvl7pPr marL="2971800" indent="-228600" algn="l" defTabSz="914400" rtl="0" eaLnBrk="1" latinLnBrk="1" hangingPunct="1">
+              <a:lnSpc>
+                <a:spcPct val="90000"/>
+              </a:lnSpc>
+              <a:spcBef>
+                <a:spcPts val="500"/>
+              </a:spcBef>
+              <a:buFont typeface="Arial" panose="020B0604020202020204" pitchFamily="34" charset="0"/>
+              <a:buChar char="•"/>
+              <a:defRPr sz="1800" kern="1200">
+                <a:solidFill>
+                  <a:schemeClr val="tx1"/>
+                </a:solidFill>
+                <a:latin typeface="+mn-lt"/>
+                <a:ea typeface="+mn-ea"/>
+                <a:cs typeface="+mn-cs"/>
+              </a:defRPr>
+            </a:lvl7pPr>
+            <a:lvl8pPr marL="3429000" indent="-228600" algn="l" defTabSz="914400" rtl="0" eaLnBrk="1" latinLnBrk="1" hangingPunct="1">
+              <a:lnSpc>
+                <a:spcPct val="90000"/>
+              </a:lnSpc>
+              <a:spcBef>
+                <a:spcPts val="500"/>
+              </a:spcBef>
+              <a:buFont typeface="Arial" panose="020B0604020202020204" pitchFamily="34" charset="0"/>
+              <a:buChar char="•"/>
+              <a:defRPr sz="1800" kern="1200">
+                <a:solidFill>
+                  <a:schemeClr val="tx1"/>
+                </a:solidFill>
+                <a:latin typeface="+mn-lt"/>
+                <a:ea typeface="+mn-ea"/>
+                <a:cs typeface="+mn-cs"/>
+              </a:defRPr>
+            </a:lvl8pPr>
+            <a:lvl9pPr marL="3886200" indent="-228600" algn="l" defTabSz="914400" rtl="0" eaLnBrk="1" latinLnBrk="1" hangingPunct="1">
+              <a:lnSpc>
+                <a:spcPct val="90000"/>
+              </a:lnSpc>
+              <a:spcBef>
+                <a:spcPts val="500"/>
+              </a:spcBef>
+              <a:buFont typeface="Arial" panose="020B0604020202020204" pitchFamily="34" charset="0"/>
+              <a:buChar char="•"/>
+              <a:defRPr sz="1800" kern="1200">
+                <a:solidFill>
+                  <a:schemeClr val="tx1"/>
+                </a:solidFill>
+                <a:latin typeface="+mn-lt"/>
+                <a:ea typeface="+mn-ea"/>
+                <a:cs typeface="+mn-cs"/>
+              </a:defRPr>
+            </a:lvl9pPr>
+          </a:lstStyle>
+          <a:p>
+            <a:pPr marL="0" indent="0">
+              <a:buFont typeface="Arial" panose="020B0604020202020204" pitchFamily="34" charset="0"/>
+              <a:buNone/>
+            </a:pPr>
+            <a:r>
+              <a:rPr lang="ko-KR" altLang="en-US" sz="2000" dirty="0" err="1">
+                <a:latin typeface="휴먼모음T" panose="02030504000101010101" pitchFamily="18" charset="-127"/>
+                <a:ea typeface="휴먼모음T" panose="02030504000101010101" pitchFamily="18" charset="-127"/>
+              </a:rPr>
+              <a:t>슬라임이</a:t>
+            </a:r>
+            <a:r>
+              <a:rPr lang="ko-KR" altLang="en-US" sz="2000" dirty="0">
+                <a:latin typeface="휴먼모음T" panose="02030504000101010101" pitchFamily="18" charset="-127"/>
+                <a:ea typeface="휴먼모음T" panose="02030504000101010101" pitchFamily="18" charset="-127"/>
+              </a:rPr>
+              <a:t> 빨아들일 수 없을 정도로 커졌을 경우 숨겨진 카드를 획득하여 탈출 해야 한다</a:t>
+            </a:r>
+            <a:r>
+              <a:rPr lang="en-US" altLang="ko-KR" sz="2000" dirty="0">
+                <a:latin typeface="휴먼모음T" panose="02030504000101010101" pitchFamily="18" charset="-127"/>
+                <a:ea typeface="휴먼모음T" panose="02030504000101010101" pitchFamily="18" charset="-127"/>
+              </a:rPr>
+              <a:t>.</a:t>
+            </a:r>
+            <a:endParaRPr lang="ko-KR" altLang="en-US" dirty="0">
+              <a:latin typeface="휴먼모음T" panose="02030504000101010101" pitchFamily="18" charset="-127"/>
+              <a:ea typeface="휴먼모음T" panose="02030504000101010101" pitchFamily="18" charset="-127"/>
+            </a:endParaRPr>
+          </a:p>
+        </p:txBody>
+      </p:sp>
+      <p:sp>
+        <p:nvSpPr>
+          <p:cNvPr id="22" name="사각형: 둥근 모서리 21">
+            <a:extLst>
+              <a:ext uri="{FF2B5EF4-FFF2-40B4-BE49-F238E27FC236}">
+                <a16:creationId xmlns:a16="http://schemas.microsoft.com/office/drawing/2014/main" id="{604874DA-6956-9FBB-B652-D7CF2CBD6D0C}"/>
+              </a:ext>
+            </a:extLst>
+          </p:cNvPr>
+          <p:cNvSpPr/>
+          <p:nvPr/>
+        </p:nvSpPr>
+        <p:spPr>
+          <a:xfrm>
+            <a:off x="6149916" y="4102630"/>
+            <a:ext cx="5078997" cy="1367272"/>
+          </a:xfrm>
+          <a:prstGeom prst="roundRect">
+            <a:avLst/>
+          </a:prstGeom>
+          <a:solidFill>
+            <a:schemeClr val="accent6">
+              <a:lumMod val="40000"/>
+              <a:lumOff val="60000"/>
+            </a:schemeClr>
+          </a:solidFill>
+          <a:ln>
+            <a:solidFill>
+              <a:schemeClr val="tx1"/>
+            </a:solidFill>
+          </a:ln>
+        </p:spPr>
+        <p:style>
+          <a:lnRef idx="2">
+            <a:schemeClr val="accent1">
+              <a:shade val="15000"/>
+            </a:schemeClr>
+          </a:lnRef>
+          <a:fillRef idx="1">
+            <a:schemeClr val="accent1"/>
+          </a:fillRef>
+          <a:effectRef idx="0">
+            <a:schemeClr val="accent1"/>
+          </a:effectRef>
+          <a:fontRef idx="minor">
+            <a:schemeClr val="lt1"/>
+          </a:fontRef>
+        </p:style>
+        <p:txBody>
+          <a:bodyPr rtlCol="0" anchor="ctr"/>
+          <a:lstStyle/>
+          <a:p>
+            <a:pPr algn="ctr"/>
+            <a:endParaRPr lang="ko-KR" altLang="en-US"/>
+          </a:p>
+        </p:txBody>
+      </p:sp>
+      <p:pic>
+        <p:nvPicPr>
+          <p:cNvPr id="34" name="그림 33">
+            <a:extLst>
+              <a:ext uri="{FF2B5EF4-FFF2-40B4-BE49-F238E27FC236}">
+                <a16:creationId xmlns:a16="http://schemas.microsoft.com/office/drawing/2014/main" id="{677AAA2B-F318-1060-61AC-DE0347A09DE1}"/>
+              </a:ext>
+            </a:extLst>
+          </p:cNvPr>
+          <p:cNvPicPr>
+            <a:picLocks noChangeAspect="1"/>
+          </p:cNvPicPr>
+          <p:nvPr/>
+        </p:nvPicPr>
+        <p:blipFill>
+          <a:blip r:embed="rId2">
+            <a:extLst>
+              <a:ext uri="{28A0092B-C50C-407E-A947-70E740481C1C}">
+                <a14:useLocalDpi xmlns:a14="http://schemas.microsoft.com/office/drawing/2010/main" val="0"/>
+              </a:ext>
+            </a:extLst>
+          </a:blip>
+          <a:stretch>
+            <a:fillRect/>
+          </a:stretch>
+        </p:blipFill>
+        <p:spPr>
+          <a:xfrm>
+            <a:off x="1756050" y="2056634"/>
+            <a:ext cx="1513566" cy="904332"/>
+          </a:xfrm>
+          <a:prstGeom prst="rect">
+            <a:avLst/>
+          </a:prstGeom>
+        </p:spPr>
+      </p:pic>
+      <p:pic>
+        <p:nvPicPr>
+          <p:cNvPr id="36" name="그림 35">
+            <a:extLst>
+              <a:ext uri="{FF2B5EF4-FFF2-40B4-BE49-F238E27FC236}">
+                <a16:creationId xmlns:a16="http://schemas.microsoft.com/office/drawing/2014/main" id="{48122CD2-7945-C4D2-5751-F768DECA25A9}"/>
+              </a:ext>
+            </a:extLst>
+          </p:cNvPr>
+          <p:cNvPicPr>
+            <a:picLocks noChangeAspect="1"/>
+          </p:cNvPicPr>
+          <p:nvPr/>
+        </p:nvPicPr>
+        <p:blipFill>
+          <a:blip r:embed="rId3"/>
+          <a:stretch>
+            <a:fillRect/>
+          </a:stretch>
+        </p:blipFill>
+        <p:spPr>
+          <a:xfrm rot="2303346">
+            <a:off x="8336506" y="1860836"/>
+            <a:ext cx="991938" cy="991938"/>
+          </a:xfrm>
+          <a:prstGeom prst="rect">
+            <a:avLst/>
+          </a:prstGeom>
+        </p:spPr>
+      </p:pic>
+      <p:pic>
+        <p:nvPicPr>
+          <p:cNvPr id="42" name="그림 41" descr="서랍장, 디자인, 가구이(가) 표시된 사진&#10;&#10;자동 생성된 설명">
+            <a:extLst>
+              <a:ext uri="{FF2B5EF4-FFF2-40B4-BE49-F238E27FC236}">
+                <a16:creationId xmlns:a16="http://schemas.microsoft.com/office/drawing/2014/main" id="{3417C5BA-B2C8-FD02-078E-936AB09888CF}"/>
+              </a:ext>
+            </a:extLst>
+          </p:cNvPr>
+          <p:cNvPicPr>
+            <a:picLocks noChangeAspect="1"/>
+          </p:cNvPicPr>
+          <p:nvPr/>
+        </p:nvPicPr>
+        <p:blipFill>
+          <a:blip r:embed="rId4">
+            <a:extLst>
+              <a:ext uri="{28A0092B-C50C-407E-A947-70E740481C1C}">
+                <a14:useLocalDpi xmlns:a14="http://schemas.microsoft.com/office/drawing/2010/main" val="0"/>
+              </a:ext>
+            </a:extLst>
+          </a:blip>
+          <a:stretch>
+            <a:fillRect/>
+          </a:stretch>
+        </p:blipFill>
+        <p:spPr>
+          <a:xfrm rot="19556611">
+            <a:off x="7730840" y="2037257"/>
+            <a:ext cx="468343" cy="468343"/>
+          </a:xfrm>
+          <a:prstGeom prst="rect">
+            <a:avLst/>
+          </a:prstGeom>
+        </p:spPr>
+      </p:pic>
+      <p:pic>
+        <p:nvPicPr>
+          <p:cNvPr id="31" name="그림 30" descr="장난감, 만화 영화, 소녀, 인형이(가) 표시된 사진&#10;&#10;자동 생성된 설명">
+            <a:extLst>
+              <a:ext uri="{FF2B5EF4-FFF2-40B4-BE49-F238E27FC236}">
+                <a16:creationId xmlns:a16="http://schemas.microsoft.com/office/drawing/2014/main" id="{5F4F5262-D36D-B73C-B6F1-9ECB405B0D2A}"/>
+              </a:ext>
+            </a:extLst>
+          </p:cNvPr>
+          <p:cNvPicPr>
+            <a:picLocks noChangeAspect="1"/>
+          </p:cNvPicPr>
+          <p:nvPr/>
+        </p:nvPicPr>
+        <p:blipFill>
+          <a:blip r:embed="rId5">
+            <a:extLst>
+              <a:ext uri="{28A0092B-C50C-407E-A947-70E740481C1C}">
+                <a14:useLocalDpi xmlns:a14="http://schemas.microsoft.com/office/drawing/2010/main" val="0"/>
+              </a:ext>
+            </a:extLst>
+          </a:blip>
+          <a:stretch>
+            <a:fillRect/>
+          </a:stretch>
+        </p:blipFill>
+        <p:spPr>
+          <a:xfrm>
+            <a:off x="8996081" y="1660063"/>
+            <a:ext cx="1247249" cy="1591102"/>
+          </a:xfrm>
+          <a:prstGeom prst="rect">
+            <a:avLst/>
+          </a:prstGeom>
+        </p:spPr>
+      </p:pic>
+      <p:pic>
+        <p:nvPicPr>
+          <p:cNvPr id="32" name="그림 31">
+            <a:extLst>
+              <a:ext uri="{FF2B5EF4-FFF2-40B4-BE49-F238E27FC236}">
+                <a16:creationId xmlns:a16="http://schemas.microsoft.com/office/drawing/2014/main" id="{B4CF458E-0F1E-CA79-731D-BF74C285C0C7}"/>
+              </a:ext>
+            </a:extLst>
+          </p:cNvPr>
+          <p:cNvPicPr>
+            <a:picLocks noChangeAspect="1"/>
+          </p:cNvPicPr>
+          <p:nvPr/>
+        </p:nvPicPr>
+        <p:blipFill>
+          <a:blip r:embed="rId5">
+            <a:extLst>
+              <a:ext uri="{28A0092B-C50C-407E-A947-70E740481C1C}">
+                <a14:useLocalDpi xmlns:a14="http://schemas.microsoft.com/office/drawing/2010/main" val="0"/>
+              </a:ext>
+            </a:extLst>
+          </a:blip>
+          <a:stretch>
+            <a:fillRect/>
+          </a:stretch>
+        </p:blipFill>
+        <p:spPr>
+          <a:xfrm>
+            <a:off x="3269616" y="2003848"/>
+            <a:ext cx="949959" cy="1211852"/>
+          </a:xfrm>
+          <a:prstGeom prst="rect">
+            <a:avLst/>
+          </a:prstGeom>
+        </p:spPr>
+      </p:pic>
+      <p:sp>
+        <p:nvSpPr>
+          <p:cNvPr id="47" name="직사각형 46">
+            <a:extLst>
+              <a:ext uri="{FF2B5EF4-FFF2-40B4-BE49-F238E27FC236}">
+                <a16:creationId xmlns:a16="http://schemas.microsoft.com/office/drawing/2014/main" id="{9CF9D7BB-B545-63B1-47F9-F8C099A5E59A}"/>
+              </a:ext>
+            </a:extLst>
+          </p:cNvPr>
+          <p:cNvSpPr/>
+          <p:nvPr/>
+        </p:nvSpPr>
+        <p:spPr>
+          <a:xfrm>
+            <a:off x="9695941" y="4294317"/>
+            <a:ext cx="898477" cy="1089600"/>
+          </a:xfrm>
+          <a:prstGeom prst="rect">
+            <a:avLst/>
+          </a:prstGeom>
+        </p:spPr>
+        <p:style>
+          <a:lnRef idx="2">
+            <a:schemeClr val="dk1">
+              <a:shade val="15000"/>
+            </a:schemeClr>
+          </a:lnRef>
+          <a:fillRef idx="1">
+            <a:schemeClr val="dk1"/>
+          </a:fillRef>
+          <a:effectRef idx="0">
+            <a:schemeClr val="dk1"/>
+          </a:effectRef>
+          <a:fontRef idx="minor">
+            <a:schemeClr val="lt1"/>
+          </a:fontRef>
+        </p:style>
+        <p:txBody>
+          <a:bodyPr rtlCol="0" anchor="ctr"/>
+          <a:lstStyle/>
+          <a:p>
+            <a:pPr algn="ctr"/>
+            <a:endParaRPr lang="ko-KR" altLang="en-US"/>
+          </a:p>
+        </p:txBody>
+      </p:sp>
+      <p:pic>
+        <p:nvPicPr>
+          <p:cNvPr id="46" name="그림 45" descr="상징, 스케치, 클립아트, 디자인이(가) 표시된 사진&#10;&#10;자동 생성된 설명">
+            <a:extLst>
+              <a:ext uri="{FF2B5EF4-FFF2-40B4-BE49-F238E27FC236}">
+                <a16:creationId xmlns:a16="http://schemas.microsoft.com/office/drawing/2014/main" id="{AB5635C5-17FB-57D5-7882-F7A822E5086A}"/>
+              </a:ext>
+            </a:extLst>
+          </p:cNvPr>
+          <p:cNvPicPr>
+            <a:picLocks noChangeAspect="1"/>
+          </p:cNvPicPr>
+          <p:nvPr/>
+        </p:nvPicPr>
+        <p:blipFill>
+          <a:blip r:embed="rId6">
+            <a:extLst>
+              <a:ext uri="{28A0092B-C50C-407E-A947-70E740481C1C}">
+                <a14:useLocalDpi xmlns:a14="http://schemas.microsoft.com/office/drawing/2010/main" val="0"/>
+              </a:ext>
+            </a:extLst>
+          </a:blip>
+          <a:stretch>
+            <a:fillRect/>
+          </a:stretch>
+        </p:blipFill>
+        <p:spPr>
+          <a:xfrm>
+            <a:off x="9899562" y="4839117"/>
+            <a:ext cx="491234" cy="491234"/>
+          </a:xfrm>
+          <a:prstGeom prst="rect">
+            <a:avLst/>
+          </a:prstGeom>
+        </p:spPr>
+      </p:pic>
+      <p:pic>
+        <p:nvPicPr>
+          <p:cNvPr id="44" name="그림 43" descr="메탈웨어, 자물쇠, 맹꽁이자물쇠이(가) 표시된 사진&#10;&#10;자동 생성된 설명">
+            <a:extLst>
+              <a:ext uri="{FF2B5EF4-FFF2-40B4-BE49-F238E27FC236}">
+                <a16:creationId xmlns:a16="http://schemas.microsoft.com/office/drawing/2014/main" id="{4E15198B-E94E-7A53-3A06-9642FB372BB0}"/>
+              </a:ext>
+            </a:extLst>
+          </p:cNvPr>
+          <p:cNvPicPr>
+            <a:picLocks noChangeAspect="1"/>
+          </p:cNvPicPr>
+          <p:nvPr/>
+        </p:nvPicPr>
+        <p:blipFill rotWithShape="1">
+          <a:blip r:embed="rId7">
+            <a:extLst>
+              <a:ext uri="{28A0092B-C50C-407E-A947-70E740481C1C}">
+                <a14:useLocalDpi xmlns:a14="http://schemas.microsoft.com/office/drawing/2010/main" val="0"/>
+              </a:ext>
+            </a:extLst>
+          </a:blip>
+          <a:srcRect t="18256" b="25238"/>
+          <a:stretch/>
+        </p:blipFill>
+        <p:spPr>
+          <a:xfrm>
+            <a:off x="9768440" y="4396156"/>
+            <a:ext cx="757617" cy="356751"/>
+          </a:xfrm>
+          <a:prstGeom prst="rect">
+            <a:avLst/>
+          </a:prstGeom>
+        </p:spPr>
+      </p:pic>
+      <p:pic>
+        <p:nvPicPr>
+          <p:cNvPr id="49" name="그림 48" descr="폰트, 스크린샷, 텍스트, 그래픽이(가) 표시된 사진&#10;&#10;자동 생성된 설명">
+            <a:extLst>
+              <a:ext uri="{FF2B5EF4-FFF2-40B4-BE49-F238E27FC236}">
+                <a16:creationId xmlns:a16="http://schemas.microsoft.com/office/drawing/2014/main" id="{EFC0ACF1-E94C-2DAB-9F7F-C8BD2A1FB7F1}"/>
+              </a:ext>
+            </a:extLst>
+          </p:cNvPr>
+          <p:cNvPicPr>
+            <a:picLocks noChangeAspect="1"/>
+          </p:cNvPicPr>
+          <p:nvPr/>
+        </p:nvPicPr>
+        <p:blipFill rotWithShape="1">
+          <a:blip r:embed="rId8">
+            <a:extLst>
+              <a:ext uri="{28A0092B-C50C-407E-A947-70E740481C1C}">
+                <a14:useLocalDpi xmlns:a14="http://schemas.microsoft.com/office/drawing/2010/main" val="0"/>
+              </a:ext>
+            </a:extLst>
+          </a:blip>
+          <a:srcRect t="7165" b="21494"/>
+          <a:stretch/>
+        </p:blipFill>
+        <p:spPr>
+          <a:xfrm>
+            <a:off x="6587462" y="4396156"/>
+            <a:ext cx="1449329" cy="861644"/>
+          </a:xfrm>
+          <a:prstGeom prst="rect">
+            <a:avLst/>
+          </a:prstGeom>
+        </p:spPr>
+      </p:pic>
+      <p:sp>
+        <p:nvSpPr>
+          <p:cNvPr id="50" name="화살표: 오른쪽 49">
+            <a:extLst>
+              <a:ext uri="{FF2B5EF4-FFF2-40B4-BE49-F238E27FC236}">
+                <a16:creationId xmlns:a16="http://schemas.microsoft.com/office/drawing/2014/main" id="{D1F75F5A-A1F1-5F0D-5113-8F095C02BAB0}"/>
+              </a:ext>
+            </a:extLst>
+          </p:cNvPr>
+          <p:cNvSpPr/>
+          <p:nvPr/>
+        </p:nvSpPr>
+        <p:spPr>
+          <a:xfrm>
+            <a:off x="8567563" y="4752907"/>
+            <a:ext cx="493883" cy="183426"/>
+          </a:xfrm>
+          <a:prstGeom prst="rightArrow">
+            <a:avLst/>
+          </a:prstGeom>
+        </p:spPr>
+        <p:style>
+          <a:lnRef idx="2">
+            <a:schemeClr val="dk1">
+              <a:shade val="15000"/>
+            </a:schemeClr>
+          </a:lnRef>
+          <a:fillRef idx="1">
+            <a:schemeClr val="dk1"/>
+          </a:fillRef>
+          <a:effectRef idx="0">
+            <a:schemeClr val="dk1"/>
+          </a:effectRef>
+          <a:fontRef idx="minor">
+            <a:schemeClr val="lt1"/>
+          </a:fontRef>
+        </p:style>
+        <p:txBody>
+          <a:bodyPr rtlCol="0" anchor="ctr"/>
+          <a:lstStyle/>
+          <a:p>
+            <a:pPr algn="ctr"/>
+            <a:endParaRPr lang="ko-KR" altLang="en-US"/>
+          </a:p>
+        </p:txBody>
+      </p:sp>
+      <p:pic>
+        <p:nvPicPr>
+          <p:cNvPr id="51" name="그림 50" descr="그린, 스크린샷이(가) 표시된 사진&#10;&#10;자동 생성된 설명">
+            <a:extLst>
+              <a:ext uri="{FF2B5EF4-FFF2-40B4-BE49-F238E27FC236}">
+                <a16:creationId xmlns:a16="http://schemas.microsoft.com/office/drawing/2014/main" id="{F0849265-58FF-EF89-58C0-4F8035E2488C}"/>
+              </a:ext>
+            </a:extLst>
+          </p:cNvPr>
+          <p:cNvPicPr>
+            <a:picLocks noChangeAspect="1"/>
+          </p:cNvPicPr>
+          <p:nvPr/>
+        </p:nvPicPr>
+        <p:blipFill rotWithShape="1">
+          <a:blip r:embed="rId9">
+            <a:extLst>
+              <a:ext uri="{28A0092B-C50C-407E-A947-70E740481C1C}">
+                <a14:useLocalDpi xmlns:a14="http://schemas.microsoft.com/office/drawing/2010/main" val="0"/>
+              </a:ext>
+            </a:extLst>
+          </a:blip>
+          <a:srcRect l="3930" t="40089" r="71252" b="42269"/>
+          <a:stretch/>
+        </p:blipFill>
+        <p:spPr>
+          <a:xfrm rot="21284854" flipH="1">
+            <a:off x="1604829" y="4004001"/>
+            <a:ext cx="2170206" cy="1564529"/>
+          </a:xfrm>
+          <a:prstGeom prst="rect">
+            <a:avLst/>
+          </a:prstGeom>
+        </p:spPr>
+      </p:pic>
+      <p:pic>
+        <p:nvPicPr>
+          <p:cNvPr id="54" name="그림 53" descr="소녀, 인형, 만화 영화, 장난감이(가) 표시된 사진&#10;&#10;자동 생성된 설명">
+            <a:extLst>
+              <a:ext uri="{FF2B5EF4-FFF2-40B4-BE49-F238E27FC236}">
+                <a16:creationId xmlns:a16="http://schemas.microsoft.com/office/drawing/2014/main" id="{3679201A-0C8D-DD81-1048-4E818AF13F50}"/>
+              </a:ext>
+            </a:extLst>
+          </p:cNvPr>
+          <p:cNvPicPr>
+            <a:picLocks noChangeAspect="1"/>
+          </p:cNvPicPr>
+          <p:nvPr/>
+        </p:nvPicPr>
+        <p:blipFill>
+          <a:blip r:embed="rId10">
+            <a:extLst>
+              <a:ext uri="{28A0092B-C50C-407E-A947-70E740481C1C}">
+                <a14:useLocalDpi xmlns:a14="http://schemas.microsoft.com/office/drawing/2010/main" val="0"/>
+              </a:ext>
+            </a:extLst>
+          </a:blip>
+          <a:stretch>
+            <a:fillRect/>
+          </a:stretch>
+        </p:blipFill>
+        <p:spPr>
+          <a:xfrm>
+            <a:off x="4111539" y="4504409"/>
+            <a:ext cx="365047" cy="1063166"/>
+          </a:xfrm>
+          <a:prstGeom prst="rect">
+            <a:avLst/>
+          </a:prstGeom>
+        </p:spPr>
+      </p:pic>
+      <p:cxnSp>
+        <p:nvCxnSpPr>
+          <p:cNvPr id="56" name="직선 연결선 55">
+            <a:extLst>
+              <a:ext uri="{FF2B5EF4-FFF2-40B4-BE49-F238E27FC236}">
+                <a16:creationId xmlns:a16="http://schemas.microsoft.com/office/drawing/2014/main" id="{5B338463-0C7D-F5A4-22CD-E500B7CA4EBA}"/>
+              </a:ext>
+            </a:extLst>
+          </p:cNvPr>
+          <p:cNvCxnSpPr>
+            <a:cxnSpLocks/>
+            <a:endCxn id="42" idx="3"/>
+          </p:cNvCxnSpPr>
+          <p:nvPr/>
+        </p:nvCxnSpPr>
+        <p:spPr>
+          <a:xfrm flipH="1" flipV="1">
+            <a:off x="8159020" y="2140291"/>
+            <a:ext cx="991487" cy="107559"/>
+          </a:xfrm>
+          <a:prstGeom prst="line">
+            <a:avLst/>
+          </a:prstGeom>
+          <a:ln>
+            <a:solidFill>
+              <a:schemeClr val="bg1"/>
+            </a:solidFill>
+          </a:ln>
+        </p:spPr>
+        <p:style>
+          <a:lnRef idx="2">
+            <a:schemeClr val="dk1"/>
+          </a:lnRef>
+          <a:fillRef idx="0">
+            <a:schemeClr val="dk1"/>
+          </a:fillRef>
+          <a:effectRef idx="1">
+            <a:schemeClr val="dk1"/>
+          </a:effectRef>
+          <a:fontRef idx="minor">
+            <a:schemeClr val="tx1"/>
+          </a:fontRef>
+        </p:style>
+      </p:cxnSp>
+      <p:cxnSp>
+        <p:nvCxnSpPr>
+          <p:cNvPr id="57" name="직선 연결선 56">
+            <a:extLst>
+              <a:ext uri="{FF2B5EF4-FFF2-40B4-BE49-F238E27FC236}">
+                <a16:creationId xmlns:a16="http://schemas.microsoft.com/office/drawing/2014/main" id="{8967C38E-E580-28E6-A375-E652EEAFEF28}"/>
+              </a:ext>
+            </a:extLst>
+          </p:cNvPr>
+          <p:cNvCxnSpPr>
+            <a:cxnSpLocks/>
+          </p:cNvCxnSpPr>
+          <p:nvPr/>
+        </p:nvCxnSpPr>
+        <p:spPr>
+          <a:xfrm flipH="1">
+            <a:off x="8348613" y="2328997"/>
+            <a:ext cx="876729" cy="219252"/>
+          </a:xfrm>
+          <a:prstGeom prst="line">
+            <a:avLst/>
+          </a:prstGeom>
+          <a:ln>
+            <a:solidFill>
+              <a:schemeClr val="bg1"/>
+            </a:solidFill>
+          </a:ln>
+        </p:spPr>
+        <p:style>
+          <a:lnRef idx="2">
+            <a:schemeClr val="dk1"/>
+          </a:lnRef>
+          <a:fillRef idx="0">
+            <a:schemeClr val="dk1"/>
+          </a:fillRef>
+          <a:effectRef idx="1">
+            <a:schemeClr val="dk1"/>
+          </a:effectRef>
+          <a:fontRef idx="minor">
+            <a:schemeClr val="tx1"/>
+          </a:fontRef>
+        </p:style>
+      </p:cxnSp>
+      <p:cxnSp>
+        <p:nvCxnSpPr>
+          <p:cNvPr id="59" name="직선 연결선 58">
+            <a:extLst>
+              <a:ext uri="{FF2B5EF4-FFF2-40B4-BE49-F238E27FC236}">
+                <a16:creationId xmlns:a16="http://schemas.microsoft.com/office/drawing/2014/main" id="{A4A05C0C-BF6F-5DF3-1912-A03676F4D1A1}"/>
+              </a:ext>
+            </a:extLst>
+          </p:cNvPr>
+          <p:cNvCxnSpPr>
+            <a:cxnSpLocks/>
+          </p:cNvCxnSpPr>
+          <p:nvPr/>
+        </p:nvCxnSpPr>
+        <p:spPr>
+          <a:xfrm flipH="1" flipV="1">
+            <a:off x="8567563" y="1931946"/>
+            <a:ext cx="657779" cy="274395"/>
+          </a:xfrm>
+          <a:prstGeom prst="line">
+            <a:avLst/>
+          </a:prstGeom>
+          <a:ln>
+            <a:solidFill>
+              <a:schemeClr val="bg1"/>
+            </a:solidFill>
+          </a:ln>
+        </p:spPr>
+        <p:style>
+          <a:lnRef idx="2">
+            <a:schemeClr val="dk1"/>
+          </a:lnRef>
+          <a:fillRef idx="0">
+            <a:schemeClr val="dk1"/>
+          </a:fillRef>
+          <a:effectRef idx="1">
+            <a:schemeClr val="dk1"/>
+          </a:effectRef>
+          <a:fontRef idx="minor">
+            <a:schemeClr val="tx1"/>
+          </a:fontRef>
+        </p:style>
+      </p:cxnSp>
+    </p:spTree>
+    <p:extLst>
+      <p:ext uri="{BB962C8B-B14F-4D97-AF65-F5344CB8AC3E}">
+        <p14:creationId xmlns:p14="http://schemas.microsoft.com/office/powerpoint/2010/main" val="4113216675"/>
+      </p:ext>
+    </p:extLst>
+  </p:cSld>
+  <p:clrMapOvr>
+    <a:masterClrMapping/>
+  </p:clrMapOvr>
+</p:sld>
+</file>
+
+<file path=ppt/slides/slide6.xml><?xml version="1.0" encoding="utf-8"?>
 <p:sld xmlns:a="http://schemas.openxmlformats.org/drawingml/2006/main" xmlns:r="http://schemas.openxmlformats.org/officeDocument/2006/relationships" xmlns:p="http://schemas.openxmlformats.org/presentationml/2006/main">
   <p:cSld>
     <p:spTree>
@@ -10544,7 +13664,7 @@
 </p:sld>
 </file>
 
-<file path=ppt/slides/slide6.xml><?xml version="1.0" encoding="utf-8"?>
+<file path=ppt/slides/slide7.xml><?xml version="1.0" encoding="utf-8"?>
 <p:sld xmlns:a="http://schemas.openxmlformats.org/drawingml/2006/main" xmlns:r="http://schemas.openxmlformats.org/officeDocument/2006/relationships" xmlns:p="http://schemas.openxmlformats.org/presentationml/2006/main">
   <p:cSld>
     <p:spTree>
@@ -12226,7 +15346,7 @@
 </p:sld>
 </file>
 
-<file path=ppt/slides/slide7.xml><?xml version="1.0" encoding="utf-8"?>
+<file path=ppt/slides/slide8.xml><?xml version="1.0" encoding="utf-8"?>
 <p:sld xmlns:a="http://schemas.openxmlformats.org/drawingml/2006/main" xmlns:r="http://schemas.openxmlformats.org/officeDocument/2006/relationships" xmlns:p="http://schemas.openxmlformats.org/presentationml/2006/main">
   <p:cSld>
     <p:spTree>
@@ -12789,7 +15909,7 @@
 </p:sld>
 </file>
 
-<file path=ppt/slides/slide8.xml><?xml version="1.0" encoding="utf-8"?>
+<file path=ppt/slides/slide9.xml><?xml version="1.0" encoding="utf-8"?>
 <p:sld xmlns:a="http://schemas.openxmlformats.org/drawingml/2006/main" xmlns:r="http://schemas.openxmlformats.org/officeDocument/2006/relationships" xmlns:p="http://schemas.openxmlformats.org/presentationml/2006/main">
   <p:cSld>
     <p:spTree>
@@ -13799,913 +16919,6 @@
     <p:extLst>
       <p:ext uri="{BB962C8B-B14F-4D97-AF65-F5344CB8AC3E}">
         <p14:creationId xmlns:p14="http://schemas.microsoft.com/office/powerpoint/2010/main" val="3735475592"/>
-      </p:ext>
-    </p:extLst>
-  </p:cSld>
-  <p:clrMapOvr>
-    <a:masterClrMapping/>
-  </p:clrMapOvr>
-</p:sld>
-</file>
-
-<file path=ppt/slides/slide9.xml><?xml version="1.0" encoding="utf-8"?>
-<p:sld xmlns:a="http://schemas.openxmlformats.org/drawingml/2006/main" xmlns:r="http://schemas.openxmlformats.org/officeDocument/2006/relationships" xmlns:p="http://schemas.openxmlformats.org/presentationml/2006/main">
-  <p:cSld>
-    <p:spTree>
-      <p:nvGrpSpPr>
-        <p:cNvPr id="1" name=""/>
-        <p:cNvGrpSpPr/>
-        <p:nvPr/>
-      </p:nvGrpSpPr>
-      <p:grpSpPr>
-        <a:xfrm>
-          <a:off x="0" y="0"/>
-          <a:ext cx="0" cy="0"/>
-          <a:chOff x="0" y="0"/>
-          <a:chExt cx="0" cy="0"/>
-        </a:xfrm>
-      </p:grpSpPr>
-      <p:sp>
-        <p:nvSpPr>
-          <p:cNvPr id="6" name="직사각형 5">
-            <a:extLst>
-              <a:ext uri="{FF2B5EF4-FFF2-40B4-BE49-F238E27FC236}">
-                <a16:creationId xmlns:a16="http://schemas.microsoft.com/office/drawing/2014/main" id="{5F46C736-9D3C-D8A6-5AAE-B414BA1D753C}"/>
-              </a:ext>
-            </a:extLst>
-          </p:cNvPr>
-          <p:cNvSpPr/>
-          <p:nvPr/>
-        </p:nvSpPr>
-        <p:spPr>
-          <a:xfrm>
-            <a:off x="292990" y="176510"/>
-            <a:ext cx="6700873" cy="923330"/>
-          </a:xfrm>
-          <a:prstGeom prst="rect">
-            <a:avLst/>
-          </a:prstGeom>
-          <a:noFill/>
-        </p:spPr>
-        <p:txBody>
-          <a:bodyPr wrap="none" lIns="91440" tIns="45720" rIns="91440" bIns="45720">
-            <a:spAutoFit/>
-          </a:bodyPr>
-          <a:lstStyle/>
-          <a:p>
-            <a:r>
-              <a:rPr lang="ko-KR" altLang="en-US" sz="5400" b="1" cap="none" spc="0" dirty="0">
-                <a:ln w="0"/>
-                <a:solidFill>
-                  <a:schemeClr val="accent6"/>
-                </a:solidFill>
-                <a:effectLst>
-                  <a:outerShdw blurRad="38100" dist="19050" dir="2700000" algn="tl" rotWithShape="0">
-                    <a:schemeClr val="dk1">
-                      <a:alpha val="40000"/>
-                    </a:schemeClr>
-                  </a:outerShdw>
-                </a:effectLst>
-                <a:latin typeface="휴먼모음T" panose="02030504000101010101" pitchFamily="18" charset="-127"/>
-                <a:ea typeface="휴먼모음T" panose="02030504000101010101" pitchFamily="18" charset="-127"/>
-              </a:rPr>
-              <a:t>개발 내용 </a:t>
-            </a:r>
-            <a:r>
-              <a:rPr lang="en-US" altLang="ko-KR" sz="5400" b="1" cap="none" spc="0" dirty="0">
-                <a:ln w="0"/>
-                <a:solidFill>
-                  <a:schemeClr val="accent6"/>
-                </a:solidFill>
-                <a:effectLst>
-                  <a:outerShdw blurRad="38100" dist="19050" dir="2700000" algn="tl" rotWithShape="0">
-                    <a:schemeClr val="dk1">
-                      <a:alpha val="40000"/>
-                    </a:schemeClr>
-                  </a:outerShdw>
-                </a:effectLst>
-                <a:latin typeface="휴먼모음T" panose="02030504000101010101" pitchFamily="18" charset="-127"/>
-                <a:ea typeface="휴먼모음T" panose="02030504000101010101" pitchFamily="18" charset="-127"/>
-              </a:rPr>
-              <a:t>- </a:t>
-            </a:r>
-            <a:r>
-              <a:rPr lang="ko-KR" altLang="en-US" sz="5400" b="1" cap="none" spc="0" dirty="0">
-                <a:ln w="0"/>
-                <a:solidFill>
-                  <a:schemeClr val="accent6"/>
-                </a:solidFill>
-                <a:effectLst>
-                  <a:outerShdw blurRad="38100" dist="19050" dir="2700000" algn="tl" rotWithShape="0">
-                    <a:schemeClr val="dk1">
-                      <a:alpha val="40000"/>
-                    </a:schemeClr>
-                  </a:outerShdw>
-                </a:effectLst>
-                <a:latin typeface="휴먼모음T" panose="02030504000101010101" pitchFamily="18" charset="-127"/>
-                <a:ea typeface="휴먼모음T" panose="02030504000101010101" pitchFamily="18" charset="-127"/>
-              </a:rPr>
-              <a:t>클라이언트</a:t>
-            </a:r>
-            <a:endParaRPr lang="en-US" altLang="ko-KR" sz="5400" b="1" cap="none" spc="0" dirty="0">
-              <a:ln w="0"/>
-              <a:solidFill>
-                <a:schemeClr val="accent6"/>
-              </a:solidFill>
-              <a:effectLst>
-                <a:outerShdw blurRad="38100" dist="19050" dir="2700000" algn="tl" rotWithShape="0">
-                  <a:schemeClr val="dk1">
-                    <a:alpha val="40000"/>
-                  </a:schemeClr>
-                </a:outerShdw>
-              </a:effectLst>
-              <a:latin typeface="휴먼모음T" panose="02030504000101010101" pitchFamily="18" charset="-127"/>
-              <a:ea typeface="휴먼모음T" panose="02030504000101010101" pitchFamily="18" charset="-127"/>
-            </a:endParaRPr>
-          </a:p>
-        </p:txBody>
-      </p:sp>
-      <p:sp>
-        <p:nvSpPr>
-          <p:cNvPr id="8" name="직사각형 7">
-            <a:extLst>
-              <a:ext uri="{FF2B5EF4-FFF2-40B4-BE49-F238E27FC236}">
-                <a16:creationId xmlns:a16="http://schemas.microsoft.com/office/drawing/2014/main" id="{CC2234C4-E9BE-372E-A776-F89DDB0216DD}"/>
-              </a:ext>
-            </a:extLst>
-          </p:cNvPr>
-          <p:cNvSpPr/>
-          <p:nvPr/>
-        </p:nvSpPr>
-        <p:spPr>
-          <a:xfrm>
-            <a:off x="466725" y="1200150"/>
-            <a:ext cx="5438775" cy="2914650"/>
-          </a:xfrm>
-          <a:prstGeom prst="rect">
-            <a:avLst/>
-          </a:prstGeom>
-        </p:spPr>
-        <p:style>
-          <a:lnRef idx="2">
-            <a:schemeClr val="accent1">
-              <a:shade val="15000"/>
-            </a:schemeClr>
-          </a:lnRef>
-          <a:fillRef idx="1">
-            <a:schemeClr val="accent1"/>
-          </a:fillRef>
-          <a:effectRef idx="0">
-            <a:schemeClr val="accent1"/>
-          </a:effectRef>
-          <a:fontRef idx="minor">
-            <a:schemeClr val="lt1"/>
-          </a:fontRef>
-        </p:style>
-        <p:txBody>
-          <a:bodyPr rtlCol="0" anchor="ctr"/>
-          <a:lstStyle/>
-          <a:p>
-            <a:pPr algn="ctr"/>
-            <a:endParaRPr lang="ko-KR" altLang="en-US"/>
-          </a:p>
-        </p:txBody>
-      </p:sp>
-      <p:sp>
-        <p:nvSpPr>
-          <p:cNvPr id="9" name="직사각형 8">
-            <a:extLst>
-              <a:ext uri="{FF2B5EF4-FFF2-40B4-BE49-F238E27FC236}">
-                <a16:creationId xmlns:a16="http://schemas.microsoft.com/office/drawing/2014/main" id="{16C00056-02F9-32BE-EA20-80C6A614C650}"/>
-              </a:ext>
-            </a:extLst>
-          </p:cNvPr>
-          <p:cNvSpPr/>
-          <p:nvPr/>
-        </p:nvSpPr>
-        <p:spPr>
-          <a:xfrm>
-            <a:off x="6286502" y="1200150"/>
-            <a:ext cx="5438775" cy="2914650"/>
-          </a:xfrm>
-          <a:prstGeom prst="rect">
-            <a:avLst/>
-          </a:prstGeom>
-        </p:spPr>
-        <p:style>
-          <a:lnRef idx="2">
-            <a:schemeClr val="accent1">
-              <a:shade val="15000"/>
-            </a:schemeClr>
-          </a:lnRef>
-          <a:fillRef idx="1">
-            <a:schemeClr val="accent1"/>
-          </a:fillRef>
-          <a:effectRef idx="0">
-            <a:schemeClr val="accent1"/>
-          </a:effectRef>
-          <a:fontRef idx="minor">
-            <a:schemeClr val="lt1"/>
-          </a:fontRef>
-        </p:style>
-        <p:txBody>
-          <a:bodyPr rtlCol="0" anchor="ctr"/>
-          <a:lstStyle/>
-          <a:p>
-            <a:pPr algn="ctr"/>
-            <a:endParaRPr lang="ko-KR" altLang="en-US"/>
-          </a:p>
-        </p:txBody>
-      </p:sp>
-      <p:sp>
-        <p:nvSpPr>
-          <p:cNvPr id="7" name="내용 개체 틀 2">
-            <a:extLst>
-              <a:ext uri="{FF2B5EF4-FFF2-40B4-BE49-F238E27FC236}">
-                <a16:creationId xmlns:a16="http://schemas.microsoft.com/office/drawing/2014/main" id="{3ECE9318-D1FC-EFCA-5F60-111EE10548D6}"/>
-              </a:ext>
-            </a:extLst>
-          </p:cNvPr>
-          <p:cNvSpPr>
-            <a:spLocks noGrp="1"/>
-          </p:cNvSpPr>
-          <p:nvPr>
-            <p:ph idx="1"/>
-          </p:nvPr>
-        </p:nvSpPr>
-        <p:spPr>
-          <a:xfrm>
-            <a:off x="1123952" y="2419052"/>
-            <a:ext cx="4657725" cy="1228725"/>
-          </a:xfrm>
-        </p:spPr>
-        <p:txBody>
-          <a:bodyPr>
-            <a:normAutofit/>
-          </a:bodyPr>
-          <a:lstStyle/>
-          <a:p>
-            <a:pPr marL="0" indent="0">
-              <a:buNone/>
-            </a:pPr>
-            <a:r>
-              <a:rPr lang="ko-KR" altLang="en-US" sz="2000" b="1" dirty="0"/>
-              <a:t>작업 내용 대표 이미지</a:t>
-            </a:r>
-            <a:br>
-              <a:rPr lang="en-US" altLang="ko-KR" sz="2000" b="1" dirty="0"/>
-            </a:br>
-            <a:endParaRPr lang="en-US" altLang="ko-KR" sz="2000" b="1" dirty="0"/>
-          </a:p>
-        </p:txBody>
-      </p:sp>
-      <p:sp>
-        <p:nvSpPr>
-          <p:cNvPr id="10" name="내용 개체 틀 2">
-            <a:extLst>
-              <a:ext uri="{FF2B5EF4-FFF2-40B4-BE49-F238E27FC236}">
-                <a16:creationId xmlns:a16="http://schemas.microsoft.com/office/drawing/2014/main" id="{C8E90164-CC83-81DC-B9BA-E247EB78C49F}"/>
-              </a:ext>
-            </a:extLst>
-          </p:cNvPr>
-          <p:cNvSpPr txBox="1">
-            <a:spLocks/>
-          </p:cNvSpPr>
-          <p:nvPr/>
-        </p:nvSpPr>
-        <p:spPr>
-          <a:xfrm>
-            <a:off x="7153277" y="2419051"/>
-            <a:ext cx="4657725" cy="1228725"/>
-          </a:xfrm>
-          <a:prstGeom prst="rect">
-            <a:avLst/>
-          </a:prstGeom>
-        </p:spPr>
-        <p:txBody>
-          <a:bodyPr vert="horz" lIns="91440" tIns="45720" rIns="91440" bIns="45720" rtlCol="0">
-            <a:normAutofit/>
-          </a:bodyPr>
-          <a:lstStyle>
-            <a:lvl1pPr marL="228600" indent="-228600" algn="l" defTabSz="914400" rtl="0" eaLnBrk="1" latinLnBrk="1" hangingPunct="1">
-              <a:lnSpc>
-                <a:spcPct val="90000"/>
-              </a:lnSpc>
-              <a:spcBef>
-                <a:spcPts val="1000"/>
-              </a:spcBef>
-              <a:buFont typeface="Arial" panose="020B0604020202020204" pitchFamily="34" charset="0"/>
-              <a:buChar char="•"/>
-              <a:defRPr sz="2800" kern="1200">
-                <a:solidFill>
-                  <a:schemeClr val="tx1"/>
-                </a:solidFill>
-                <a:latin typeface="+mn-lt"/>
-                <a:ea typeface="+mn-ea"/>
-                <a:cs typeface="+mn-cs"/>
-              </a:defRPr>
-            </a:lvl1pPr>
-            <a:lvl2pPr marL="685800" indent="-228600" algn="l" defTabSz="914400" rtl="0" eaLnBrk="1" latinLnBrk="1" hangingPunct="1">
-              <a:lnSpc>
-                <a:spcPct val="90000"/>
-              </a:lnSpc>
-              <a:spcBef>
-                <a:spcPts val="500"/>
-              </a:spcBef>
-              <a:buFont typeface="Arial" panose="020B0604020202020204" pitchFamily="34" charset="0"/>
-              <a:buChar char="•"/>
-              <a:defRPr sz="2400" kern="1200">
-                <a:solidFill>
-                  <a:schemeClr val="tx1"/>
-                </a:solidFill>
-                <a:latin typeface="+mn-lt"/>
-                <a:ea typeface="+mn-ea"/>
-                <a:cs typeface="+mn-cs"/>
-              </a:defRPr>
-            </a:lvl2pPr>
-            <a:lvl3pPr marL="1143000" indent="-228600" algn="l" defTabSz="914400" rtl="0" eaLnBrk="1" latinLnBrk="1" hangingPunct="1">
-              <a:lnSpc>
-                <a:spcPct val="90000"/>
-              </a:lnSpc>
-              <a:spcBef>
-                <a:spcPts val="500"/>
-              </a:spcBef>
-              <a:buFont typeface="Arial" panose="020B0604020202020204" pitchFamily="34" charset="0"/>
-              <a:buChar char="•"/>
-              <a:defRPr sz="2000" kern="1200">
-                <a:solidFill>
-                  <a:schemeClr val="tx1"/>
-                </a:solidFill>
-                <a:latin typeface="+mn-lt"/>
-                <a:ea typeface="+mn-ea"/>
-                <a:cs typeface="+mn-cs"/>
-              </a:defRPr>
-            </a:lvl3pPr>
-            <a:lvl4pPr marL="1600200" indent="-228600" algn="l" defTabSz="914400" rtl="0" eaLnBrk="1" latinLnBrk="1" hangingPunct="1">
-              <a:lnSpc>
-                <a:spcPct val="90000"/>
-              </a:lnSpc>
-              <a:spcBef>
-                <a:spcPts val="500"/>
-              </a:spcBef>
-              <a:buFont typeface="Arial" panose="020B0604020202020204" pitchFamily="34" charset="0"/>
-              <a:buChar char="•"/>
-              <a:defRPr sz="1800" kern="1200">
-                <a:solidFill>
-                  <a:schemeClr val="tx1"/>
-                </a:solidFill>
-                <a:latin typeface="+mn-lt"/>
-                <a:ea typeface="+mn-ea"/>
-                <a:cs typeface="+mn-cs"/>
-              </a:defRPr>
-            </a:lvl4pPr>
-            <a:lvl5pPr marL="2057400" indent="-228600" algn="l" defTabSz="914400" rtl="0" eaLnBrk="1" latinLnBrk="1" hangingPunct="1">
-              <a:lnSpc>
-                <a:spcPct val="90000"/>
-              </a:lnSpc>
-              <a:spcBef>
-                <a:spcPts val="500"/>
-              </a:spcBef>
-              <a:buFont typeface="Arial" panose="020B0604020202020204" pitchFamily="34" charset="0"/>
-              <a:buChar char="•"/>
-              <a:defRPr sz="1800" kern="1200">
-                <a:solidFill>
-                  <a:schemeClr val="tx1"/>
-                </a:solidFill>
-                <a:latin typeface="+mn-lt"/>
-                <a:ea typeface="+mn-ea"/>
-                <a:cs typeface="+mn-cs"/>
-              </a:defRPr>
-            </a:lvl5pPr>
-            <a:lvl6pPr marL="2514600" indent="-228600" algn="l" defTabSz="914400" rtl="0" eaLnBrk="1" latinLnBrk="1" hangingPunct="1">
-              <a:lnSpc>
-                <a:spcPct val="90000"/>
-              </a:lnSpc>
-              <a:spcBef>
-                <a:spcPts val="500"/>
-              </a:spcBef>
-              <a:buFont typeface="Arial" panose="020B0604020202020204" pitchFamily="34" charset="0"/>
-              <a:buChar char="•"/>
-              <a:defRPr sz="1800" kern="1200">
-                <a:solidFill>
-                  <a:schemeClr val="tx1"/>
-                </a:solidFill>
-                <a:latin typeface="+mn-lt"/>
-                <a:ea typeface="+mn-ea"/>
-                <a:cs typeface="+mn-cs"/>
-              </a:defRPr>
-            </a:lvl6pPr>
-            <a:lvl7pPr marL="2971800" indent="-228600" algn="l" defTabSz="914400" rtl="0" eaLnBrk="1" latinLnBrk="1" hangingPunct="1">
-              <a:lnSpc>
-                <a:spcPct val="90000"/>
-              </a:lnSpc>
-              <a:spcBef>
-                <a:spcPts val="500"/>
-              </a:spcBef>
-              <a:buFont typeface="Arial" panose="020B0604020202020204" pitchFamily="34" charset="0"/>
-              <a:buChar char="•"/>
-              <a:defRPr sz="1800" kern="1200">
-                <a:solidFill>
-                  <a:schemeClr val="tx1"/>
-                </a:solidFill>
-                <a:latin typeface="+mn-lt"/>
-                <a:ea typeface="+mn-ea"/>
-                <a:cs typeface="+mn-cs"/>
-              </a:defRPr>
-            </a:lvl7pPr>
-            <a:lvl8pPr marL="3429000" indent="-228600" algn="l" defTabSz="914400" rtl="0" eaLnBrk="1" latinLnBrk="1" hangingPunct="1">
-              <a:lnSpc>
-                <a:spcPct val="90000"/>
-              </a:lnSpc>
-              <a:spcBef>
-                <a:spcPts val="500"/>
-              </a:spcBef>
-              <a:buFont typeface="Arial" panose="020B0604020202020204" pitchFamily="34" charset="0"/>
-              <a:buChar char="•"/>
-              <a:defRPr sz="1800" kern="1200">
-                <a:solidFill>
-                  <a:schemeClr val="tx1"/>
-                </a:solidFill>
-                <a:latin typeface="+mn-lt"/>
-                <a:ea typeface="+mn-ea"/>
-                <a:cs typeface="+mn-cs"/>
-              </a:defRPr>
-            </a:lvl8pPr>
-            <a:lvl9pPr marL="3886200" indent="-228600" algn="l" defTabSz="914400" rtl="0" eaLnBrk="1" latinLnBrk="1" hangingPunct="1">
-              <a:lnSpc>
-                <a:spcPct val="90000"/>
-              </a:lnSpc>
-              <a:spcBef>
-                <a:spcPts val="500"/>
-              </a:spcBef>
-              <a:buFont typeface="Arial" panose="020B0604020202020204" pitchFamily="34" charset="0"/>
-              <a:buChar char="•"/>
-              <a:defRPr sz="1800" kern="1200">
-                <a:solidFill>
-                  <a:schemeClr val="tx1"/>
-                </a:solidFill>
-                <a:latin typeface="+mn-lt"/>
-                <a:ea typeface="+mn-ea"/>
-                <a:cs typeface="+mn-cs"/>
-              </a:defRPr>
-            </a:lvl9pPr>
-          </a:lstStyle>
-          <a:p>
-            <a:pPr marL="0" indent="0">
-              <a:buFont typeface="Arial" panose="020B0604020202020204" pitchFamily="34" charset="0"/>
-              <a:buNone/>
-            </a:pPr>
-            <a:r>
-              <a:rPr lang="ko-KR" altLang="en-US" sz="2000" b="1" dirty="0"/>
-              <a:t>작업 내용 대표 이미지</a:t>
-            </a:r>
-            <a:br>
-              <a:rPr lang="en-US" altLang="ko-KR" sz="2000" b="1" dirty="0"/>
-            </a:br>
-            <a:endParaRPr lang="en-US" altLang="ko-KR" sz="2000" b="1" dirty="0"/>
-          </a:p>
-        </p:txBody>
-      </p:sp>
-      <p:sp>
-        <p:nvSpPr>
-          <p:cNvPr id="11" name="내용 개체 틀 2">
-            <a:extLst>
-              <a:ext uri="{FF2B5EF4-FFF2-40B4-BE49-F238E27FC236}">
-                <a16:creationId xmlns:a16="http://schemas.microsoft.com/office/drawing/2014/main" id="{1574701F-3BF9-DC23-DC93-8D88320008FA}"/>
-              </a:ext>
-            </a:extLst>
-          </p:cNvPr>
-          <p:cNvSpPr txBox="1">
-            <a:spLocks/>
-          </p:cNvSpPr>
-          <p:nvPr/>
-        </p:nvSpPr>
-        <p:spPr>
-          <a:xfrm>
-            <a:off x="466725" y="4581227"/>
-            <a:ext cx="4857748" cy="1771948"/>
-          </a:xfrm>
-          <a:prstGeom prst="rect">
-            <a:avLst/>
-          </a:prstGeom>
-        </p:spPr>
-        <p:txBody>
-          <a:bodyPr vert="horz" lIns="91440" tIns="45720" rIns="91440" bIns="45720" rtlCol="0">
-            <a:normAutofit/>
-          </a:bodyPr>
-          <a:lstStyle>
-            <a:lvl1pPr marL="228600" indent="-228600" algn="l" defTabSz="914400" rtl="0" eaLnBrk="1" latinLnBrk="1" hangingPunct="1">
-              <a:lnSpc>
-                <a:spcPct val="90000"/>
-              </a:lnSpc>
-              <a:spcBef>
-                <a:spcPts val="1000"/>
-              </a:spcBef>
-              <a:buFont typeface="Arial" panose="020B0604020202020204" pitchFamily="34" charset="0"/>
-              <a:buChar char="•"/>
-              <a:defRPr sz="2800" kern="1200">
-                <a:solidFill>
-                  <a:schemeClr val="tx1"/>
-                </a:solidFill>
-                <a:latin typeface="+mn-lt"/>
-                <a:ea typeface="+mn-ea"/>
-                <a:cs typeface="+mn-cs"/>
-              </a:defRPr>
-            </a:lvl1pPr>
-            <a:lvl2pPr marL="685800" indent="-228600" algn="l" defTabSz="914400" rtl="0" eaLnBrk="1" latinLnBrk="1" hangingPunct="1">
-              <a:lnSpc>
-                <a:spcPct val="90000"/>
-              </a:lnSpc>
-              <a:spcBef>
-                <a:spcPts val="500"/>
-              </a:spcBef>
-              <a:buFont typeface="Arial" panose="020B0604020202020204" pitchFamily="34" charset="0"/>
-              <a:buChar char="•"/>
-              <a:defRPr sz="2400" kern="1200">
-                <a:solidFill>
-                  <a:schemeClr val="tx1"/>
-                </a:solidFill>
-                <a:latin typeface="+mn-lt"/>
-                <a:ea typeface="+mn-ea"/>
-                <a:cs typeface="+mn-cs"/>
-              </a:defRPr>
-            </a:lvl2pPr>
-            <a:lvl3pPr marL="1143000" indent="-228600" algn="l" defTabSz="914400" rtl="0" eaLnBrk="1" latinLnBrk="1" hangingPunct="1">
-              <a:lnSpc>
-                <a:spcPct val="90000"/>
-              </a:lnSpc>
-              <a:spcBef>
-                <a:spcPts val="500"/>
-              </a:spcBef>
-              <a:buFont typeface="Arial" panose="020B0604020202020204" pitchFamily="34" charset="0"/>
-              <a:buChar char="•"/>
-              <a:defRPr sz="2000" kern="1200">
-                <a:solidFill>
-                  <a:schemeClr val="tx1"/>
-                </a:solidFill>
-                <a:latin typeface="+mn-lt"/>
-                <a:ea typeface="+mn-ea"/>
-                <a:cs typeface="+mn-cs"/>
-              </a:defRPr>
-            </a:lvl3pPr>
-            <a:lvl4pPr marL="1600200" indent="-228600" algn="l" defTabSz="914400" rtl="0" eaLnBrk="1" latinLnBrk="1" hangingPunct="1">
-              <a:lnSpc>
-                <a:spcPct val="90000"/>
-              </a:lnSpc>
-              <a:spcBef>
-                <a:spcPts val="500"/>
-              </a:spcBef>
-              <a:buFont typeface="Arial" panose="020B0604020202020204" pitchFamily="34" charset="0"/>
-              <a:buChar char="•"/>
-              <a:defRPr sz="1800" kern="1200">
-                <a:solidFill>
-                  <a:schemeClr val="tx1"/>
-                </a:solidFill>
-                <a:latin typeface="+mn-lt"/>
-                <a:ea typeface="+mn-ea"/>
-                <a:cs typeface="+mn-cs"/>
-              </a:defRPr>
-            </a:lvl4pPr>
-            <a:lvl5pPr marL="2057400" indent="-228600" algn="l" defTabSz="914400" rtl="0" eaLnBrk="1" latinLnBrk="1" hangingPunct="1">
-              <a:lnSpc>
-                <a:spcPct val="90000"/>
-              </a:lnSpc>
-              <a:spcBef>
-                <a:spcPts val="500"/>
-              </a:spcBef>
-              <a:buFont typeface="Arial" panose="020B0604020202020204" pitchFamily="34" charset="0"/>
-              <a:buChar char="•"/>
-              <a:defRPr sz="1800" kern="1200">
-                <a:solidFill>
-                  <a:schemeClr val="tx1"/>
-                </a:solidFill>
-                <a:latin typeface="+mn-lt"/>
-                <a:ea typeface="+mn-ea"/>
-                <a:cs typeface="+mn-cs"/>
-              </a:defRPr>
-            </a:lvl5pPr>
-            <a:lvl6pPr marL="2514600" indent="-228600" algn="l" defTabSz="914400" rtl="0" eaLnBrk="1" latinLnBrk="1" hangingPunct="1">
-              <a:lnSpc>
-                <a:spcPct val="90000"/>
-              </a:lnSpc>
-              <a:spcBef>
-                <a:spcPts val="500"/>
-              </a:spcBef>
-              <a:buFont typeface="Arial" panose="020B0604020202020204" pitchFamily="34" charset="0"/>
-              <a:buChar char="•"/>
-              <a:defRPr sz="1800" kern="1200">
-                <a:solidFill>
-                  <a:schemeClr val="tx1"/>
-                </a:solidFill>
-                <a:latin typeface="+mn-lt"/>
-                <a:ea typeface="+mn-ea"/>
-                <a:cs typeface="+mn-cs"/>
-              </a:defRPr>
-            </a:lvl6pPr>
-            <a:lvl7pPr marL="2971800" indent="-228600" algn="l" defTabSz="914400" rtl="0" eaLnBrk="1" latinLnBrk="1" hangingPunct="1">
-              <a:lnSpc>
-                <a:spcPct val="90000"/>
-              </a:lnSpc>
-              <a:spcBef>
-                <a:spcPts val="500"/>
-              </a:spcBef>
-              <a:buFont typeface="Arial" panose="020B0604020202020204" pitchFamily="34" charset="0"/>
-              <a:buChar char="•"/>
-              <a:defRPr sz="1800" kern="1200">
-                <a:solidFill>
-                  <a:schemeClr val="tx1"/>
-                </a:solidFill>
-                <a:latin typeface="+mn-lt"/>
-                <a:ea typeface="+mn-ea"/>
-                <a:cs typeface="+mn-cs"/>
-              </a:defRPr>
-            </a:lvl7pPr>
-            <a:lvl8pPr marL="3429000" indent="-228600" algn="l" defTabSz="914400" rtl="0" eaLnBrk="1" latinLnBrk="1" hangingPunct="1">
-              <a:lnSpc>
-                <a:spcPct val="90000"/>
-              </a:lnSpc>
-              <a:spcBef>
-                <a:spcPts val="500"/>
-              </a:spcBef>
-              <a:buFont typeface="Arial" panose="020B0604020202020204" pitchFamily="34" charset="0"/>
-              <a:buChar char="•"/>
-              <a:defRPr sz="1800" kern="1200">
-                <a:solidFill>
-                  <a:schemeClr val="tx1"/>
-                </a:solidFill>
-                <a:latin typeface="+mn-lt"/>
-                <a:ea typeface="+mn-ea"/>
-                <a:cs typeface="+mn-cs"/>
-              </a:defRPr>
-            </a:lvl8pPr>
-            <a:lvl9pPr marL="3886200" indent="-228600" algn="l" defTabSz="914400" rtl="0" eaLnBrk="1" latinLnBrk="1" hangingPunct="1">
-              <a:lnSpc>
-                <a:spcPct val="90000"/>
-              </a:lnSpc>
-              <a:spcBef>
-                <a:spcPts val="500"/>
-              </a:spcBef>
-              <a:buFont typeface="Arial" panose="020B0604020202020204" pitchFamily="34" charset="0"/>
-              <a:buChar char="•"/>
-              <a:defRPr sz="1800" kern="1200">
-                <a:solidFill>
-                  <a:schemeClr val="tx1"/>
-                </a:solidFill>
-                <a:latin typeface="+mn-lt"/>
-                <a:ea typeface="+mn-ea"/>
-                <a:cs typeface="+mn-cs"/>
-              </a:defRPr>
-            </a:lvl9pPr>
-          </a:lstStyle>
-          <a:p>
-            <a:pPr marL="0" indent="0">
-              <a:buFont typeface="Arial" panose="020B0604020202020204" pitchFamily="34" charset="0"/>
-              <a:buNone/>
-            </a:pPr>
-            <a:r>
-              <a:rPr lang="ko-KR" altLang="en-US" sz="2000" b="1" dirty="0"/>
-              <a:t>작업 내용</a:t>
-            </a:r>
-            <a:br>
-              <a:rPr lang="en-US" altLang="ko-KR" sz="2000" b="1" dirty="0"/>
-            </a:br>
-            <a:r>
-              <a:rPr lang="en-US" altLang="ko-KR" sz="1800" dirty="0"/>
-              <a:t>-</a:t>
-            </a:r>
-            <a:r>
-              <a:rPr lang="ko-KR" altLang="en-US" sz="1800" dirty="0"/>
-              <a:t>짧게 작업내용 설명</a:t>
-            </a:r>
-            <a:br>
-              <a:rPr lang="en-US" altLang="ko-KR" sz="2000" b="1" dirty="0"/>
-            </a:br>
-            <a:endParaRPr lang="en-US" altLang="ko-KR" sz="2000" b="1" dirty="0"/>
-          </a:p>
-        </p:txBody>
-      </p:sp>
-      <p:sp>
-        <p:nvSpPr>
-          <p:cNvPr id="12" name="내용 개체 틀 2">
-            <a:extLst>
-              <a:ext uri="{FF2B5EF4-FFF2-40B4-BE49-F238E27FC236}">
-                <a16:creationId xmlns:a16="http://schemas.microsoft.com/office/drawing/2014/main" id="{3419BED9-DB5A-AF2B-084F-32B51B4FE9EF}"/>
-              </a:ext>
-            </a:extLst>
-          </p:cNvPr>
-          <p:cNvSpPr txBox="1">
-            <a:spLocks/>
-          </p:cNvSpPr>
-          <p:nvPr/>
-        </p:nvSpPr>
-        <p:spPr>
-          <a:xfrm>
-            <a:off x="6286502" y="4581227"/>
-            <a:ext cx="4857748" cy="1771948"/>
-          </a:xfrm>
-          <a:prstGeom prst="rect">
-            <a:avLst/>
-          </a:prstGeom>
-        </p:spPr>
-        <p:txBody>
-          <a:bodyPr vert="horz" lIns="91440" tIns="45720" rIns="91440" bIns="45720" rtlCol="0">
-            <a:normAutofit/>
-          </a:bodyPr>
-          <a:lstStyle>
-            <a:lvl1pPr marL="228600" indent="-228600" algn="l" defTabSz="914400" rtl="0" eaLnBrk="1" latinLnBrk="1" hangingPunct="1">
-              <a:lnSpc>
-                <a:spcPct val="90000"/>
-              </a:lnSpc>
-              <a:spcBef>
-                <a:spcPts val="1000"/>
-              </a:spcBef>
-              <a:buFont typeface="Arial" panose="020B0604020202020204" pitchFamily="34" charset="0"/>
-              <a:buChar char="•"/>
-              <a:defRPr sz="2800" kern="1200">
-                <a:solidFill>
-                  <a:schemeClr val="tx1"/>
-                </a:solidFill>
-                <a:latin typeface="+mn-lt"/>
-                <a:ea typeface="+mn-ea"/>
-                <a:cs typeface="+mn-cs"/>
-              </a:defRPr>
-            </a:lvl1pPr>
-            <a:lvl2pPr marL="685800" indent="-228600" algn="l" defTabSz="914400" rtl="0" eaLnBrk="1" latinLnBrk="1" hangingPunct="1">
-              <a:lnSpc>
-                <a:spcPct val="90000"/>
-              </a:lnSpc>
-              <a:spcBef>
-                <a:spcPts val="500"/>
-              </a:spcBef>
-              <a:buFont typeface="Arial" panose="020B0604020202020204" pitchFamily="34" charset="0"/>
-              <a:buChar char="•"/>
-              <a:defRPr sz="2400" kern="1200">
-                <a:solidFill>
-                  <a:schemeClr val="tx1"/>
-                </a:solidFill>
-                <a:latin typeface="+mn-lt"/>
-                <a:ea typeface="+mn-ea"/>
-                <a:cs typeface="+mn-cs"/>
-              </a:defRPr>
-            </a:lvl2pPr>
-            <a:lvl3pPr marL="1143000" indent="-228600" algn="l" defTabSz="914400" rtl="0" eaLnBrk="1" latinLnBrk="1" hangingPunct="1">
-              <a:lnSpc>
-                <a:spcPct val="90000"/>
-              </a:lnSpc>
-              <a:spcBef>
-                <a:spcPts val="500"/>
-              </a:spcBef>
-              <a:buFont typeface="Arial" panose="020B0604020202020204" pitchFamily="34" charset="0"/>
-              <a:buChar char="•"/>
-              <a:defRPr sz="2000" kern="1200">
-                <a:solidFill>
-                  <a:schemeClr val="tx1"/>
-                </a:solidFill>
-                <a:latin typeface="+mn-lt"/>
-                <a:ea typeface="+mn-ea"/>
-                <a:cs typeface="+mn-cs"/>
-              </a:defRPr>
-            </a:lvl3pPr>
-            <a:lvl4pPr marL="1600200" indent="-228600" algn="l" defTabSz="914400" rtl="0" eaLnBrk="1" latinLnBrk="1" hangingPunct="1">
-              <a:lnSpc>
-                <a:spcPct val="90000"/>
-              </a:lnSpc>
-              <a:spcBef>
-                <a:spcPts val="500"/>
-              </a:spcBef>
-              <a:buFont typeface="Arial" panose="020B0604020202020204" pitchFamily="34" charset="0"/>
-              <a:buChar char="•"/>
-              <a:defRPr sz="1800" kern="1200">
-                <a:solidFill>
-                  <a:schemeClr val="tx1"/>
-                </a:solidFill>
-                <a:latin typeface="+mn-lt"/>
-                <a:ea typeface="+mn-ea"/>
-                <a:cs typeface="+mn-cs"/>
-              </a:defRPr>
-            </a:lvl4pPr>
-            <a:lvl5pPr marL="2057400" indent="-228600" algn="l" defTabSz="914400" rtl="0" eaLnBrk="1" latinLnBrk="1" hangingPunct="1">
-              <a:lnSpc>
-                <a:spcPct val="90000"/>
-              </a:lnSpc>
-              <a:spcBef>
-                <a:spcPts val="500"/>
-              </a:spcBef>
-              <a:buFont typeface="Arial" panose="020B0604020202020204" pitchFamily="34" charset="0"/>
-              <a:buChar char="•"/>
-              <a:defRPr sz="1800" kern="1200">
-                <a:solidFill>
-                  <a:schemeClr val="tx1"/>
-                </a:solidFill>
-                <a:latin typeface="+mn-lt"/>
-                <a:ea typeface="+mn-ea"/>
-                <a:cs typeface="+mn-cs"/>
-              </a:defRPr>
-            </a:lvl5pPr>
-            <a:lvl6pPr marL="2514600" indent="-228600" algn="l" defTabSz="914400" rtl="0" eaLnBrk="1" latinLnBrk="1" hangingPunct="1">
-              <a:lnSpc>
-                <a:spcPct val="90000"/>
-              </a:lnSpc>
-              <a:spcBef>
-                <a:spcPts val="500"/>
-              </a:spcBef>
-              <a:buFont typeface="Arial" panose="020B0604020202020204" pitchFamily="34" charset="0"/>
-              <a:buChar char="•"/>
-              <a:defRPr sz="1800" kern="1200">
-                <a:solidFill>
-                  <a:schemeClr val="tx1"/>
-                </a:solidFill>
-                <a:latin typeface="+mn-lt"/>
-                <a:ea typeface="+mn-ea"/>
-                <a:cs typeface="+mn-cs"/>
-              </a:defRPr>
-            </a:lvl6pPr>
-            <a:lvl7pPr marL="2971800" indent="-228600" algn="l" defTabSz="914400" rtl="0" eaLnBrk="1" latinLnBrk="1" hangingPunct="1">
-              <a:lnSpc>
-                <a:spcPct val="90000"/>
-              </a:lnSpc>
-              <a:spcBef>
-                <a:spcPts val="500"/>
-              </a:spcBef>
-              <a:buFont typeface="Arial" panose="020B0604020202020204" pitchFamily="34" charset="0"/>
-              <a:buChar char="•"/>
-              <a:defRPr sz="1800" kern="1200">
-                <a:solidFill>
-                  <a:schemeClr val="tx1"/>
-                </a:solidFill>
-                <a:latin typeface="+mn-lt"/>
-                <a:ea typeface="+mn-ea"/>
-                <a:cs typeface="+mn-cs"/>
-              </a:defRPr>
-            </a:lvl7pPr>
-            <a:lvl8pPr marL="3429000" indent="-228600" algn="l" defTabSz="914400" rtl="0" eaLnBrk="1" latinLnBrk="1" hangingPunct="1">
-              <a:lnSpc>
-                <a:spcPct val="90000"/>
-              </a:lnSpc>
-              <a:spcBef>
-                <a:spcPts val="500"/>
-              </a:spcBef>
-              <a:buFont typeface="Arial" panose="020B0604020202020204" pitchFamily="34" charset="0"/>
-              <a:buChar char="•"/>
-              <a:defRPr sz="1800" kern="1200">
-                <a:solidFill>
-                  <a:schemeClr val="tx1"/>
-                </a:solidFill>
-                <a:latin typeface="+mn-lt"/>
-                <a:ea typeface="+mn-ea"/>
-                <a:cs typeface="+mn-cs"/>
-              </a:defRPr>
-            </a:lvl8pPr>
-            <a:lvl9pPr marL="3886200" indent="-228600" algn="l" defTabSz="914400" rtl="0" eaLnBrk="1" latinLnBrk="1" hangingPunct="1">
-              <a:lnSpc>
-                <a:spcPct val="90000"/>
-              </a:lnSpc>
-              <a:spcBef>
-                <a:spcPts val="500"/>
-              </a:spcBef>
-              <a:buFont typeface="Arial" panose="020B0604020202020204" pitchFamily="34" charset="0"/>
-              <a:buChar char="•"/>
-              <a:defRPr sz="1800" kern="1200">
-                <a:solidFill>
-                  <a:schemeClr val="tx1"/>
-                </a:solidFill>
-                <a:latin typeface="+mn-lt"/>
-                <a:ea typeface="+mn-ea"/>
-                <a:cs typeface="+mn-cs"/>
-              </a:defRPr>
-            </a:lvl9pPr>
-          </a:lstStyle>
-          <a:p>
-            <a:pPr marL="0" indent="0">
-              <a:buFont typeface="Arial" panose="020B0604020202020204" pitchFamily="34" charset="0"/>
-              <a:buNone/>
-            </a:pPr>
-            <a:r>
-              <a:rPr lang="ko-KR" altLang="en-US" sz="2000" b="1" dirty="0"/>
-              <a:t>작업 내용</a:t>
-            </a:r>
-            <a:br>
-              <a:rPr lang="en-US" altLang="ko-KR" sz="2000" b="1" dirty="0"/>
-            </a:br>
-            <a:r>
-              <a:rPr lang="en-US" altLang="ko-KR" sz="1800" dirty="0"/>
-              <a:t>-</a:t>
-            </a:r>
-            <a:r>
-              <a:rPr lang="ko-KR" altLang="en-US" sz="1800" dirty="0"/>
-              <a:t>짧게 작업내용 설명</a:t>
-            </a:r>
-            <a:br>
-              <a:rPr lang="en-US" altLang="ko-KR" sz="2000" b="1" dirty="0"/>
-            </a:br>
-            <a:endParaRPr lang="en-US" altLang="ko-KR" sz="2000" b="1" dirty="0"/>
-          </a:p>
-        </p:txBody>
-      </p:sp>
-    </p:spTree>
-    <p:extLst>
-      <p:ext uri="{BB962C8B-B14F-4D97-AF65-F5344CB8AC3E}">
-        <p14:creationId xmlns:p14="http://schemas.microsoft.com/office/powerpoint/2010/main" val="2221547893"/>
       </p:ext>
     </p:extLst>
   </p:cSld>

--- a/제안서/EatUpAll_고윤범_노창현_양재성.pptx
+++ b/제안서/EatUpAll_고윤범_노창현_양재성.pptx
@@ -18,9 +18,9 @@
     <p:sldId id="260" r:id="rId9"/>
     <p:sldId id="261" r:id="rId10"/>
     <p:sldId id="262" r:id="rId11"/>
-    <p:sldId id="263" r:id="rId12"/>
-    <p:sldId id="264" r:id="rId13"/>
-    <p:sldId id="270" r:id="rId14"/>
+    <p:sldId id="273" r:id="rId12"/>
+    <p:sldId id="263" r:id="rId13"/>
+    <p:sldId id="264" r:id="rId14"/>
     <p:sldId id="265" r:id="rId15"/>
     <p:sldId id="266" r:id="rId16"/>
     <p:sldId id="267" r:id="rId17"/>
@@ -3834,200 +3834,6 @@
           </a:p>
         </p:txBody>
       </p:sp>
-      <p:sp>
-        <p:nvSpPr>
-          <p:cNvPr id="5" name="직사각형 4">
-            <a:extLst>
-              <a:ext uri="{FF2B5EF4-FFF2-40B4-BE49-F238E27FC236}">
-                <a16:creationId xmlns:a16="http://schemas.microsoft.com/office/drawing/2014/main" id="{A19E8277-114A-C354-B5F3-D219D5892A23}"/>
-              </a:ext>
-            </a:extLst>
-          </p:cNvPr>
-          <p:cNvSpPr/>
-          <p:nvPr/>
-        </p:nvSpPr>
-        <p:spPr>
-          <a:xfrm>
-            <a:off x="4551343" y="3729991"/>
-            <a:ext cx="3089307" cy="461665"/>
-          </a:xfrm>
-          <a:prstGeom prst="rect">
-            <a:avLst/>
-          </a:prstGeom>
-          <a:noFill/>
-        </p:spPr>
-        <p:txBody>
-          <a:bodyPr wrap="none" lIns="91440" tIns="45720" rIns="91440" bIns="45720">
-            <a:spAutoFit/>
-          </a:bodyPr>
-          <a:lstStyle/>
-          <a:p>
-            <a:pPr algn="ctr"/>
-            <a:r>
-              <a:rPr lang="ko-KR" altLang="en-US" sz="2400" b="1" dirty="0" err="1">
-                <a:ln w="0"/>
-                <a:effectLst>
-                  <a:outerShdw blurRad="38100" dist="19050" dir="2700000" algn="tl" rotWithShape="0">
-                    <a:schemeClr val="dk1">
-                      <a:alpha val="40000"/>
-                    </a:schemeClr>
-                  </a:outerShdw>
-                </a:effectLst>
-              </a:rPr>
-              <a:t>고윤범</a:t>
-            </a:r>
-            <a:r>
-              <a:rPr lang="en-US" altLang="ko-KR" sz="2400" b="1" dirty="0">
-                <a:ln w="0"/>
-                <a:effectLst>
-                  <a:outerShdw blurRad="38100" dist="19050" dir="2700000" algn="tl" rotWithShape="0">
-                    <a:schemeClr val="dk1">
-                      <a:alpha val="40000"/>
-                    </a:schemeClr>
-                  </a:outerShdw>
-                </a:effectLst>
-              </a:rPr>
-              <a:t>,</a:t>
-            </a:r>
-            <a:r>
-              <a:rPr lang="ko-KR" altLang="en-US" sz="2400" b="1" dirty="0">
-                <a:ln w="0"/>
-                <a:effectLst>
-                  <a:outerShdw blurRad="38100" dist="19050" dir="2700000" algn="tl" rotWithShape="0">
-                    <a:schemeClr val="dk1">
-                      <a:alpha val="40000"/>
-                    </a:schemeClr>
-                  </a:outerShdw>
-                </a:effectLst>
-              </a:rPr>
-              <a:t>노창현</a:t>
-            </a:r>
-            <a:r>
-              <a:rPr lang="en-US" altLang="ko-KR" sz="2400" b="1" dirty="0">
-                <a:ln w="0"/>
-                <a:effectLst>
-                  <a:outerShdw blurRad="38100" dist="19050" dir="2700000" algn="tl" rotWithShape="0">
-                    <a:schemeClr val="dk1">
-                      <a:alpha val="40000"/>
-                    </a:schemeClr>
-                  </a:outerShdw>
-                </a:effectLst>
-              </a:rPr>
-              <a:t>,</a:t>
-            </a:r>
-            <a:r>
-              <a:rPr lang="ko-KR" altLang="en-US" sz="2400" b="1" dirty="0">
-                <a:ln w="0"/>
-                <a:effectLst>
-                  <a:outerShdw blurRad="38100" dist="19050" dir="2700000" algn="tl" rotWithShape="0">
-                    <a:schemeClr val="dk1">
-                      <a:alpha val="40000"/>
-                    </a:schemeClr>
-                  </a:outerShdw>
-                </a:effectLst>
-              </a:rPr>
-              <a:t>양재성</a:t>
-            </a:r>
-            <a:endParaRPr lang="en-US" altLang="ko-KR" sz="2400" b="1" cap="none" spc="0" dirty="0">
-              <a:ln w="0"/>
-              <a:solidFill>
-                <a:schemeClr val="tx1"/>
-              </a:solidFill>
-              <a:effectLst>
-                <a:outerShdw blurRad="38100" dist="19050" dir="2700000" algn="tl" rotWithShape="0">
-                  <a:schemeClr val="dk1">
-                    <a:alpha val="40000"/>
-                  </a:schemeClr>
-                </a:outerShdw>
-              </a:effectLst>
-            </a:endParaRPr>
-          </a:p>
-        </p:txBody>
-      </p:sp>
-      <p:sp>
-        <p:nvSpPr>
-          <p:cNvPr id="6" name="직사각형 5">
-            <a:extLst>
-              <a:ext uri="{FF2B5EF4-FFF2-40B4-BE49-F238E27FC236}">
-                <a16:creationId xmlns:a16="http://schemas.microsoft.com/office/drawing/2014/main" id="{4DCC714B-F2A6-E66C-1386-5D60B73A0C62}"/>
-              </a:ext>
-            </a:extLst>
-          </p:cNvPr>
-          <p:cNvSpPr/>
-          <p:nvPr/>
-        </p:nvSpPr>
-        <p:spPr>
-          <a:xfrm>
-            <a:off x="214581" y="6306146"/>
-            <a:ext cx="2866490" cy="369332"/>
-          </a:xfrm>
-          <a:prstGeom prst="rect">
-            <a:avLst/>
-          </a:prstGeom>
-          <a:noFill/>
-        </p:spPr>
-        <p:txBody>
-          <a:bodyPr wrap="none" lIns="91440" tIns="45720" rIns="91440" bIns="45720">
-            <a:spAutoFit/>
-          </a:bodyPr>
-          <a:lstStyle/>
-          <a:p>
-            <a:pPr algn="ctr"/>
-            <a:r>
-              <a:rPr lang="ko-KR" altLang="en-US" b="1" dirty="0">
-                <a:ln w="0"/>
-                <a:effectLst>
-                  <a:outerShdw blurRad="38100" dist="19050" dir="2700000" algn="tl" rotWithShape="0">
-                    <a:schemeClr val="dk1">
-                      <a:alpha val="40000"/>
-                    </a:schemeClr>
-                  </a:outerShdw>
-                </a:effectLst>
-              </a:rPr>
-              <a:t>지도교수님</a:t>
-            </a:r>
-            <a:r>
-              <a:rPr lang="en-US" altLang="ko-KR" b="1" dirty="0">
-                <a:ln w="0"/>
-                <a:effectLst>
-                  <a:outerShdw blurRad="38100" dist="19050" dir="2700000" algn="tl" rotWithShape="0">
-                    <a:schemeClr val="dk1">
-                      <a:alpha val="40000"/>
-                    </a:schemeClr>
-                  </a:outerShdw>
-                </a:effectLst>
-              </a:rPr>
-              <a:t>:</a:t>
-            </a:r>
-            <a:r>
-              <a:rPr lang="ko-KR" altLang="en-US" b="1" dirty="0">
-                <a:ln w="0"/>
-                <a:effectLst>
-                  <a:outerShdw blurRad="38100" dist="19050" dir="2700000" algn="tl" rotWithShape="0">
-                    <a:schemeClr val="dk1">
-                      <a:alpha val="40000"/>
-                    </a:schemeClr>
-                  </a:outerShdw>
-                </a:effectLst>
-              </a:rPr>
-              <a:t>이형구 교수님</a:t>
-            </a:r>
-            <a:endParaRPr lang="en-US" altLang="ko-KR" b="1" cap="none" spc="0" dirty="0">
-              <a:ln w="0"/>
-              <a:solidFill>
-                <a:schemeClr val="tx1"/>
-              </a:solidFill>
-              <a:effectLst>
-                <a:outerShdw blurRad="38100" dist="19050" dir="2700000" algn="tl" rotWithShape="0">
-                  <a:schemeClr val="dk1">
-                    <a:alpha val="40000"/>
-                  </a:schemeClr>
-                </a:outerShdw>
-              </a:effectLst>
-            </a:endParaRPr>
-          </a:p>
-        </p:txBody>
-      </p:sp>
       <p:pic>
         <p:nvPicPr>
           <p:cNvPr id="8" name="그림 7" descr="스크린샷, 다채로움이(가) 표시된 사진&#10;&#10;자동 생성된 설명">
@@ -4073,6 +3879,569 @@
           </a:prstGeom>
         </p:spPr>
       </p:pic>
+      <p:pic>
+        <p:nvPicPr>
+          <p:cNvPr id="7" name="그림 6" descr="창의성, 예술이(가) 표시된 사진&#10;&#10;낮은 신뢰도로 자동 생성된 설명">
+            <a:extLst>
+              <a:ext uri="{FF2B5EF4-FFF2-40B4-BE49-F238E27FC236}">
+                <a16:creationId xmlns:a16="http://schemas.microsoft.com/office/drawing/2014/main" id="{E1AF2E26-15A9-B041-E9DA-0A46DD6980A8}"/>
+              </a:ext>
+            </a:extLst>
+          </p:cNvPr>
+          <p:cNvPicPr>
+            <a:picLocks noChangeAspect="1"/>
+          </p:cNvPicPr>
+          <p:nvPr/>
+        </p:nvPicPr>
+        <p:blipFill>
+          <a:blip r:embed="rId4">
+            <a:extLst>
+              <a:ext uri="{28A0092B-C50C-407E-A947-70E740481C1C}">
+                <a14:useLocalDpi xmlns:a14="http://schemas.microsoft.com/office/drawing/2010/main" val="0"/>
+              </a:ext>
+            </a:extLst>
+          </a:blip>
+          <a:stretch>
+            <a:fillRect/>
+          </a:stretch>
+        </p:blipFill>
+        <p:spPr>
+          <a:xfrm>
+            <a:off x="3081071" y="3132165"/>
+            <a:ext cx="4101125" cy="544589"/>
+          </a:xfrm>
+          <a:prstGeom prst="rect">
+            <a:avLst/>
+          </a:prstGeom>
+        </p:spPr>
+      </p:pic>
+      <p:pic>
+        <p:nvPicPr>
+          <p:cNvPr id="9" name="그림 8" descr="창의성, 예술이(가) 표시된 사진&#10;&#10;낮은 신뢰도로 자동 생성된 설명">
+            <a:extLst>
+              <a:ext uri="{FF2B5EF4-FFF2-40B4-BE49-F238E27FC236}">
+                <a16:creationId xmlns:a16="http://schemas.microsoft.com/office/drawing/2014/main" id="{F8E5BC27-FA32-E275-E2D2-84D5BD439F78}"/>
+              </a:ext>
+            </a:extLst>
+          </p:cNvPr>
+          <p:cNvPicPr>
+            <a:picLocks noChangeAspect="1"/>
+          </p:cNvPicPr>
+          <p:nvPr/>
+        </p:nvPicPr>
+        <p:blipFill rotWithShape="1">
+          <a:blip r:embed="rId4">
+            <a:extLst>
+              <a:ext uri="{28A0092B-C50C-407E-A947-70E740481C1C}">
+                <a14:useLocalDpi xmlns:a14="http://schemas.microsoft.com/office/drawing/2010/main" val="0"/>
+              </a:ext>
+            </a:extLst>
+          </a:blip>
+          <a:srcRect t="6867" r="32882" b="-9776"/>
+          <a:stretch/>
+        </p:blipFill>
+        <p:spPr>
+          <a:xfrm>
+            <a:off x="7110132" y="3181247"/>
+            <a:ext cx="1725375" cy="735604"/>
+          </a:xfrm>
+          <a:prstGeom prst="rect">
+            <a:avLst/>
+          </a:prstGeom>
+        </p:spPr>
+      </p:pic>
+      <p:sp>
+        <p:nvSpPr>
+          <p:cNvPr id="10" name="사각형: 둥근 모서리 9">
+            <a:extLst>
+              <a:ext uri="{FF2B5EF4-FFF2-40B4-BE49-F238E27FC236}">
+                <a16:creationId xmlns:a16="http://schemas.microsoft.com/office/drawing/2014/main" id="{2ED118EE-7D13-1016-65D6-F3B639F21276}"/>
+              </a:ext>
+            </a:extLst>
+          </p:cNvPr>
+          <p:cNvSpPr>
+            <a:spLocks/>
+          </p:cNvSpPr>
+          <p:nvPr/>
+        </p:nvSpPr>
+        <p:spPr>
+          <a:xfrm>
+            <a:off x="7596869" y="4184725"/>
+            <a:ext cx="4264175" cy="2121421"/>
+          </a:xfrm>
+          <a:prstGeom prst="roundRect">
+            <a:avLst>
+              <a:gd name="adj" fmla="val 7011"/>
+            </a:avLst>
+          </a:prstGeom>
+          <a:solidFill>
+            <a:schemeClr val="bg1">
+              <a:alpha val="90000"/>
+            </a:schemeClr>
+          </a:solidFill>
+          <a:ln>
+            <a:noFill/>
+          </a:ln>
+        </p:spPr>
+        <p:style>
+          <a:lnRef idx="2">
+            <a:schemeClr val="accent1">
+              <a:shade val="15000"/>
+            </a:schemeClr>
+          </a:lnRef>
+          <a:fillRef idx="1">
+            <a:schemeClr val="accent1"/>
+          </a:fillRef>
+          <a:effectRef idx="0">
+            <a:schemeClr val="accent1"/>
+          </a:effectRef>
+          <a:fontRef idx="minor">
+            <a:schemeClr val="lt1"/>
+          </a:fontRef>
+        </p:style>
+        <p:txBody>
+          <a:bodyPr rtlCol="0" anchor="ctr"/>
+          <a:lstStyle/>
+          <a:p>
+            <a:pPr algn="ctr"/>
+            <a:endParaRPr lang="ko-KR" altLang="en-US"/>
+          </a:p>
+        </p:txBody>
+      </p:sp>
+      <p:sp>
+        <p:nvSpPr>
+          <p:cNvPr id="11" name="TextBox 10">
+            <a:extLst>
+              <a:ext uri="{FF2B5EF4-FFF2-40B4-BE49-F238E27FC236}">
+                <a16:creationId xmlns:a16="http://schemas.microsoft.com/office/drawing/2014/main" id="{8FF42BF8-D831-194C-6CFA-A00641DE1B57}"/>
+              </a:ext>
+            </a:extLst>
+          </p:cNvPr>
+          <p:cNvSpPr txBox="1"/>
+          <p:nvPr/>
+        </p:nvSpPr>
+        <p:spPr>
+          <a:xfrm>
+            <a:off x="8553291" y="4414765"/>
+            <a:ext cx="3021981" cy="461665"/>
+          </a:xfrm>
+          <a:prstGeom prst="rect">
+            <a:avLst/>
+          </a:prstGeom>
+          <a:noFill/>
+        </p:spPr>
+        <p:txBody>
+          <a:bodyPr wrap="none" rtlCol="0">
+            <a:spAutoFit/>
+          </a:bodyPr>
+          <a:lstStyle/>
+          <a:p>
+            <a:r>
+              <a:rPr lang="ko-KR" altLang="en-US" sz="2400" b="1" dirty="0">
+                <a:effectLst>
+                  <a:outerShdw blurRad="38100" dist="38100" dir="2700000" algn="tl">
+                    <a:srgbClr val="000000">
+                      <a:alpha val="43137"/>
+                    </a:srgbClr>
+                  </a:outerShdw>
+                </a:effectLst>
+              </a:rPr>
+              <a:t>고윤범</a:t>
+            </a:r>
+            <a:r>
+              <a:rPr lang="en-US" altLang="ko-KR" sz="2400" b="1" dirty="0">
+                <a:effectLst>
+                  <a:outerShdw blurRad="38100" dist="38100" dir="2700000" algn="tl">
+                    <a:srgbClr val="000000">
+                      <a:alpha val="43137"/>
+                    </a:srgbClr>
+                  </a:outerShdw>
+                </a:effectLst>
+              </a:rPr>
+              <a:t>/2019184001</a:t>
+            </a:r>
+            <a:endParaRPr lang="ko-KR" altLang="en-US" sz="2400" b="1" dirty="0">
+              <a:effectLst>
+                <a:outerShdw blurRad="38100" dist="38100" dir="2700000" algn="tl">
+                  <a:srgbClr val="000000">
+                    <a:alpha val="43137"/>
+                  </a:srgbClr>
+                </a:outerShdw>
+              </a:effectLst>
+            </a:endParaRPr>
+          </a:p>
+        </p:txBody>
+      </p:sp>
+      <p:sp>
+        <p:nvSpPr>
+          <p:cNvPr id="12" name="TextBox 11">
+            <a:extLst>
+              <a:ext uri="{FF2B5EF4-FFF2-40B4-BE49-F238E27FC236}">
+                <a16:creationId xmlns:a16="http://schemas.microsoft.com/office/drawing/2014/main" id="{28B2568B-2902-67AF-6689-129B3223B0D6}"/>
+              </a:ext>
+            </a:extLst>
+          </p:cNvPr>
+          <p:cNvSpPr txBox="1"/>
+          <p:nvPr/>
+        </p:nvSpPr>
+        <p:spPr>
+          <a:xfrm>
+            <a:off x="8569587" y="5024313"/>
+            <a:ext cx="3021981" cy="461665"/>
+          </a:xfrm>
+          <a:prstGeom prst="rect">
+            <a:avLst/>
+          </a:prstGeom>
+          <a:noFill/>
+        </p:spPr>
+        <p:txBody>
+          <a:bodyPr wrap="none" rtlCol="0">
+            <a:spAutoFit/>
+          </a:bodyPr>
+          <a:lstStyle/>
+          <a:p>
+            <a:r>
+              <a:rPr lang="ko-KR" altLang="en-US" sz="2400" b="1" dirty="0" err="1">
+                <a:effectLst>
+                  <a:outerShdw blurRad="38100" dist="38100" dir="2700000" algn="tl">
+                    <a:srgbClr val="000000">
+                      <a:alpha val="43137"/>
+                    </a:srgbClr>
+                  </a:outerShdw>
+                </a:effectLst>
+              </a:rPr>
+              <a:t>노창현</a:t>
+            </a:r>
+            <a:r>
+              <a:rPr lang="en-US" altLang="ko-KR" sz="2400" b="1" dirty="0">
+                <a:effectLst>
+                  <a:outerShdw blurRad="38100" dist="38100" dir="2700000" algn="tl">
+                    <a:srgbClr val="000000">
+                      <a:alpha val="43137"/>
+                    </a:srgbClr>
+                  </a:outerShdw>
+                </a:effectLst>
+              </a:rPr>
+              <a:t>/2019184009</a:t>
+            </a:r>
+            <a:endParaRPr lang="ko-KR" altLang="en-US" sz="2400" b="1" dirty="0">
+              <a:effectLst>
+                <a:outerShdw blurRad="38100" dist="38100" dir="2700000" algn="tl">
+                  <a:srgbClr val="000000">
+                    <a:alpha val="43137"/>
+                  </a:srgbClr>
+                </a:outerShdw>
+              </a:effectLst>
+            </a:endParaRPr>
+          </a:p>
+        </p:txBody>
+      </p:sp>
+      <p:sp>
+        <p:nvSpPr>
+          <p:cNvPr id="13" name="TextBox 12">
+            <a:extLst>
+              <a:ext uri="{FF2B5EF4-FFF2-40B4-BE49-F238E27FC236}">
+                <a16:creationId xmlns:a16="http://schemas.microsoft.com/office/drawing/2014/main" id="{78F6322F-2C88-641B-CF5D-2AD7DEC2F988}"/>
+              </a:ext>
+            </a:extLst>
+          </p:cNvPr>
+          <p:cNvSpPr txBox="1"/>
+          <p:nvPr/>
+        </p:nvSpPr>
+        <p:spPr>
+          <a:xfrm>
+            <a:off x="8569587" y="5630650"/>
+            <a:ext cx="3021981" cy="461665"/>
+          </a:xfrm>
+          <a:prstGeom prst="rect">
+            <a:avLst/>
+          </a:prstGeom>
+          <a:noFill/>
+        </p:spPr>
+        <p:txBody>
+          <a:bodyPr wrap="none" rtlCol="0">
+            <a:spAutoFit/>
+          </a:bodyPr>
+          <a:lstStyle/>
+          <a:p>
+            <a:r>
+              <a:rPr lang="ko-KR" altLang="en-US" sz="2400" b="1" dirty="0">
+                <a:effectLst>
+                  <a:outerShdw blurRad="38100" dist="38100" dir="2700000" algn="tl">
+                    <a:srgbClr val="000000">
+                      <a:alpha val="43137"/>
+                    </a:srgbClr>
+                  </a:outerShdw>
+                </a:effectLst>
+              </a:rPr>
+              <a:t>양재성</a:t>
+            </a:r>
+            <a:r>
+              <a:rPr lang="en-US" altLang="ko-KR" sz="2400" b="1" dirty="0">
+                <a:effectLst>
+                  <a:outerShdw blurRad="38100" dist="38100" dir="2700000" algn="tl">
+                    <a:srgbClr val="000000">
+                      <a:alpha val="43137"/>
+                    </a:srgbClr>
+                  </a:outerShdw>
+                </a:effectLst>
+              </a:rPr>
+              <a:t>/2019184018</a:t>
+            </a:r>
+            <a:endParaRPr lang="ko-KR" altLang="en-US" sz="2400" b="1" dirty="0">
+              <a:effectLst>
+                <a:outerShdw blurRad="38100" dist="38100" dir="2700000" algn="tl">
+                  <a:srgbClr val="000000">
+                    <a:alpha val="43137"/>
+                  </a:srgbClr>
+                </a:outerShdw>
+              </a:effectLst>
+            </a:endParaRPr>
+          </a:p>
+        </p:txBody>
+      </p:sp>
+      <p:pic>
+        <p:nvPicPr>
+          <p:cNvPr id="14" name="그래픽 13" descr="데이터베이스 단색으로 채워진">
+            <a:extLst>
+              <a:ext uri="{FF2B5EF4-FFF2-40B4-BE49-F238E27FC236}">
+                <a16:creationId xmlns:a16="http://schemas.microsoft.com/office/drawing/2014/main" id="{125CD171-C4B6-8CEE-61F9-B58E1477CF7E}"/>
+              </a:ext>
+            </a:extLst>
+          </p:cNvPr>
+          <p:cNvPicPr>
+            <a:picLocks noChangeAspect="1"/>
+          </p:cNvPicPr>
+          <p:nvPr/>
+        </p:nvPicPr>
+        <p:blipFill>
+          <a:blip r:embed="rId5">
+            <a:extLst>
+              <a:ext uri="{28A0092B-C50C-407E-A947-70E740481C1C}">
+                <a14:useLocalDpi xmlns:a14="http://schemas.microsoft.com/office/drawing/2010/main" val="0"/>
+              </a:ext>
+              <a:ext uri="{96DAC541-7B7A-43D3-8B79-37D633B846F1}">
+                <asvg:svgBlip xmlns:asvg="http://schemas.microsoft.com/office/drawing/2016/SVG/main" r:embed="rId6"/>
+              </a:ext>
+            </a:extLst>
+          </a:blip>
+          <a:stretch>
+            <a:fillRect/>
+          </a:stretch>
+        </p:blipFill>
+        <p:spPr>
+          <a:xfrm>
+            <a:off x="7851694" y="4332886"/>
+            <a:ext cx="571167" cy="571167"/>
+          </a:xfrm>
+          <a:prstGeom prst="rect">
+            <a:avLst/>
+          </a:prstGeom>
+        </p:spPr>
+      </p:pic>
+      <p:pic>
+        <p:nvPicPr>
+          <p:cNvPr id="15" name="그래픽 14" descr="게임 컨트롤러 단색으로 채워진">
+            <a:extLst>
+              <a:ext uri="{FF2B5EF4-FFF2-40B4-BE49-F238E27FC236}">
+                <a16:creationId xmlns:a16="http://schemas.microsoft.com/office/drawing/2014/main" id="{4F79C19B-04D4-E28F-FD3E-900ED24DA002}"/>
+              </a:ext>
+            </a:extLst>
+          </p:cNvPr>
+          <p:cNvPicPr>
+            <a:picLocks noChangeAspect="1"/>
+          </p:cNvPicPr>
+          <p:nvPr/>
+        </p:nvPicPr>
+        <p:blipFill>
+          <a:blip r:embed="rId7">
+            <a:extLst>
+              <a:ext uri="{28A0092B-C50C-407E-A947-70E740481C1C}">
+                <a14:useLocalDpi xmlns:a14="http://schemas.microsoft.com/office/drawing/2010/main" val="0"/>
+              </a:ext>
+              <a:ext uri="{96DAC541-7B7A-43D3-8B79-37D633B846F1}">
+                <asvg:svgBlip xmlns:asvg="http://schemas.microsoft.com/office/drawing/2016/SVG/main" r:embed="rId8"/>
+              </a:ext>
+            </a:extLst>
+          </a:blip>
+          <a:stretch>
+            <a:fillRect/>
+          </a:stretch>
+        </p:blipFill>
+        <p:spPr>
+          <a:xfrm>
+            <a:off x="7857460" y="5499622"/>
+            <a:ext cx="619374" cy="619374"/>
+          </a:xfrm>
+          <a:prstGeom prst="rect">
+            <a:avLst/>
+          </a:prstGeom>
+        </p:spPr>
+      </p:pic>
+      <p:pic>
+        <p:nvPicPr>
+          <p:cNvPr id="16" name="그래픽 15" descr="페인트 브러시 단색으로 채워진">
+            <a:extLst>
+              <a:ext uri="{FF2B5EF4-FFF2-40B4-BE49-F238E27FC236}">
+                <a16:creationId xmlns:a16="http://schemas.microsoft.com/office/drawing/2014/main" id="{1A9FB4A2-6B4A-01AB-721A-8D3E7A676A93}"/>
+              </a:ext>
+            </a:extLst>
+          </p:cNvPr>
+          <p:cNvPicPr>
+            <a:picLocks noChangeAspect="1"/>
+          </p:cNvPicPr>
+          <p:nvPr/>
+        </p:nvPicPr>
+        <p:blipFill>
+          <a:blip r:embed="rId9">
+            <a:extLst>
+              <a:ext uri="{28A0092B-C50C-407E-A947-70E740481C1C}">
+                <a14:useLocalDpi xmlns:a14="http://schemas.microsoft.com/office/drawing/2010/main" val="0"/>
+              </a:ext>
+              <a:ext uri="{96DAC541-7B7A-43D3-8B79-37D633B846F1}">
+                <asvg:svgBlip xmlns:asvg="http://schemas.microsoft.com/office/drawing/2016/SVG/main" r:embed="rId10"/>
+              </a:ext>
+            </a:extLst>
+          </a:blip>
+          <a:stretch>
+            <a:fillRect/>
+          </a:stretch>
+        </p:blipFill>
+        <p:spPr>
+          <a:xfrm>
+            <a:off x="7875800" y="4928456"/>
+            <a:ext cx="571166" cy="571166"/>
+          </a:xfrm>
+          <a:prstGeom prst="rect">
+            <a:avLst/>
+          </a:prstGeom>
+        </p:spPr>
+      </p:pic>
+      <p:sp>
+        <p:nvSpPr>
+          <p:cNvPr id="17" name="사각형: 둥근 모서리 16">
+            <a:extLst>
+              <a:ext uri="{FF2B5EF4-FFF2-40B4-BE49-F238E27FC236}">
+                <a16:creationId xmlns:a16="http://schemas.microsoft.com/office/drawing/2014/main" id="{41FA2449-5865-C488-8658-992265C72BF7}"/>
+              </a:ext>
+            </a:extLst>
+          </p:cNvPr>
+          <p:cNvSpPr>
+            <a:spLocks/>
+          </p:cNvSpPr>
+          <p:nvPr/>
+        </p:nvSpPr>
+        <p:spPr>
+          <a:xfrm>
+            <a:off x="600432" y="4202331"/>
+            <a:ext cx="3531342" cy="821982"/>
+          </a:xfrm>
+          <a:prstGeom prst="roundRect">
+            <a:avLst>
+              <a:gd name="adj" fmla="val 7011"/>
+            </a:avLst>
+          </a:prstGeom>
+          <a:solidFill>
+            <a:schemeClr val="bg1">
+              <a:alpha val="90000"/>
+            </a:schemeClr>
+          </a:solidFill>
+          <a:ln>
+            <a:noFill/>
+          </a:ln>
+        </p:spPr>
+        <p:style>
+          <a:lnRef idx="2">
+            <a:schemeClr val="accent1">
+              <a:shade val="15000"/>
+            </a:schemeClr>
+          </a:lnRef>
+          <a:fillRef idx="1">
+            <a:schemeClr val="accent1"/>
+          </a:fillRef>
+          <a:effectRef idx="0">
+            <a:schemeClr val="accent1"/>
+          </a:effectRef>
+          <a:fontRef idx="minor">
+            <a:schemeClr val="lt1"/>
+          </a:fontRef>
+        </p:style>
+        <p:txBody>
+          <a:bodyPr rtlCol="0" anchor="ctr"/>
+          <a:lstStyle/>
+          <a:p>
+            <a:pPr algn="ctr"/>
+            <a:endParaRPr lang="ko-KR" altLang="en-US"/>
+          </a:p>
+        </p:txBody>
+      </p:sp>
+      <p:sp>
+        <p:nvSpPr>
+          <p:cNvPr id="18" name="TextBox 17">
+            <a:extLst>
+              <a:ext uri="{FF2B5EF4-FFF2-40B4-BE49-F238E27FC236}">
+                <a16:creationId xmlns:a16="http://schemas.microsoft.com/office/drawing/2014/main" id="{D71AC909-51FD-0A83-57C2-3B4663F3119F}"/>
+              </a:ext>
+            </a:extLst>
+          </p:cNvPr>
+          <p:cNvSpPr txBox="1"/>
+          <p:nvPr/>
+        </p:nvSpPr>
+        <p:spPr>
+          <a:xfrm>
+            <a:off x="788420" y="4393919"/>
+            <a:ext cx="3252814" cy="461665"/>
+          </a:xfrm>
+          <a:prstGeom prst="rect">
+            <a:avLst/>
+          </a:prstGeom>
+          <a:noFill/>
+        </p:spPr>
+        <p:txBody>
+          <a:bodyPr wrap="none" rtlCol="0">
+            <a:spAutoFit/>
+          </a:bodyPr>
+          <a:lstStyle/>
+          <a:p>
+            <a:r>
+              <a:rPr lang="ko-KR" altLang="en-US" sz="2400" b="1" dirty="0">
+                <a:effectLst>
+                  <a:outerShdw blurRad="38100" dist="38100" dir="2700000" algn="tl">
+                    <a:srgbClr val="000000">
+                      <a:alpha val="43137"/>
+                    </a:srgbClr>
+                  </a:outerShdw>
+                </a:effectLst>
+              </a:rPr>
+              <a:t>지도교수</a:t>
+            </a:r>
+            <a:r>
+              <a:rPr lang="en-US" altLang="ko-KR" sz="2400" b="1" dirty="0">
+                <a:effectLst>
+                  <a:outerShdw blurRad="38100" dist="38100" dir="2700000" algn="tl">
+                    <a:srgbClr val="000000">
+                      <a:alpha val="43137"/>
+                    </a:srgbClr>
+                  </a:outerShdw>
+                </a:effectLst>
+              </a:rPr>
+              <a:t>:</a:t>
+            </a:r>
+            <a:r>
+              <a:rPr lang="ko-KR" altLang="en-US" sz="2400" b="1" dirty="0">
+                <a:effectLst>
+                  <a:outerShdw blurRad="38100" dist="38100" dir="2700000" algn="tl">
+                    <a:srgbClr val="000000">
+                      <a:alpha val="43137"/>
+                    </a:srgbClr>
+                  </a:outerShdw>
+                </a:effectLst>
+              </a:rPr>
+              <a:t> 이형구 교수</a:t>
+            </a:r>
+          </a:p>
+        </p:txBody>
+      </p:sp>
     </p:spTree>
     <p:extLst>
       <p:ext uri="{BB962C8B-B14F-4D97-AF65-F5344CB8AC3E}">
@@ -5012,10 +5381,10 @@
       </p:grpSpPr>
       <p:sp>
         <p:nvSpPr>
-          <p:cNvPr id="4" name="직사각형 3">
-            <a:extLst>
-              <a:ext uri="{FF2B5EF4-FFF2-40B4-BE49-F238E27FC236}">
-                <a16:creationId xmlns:a16="http://schemas.microsoft.com/office/drawing/2014/main" id="{0FBF6C5F-499E-B79E-B8EA-3960EB89DDE2}"/>
+          <p:cNvPr id="6" name="직사각형 5">
+            <a:extLst>
+              <a:ext uri="{FF2B5EF4-FFF2-40B4-BE49-F238E27FC236}">
+                <a16:creationId xmlns:a16="http://schemas.microsoft.com/office/drawing/2014/main" id="{5F46C736-9D3C-D8A6-5AAE-B414BA1D753C}"/>
               </a:ext>
             </a:extLst>
           </p:cNvPr>
@@ -5025,7 +5394,7 @@
         <p:spPr>
           <a:xfrm>
             <a:off x="292990" y="176510"/>
-            <a:ext cx="4905510" cy="923330"/>
+            <a:ext cx="6700873" cy="923330"/>
           </a:xfrm>
           <a:prstGeom prst="rect">
             <a:avLst/>
@@ -5090,7 +5459,7 @@
                 <a:latin typeface="휴먼모음T" panose="02030504000101010101" pitchFamily="18" charset="-127"/>
                 <a:ea typeface="휴먼모음T" panose="02030504000101010101" pitchFamily="18" charset="-127"/>
               </a:rPr>
-              <a:t>서버</a:t>
+              <a:t>클라이언트</a:t>
             </a:r>
             <a:endParaRPr lang="en-US" altLang="ko-KR" sz="5400" b="1" cap="none" spc="0" dirty="0">
               <a:ln w="0"/>
@@ -5112,144 +5481,10 @@
       </p:sp>
       <p:sp>
         <p:nvSpPr>
-          <p:cNvPr id="7" name="직사각형 6">
-            <a:extLst>
-              <a:ext uri="{FF2B5EF4-FFF2-40B4-BE49-F238E27FC236}">
-                <a16:creationId xmlns:a16="http://schemas.microsoft.com/office/drawing/2014/main" id="{26ED716D-0378-36B4-0801-2AFF20DBB503}"/>
-              </a:ext>
-            </a:extLst>
-          </p:cNvPr>
-          <p:cNvSpPr/>
-          <p:nvPr/>
-        </p:nvSpPr>
-        <p:spPr>
-          <a:xfrm>
-            <a:off x="466725" y="1200150"/>
-            <a:ext cx="5438775" cy="2914650"/>
-          </a:xfrm>
-          <a:prstGeom prst="rect">
-            <a:avLst/>
-          </a:prstGeom>
-        </p:spPr>
-        <p:style>
-          <a:lnRef idx="2">
-            <a:schemeClr val="accent1">
-              <a:shade val="15000"/>
-            </a:schemeClr>
-          </a:lnRef>
-          <a:fillRef idx="1">
-            <a:schemeClr val="accent1"/>
-          </a:fillRef>
-          <a:effectRef idx="0">
-            <a:schemeClr val="accent1"/>
-          </a:effectRef>
-          <a:fontRef idx="minor">
-            <a:schemeClr val="lt1"/>
-          </a:fontRef>
-        </p:style>
-        <p:txBody>
-          <a:bodyPr rtlCol="0" anchor="ctr"/>
-          <a:lstStyle/>
-          <a:p>
-            <a:pPr algn="ctr"/>
-            <a:endParaRPr lang="ko-KR" altLang="en-US"/>
-          </a:p>
-        </p:txBody>
-      </p:sp>
-      <p:sp>
-        <p:nvSpPr>
-          <p:cNvPr id="8" name="직사각형 7">
-            <a:extLst>
-              <a:ext uri="{FF2B5EF4-FFF2-40B4-BE49-F238E27FC236}">
-                <a16:creationId xmlns:a16="http://schemas.microsoft.com/office/drawing/2014/main" id="{3475973E-D0C8-7DE4-A40F-6CF6F1A89151}"/>
-              </a:ext>
-            </a:extLst>
-          </p:cNvPr>
-          <p:cNvSpPr/>
-          <p:nvPr/>
-        </p:nvSpPr>
-        <p:spPr>
-          <a:xfrm>
-            <a:off x="6286502" y="1200150"/>
-            <a:ext cx="5438775" cy="2914650"/>
-          </a:xfrm>
-          <a:prstGeom prst="rect">
-            <a:avLst/>
-          </a:prstGeom>
-        </p:spPr>
-        <p:style>
-          <a:lnRef idx="2">
-            <a:schemeClr val="accent1">
-              <a:shade val="15000"/>
-            </a:schemeClr>
-          </a:lnRef>
-          <a:fillRef idx="1">
-            <a:schemeClr val="accent1"/>
-          </a:fillRef>
-          <a:effectRef idx="0">
-            <a:schemeClr val="accent1"/>
-          </a:effectRef>
-          <a:fontRef idx="minor">
-            <a:schemeClr val="lt1"/>
-          </a:fontRef>
-        </p:style>
-        <p:txBody>
-          <a:bodyPr rtlCol="0" anchor="ctr"/>
-          <a:lstStyle/>
-          <a:p>
-            <a:pPr algn="ctr"/>
-            <a:endParaRPr lang="ko-KR" altLang="en-US"/>
-          </a:p>
-        </p:txBody>
-      </p:sp>
-      <p:sp>
-        <p:nvSpPr>
-          <p:cNvPr id="9" name="내용 개체 틀 2">
-            <a:extLst>
-              <a:ext uri="{FF2B5EF4-FFF2-40B4-BE49-F238E27FC236}">
-                <a16:creationId xmlns:a16="http://schemas.microsoft.com/office/drawing/2014/main" id="{5693C7C7-FD8F-08C0-14FD-99374B6121BD}"/>
-              </a:ext>
-            </a:extLst>
-          </p:cNvPr>
-          <p:cNvSpPr>
-            <a:spLocks noGrp="1"/>
-          </p:cNvSpPr>
-          <p:nvPr>
-            <p:ph idx="1"/>
-          </p:nvPr>
-        </p:nvSpPr>
-        <p:spPr>
-          <a:xfrm>
-            <a:off x="1123952" y="2419052"/>
-            <a:ext cx="4657725" cy="1228725"/>
-          </a:xfrm>
-        </p:spPr>
-        <p:txBody>
-          <a:bodyPr>
-            <a:normAutofit/>
-          </a:bodyPr>
-          <a:lstStyle/>
-          <a:p>
-            <a:pPr marL="0" indent="0">
-              <a:buNone/>
-            </a:pPr>
-            <a:r>
-              <a:rPr lang="ko-KR" altLang="en-US" sz="2000" b="1" dirty="0"/>
-              <a:t>작업 내용 대표 이미지</a:t>
-            </a:r>
-            <a:br>
-              <a:rPr lang="en-US" altLang="ko-KR" sz="2000" b="1" dirty="0"/>
-            </a:br>
-            <a:endParaRPr lang="en-US" altLang="ko-KR" sz="2000" b="1" dirty="0"/>
-          </a:p>
-        </p:txBody>
-      </p:sp>
-      <p:sp>
-        <p:nvSpPr>
-          <p:cNvPr id="10" name="내용 개체 틀 2">
-            <a:extLst>
-              <a:ext uri="{FF2B5EF4-FFF2-40B4-BE49-F238E27FC236}">
-                <a16:creationId xmlns:a16="http://schemas.microsoft.com/office/drawing/2014/main" id="{F6E3DF7D-A94D-76E9-BAAA-9E2B434CCA2B}"/>
+          <p:cNvPr id="11" name="내용 개체 틀 2">
+            <a:extLst>
+              <a:ext uri="{FF2B5EF4-FFF2-40B4-BE49-F238E27FC236}">
+                <a16:creationId xmlns:a16="http://schemas.microsoft.com/office/drawing/2014/main" id="{1574701F-3BF9-DC23-DC93-8D88320008FA}"/>
               </a:ext>
             </a:extLst>
           </p:cNvPr>
@@ -5260,8 +5495,8 @@
         </p:nvSpPr>
         <p:spPr>
           <a:xfrm>
-            <a:off x="7153277" y="2419051"/>
-            <a:ext cx="4657725" cy="1228725"/>
+            <a:off x="466724" y="5086052"/>
+            <a:ext cx="5629275" cy="1771948"/>
           </a:xfrm>
           <a:prstGeom prst="rect">
             <a:avLst/>
@@ -5436,13 +5671,35 @@
             </a:lvl9pPr>
           </a:lstStyle>
           <a:p>
-            <a:pPr marL="0" indent="0">
+            <a:pPr marL="0" indent="0" algn="ctr">
+              <a:lnSpc>
+                <a:spcPct val="150000"/>
+              </a:lnSpc>
               <a:buFont typeface="Arial" panose="020B0604020202020204" pitchFamily="34" charset="0"/>
               <a:buNone/>
             </a:pPr>
             <a:r>
               <a:rPr lang="ko-KR" altLang="en-US" sz="2000" b="1" dirty="0"/>
-              <a:t>작업 내용 대표 이미지</a:t>
+              <a:t>실시간 메시 페인팅</a:t>
+            </a:r>
+            <a:br>
+              <a:rPr lang="en-US" altLang="ko-KR" sz="2000" b="1" dirty="0"/>
+            </a:br>
+            <a:r>
+              <a:rPr lang="en-US" altLang="ko-KR" sz="1800" dirty="0" err="1"/>
+              <a:t>RenderTarget</a:t>
+            </a:r>
+            <a:r>
+              <a:rPr lang="ko-KR" altLang="en-US" sz="1800" dirty="0"/>
+              <a:t>를 사용해 페인트 </a:t>
+            </a:r>
+            <a:r>
+              <a:rPr lang="ko-KR" altLang="en-US" sz="1800" dirty="0" err="1"/>
+              <a:t>브러쉬</a:t>
+            </a:r>
+            <a:r>
+              <a:rPr lang="ko-KR" altLang="en-US" sz="1800" dirty="0"/>
+              <a:t> 업데이트</a:t>
             </a:r>
             <a:br>
               <a:rPr lang="en-US" altLang="ko-KR" sz="2000" b="1" dirty="0"/>
@@ -5453,10 +5710,10 @@
       </p:sp>
       <p:sp>
         <p:nvSpPr>
-          <p:cNvPr id="11" name="내용 개체 틀 2">
-            <a:extLst>
-              <a:ext uri="{FF2B5EF4-FFF2-40B4-BE49-F238E27FC236}">
-                <a16:creationId xmlns:a16="http://schemas.microsoft.com/office/drawing/2014/main" id="{0C38CF48-B117-1F0D-6A79-6D730DFAA7C7}"/>
+          <p:cNvPr id="12" name="내용 개체 틀 2">
+            <a:extLst>
+              <a:ext uri="{FF2B5EF4-FFF2-40B4-BE49-F238E27FC236}">
+                <a16:creationId xmlns:a16="http://schemas.microsoft.com/office/drawing/2014/main" id="{3419BED9-DB5A-AF2B-084F-32B51B4FE9EF}"/>
               </a:ext>
             </a:extLst>
           </p:cNvPr>
@@ -5467,7 +5724,7 @@
         </p:nvSpPr>
         <p:spPr>
           <a:xfrm>
-            <a:off x="466725" y="4581227"/>
+            <a:off x="6286502" y="5086052"/>
             <a:ext cx="4857748" cy="1771948"/>
           </a:xfrm>
           <a:prstGeom prst="rect">
@@ -5643,38 +5900,326 @@
             </a:lvl9pPr>
           </a:lstStyle>
           <a:p>
-            <a:pPr marL="0" indent="0">
+            <a:pPr marL="0" indent="0" algn="ctr">
+              <a:lnSpc>
+                <a:spcPct val="150000"/>
+              </a:lnSpc>
               <a:buFont typeface="Arial" panose="020B0604020202020204" pitchFamily="34" charset="0"/>
               <a:buNone/>
             </a:pPr>
             <a:r>
+              <a:rPr lang="ko-KR" altLang="en-US" sz="2000" b="1" dirty="0" err="1"/>
+              <a:t>슬라임</a:t>
+            </a:r>
+            <a:r>
               <a:rPr lang="ko-KR" altLang="en-US" sz="2000" b="1" dirty="0"/>
-              <a:t>작업 내용</a:t>
+              <a:t> </a:t>
+            </a:r>
+            <a:r>
+              <a:rPr lang="ko-KR" altLang="en-US" sz="2000" b="1" dirty="0" err="1"/>
+              <a:t>셰이더</a:t>
             </a:r>
             <a:br>
               <a:rPr lang="en-US" altLang="ko-KR" sz="2000" b="1" dirty="0"/>
             </a:br>
             <a:r>
               <a:rPr lang="en-US" altLang="ko-KR" sz="1800" dirty="0"/>
-              <a:t>-</a:t>
+              <a:t>Distance field</a:t>
             </a:r>
             <a:r>
               <a:rPr lang="ko-KR" altLang="en-US" sz="1800" dirty="0"/>
-              <a:t>짧게 작업내용 설명</a:t>
-            </a:r>
-            <a:br>
-              <a:rPr lang="en-US" altLang="ko-KR" sz="2000" b="1" dirty="0"/>
-            </a:br>
+              <a:t>에 따른 </a:t>
+            </a:r>
+            <a:r>
+              <a:rPr lang="ko-KR" altLang="en-US" sz="1800" dirty="0" err="1"/>
+              <a:t>슬라임</a:t>
+            </a:r>
+            <a:r>
+              <a:rPr lang="ko-KR" altLang="en-US" sz="1800" dirty="0"/>
+              <a:t> 메시 변형</a:t>
+            </a:r>
             <a:endParaRPr lang="en-US" altLang="ko-KR" sz="2000" b="1" dirty="0"/>
+          </a:p>
+        </p:txBody>
+      </p:sp>
+      <p:pic>
+        <p:nvPicPr>
+          <p:cNvPr id="5" name="그림 4" descr="스크린샷, 만화 영화, 텍스트, 디자인이(가) 표시된 사진&#10;&#10;자동 생성된 설명">
+            <a:extLst>
+              <a:ext uri="{FF2B5EF4-FFF2-40B4-BE49-F238E27FC236}">
+                <a16:creationId xmlns:a16="http://schemas.microsoft.com/office/drawing/2014/main" id="{04A5F1C0-21C2-618E-610C-381F9B1ED250}"/>
+              </a:ext>
+            </a:extLst>
+          </p:cNvPr>
+          <p:cNvPicPr>
+            <a:picLocks noChangeAspect="1"/>
+          </p:cNvPicPr>
+          <p:nvPr/>
+        </p:nvPicPr>
+        <p:blipFill>
+          <a:blip r:embed="rId2">
+            <a:extLst>
+              <a:ext uri="{28A0092B-C50C-407E-A947-70E740481C1C}">
+                <a14:useLocalDpi xmlns:a14="http://schemas.microsoft.com/office/drawing/2010/main" val="0"/>
+              </a:ext>
+            </a:extLst>
+          </a:blip>
+          <a:stretch>
+            <a:fillRect/>
+          </a:stretch>
+        </p:blipFill>
+        <p:spPr>
+          <a:xfrm>
+            <a:off x="466723" y="1704975"/>
+            <a:ext cx="5257266" cy="2914650"/>
+          </a:xfrm>
+          <a:prstGeom prst="rect">
+            <a:avLst/>
+          </a:prstGeom>
+        </p:spPr>
+      </p:pic>
+      <p:pic>
+        <p:nvPicPr>
+          <p:cNvPr id="23" name="그림 22" descr="실내, 그린이(가) 표시된 사진&#10;&#10;자동 생성된 설명">
+            <a:extLst>
+              <a:ext uri="{FF2B5EF4-FFF2-40B4-BE49-F238E27FC236}">
+                <a16:creationId xmlns:a16="http://schemas.microsoft.com/office/drawing/2014/main" id="{167EA140-7164-03BF-C86D-810CD770934D}"/>
+              </a:ext>
+            </a:extLst>
+          </p:cNvPr>
+          <p:cNvPicPr>
+            <a:picLocks noChangeAspect="1"/>
+          </p:cNvPicPr>
+          <p:nvPr/>
+        </p:nvPicPr>
+        <p:blipFill rotWithShape="1">
+          <a:blip r:embed="rId3">
+            <a:extLst>
+              <a:ext uri="{28A0092B-C50C-407E-A947-70E740481C1C}">
+                <a14:useLocalDpi xmlns:a14="http://schemas.microsoft.com/office/drawing/2010/main" val="0"/>
+              </a:ext>
+            </a:extLst>
+          </a:blip>
+          <a:srcRect r="9324"/>
+          <a:stretch/>
+        </p:blipFill>
+        <p:spPr>
+          <a:xfrm>
+            <a:off x="8500980" y="2287213"/>
+            <a:ext cx="3118279" cy="2066661"/>
+          </a:xfrm>
+          <a:prstGeom prst="rect">
+            <a:avLst/>
+          </a:prstGeom>
+        </p:spPr>
+      </p:pic>
+      <p:pic>
+        <p:nvPicPr>
+          <p:cNvPr id="14" name="그림 13" descr="스크린샷, 실내, 그린, 레이저이(가) 표시된 사진&#10;&#10;자동 생성된 설명">
+            <a:extLst>
+              <a:ext uri="{FF2B5EF4-FFF2-40B4-BE49-F238E27FC236}">
+                <a16:creationId xmlns:a16="http://schemas.microsoft.com/office/drawing/2014/main" id="{DF0E6DC5-9ED6-E79D-539C-023F6DE2ACE3}"/>
+              </a:ext>
+            </a:extLst>
+          </p:cNvPr>
+          <p:cNvPicPr>
+            <a:picLocks noChangeAspect="1"/>
+          </p:cNvPicPr>
+          <p:nvPr/>
+        </p:nvPicPr>
+        <p:blipFill rotWithShape="1">
+          <a:blip r:embed="rId4">
+            <a:extLst>
+              <a:ext uri="{28A0092B-C50C-407E-A947-70E740481C1C}">
+                <a14:useLocalDpi xmlns:a14="http://schemas.microsoft.com/office/drawing/2010/main" val="0"/>
+              </a:ext>
+            </a:extLst>
+          </a:blip>
+          <a:srcRect l="21396" t="10169" r="8067" b="8275"/>
+          <a:stretch/>
+        </p:blipFill>
+        <p:spPr>
+          <a:xfrm>
+            <a:off x="5989981" y="2287213"/>
+            <a:ext cx="2370269" cy="2066661"/>
+          </a:xfrm>
+          <a:prstGeom prst="rect">
+            <a:avLst/>
+          </a:prstGeom>
+        </p:spPr>
+      </p:pic>
+    </p:spTree>
+    <p:extLst>
+      <p:ext uri="{BB962C8B-B14F-4D97-AF65-F5344CB8AC3E}">
+        <p14:creationId xmlns:p14="http://schemas.microsoft.com/office/powerpoint/2010/main" val="1422074694"/>
+      </p:ext>
+    </p:extLst>
+  </p:cSld>
+  <p:clrMapOvr>
+    <a:masterClrMapping/>
+  </p:clrMapOvr>
+</p:sld>
+</file>
+
+<file path=ppt/slides/slide12.xml><?xml version="1.0" encoding="utf-8"?>
+<p:sld xmlns:a="http://schemas.openxmlformats.org/drawingml/2006/main" xmlns:r="http://schemas.openxmlformats.org/officeDocument/2006/relationships" xmlns:p="http://schemas.openxmlformats.org/presentationml/2006/main">
+  <p:cSld>
+    <p:spTree>
+      <p:nvGrpSpPr>
+        <p:cNvPr id="1" name=""/>
+        <p:cNvGrpSpPr/>
+        <p:nvPr/>
+      </p:nvGrpSpPr>
+      <p:grpSpPr>
+        <a:xfrm>
+          <a:off x="0" y="0"/>
+          <a:ext cx="0" cy="0"/>
+          <a:chOff x="0" y="0"/>
+          <a:chExt cx="0" cy="0"/>
+        </a:xfrm>
+      </p:grpSpPr>
+      <p:pic>
+        <p:nvPicPr>
+          <p:cNvPr id="3" name="그림 2" descr="스크린샷, 디자인이(가) 표시된 사진&#10;&#10;자동 생성된 설명">
+            <a:extLst>
+              <a:ext uri="{FF2B5EF4-FFF2-40B4-BE49-F238E27FC236}">
+                <a16:creationId xmlns:a16="http://schemas.microsoft.com/office/drawing/2014/main" id="{803DF8B7-83FA-11A4-5DBF-C47F34D3B9E4}"/>
+              </a:ext>
+            </a:extLst>
+          </p:cNvPr>
+          <p:cNvPicPr>
+            <a:picLocks noChangeAspect="1"/>
+          </p:cNvPicPr>
+          <p:nvPr/>
+        </p:nvPicPr>
+        <p:blipFill>
+          <a:blip r:embed="rId2">
+            <a:extLst>
+              <a:ext uri="{28A0092B-C50C-407E-A947-70E740481C1C}">
+                <a14:useLocalDpi xmlns:a14="http://schemas.microsoft.com/office/drawing/2010/main" val="0"/>
+              </a:ext>
+            </a:extLst>
+          </a:blip>
+          <a:stretch>
+            <a:fillRect/>
+          </a:stretch>
+        </p:blipFill>
+        <p:spPr>
+          <a:xfrm>
+            <a:off x="3196429" y="1523154"/>
+            <a:ext cx="5438775" cy="3139584"/>
+          </a:xfrm>
+          <a:prstGeom prst="rect">
+            <a:avLst/>
+          </a:prstGeom>
+        </p:spPr>
+      </p:pic>
+      <p:sp>
+        <p:nvSpPr>
+          <p:cNvPr id="4" name="직사각형 3">
+            <a:extLst>
+              <a:ext uri="{FF2B5EF4-FFF2-40B4-BE49-F238E27FC236}">
+                <a16:creationId xmlns:a16="http://schemas.microsoft.com/office/drawing/2014/main" id="{0FBF6C5F-499E-B79E-B8EA-3960EB89DDE2}"/>
+              </a:ext>
+            </a:extLst>
+          </p:cNvPr>
+          <p:cNvSpPr/>
+          <p:nvPr/>
+        </p:nvSpPr>
+        <p:spPr>
+          <a:xfrm>
+            <a:off x="292990" y="176510"/>
+            <a:ext cx="4905510" cy="923330"/>
+          </a:xfrm>
+          <a:prstGeom prst="rect">
+            <a:avLst/>
+          </a:prstGeom>
+          <a:noFill/>
+        </p:spPr>
+        <p:txBody>
+          <a:bodyPr wrap="none" lIns="91440" tIns="45720" rIns="91440" bIns="45720">
+            <a:spAutoFit/>
+          </a:bodyPr>
+          <a:lstStyle/>
+          <a:p>
+            <a:r>
+              <a:rPr lang="ko-KR" altLang="en-US" sz="5400" b="1" cap="none" spc="0" dirty="0">
+                <a:ln w="0"/>
+                <a:solidFill>
+                  <a:schemeClr val="accent6"/>
+                </a:solidFill>
+                <a:effectLst>
+                  <a:outerShdw blurRad="38100" dist="19050" dir="2700000" algn="tl" rotWithShape="0">
+                    <a:schemeClr val="dk1">
+                      <a:alpha val="40000"/>
+                    </a:schemeClr>
+                  </a:outerShdw>
+                </a:effectLst>
+                <a:latin typeface="휴먼모음T" panose="02030504000101010101" pitchFamily="18" charset="-127"/>
+                <a:ea typeface="휴먼모음T" panose="02030504000101010101" pitchFamily="18" charset="-127"/>
+              </a:rPr>
+              <a:t>개발 내용 </a:t>
+            </a:r>
+            <a:r>
+              <a:rPr lang="en-US" altLang="ko-KR" sz="5400" b="1" cap="none" spc="0" dirty="0">
+                <a:ln w="0"/>
+                <a:solidFill>
+                  <a:schemeClr val="accent6"/>
+                </a:solidFill>
+                <a:effectLst>
+                  <a:outerShdw blurRad="38100" dist="19050" dir="2700000" algn="tl" rotWithShape="0">
+                    <a:schemeClr val="dk1">
+                      <a:alpha val="40000"/>
+                    </a:schemeClr>
+                  </a:outerShdw>
+                </a:effectLst>
+                <a:latin typeface="휴먼모음T" panose="02030504000101010101" pitchFamily="18" charset="-127"/>
+                <a:ea typeface="휴먼모음T" panose="02030504000101010101" pitchFamily="18" charset="-127"/>
+              </a:rPr>
+              <a:t>- </a:t>
+            </a:r>
+            <a:r>
+              <a:rPr lang="ko-KR" altLang="en-US" sz="5400" b="1" cap="none" spc="0" dirty="0">
+                <a:ln w="0"/>
+                <a:solidFill>
+                  <a:schemeClr val="accent6"/>
+                </a:solidFill>
+                <a:effectLst>
+                  <a:outerShdw blurRad="38100" dist="19050" dir="2700000" algn="tl" rotWithShape="0">
+                    <a:schemeClr val="dk1">
+                      <a:alpha val="40000"/>
+                    </a:schemeClr>
+                  </a:outerShdw>
+                </a:effectLst>
+                <a:latin typeface="휴먼모음T" panose="02030504000101010101" pitchFamily="18" charset="-127"/>
+                <a:ea typeface="휴먼모음T" panose="02030504000101010101" pitchFamily="18" charset="-127"/>
+              </a:rPr>
+              <a:t>서버</a:t>
+            </a:r>
+            <a:endParaRPr lang="en-US" altLang="ko-KR" sz="5400" b="1" cap="none" spc="0" dirty="0">
+              <a:ln w="0"/>
+              <a:solidFill>
+                <a:schemeClr val="accent6"/>
+              </a:solidFill>
+              <a:effectLst>
+                <a:outerShdw blurRad="38100" dist="19050" dir="2700000" algn="tl" rotWithShape="0">
+                  <a:schemeClr val="dk1">
+                    <a:alpha val="40000"/>
+                  </a:schemeClr>
+                </a:outerShdw>
+              </a:effectLst>
+              <a:latin typeface="휴먼모음T" panose="02030504000101010101" pitchFamily="18" charset="-127"/>
+              <a:ea typeface="휴먼모음T" panose="02030504000101010101" pitchFamily="18" charset="-127"/>
+            </a:endParaRPr>
           </a:p>
         </p:txBody>
       </p:sp>
       <p:sp>
         <p:nvSpPr>
-          <p:cNvPr id="12" name="내용 개체 틀 2">
-            <a:extLst>
-              <a:ext uri="{FF2B5EF4-FFF2-40B4-BE49-F238E27FC236}">
-                <a16:creationId xmlns:a16="http://schemas.microsoft.com/office/drawing/2014/main" id="{600D0733-0D94-799F-A294-070BD7D49E0C}"/>
+          <p:cNvPr id="11" name="내용 개체 틀 2">
+            <a:extLst>
+              <a:ext uri="{FF2B5EF4-FFF2-40B4-BE49-F238E27FC236}">
+                <a16:creationId xmlns:a16="http://schemas.microsoft.com/office/drawing/2014/main" id="{0C38CF48-B117-1F0D-6A79-6D730DFAA7C7}"/>
               </a:ext>
             </a:extLst>
           </p:cNvPr>
@@ -5685,7 +6230,7 @@
         </p:nvSpPr>
         <p:spPr>
           <a:xfrm>
-            <a:off x="6286502" y="4581227"/>
+            <a:off x="3667126" y="5086052"/>
             <a:ext cx="4857748" cy="1771948"/>
           </a:xfrm>
           <a:prstGeom prst="rect">
@@ -5861,29 +6406,45 @@
             </a:lvl9pPr>
           </a:lstStyle>
           <a:p>
-            <a:pPr marL="0" indent="0">
+            <a:pPr marL="0" indent="0" algn="ctr">
+              <a:lnSpc>
+                <a:spcPct val="150000"/>
+              </a:lnSpc>
               <a:buFont typeface="Arial" panose="020B0604020202020204" pitchFamily="34" charset="0"/>
               <a:buNone/>
             </a:pPr>
             <a:r>
+              <a:rPr lang="ko-KR" altLang="en-US" sz="2000" b="1" dirty="0" err="1"/>
+              <a:t>데디케이트</a:t>
+            </a:r>
+            <a:r>
               <a:rPr lang="ko-KR" altLang="en-US" sz="2000" b="1" dirty="0"/>
-              <a:t>작업 내용</a:t>
+              <a:t> 서버 구축</a:t>
             </a:r>
             <a:br>
               <a:rPr lang="en-US" altLang="ko-KR" sz="2000" b="1" dirty="0"/>
             </a:br>
             <a:r>
+              <a:rPr lang="ko-KR" altLang="en-US" sz="1800" dirty="0"/>
+              <a:t>서버</a:t>
+            </a:r>
+            <a:r>
               <a:rPr lang="en-US" altLang="ko-KR" sz="1800" dirty="0"/>
-              <a:t>-</a:t>
+              <a:t> – </a:t>
             </a:r>
             <a:r>
               <a:rPr lang="ko-KR" altLang="en-US" sz="1800" dirty="0"/>
-              <a:t>짧게 작업내용 설명</a:t>
-            </a:r>
-            <a:br>
-              <a:rPr lang="en-US" altLang="ko-KR" sz="2000" b="1" dirty="0"/>
-            </a:br>
-            <a:endParaRPr lang="en-US" altLang="ko-KR" sz="2000" b="1" dirty="0"/>
+              <a:t>클라이언트 연결 및 동기화</a:t>
+            </a:r>
+            <a:r>
+              <a:rPr lang="en-US" altLang="ko-KR" sz="1800" dirty="0"/>
+              <a:t> </a:t>
+            </a:r>
+            <a:r>
+              <a:rPr lang="ko-KR" altLang="en-US" sz="1800" dirty="0"/>
+              <a:t>작업</a:t>
+            </a:r>
+            <a:endParaRPr lang="en-US" altLang="ko-KR" sz="2000" dirty="0"/>
           </a:p>
         </p:txBody>
       </p:sp>
@@ -5900,7 +6461,7 @@
 </p:sld>
 </file>
 
-<file path=ppt/slides/slide12.xml><?xml version="1.0" encoding="utf-8"?>
+<file path=ppt/slides/slide13.xml><?xml version="1.0" encoding="utf-8"?>
 <p:sld xmlns:a="http://schemas.openxmlformats.org/drawingml/2006/main" xmlns:r="http://schemas.openxmlformats.org/officeDocument/2006/relationships" xmlns:p="http://schemas.openxmlformats.org/presentationml/2006/main">
   <p:cSld>
     <p:spTree>
@@ -6033,7 +6594,7 @@
         </p:nvSpPr>
         <p:spPr>
           <a:xfrm>
-            <a:off x="466725" y="4581227"/>
+            <a:off x="466725" y="4909542"/>
             <a:ext cx="4857748" cy="1771948"/>
           </a:xfrm>
           <a:prstGeom prst="rect">
@@ -6209,28 +6770,23 @@
             </a:lvl9pPr>
           </a:lstStyle>
           <a:p>
-            <a:pPr marL="0" indent="0">
+            <a:pPr marL="0" indent="0" algn="ctr">
+              <a:lnSpc>
+                <a:spcPct val="150000"/>
+              </a:lnSpc>
               <a:buFont typeface="Arial" panose="020B0604020202020204" pitchFamily="34" charset="0"/>
               <a:buNone/>
             </a:pPr>
             <a:r>
-              <a:rPr lang="ko-KR" altLang="en-US" sz="2000" b="1" dirty="0" err="1"/>
-              <a:t>슬라임</a:t>
-            </a:r>
-            <a:r>
               <a:rPr lang="ko-KR" altLang="en-US" sz="2000" b="1" dirty="0"/>
-              <a:t> 애니메이션</a:t>
+              <a:t>캐릭터 제작</a:t>
             </a:r>
             <a:br>
               <a:rPr lang="en-US" altLang="ko-KR" sz="2000" b="1" dirty="0"/>
             </a:br>
             <a:r>
-              <a:rPr lang="en-US" altLang="ko-KR" sz="1800" dirty="0"/>
-              <a:t>-</a:t>
-            </a:r>
-            <a:r>
               <a:rPr lang="ko-KR" altLang="en-US" sz="1800" dirty="0"/>
-              <a:t>짧게 작업내용 설명</a:t>
+              <a:t>모델링 및 애니메이션 작업</a:t>
             </a:r>
             <a:br>
               <a:rPr lang="en-US" altLang="ko-KR" sz="2000" b="1" dirty="0"/>
@@ -6255,7 +6811,7 @@
         </p:nvSpPr>
         <p:spPr>
           <a:xfrm>
-            <a:off x="6353177" y="4571404"/>
+            <a:off x="6505577" y="4899719"/>
             <a:ext cx="4857748" cy="1771948"/>
           </a:xfrm>
           <a:prstGeom prst="rect">
@@ -6431,7 +6987,10 @@
             </a:lvl9pPr>
           </a:lstStyle>
           <a:p>
-            <a:pPr marL="0" indent="0">
+            <a:pPr marL="0" indent="0" algn="ctr">
+              <a:lnSpc>
+                <a:spcPct val="150000"/>
+              </a:lnSpc>
               <a:buFont typeface="Arial" panose="020B0604020202020204" pitchFamily="34" charset="0"/>
               <a:buNone/>
             </a:pPr>
@@ -6443,12 +7002,8 @@
               <a:rPr lang="en-US" altLang="ko-KR" sz="2000" b="1" dirty="0"/>
             </a:br>
             <a:r>
-              <a:rPr lang="en-US" altLang="ko-KR" sz="1800" dirty="0"/>
-              <a:t>-</a:t>
-            </a:r>
-            <a:r>
               <a:rPr lang="ko-KR" altLang="en-US" sz="1800" dirty="0"/>
-              <a:t>짧게 작업내용 설명</a:t>
+              <a:t>레벨 페인팅을 고려한 게임 맵 제작</a:t>
             </a:r>
             <a:br>
               <a:rPr lang="en-US" altLang="ko-KR" sz="2000" b="1" dirty="0"/>
@@ -6479,7 +7034,7 @@
         </p:blipFill>
         <p:spPr>
           <a:xfrm>
-            <a:off x="6353177" y="1172020"/>
+            <a:off x="6353177" y="1500335"/>
             <a:ext cx="5162548" cy="2942780"/>
           </a:xfrm>
           <a:prstGeom prst="rect">
@@ -6509,8 +7064,38 @@
         </p:blipFill>
         <p:spPr>
           <a:xfrm>
-            <a:off x="466725" y="1172020"/>
-            <a:ext cx="4857748" cy="3005629"/>
+            <a:off x="466725" y="1500336"/>
+            <a:ext cx="2863852" cy="3001480"/>
+          </a:xfrm>
+          <a:prstGeom prst="rect">
+            <a:avLst/>
+          </a:prstGeom>
+        </p:spPr>
+      </p:pic>
+      <p:pic>
+        <p:nvPicPr>
+          <p:cNvPr id="5" name="그림 4">
+            <a:extLst>
+              <a:ext uri="{FF2B5EF4-FFF2-40B4-BE49-F238E27FC236}">
+                <a16:creationId xmlns:a16="http://schemas.microsoft.com/office/drawing/2014/main" id="{D4974E37-3AD9-A96C-04BD-CCEECB832128}"/>
+              </a:ext>
+            </a:extLst>
+          </p:cNvPr>
+          <p:cNvPicPr>
+            <a:picLocks noChangeAspect="1"/>
+          </p:cNvPicPr>
+          <p:nvPr/>
+        </p:nvPicPr>
+        <p:blipFill>
+          <a:blip r:embed="rId4"/>
+          <a:stretch>
+            <a:fillRect/>
+          </a:stretch>
+        </p:blipFill>
+        <p:spPr>
+          <a:xfrm>
+            <a:off x="3330577" y="1500335"/>
+            <a:ext cx="2314575" cy="3001481"/>
           </a:xfrm>
           <a:prstGeom prst="rect">
             <a:avLst/>
@@ -6521,631 +7106,6 @@
     <p:extLst>
       <p:ext uri="{BB962C8B-B14F-4D97-AF65-F5344CB8AC3E}">
         <p14:creationId xmlns:p14="http://schemas.microsoft.com/office/powerpoint/2010/main" val="1690405237"/>
-      </p:ext>
-    </p:extLst>
-  </p:cSld>
-  <p:clrMapOvr>
-    <a:masterClrMapping/>
-  </p:clrMapOvr>
-</p:sld>
-</file>
-
-<file path=ppt/slides/slide13.xml><?xml version="1.0" encoding="utf-8"?>
-<p:sld xmlns:a="http://schemas.openxmlformats.org/drawingml/2006/main" xmlns:r="http://schemas.openxmlformats.org/officeDocument/2006/relationships" xmlns:p="http://schemas.openxmlformats.org/presentationml/2006/main">
-  <p:cSld>
-    <p:spTree>
-      <p:nvGrpSpPr>
-        <p:cNvPr id="1" name=""/>
-        <p:cNvGrpSpPr/>
-        <p:nvPr/>
-      </p:nvGrpSpPr>
-      <p:grpSpPr>
-        <a:xfrm>
-          <a:off x="0" y="0"/>
-          <a:ext cx="0" cy="0"/>
-          <a:chOff x="0" y="0"/>
-          <a:chExt cx="0" cy="0"/>
-        </a:xfrm>
-      </p:grpSpPr>
-      <p:sp>
-        <p:nvSpPr>
-          <p:cNvPr id="6" name="직사각형 5">
-            <a:extLst>
-              <a:ext uri="{FF2B5EF4-FFF2-40B4-BE49-F238E27FC236}">
-                <a16:creationId xmlns:a16="http://schemas.microsoft.com/office/drawing/2014/main" id="{22522BD2-CB4B-9CCE-37D6-D5CCECF0D4AC}"/>
-              </a:ext>
-            </a:extLst>
-          </p:cNvPr>
-          <p:cNvSpPr/>
-          <p:nvPr/>
-        </p:nvSpPr>
-        <p:spPr>
-          <a:xfrm>
-            <a:off x="292990" y="176510"/>
-            <a:ext cx="5585183" cy="923330"/>
-          </a:xfrm>
-          <a:prstGeom prst="rect">
-            <a:avLst/>
-          </a:prstGeom>
-          <a:noFill/>
-        </p:spPr>
-        <p:txBody>
-          <a:bodyPr wrap="none" lIns="91440" tIns="45720" rIns="91440" bIns="45720">
-            <a:spAutoFit/>
-          </a:bodyPr>
-          <a:lstStyle/>
-          <a:p>
-            <a:r>
-              <a:rPr lang="ko-KR" altLang="en-US" sz="5400" b="1" cap="none" spc="0" dirty="0">
-                <a:ln w="0"/>
-                <a:solidFill>
-                  <a:schemeClr val="accent6"/>
-                </a:solidFill>
-                <a:effectLst>
-                  <a:outerShdw blurRad="38100" dist="19050" dir="2700000" algn="tl" rotWithShape="0">
-                    <a:schemeClr val="dk1">
-                      <a:alpha val="40000"/>
-                    </a:schemeClr>
-                  </a:outerShdw>
-                </a:effectLst>
-                <a:latin typeface="휴먼모음T" panose="02030504000101010101" pitchFamily="18" charset="-127"/>
-                <a:ea typeface="휴먼모음T" panose="02030504000101010101" pitchFamily="18" charset="-127"/>
-              </a:rPr>
-              <a:t>개발 내용 </a:t>
-            </a:r>
-            <a:r>
-              <a:rPr lang="en-US" altLang="ko-KR" sz="5400" b="1" cap="none" spc="0" dirty="0">
-                <a:ln w="0"/>
-                <a:solidFill>
-                  <a:schemeClr val="accent6"/>
-                </a:solidFill>
-                <a:effectLst>
-                  <a:outerShdw blurRad="38100" dist="19050" dir="2700000" algn="tl" rotWithShape="0">
-                    <a:schemeClr val="dk1">
-                      <a:alpha val="40000"/>
-                    </a:schemeClr>
-                  </a:outerShdw>
-                </a:effectLst>
-                <a:latin typeface="휴먼모음T" panose="02030504000101010101" pitchFamily="18" charset="-127"/>
-                <a:ea typeface="휴먼모음T" panose="02030504000101010101" pitchFamily="18" charset="-127"/>
-              </a:rPr>
-              <a:t>- </a:t>
-            </a:r>
-            <a:r>
-              <a:rPr lang="ko-KR" altLang="en-US" sz="5400" b="1" dirty="0">
-                <a:ln w="0"/>
-                <a:solidFill>
-                  <a:schemeClr val="accent6"/>
-                </a:solidFill>
-                <a:effectLst>
-                  <a:outerShdw blurRad="38100" dist="19050" dir="2700000" algn="tl" rotWithShape="0">
-                    <a:schemeClr val="dk1">
-                      <a:alpha val="40000"/>
-                    </a:schemeClr>
-                  </a:outerShdw>
-                </a:effectLst>
-                <a:latin typeface="휴먼모음T" panose="02030504000101010101" pitchFamily="18" charset="-127"/>
-                <a:ea typeface="휴먼모음T" panose="02030504000101010101" pitchFamily="18" charset="-127"/>
-              </a:rPr>
-              <a:t>모델링</a:t>
-            </a:r>
-            <a:endParaRPr lang="en-US" altLang="ko-KR" sz="5400" b="1" cap="none" spc="0" dirty="0">
-              <a:ln w="0"/>
-              <a:solidFill>
-                <a:schemeClr val="accent6"/>
-              </a:solidFill>
-              <a:effectLst>
-                <a:outerShdw blurRad="38100" dist="19050" dir="2700000" algn="tl" rotWithShape="0">
-                  <a:schemeClr val="dk1">
-                    <a:alpha val="40000"/>
-                  </a:schemeClr>
-                </a:outerShdw>
-              </a:effectLst>
-              <a:latin typeface="휴먼모음T" panose="02030504000101010101" pitchFamily="18" charset="-127"/>
-              <a:ea typeface="휴먼모음T" panose="02030504000101010101" pitchFamily="18" charset="-127"/>
-            </a:endParaRPr>
-          </a:p>
-        </p:txBody>
-      </p:sp>
-      <p:sp>
-        <p:nvSpPr>
-          <p:cNvPr id="12" name="내용 개체 틀 2">
-            <a:extLst>
-              <a:ext uri="{FF2B5EF4-FFF2-40B4-BE49-F238E27FC236}">
-                <a16:creationId xmlns:a16="http://schemas.microsoft.com/office/drawing/2014/main" id="{644F80D1-6731-2137-01D8-6F19878B1B7C}"/>
-              </a:ext>
-            </a:extLst>
-          </p:cNvPr>
-          <p:cNvSpPr txBox="1">
-            <a:spLocks/>
-          </p:cNvSpPr>
-          <p:nvPr/>
-        </p:nvSpPr>
-        <p:spPr>
-          <a:xfrm>
-            <a:off x="466725" y="4581227"/>
-            <a:ext cx="4857748" cy="1771948"/>
-          </a:xfrm>
-          <a:prstGeom prst="rect">
-            <a:avLst/>
-          </a:prstGeom>
-        </p:spPr>
-        <p:txBody>
-          <a:bodyPr vert="horz" lIns="91440" tIns="45720" rIns="91440" bIns="45720" rtlCol="0">
-            <a:normAutofit/>
-          </a:bodyPr>
-          <a:lstStyle>
-            <a:lvl1pPr marL="228600" indent="-228600" algn="l" defTabSz="914400" rtl="0" eaLnBrk="1" latinLnBrk="1" hangingPunct="1">
-              <a:lnSpc>
-                <a:spcPct val="90000"/>
-              </a:lnSpc>
-              <a:spcBef>
-                <a:spcPts val="1000"/>
-              </a:spcBef>
-              <a:buFont typeface="Arial" panose="020B0604020202020204" pitchFamily="34" charset="0"/>
-              <a:buChar char="•"/>
-              <a:defRPr sz="2800" kern="1200">
-                <a:solidFill>
-                  <a:schemeClr val="tx1"/>
-                </a:solidFill>
-                <a:latin typeface="+mn-lt"/>
-                <a:ea typeface="+mn-ea"/>
-                <a:cs typeface="+mn-cs"/>
-              </a:defRPr>
-            </a:lvl1pPr>
-            <a:lvl2pPr marL="685800" indent="-228600" algn="l" defTabSz="914400" rtl="0" eaLnBrk="1" latinLnBrk="1" hangingPunct="1">
-              <a:lnSpc>
-                <a:spcPct val="90000"/>
-              </a:lnSpc>
-              <a:spcBef>
-                <a:spcPts val="500"/>
-              </a:spcBef>
-              <a:buFont typeface="Arial" panose="020B0604020202020204" pitchFamily="34" charset="0"/>
-              <a:buChar char="•"/>
-              <a:defRPr sz="2400" kern="1200">
-                <a:solidFill>
-                  <a:schemeClr val="tx1"/>
-                </a:solidFill>
-                <a:latin typeface="+mn-lt"/>
-                <a:ea typeface="+mn-ea"/>
-                <a:cs typeface="+mn-cs"/>
-              </a:defRPr>
-            </a:lvl2pPr>
-            <a:lvl3pPr marL="1143000" indent="-228600" algn="l" defTabSz="914400" rtl="0" eaLnBrk="1" latinLnBrk="1" hangingPunct="1">
-              <a:lnSpc>
-                <a:spcPct val="90000"/>
-              </a:lnSpc>
-              <a:spcBef>
-                <a:spcPts val="500"/>
-              </a:spcBef>
-              <a:buFont typeface="Arial" panose="020B0604020202020204" pitchFamily="34" charset="0"/>
-              <a:buChar char="•"/>
-              <a:defRPr sz="2000" kern="1200">
-                <a:solidFill>
-                  <a:schemeClr val="tx1"/>
-                </a:solidFill>
-                <a:latin typeface="+mn-lt"/>
-                <a:ea typeface="+mn-ea"/>
-                <a:cs typeface="+mn-cs"/>
-              </a:defRPr>
-            </a:lvl3pPr>
-            <a:lvl4pPr marL="1600200" indent="-228600" algn="l" defTabSz="914400" rtl="0" eaLnBrk="1" latinLnBrk="1" hangingPunct="1">
-              <a:lnSpc>
-                <a:spcPct val="90000"/>
-              </a:lnSpc>
-              <a:spcBef>
-                <a:spcPts val="500"/>
-              </a:spcBef>
-              <a:buFont typeface="Arial" panose="020B0604020202020204" pitchFamily="34" charset="0"/>
-              <a:buChar char="•"/>
-              <a:defRPr sz="1800" kern="1200">
-                <a:solidFill>
-                  <a:schemeClr val="tx1"/>
-                </a:solidFill>
-                <a:latin typeface="+mn-lt"/>
-                <a:ea typeface="+mn-ea"/>
-                <a:cs typeface="+mn-cs"/>
-              </a:defRPr>
-            </a:lvl4pPr>
-            <a:lvl5pPr marL="2057400" indent="-228600" algn="l" defTabSz="914400" rtl="0" eaLnBrk="1" latinLnBrk="1" hangingPunct="1">
-              <a:lnSpc>
-                <a:spcPct val="90000"/>
-              </a:lnSpc>
-              <a:spcBef>
-                <a:spcPts val="500"/>
-              </a:spcBef>
-              <a:buFont typeface="Arial" panose="020B0604020202020204" pitchFamily="34" charset="0"/>
-              <a:buChar char="•"/>
-              <a:defRPr sz="1800" kern="1200">
-                <a:solidFill>
-                  <a:schemeClr val="tx1"/>
-                </a:solidFill>
-                <a:latin typeface="+mn-lt"/>
-                <a:ea typeface="+mn-ea"/>
-                <a:cs typeface="+mn-cs"/>
-              </a:defRPr>
-            </a:lvl5pPr>
-            <a:lvl6pPr marL="2514600" indent="-228600" algn="l" defTabSz="914400" rtl="0" eaLnBrk="1" latinLnBrk="1" hangingPunct="1">
-              <a:lnSpc>
-                <a:spcPct val="90000"/>
-              </a:lnSpc>
-              <a:spcBef>
-                <a:spcPts val="500"/>
-              </a:spcBef>
-              <a:buFont typeface="Arial" panose="020B0604020202020204" pitchFamily="34" charset="0"/>
-              <a:buChar char="•"/>
-              <a:defRPr sz="1800" kern="1200">
-                <a:solidFill>
-                  <a:schemeClr val="tx1"/>
-                </a:solidFill>
-                <a:latin typeface="+mn-lt"/>
-                <a:ea typeface="+mn-ea"/>
-                <a:cs typeface="+mn-cs"/>
-              </a:defRPr>
-            </a:lvl6pPr>
-            <a:lvl7pPr marL="2971800" indent="-228600" algn="l" defTabSz="914400" rtl="0" eaLnBrk="1" latinLnBrk="1" hangingPunct="1">
-              <a:lnSpc>
-                <a:spcPct val="90000"/>
-              </a:lnSpc>
-              <a:spcBef>
-                <a:spcPts val="500"/>
-              </a:spcBef>
-              <a:buFont typeface="Arial" panose="020B0604020202020204" pitchFamily="34" charset="0"/>
-              <a:buChar char="•"/>
-              <a:defRPr sz="1800" kern="1200">
-                <a:solidFill>
-                  <a:schemeClr val="tx1"/>
-                </a:solidFill>
-                <a:latin typeface="+mn-lt"/>
-                <a:ea typeface="+mn-ea"/>
-                <a:cs typeface="+mn-cs"/>
-              </a:defRPr>
-            </a:lvl7pPr>
-            <a:lvl8pPr marL="3429000" indent="-228600" algn="l" defTabSz="914400" rtl="0" eaLnBrk="1" latinLnBrk="1" hangingPunct="1">
-              <a:lnSpc>
-                <a:spcPct val="90000"/>
-              </a:lnSpc>
-              <a:spcBef>
-                <a:spcPts val="500"/>
-              </a:spcBef>
-              <a:buFont typeface="Arial" panose="020B0604020202020204" pitchFamily="34" charset="0"/>
-              <a:buChar char="•"/>
-              <a:defRPr sz="1800" kern="1200">
-                <a:solidFill>
-                  <a:schemeClr val="tx1"/>
-                </a:solidFill>
-                <a:latin typeface="+mn-lt"/>
-                <a:ea typeface="+mn-ea"/>
-                <a:cs typeface="+mn-cs"/>
-              </a:defRPr>
-            </a:lvl8pPr>
-            <a:lvl9pPr marL="3886200" indent="-228600" algn="l" defTabSz="914400" rtl="0" eaLnBrk="1" latinLnBrk="1" hangingPunct="1">
-              <a:lnSpc>
-                <a:spcPct val="90000"/>
-              </a:lnSpc>
-              <a:spcBef>
-                <a:spcPts val="500"/>
-              </a:spcBef>
-              <a:buFont typeface="Arial" panose="020B0604020202020204" pitchFamily="34" charset="0"/>
-              <a:buChar char="•"/>
-              <a:defRPr sz="1800" kern="1200">
-                <a:solidFill>
-                  <a:schemeClr val="tx1"/>
-                </a:solidFill>
-                <a:latin typeface="+mn-lt"/>
-                <a:ea typeface="+mn-ea"/>
-                <a:cs typeface="+mn-cs"/>
-              </a:defRPr>
-            </a:lvl9pPr>
-          </a:lstStyle>
-          <a:p>
-            <a:pPr marL="0" indent="0">
-              <a:buFont typeface="Arial" panose="020B0604020202020204" pitchFamily="34" charset="0"/>
-              <a:buNone/>
-            </a:pPr>
-            <a:r>
-              <a:rPr lang="ko-KR" altLang="en-US" sz="2000" b="1" dirty="0"/>
-              <a:t>캐릭터 제작</a:t>
-            </a:r>
-            <a:br>
-              <a:rPr lang="en-US" altLang="ko-KR" sz="2000" b="1" dirty="0"/>
-            </a:br>
-            <a:r>
-              <a:rPr lang="en-US" altLang="ko-KR" sz="1800" dirty="0"/>
-              <a:t>-</a:t>
-            </a:r>
-            <a:r>
-              <a:rPr lang="ko-KR" altLang="en-US" sz="1800" dirty="0"/>
-              <a:t>짧게 작업내용 설명</a:t>
-            </a:r>
-            <a:br>
-              <a:rPr lang="en-US" altLang="ko-KR" sz="2000" b="1" dirty="0"/>
-            </a:br>
-            <a:endParaRPr lang="en-US" altLang="ko-KR" sz="2000" b="1" dirty="0"/>
-          </a:p>
-        </p:txBody>
-      </p:sp>
-      <p:sp>
-        <p:nvSpPr>
-          <p:cNvPr id="13" name="내용 개체 틀 2">
-            <a:extLst>
-              <a:ext uri="{FF2B5EF4-FFF2-40B4-BE49-F238E27FC236}">
-                <a16:creationId xmlns:a16="http://schemas.microsoft.com/office/drawing/2014/main" id="{CC34F2C8-832B-7D01-FE80-06DA10F92A97}"/>
-              </a:ext>
-            </a:extLst>
-          </p:cNvPr>
-          <p:cNvSpPr txBox="1">
-            <a:spLocks/>
-          </p:cNvSpPr>
-          <p:nvPr/>
-        </p:nvSpPr>
-        <p:spPr>
-          <a:xfrm>
-            <a:off x="6353177" y="4571404"/>
-            <a:ext cx="4857748" cy="1771948"/>
-          </a:xfrm>
-          <a:prstGeom prst="rect">
-            <a:avLst/>
-          </a:prstGeom>
-        </p:spPr>
-        <p:txBody>
-          <a:bodyPr vert="horz" lIns="91440" tIns="45720" rIns="91440" bIns="45720" rtlCol="0">
-            <a:normAutofit/>
-          </a:bodyPr>
-          <a:lstStyle>
-            <a:lvl1pPr marL="228600" indent="-228600" algn="l" defTabSz="914400" rtl="0" eaLnBrk="1" latinLnBrk="1" hangingPunct="1">
-              <a:lnSpc>
-                <a:spcPct val="90000"/>
-              </a:lnSpc>
-              <a:spcBef>
-                <a:spcPts val="1000"/>
-              </a:spcBef>
-              <a:buFont typeface="Arial" panose="020B0604020202020204" pitchFamily="34" charset="0"/>
-              <a:buChar char="•"/>
-              <a:defRPr sz="2800" kern="1200">
-                <a:solidFill>
-                  <a:schemeClr val="tx1"/>
-                </a:solidFill>
-                <a:latin typeface="+mn-lt"/>
-                <a:ea typeface="+mn-ea"/>
-                <a:cs typeface="+mn-cs"/>
-              </a:defRPr>
-            </a:lvl1pPr>
-            <a:lvl2pPr marL="685800" indent="-228600" algn="l" defTabSz="914400" rtl="0" eaLnBrk="1" latinLnBrk="1" hangingPunct="1">
-              <a:lnSpc>
-                <a:spcPct val="90000"/>
-              </a:lnSpc>
-              <a:spcBef>
-                <a:spcPts val="500"/>
-              </a:spcBef>
-              <a:buFont typeface="Arial" panose="020B0604020202020204" pitchFamily="34" charset="0"/>
-              <a:buChar char="•"/>
-              <a:defRPr sz="2400" kern="1200">
-                <a:solidFill>
-                  <a:schemeClr val="tx1"/>
-                </a:solidFill>
-                <a:latin typeface="+mn-lt"/>
-                <a:ea typeface="+mn-ea"/>
-                <a:cs typeface="+mn-cs"/>
-              </a:defRPr>
-            </a:lvl2pPr>
-            <a:lvl3pPr marL="1143000" indent="-228600" algn="l" defTabSz="914400" rtl="0" eaLnBrk="1" latinLnBrk="1" hangingPunct="1">
-              <a:lnSpc>
-                <a:spcPct val="90000"/>
-              </a:lnSpc>
-              <a:spcBef>
-                <a:spcPts val="500"/>
-              </a:spcBef>
-              <a:buFont typeface="Arial" panose="020B0604020202020204" pitchFamily="34" charset="0"/>
-              <a:buChar char="•"/>
-              <a:defRPr sz="2000" kern="1200">
-                <a:solidFill>
-                  <a:schemeClr val="tx1"/>
-                </a:solidFill>
-                <a:latin typeface="+mn-lt"/>
-                <a:ea typeface="+mn-ea"/>
-                <a:cs typeface="+mn-cs"/>
-              </a:defRPr>
-            </a:lvl3pPr>
-            <a:lvl4pPr marL="1600200" indent="-228600" algn="l" defTabSz="914400" rtl="0" eaLnBrk="1" latinLnBrk="1" hangingPunct="1">
-              <a:lnSpc>
-                <a:spcPct val="90000"/>
-              </a:lnSpc>
-              <a:spcBef>
-                <a:spcPts val="500"/>
-              </a:spcBef>
-              <a:buFont typeface="Arial" panose="020B0604020202020204" pitchFamily="34" charset="0"/>
-              <a:buChar char="•"/>
-              <a:defRPr sz="1800" kern="1200">
-                <a:solidFill>
-                  <a:schemeClr val="tx1"/>
-                </a:solidFill>
-                <a:latin typeface="+mn-lt"/>
-                <a:ea typeface="+mn-ea"/>
-                <a:cs typeface="+mn-cs"/>
-              </a:defRPr>
-            </a:lvl4pPr>
-            <a:lvl5pPr marL="2057400" indent="-228600" algn="l" defTabSz="914400" rtl="0" eaLnBrk="1" latinLnBrk="1" hangingPunct="1">
-              <a:lnSpc>
-                <a:spcPct val="90000"/>
-              </a:lnSpc>
-              <a:spcBef>
-                <a:spcPts val="500"/>
-              </a:spcBef>
-              <a:buFont typeface="Arial" panose="020B0604020202020204" pitchFamily="34" charset="0"/>
-              <a:buChar char="•"/>
-              <a:defRPr sz="1800" kern="1200">
-                <a:solidFill>
-                  <a:schemeClr val="tx1"/>
-                </a:solidFill>
-                <a:latin typeface="+mn-lt"/>
-                <a:ea typeface="+mn-ea"/>
-                <a:cs typeface="+mn-cs"/>
-              </a:defRPr>
-            </a:lvl5pPr>
-            <a:lvl6pPr marL="2514600" indent="-228600" algn="l" defTabSz="914400" rtl="0" eaLnBrk="1" latinLnBrk="1" hangingPunct="1">
-              <a:lnSpc>
-                <a:spcPct val="90000"/>
-              </a:lnSpc>
-              <a:spcBef>
-                <a:spcPts val="500"/>
-              </a:spcBef>
-              <a:buFont typeface="Arial" panose="020B0604020202020204" pitchFamily="34" charset="0"/>
-              <a:buChar char="•"/>
-              <a:defRPr sz="1800" kern="1200">
-                <a:solidFill>
-                  <a:schemeClr val="tx1"/>
-                </a:solidFill>
-                <a:latin typeface="+mn-lt"/>
-                <a:ea typeface="+mn-ea"/>
-                <a:cs typeface="+mn-cs"/>
-              </a:defRPr>
-            </a:lvl6pPr>
-            <a:lvl7pPr marL="2971800" indent="-228600" algn="l" defTabSz="914400" rtl="0" eaLnBrk="1" latinLnBrk="1" hangingPunct="1">
-              <a:lnSpc>
-                <a:spcPct val="90000"/>
-              </a:lnSpc>
-              <a:spcBef>
-                <a:spcPts val="500"/>
-              </a:spcBef>
-              <a:buFont typeface="Arial" panose="020B0604020202020204" pitchFamily="34" charset="0"/>
-              <a:buChar char="•"/>
-              <a:defRPr sz="1800" kern="1200">
-                <a:solidFill>
-                  <a:schemeClr val="tx1"/>
-                </a:solidFill>
-                <a:latin typeface="+mn-lt"/>
-                <a:ea typeface="+mn-ea"/>
-                <a:cs typeface="+mn-cs"/>
-              </a:defRPr>
-            </a:lvl7pPr>
-            <a:lvl8pPr marL="3429000" indent="-228600" algn="l" defTabSz="914400" rtl="0" eaLnBrk="1" latinLnBrk="1" hangingPunct="1">
-              <a:lnSpc>
-                <a:spcPct val="90000"/>
-              </a:lnSpc>
-              <a:spcBef>
-                <a:spcPts val="500"/>
-              </a:spcBef>
-              <a:buFont typeface="Arial" panose="020B0604020202020204" pitchFamily="34" charset="0"/>
-              <a:buChar char="•"/>
-              <a:defRPr sz="1800" kern="1200">
-                <a:solidFill>
-                  <a:schemeClr val="tx1"/>
-                </a:solidFill>
-                <a:latin typeface="+mn-lt"/>
-                <a:ea typeface="+mn-ea"/>
-                <a:cs typeface="+mn-cs"/>
-              </a:defRPr>
-            </a:lvl8pPr>
-            <a:lvl9pPr marL="3886200" indent="-228600" algn="l" defTabSz="914400" rtl="0" eaLnBrk="1" latinLnBrk="1" hangingPunct="1">
-              <a:lnSpc>
-                <a:spcPct val="90000"/>
-              </a:lnSpc>
-              <a:spcBef>
-                <a:spcPts val="500"/>
-              </a:spcBef>
-              <a:buFont typeface="Arial" panose="020B0604020202020204" pitchFamily="34" charset="0"/>
-              <a:buChar char="•"/>
-              <a:defRPr sz="1800" kern="1200">
-                <a:solidFill>
-                  <a:schemeClr val="tx1"/>
-                </a:solidFill>
-                <a:latin typeface="+mn-lt"/>
-                <a:ea typeface="+mn-ea"/>
-                <a:cs typeface="+mn-cs"/>
-              </a:defRPr>
-            </a:lvl9pPr>
-          </a:lstStyle>
-          <a:p>
-            <a:pPr marL="0" indent="0">
-              <a:buFont typeface="Arial" panose="020B0604020202020204" pitchFamily="34" charset="0"/>
-              <a:buNone/>
-            </a:pPr>
-            <a:r>
-              <a:rPr lang="ko-KR" altLang="en-US" sz="2000" b="1" dirty="0"/>
-              <a:t>오브젝트 제작</a:t>
-            </a:r>
-            <a:br>
-              <a:rPr lang="en-US" altLang="ko-KR" sz="2000" b="1" dirty="0"/>
-            </a:br>
-            <a:r>
-              <a:rPr lang="en-US" altLang="ko-KR" sz="1800" dirty="0"/>
-              <a:t>-</a:t>
-            </a:r>
-            <a:r>
-              <a:rPr lang="ko-KR" altLang="en-US" sz="1800" dirty="0"/>
-              <a:t>짧게 작업내용 설명</a:t>
-            </a:r>
-            <a:br>
-              <a:rPr lang="en-US" altLang="ko-KR" sz="2000" b="1" dirty="0"/>
-            </a:br>
-            <a:endParaRPr lang="en-US" altLang="ko-KR" sz="2000" b="1" dirty="0"/>
-          </a:p>
-        </p:txBody>
-      </p:sp>
-      <p:pic>
-        <p:nvPicPr>
-          <p:cNvPr id="3" name="그림 2">
-            <a:extLst>
-              <a:ext uri="{FF2B5EF4-FFF2-40B4-BE49-F238E27FC236}">
-                <a16:creationId xmlns:a16="http://schemas.microsoft.com/office/drawing/2014/main" id="{297EF812-7AAF-A9D1-1489-531D602D5DFC}"/>
-              </a:ext>
-            </a:extLst>
-          </p:cNvPr>
-          <p:cNvPicPr>
-            <a:picLocks noChangeAspect="1"/>
-          </p:cNvPicPr>
-          <p:nvPr/>
-        </p:nvPicPr>
-        <p:blipFill rotWithShape="1">
-          <a:blip r:embed="rId2"/>
-          <a:srcRect l="13612" r="26247"/>
-          <a:stretch/>
-        </p:blipFill>
-        <p:spPr>
-          <a:xfrm>
-            <a:off x="466725" y="1333807"/>
-            <a:ext cx="2314575" cy="3013452"/>
-          </a:xfrm>
-          <a:prstGeom prst="rect">
-            <a:avLst/>
-          </a:prstGeom>
-        </p:spPr>
-      </p:pic>
-      <p:pic>
-        <p:nvPicPr>
-          <p:cNvPr id="5" name="그림 4">
-            <a:extLst>
-              <a:ext uri="{FF2B5EF4-FFF2-40B4-BE49-F238E27FC236}">
-                <a16:creationId xmlns:a16="http://schemas.microsoft.com/office/drawing/2014/main" id="{D4974E37-3AD9-A96C-04BD-CCEECB832128}"/>
-              </a:ext>
-            </a:extLst>
-          </p:cNvPr>
-          <p:cNvPicPr>
-            <a:picLocks noChangeAspect="1"/>
-          </p:cNvPicPr>
-          <p:nvPr/>
-        </p:nvPicPr>
-        <p:blipFill>
-          <a:blip r:embed="rId3"/>
-          <a:stretch>
-            <a:fillRect/>
-          </a:stretch>
-        </p:blipFill>
-        <p:spPr>
-          <a:xfrm>
-            <a:off x="2895599" y="1333807"/>
-            <a:ext cx="2314575" cy="3001481"/>
-          </a:xfrm>
-          <a:prstGeom prst="rect">
-            <a:avLst/>
-          </a:prstGeom>
-        </p:spPr>
-      </p:pic>
-    </p:spTree>
-    <p:extLst>
-      <p:ext uri="{BB962C8B-B14F-4D97-AF65-F5344CB8AC3E}">
-        <p14:creationId xmlns:p14="http://schemas.microsoft.com/office/powerpoint/2010/main" val="1859434257"/>
       </p:ext>
     </p:extLst>
   </p:cSld>
@@ -7201,7 +7161,7 @@
           <a:lstStyle/>
           <a:p>
             <a:r>
-              <a:rPr lang="ko-KR" altLang="en-US" sz="5400" b="1" cap="none" spc="0" dirty="0">
+              <a:rPr lang="ko-KR" altLang="en-US" sz="5400" b="1" cap="none" spc="0">
                 <a:ln w="0"/>
                 <a:solidFill>
                   <a:schemeClr val="accent6"/>
@@ -7236,6 +7196,801 @@
           </a:p>
         </p:txBody>
       </p:sp>
+      <p:graphicFrame>
+        <p:nvGraphicFramePr>
+          <p:cNvPr id="7" name="내용 개체 틀 3">
+            <a:extLst>
+              <a:ext uri="{FF2B5EF4-FFF2-40B4-BE49-F238E27FC236}">
+                <a16:creationId xmlns:a16="http://schemas.microsoft.com/office/drawing/2014/main" id="{21FA1E0F-AECB-2A3B-150C-291D3ED11EE5}"/>
+              </a:ext>
+            </a:extLst>
+          </p:cNvPr>
+          <p:cNvGraphicFramePr>
+            <a:graphicFrameLocks noGrp="1"/>
+          </p:cNvGraphicFramePr>
+          <p:nvPr>
+            <p:ph idx="1"/>
+            <p:extLst>
+              <p:ext uri="{D42A27DB-BD31-4B8C-83A1-F6EECF244321}">
+                <p14:modId xmlns:p14="http://schemas.microsoft.com/office/powerpoint/2010/main" val="2071817131"/>
+              </p:ext>
+            </p:extLst>
+          </p:nvPr>
+        </p:nvGraphicFramePr>
+        <p:xfrm>
+          <a:off x="837507" y="1795549"/>
+          <a:ext cx="10516986" cy="3647926"/>
+        </p:xfrm>
+        <a:graphic>
+          <a:graphicData uri="http://schemas.openxmlformats.org/drawingml/2006/table">
+            <a:tbl>
+              <a:tblPr firstRow="1" bandRow="1">
+                <a:tableStyleId>{5C22544A-7EE6-4342-B048-85BDC9FD1C3A}</a:tableStyleId>
+              </a:tblPr>
+              <a:tblGrid>
+                <a:gridCol w="5258493">
+                  <a:extLst>
+                    <a:ext uri="{9D8B030D-6E8A-4147-A177-3AD203B41FA5}">
+                      <a16:colId xmlns:a16="http://schemas.microsoft.com/office/drawing/2014/main" val="3460361674"/>
+                    </a:ext>
+                  </a:extLst>
+                </a:gridCol>
+                <a:gridCol w="5258493">
+                  <a:extLst>
+                    <a:ext uri="{9D8B030D-6E8A-4147-A177-3AD203B41FA5}">
+                      <a16:colId xmlns:a16="http://schemas.microsoft.com/office/drawing/2014/main" val="2940473001"/>
+                    </a:ext>
+                  </a:extLst>
+                </a:gridCol>
+              </a:tblGrid>
+              <a:tr h="570870">
+                <a:tc>
+                  <a:txBody>
+                    <a:bodyPr/>
+                    <a:lstStyle/>
+                    <a:p>
+                      <a:pPr marL="0" indent="0" algn="ctr">
+                        <a:lnSpc>
+                          <a:spcPct val="120000"/>
+                        </a:lnSpc>
+                        <a:buFont typeface="Arial" panose="020B0604020202020204" pitchFamily="34" charset="0"/>
+                        <a:buNone/>
+                      </a:pPr>
+                      <a:r>
+                        <a:rPr lang="ko-KR" altLang="en-US" sz="1800" b="1" dirty="0">
+                          <a:solidFill>
+                            <a:schemeClr val="tx1"/>
+                          </a:solidFill>
+                          <a:effectLst>
+                            <a:outerShdw blurRad="38100" dist="38100" dir="2700000" algn="tl">
+                              <a:srgbClr val="000000">
+                                <a:alpha val="43137"/>
+                              </a:srgbClr>
+                            </a:outerShdw>
+                          </a:effectLst>
+                        </a:rPr>
+                        <a:t>텍스처 스트리밍 풀 초과 문제</a:t>
+                      </a:r>
+                      <a:endParaRPr lang="en-US" altLang="ko-KR" sz="1800" b="1" dirty="0">
+                        <a:solidFill>
+                          <a:schemeClr val="tx1"/>
+                        </a:solidFill>
+                        <a:effectLst>
+                          <a:outerShdw blurRad="38100" dist="38100" dir="2700000" algn="tl">
+                            <a:srgbClr val="000000">
+                              <a:alpha val="43137"/>
+                            </a:srgbClr>
+                          </a:outerShdw>
+                        </a:effectLst>
+                      </a:endParaRPr>
+                    </a:p>
+                  </a:txBody>
+                  <a:tcPr anchor="ctr">
+                    <a:lnL w="12700" cap="flat" cmpd="sng" algn="ctr">
+                      <a:solidFill>
+                        <a:schemeClr val="tx1"/>
+                      </a:solidFill>
+                      <a:prstDash val="solid"/>
+                      <a:round/>
+                      <a:headEnd type="none" w="med" len="med"/>
+                      <a:tailEnd type="none" w="med" len="med"/>
+                    </a:lnL>
+                    <a:lnR w="12700" cap="flat" cmpd="sng" algn="ctr">
+                      <a:solidFill>
+                        <a:schemeClr val="tx1"/>
+                      </a:solidFill>
+                      <a:prstDash val="solid"/>
+                      <a:round/>
+                      <a:headEnd type="none" w="med" len="med"/>
+                      <a:tailEnd type="none" w="med" len="med"/>
+                    </a:lnR>
+                    <a:lnT w="12700" cap="flat" cmpd="sng" algn="ctr">
+                      <a:solidFill>
+                        <a:schemeClr val="tx1"/>
+                      </a:solidFill>
+                      <a:prstDash val="solid"/>
+                      <a:round/>
+                      <a:headEnd type="none" w="med" len="med"/>
+                      <a:tailEnd type="none" w="med" len="med"/>
+                    </a:lnT>
+                    <a:lnB w="12700" cap="flat" cmpd="sng" algn="ctr">
+                      <a:solidFill>
+                        <a:schemeClr val="tx1"/>
+                      </a:solidFill>
+                      <a:prstDash val="solid"/>
+                      <a:round/>
+                      <a:headEnd type="none" w="med" len="med"/>
+                      <a:tailEnd type="none" w="med" len="med"/>
+                    </a:lnB>
+                    <a:solidFill>
+                      <a:schemeClr val="accent6">
+                        <a:lumMod val="20000"/>
+                        <a:lumOff val="80000"/>
+                      </a:schemeClr>
+                    </a:solidFill>
+                  </a:tcPr>
+                </a:tc>
+                <a:tc>
+                  <a:txBody>
+                    <a:bodyPr/>
+                    <a:lstStyle/>
+                    <a:p>
+                      <a:pPr algn="ctr" latinLnBrk="1">
+                        <a:lnSpc>
+                          <a:spcPct val="150000"/>
+                        </a:lnSpc>
+                      </a:pPr>
+                      <a:r>
+                        <a:rPr lang="ko-KR" altLang="en-US" dirty="0" err="1">
+                          <a:solidFill>
+                            <a:schemeClr val="tx1"/>
+                          </a:solidFill>
+                          <a:effectLst>
+                            <a:outerShdw blurRad="38100" dist="38100" dir="2700000" algn="tl">
+                              <a:srgbClr val="000000">
+                                <a:alpha val="43137"/>
+                              </a:srgbClr>
+                            </a:outerShdw>
+                          </a:effectLst>
+                        </a:rPr>
+                        <a:t>슬라임</a:t>
+                      </a:r>
+                      <a:r>
+                        <a:rPr lang="ko-KR" altLang="en-US" dirty="0">
+                          <a:solidFill>
+                            <a:schemeClr val="tx1"/>
+                          </a:solidFill>
+                          <a:effectLst>
+                            <a:outerShdw blurRad="38100" dist="38100" dir="2700000" algn="tl">
+                              <a:srgbClr val="000000">
+                                <a:alpha val="43137"/>
+                              </a:srgbClr>
+                            </a:outerShdw>
+                          </a:effectLst>
+                        </a:rPr>
+                        <a:t> </a:t>
+                      </a:r>
+                      <a:r>
+                        <a:rPr lang="ko-KR" altLang="en-US" dirty="0" err="1">
+                          <a:solidFill>
+                            <a:schemeClr val="tx1"/>
+                          </a:solidFill>
+                          <a:effectLst>
+                            <a:outerShdw blurRad="38100" dist="38100" dir="2700000" algn="tl">
+                              <a:srgbClr val="000000">
+                                <a:alpha val="43137"/>
+                              </a:srgbClr>
+                            </a:outerShdw>
+                          </a:effectLst>
+                        </a:rPr>
+                        <a:t>벽타기</a:t>
+                      </a:r>
+                      <a:r>
+                        <a:rPr lang="ko-KR" altLang="en-US" dirty="0">
+                          <a:solidFill>
+                            <a:schemeClr val="tx1"/>
+                          </a:solidFill>
+                          <a:effectLst>
+                            <a:outerShdw blurRad="38100" dist="38100" dir="2700000" algn="tl">
+                              <a:srgbClr val="000000">
+                                <a:alpha val="43137"/>
+                              </a:srgbClr>
+                            </a:outerShdw>
+                          </a:effectLst>
+                        </a:rPr>
+                        <a:t> </a:t>
+                      </a:r>
+                      <a:r>
+                        <a:rPr lang="ko-KR" altLang="en-US" dirty="0" err="1">
+                          <a:solidFill>
+                            <a:schemeClr val="tx1"/>
+                          </a:solidFill>
+                          <a:effectLst>
+                            <a:outerShdw blurRad="38100" dist="38100" dir="2700000" algn="tl">
+                              <a:srgbClr val="000000">
+                                <a:alpha val="43137"/>
+                              </a:srgbClr>
+                            </a:outerShdw>
+                          </a:effectLst>
+                        </a:rPr>
+                        <a:t>조작감</a:t>
+                      </a:r>
+                      <a:r>
+                        <a:rPr lang="ko-KR" altLang="en-US" dirty="0">
+                          <a:solidFill>
+                            <a:schemeClr val="tx1"/>
+                          </a:solidFill>
+                          <a:effectLst>
+                            <a:outerShdw blurRad="38100" dist="38100" dir="2700000" algn="tl">
+                              <a:srgbClr val="000000">
+                                <a:alpha val="43137"/>
+                              </a:srgbClr>
+                            </a:outerShdw>
+                          </a:effectLst>
+                        </a:rPr>
+                        <a:t> 문제</a:t>
+                      </a:r>
+                    </a:p>
+                  </a:txBody>
+                  <a:tcPr anchor="ctr">
+                    <a:lnL w="12700" cap="flat" cmpd="sng" algn="ctr">
+                      <a:solidFill>
+                        <a:schemeClr val="tx1"/>
+                      </a:solidFill>
+                      <a:prstDash val="solid"/>
+                      <a:round/>
+                      <a:headEnd type="none" w="med" len="med"/>
+                      <a:tailEnd type="none" w="med" len="med"/>
+                    </a:lnL>
+                    <a:lnR w="12700" cap="flat" cmpd="sng" algn="ctr">
+                      <a:solidFill>
+                        <a:schemeClr val="tx1"/>
+                      </a:solidFill>
+                      <a:prstDash val="solid"/>
+                      <a:round/>
+                      <a:headEnd type="none" w="med" len="med"/>
+                      <a:tailEnd type="none" w="med" len="med"/>
+                    </a:lnR>
+                    <a:lnT w="12700" cap="flat" cmpd="sng" algn="ctr">
+                      <a:solidFill>
+                        <a:schemeClr val="tx1"/>
+                      </a:solidFill>
+                      <a:prstDash val="solid"/>
+                      <a:round/>
+                      <a:headEnd type="none" w="med" len="med"/>
+                      <a:tailEnd type="none" w="med" len="med"/>
+                    </a:lnT>
+                    <a:lnB w="12700" cap="flat" cmpd="sng" algn="ctr">
+                      <a:solidFill>
+                        <a:schemeClr val="tx1"/>
+                      </a:solidFill>
+                      <a:prstDash val="solid"/>
+                      <a:round/>
+                      <a:headEnd type="none" w="med" len="med"/>
+                      <a:tailEnd type="none" w="med" len="med"/>
+                    </a:lnB>
+                    <a:solidFill>
+                      <a:schemeClr val="accent6">
+                        <a:lumMod val="20000"/>
+                        <a:lumOff val="80000"/>
+                      </a:schemeClr>
+                    </a:solidFill>
+                  </a:tcPr>
+                </a:tc>
+                <a:extLst>
+                  <a:ext uri="{0D108BD9-81ED-4DB2-BD59-A6C34878D82A}">
+                    <a16:rowId xmlns:a16="http://schemas.microsoft.com/office/drawing/2014/main" val="1520965636"/>
+                  </a:ext>
+                </a:extLst>
+              </a:tr>
+              <a:tr h="3077056">
+                <a:tc>
+                  <a:txBody>
+                    <a:bodyPr/>
+                    <a:lstStyle/>
+                    <a:p>
+                      <a:pPr algn="l">
+                        <a:lnSpc>
+                          <a:spcPct val="100000"/>
+                        </a:lnSpc>
+                      </a:pPr>
+                      <a:r>
+                        <a:rPr lang="ko-KR" altLang="en-US" sz="1800" dirty="0"/>
+                        <a:t>문제점 </a:t>
+                      </a:r>
+                      <a:r>
+                        <a:rPr lang="en-US" altLang="ko-KR" sz="1800" dirty="0"/>
+                        <a:t>: </a:t>
+                      </a:r>
+                      <a:r>
+                        <a:rPr lang="ko-KR" altLang="en-US" sz="1800" dirty="0"/>
+                        <a:t>텍스처 드로우콜이 많아 </a:t>
+                      </a:r>
+                      <a:r>
+                        <a:rPr lang="ko-KR" altLang="en-US" sz="1800" dirty="0" err="1"/>
+                        <a:t>저화질</a:t>
+                      </a:r>
+                      <a:r>
+                        <a:rPr lang="ko-KR" altLang="en-US" sz="1800" dirty="0"/>
+                        <a:t> 텍스처로 변경되는 현상</a:t>
+                      </a:r>
+                      <a:endParaRPr lang="en-US" altLang="ko-KR" sz="1800" dirty="0"/>
+                    </a:p>
+                    <a:p>
+                      <a:pPr marL="0" indent="0" algn="l">
+                        <a:lnSpc>
+                          <a:spcPct val="120000"/>
+                        </a:lnSpc>
+                        <a:buFont typeface="Arial" panose="020B0604020202020204" pitchFamily="34" charset="0"/>
+                        <a:buNone/>
+                      </a:pPr>
+                      <a:br>
+                        <a:rPr lang="en-US" altLang="ko-KR" sz="1800" dirty="0"/>
+                      </a:br>
+                      <a:r>
+                        <a:rPr lang="ko-KR" altLang="en-US" sz="1800" dirty="0"/>
+                        <a:t>보완책 </a:t>
+                      </a:r>
+                      <a:r>
+                        <a:rPr lang="en-US" altLang="ko-KR" sz="1800" dirty="0"/>
+                        <a:t>: </a:t>
+                      </a:r>
+                    </a:p>
+                    <a:p>
+                      <a:pPr marL="285750" indent="-285750" algn="l">
+                        <a:lnSpc>
+                          <a:spcPct val="100000"/>
+                        </a:lnSpc>
+                        <a:buFont typeface="Arial" panose="020B0604020202020204" pitchFamily="34" charset="0"/>
+                        <a:buChar char="•"/>
+                      </a:pPr>
+                      <a:r>
+                        <a:rPr lang="ko-KR" altLang="en-US" sz="1800" dirty="0"/>
+                        <a:t>나나이트 메시 변환</a:t>
+                      </a:r>
+                      <a:endParaRPr lang="en-US" altLang="ko-KR" sz="1800" dirty="0"/>
+                    </a:p>
+                    <a:p>
+                      <a:pPr marL="285750" indent="-285750" algn="l">
+                        <a:lnSpc>
+                          <a:spcPct val="100000"/>
+                        </a:lnSpc>
+                        <a:buFont typeface="Arial" panose="020B0604020202020204" pitchFamily="34" charset="0"/>
+                        <a:buChar char="•"/>
+                      </a:pPr>
+                      <a:r>
+                        <a:rPr lang="ko-KR" altLang="en-US" sz="1800" dirty="0"/>
+                        <a:t>클래스 및 </a:t>
+                      </a:r>
+                      <a:r>
+                        <a:rPr lang="ko-KR" altLang="en-US" sz="1800" dirty="0" err="1"/>
+                        <a:t>마테리얼</a:t>
+                      </a:r>
+                      <a:r>
+                        <a:rPr lang="ko-KR" altLang="en-US" sz="1800" dirty="0"/>
+                        <a:t> 인스턴스화</a:t>
+                      </a:r>
+                      <a:endParaRPr lang="en-US" altLang="ko-KR" sz="1800" dirty="0"/>
+                    </a:p>
+                    <a:p>
+                      <a:pPr marL="285750" indent="-285750" algn="l">
+                        <a:lnSpc>
+                          <a:spcPct val="100000"/>
+                        </a:lnSpc>
+                        <a:buFont typeface="Arial" panose="020B0604020202020204" pitchFamily="34" charset="0"/>
+                        <a:buChar char="•"/>
+                      </a:pPr>
+                      <a:r>
+                        <a:rPr lang="ko-KR" altLang="en-US" sz="1800" dirty="0"/>
+                        <a:t>텍스처 해상도 조절 혹은 텍스처 분할 사용</a:t>
+                      </a:r>
+                      <a:endParaRPr lang="en-US" altLang="ko-KR" sz="1800" dirty="0"/>
+                    </a:p>
+                    <a:p>
+                      <a:pPr marL="285750" indent="-285750" algn="l">
+                        <a:lnSpc>
+                          <a:spcPct val="100000"/>
+                        </a:lnSpc>
+                        <a:buFont typeface="Arial" panose="020B0604020202020204" pitchFamily="34" charset="0"/>
+                        <a:buChar char="•"/>
+                      </a:pPr>
+                      <a:r>
+                        <a:rPr lang="ko-KR" altLang="en-US" sz="1800" dirty="0"/>
+                        <a:t>다수의 </a:t>
+                      </a:r>
+                      <a:r>
+                        <a:rPr lang="ko-KR" altLang="en-US" sz="1800" dirty="0" err="1"/>
+                        <a:t>액터를</a:t>
+                      </a:r>
+                      <a:r>
+                        <a:rPr lang="en-US" altLang="ko-KR" sz="1800" dirty="0"/>
+                        <a:t> </a:t>
+                      </a:r>
+                      <a:r>
+                        <a:rPr lang="ko-KR" altLang="en-US" sz="1800" dirty="0"/>
+                        <a:t>하나로 </a:t>
+                      </a:r>
+                      <a:r>
+                        <a:rPr lang="ko-KR" altLang="en-US" sz="1800" dirty="0" err="1"/>
+                        <a:t>머지</a:t>
+                      </a:r>
+                      <a:endParaRPr lang="en-US" altLang="ko-KR" sz="2000" b="1" dirty="0"/>
+                    </a:p>
+                  </a:txBody>
+                  <a:tcPr anchor="ctr">
+                    <a:lnL w="12700" cap="flat" cmpd="sng" algn="ctr">
+                      <a:solidFill>
+                        <a:schemeClr val="tx1"/>
+                      </a:solidFill>
+                      <a:prstDash val="solid"/>
+                      <a:round/>
+                      <a:headEnd type="none" w="med" len="med"/>
+                      <a:tailEnd type="none" w="med" len="med"/>
+                    </a:lnL>
+                    <a:lnR w="12700" cap="flat" cmpd="sng" algn="ctr">
+                      <a:solidFill>
+                        <a:schemeClr val="tx1"/>
+                      </a:solidFill>
+                      <a:prstDash val="solid"/>
+                      <a:round/>
+                      <a:headEnd type="none" w="med" len="med"/>
+                      <a:tailEnd type="none" w="med" len="med"/>
+                    </a:lnR>
+                    <a:lnT w="12700" cap="flat" cmpd="sng" algn="ctr">
+                      <a:solidFill>
+                        <a:schemeClr val="tx1"/>
+                      </a:solidFill>
+                      <a:prstDash val="solid"/>
+                      <a:round/>
+                      <a:headEnd type="none" w="med" len="med"/>
+                      <a:tailEnd type="none" w="med" len="med"/>
+                    </a:lnT>
+                    <a:lnB w="12700" cap="flat" cmpd="sng" algn="ctr">
+                      <a:solidFill>
+                        <a:schemeClr val="tx1"/>
+                      </a:solidFill>
+                      <a:prstDash val="solid"/>
+                      <a:round/>
+                      <a:headEnd type="none" w="med" len="med"/>
+                      <a:tailEnd type="none" w="med" len="med"/>
+                    </a:lnB>
+                    <a:noFill/>
+                  </a:tcPr>
+                </a:tc>
+                <a:tc>
+                  <a:txBody>
+                    <a:bodyPr/>
+                    <a:lstStyle/>
+                    <a:p>
+                      <a:pPr fontAlgn="base">
+                        <a:lnSpc>
+                          <a:spcPct val="100000"/>
+                        </a:lnSpc>
+                      </a:pPr>
+                      <a:r>
+                        <a:rPr lang="ko-KR" altLang="en-US" sz="1800" b="0" i="0" kern="1200" dirty="0">
+                          <a:solidFill>
+                            <a:schemeClr val="dk1"/>
+                          </a:solidFill>
+                          <a:effectLst/>
+                          <a:latin typeface="+mn-lt"/>
+                          <a:ea typeface="+mn-ea"/>
+                          <a:cs typeface="+mn-cs"/>
+                        </a:rPr>
+                        <a:t>문제점</a:t>
+                      </a:r>
+                      <a:r>
+                        <a:rPr lang="en-US" altLang="ko-KR" sz="1800" b="0" i="0" kern="1200" dirty="0">
+                          <a:solidFill>
+                            <a:schemeClr val="dk1"/>
+                          </a:solidFill>
+                          <a:effectLst/>
+                          <a:latin typeface="+mn-lt"/>
+                          <a:ea typeface="+mn-ea"/>
+                          <a:cs typeface="+mn-cs"/>
+                        </a:rPr>
+                        <a:t>: </a:t>
+                      </a:r>
+                      <a:r>
+                        <a:rPr lang="ko-KR" altLang="en-US" sz="1800" b="0" i="0" kern="1200" dirty="0" err="1">
+                          <a:solidFill>
+                            <a:schemeClr val="dk1"/>
+                          </a:solidFill>
+                          <a:effectLst/>
+                          <a:latin typeface="+mn-lt"/>
+                          <a:ea typeface="+mn-ea"/>
+                          <a:cs typeface="+mn-cs"/>
+                        </a:rPr>
+                        <a:t>벽타기</a:t>
+                      </a:r>
+                      <a:r>
+                        <a:rPr lang="ko-KR" altLang="en-US" sz="1800" b="0" i="0" kern="1200" dirty="0">
+                          <a:solidFill>
+                            <a:schemeClr val="dk1"/>
+                          </a:solidFill>
+                          <a:effectLst/>
+                          <a:latin typeface="+mn-lt"/>
+                          <a:ea typeface="+mn-ea"/>
+                          <a:cs typeface="+mn-cs"/>
+                        </a:rPr>
+                        <a:t> 메커니즘에 의한 부자연스러운 </a:t>
+                      </a:r>
+                      <a:r>
+                        <a:rPr lang="ko-KR" altLang="en-US" sz="1800" b="0" i="0" kern="1200" dirty="0" err="1">
+                          <a:solidFill>
+                            <a:schemeClr val="dk1"/>
+                          </a:solidFill>
+                          <a:effectLst/>
+                          <a:latin typeface="+mn-lt"/>
+                          <a:ea typeface="+mn-ea"/>
+                          <a:cs typeface="+mn-cs"/>
+                        </a:rPr>
+                        <a:t>슬라임</a:t>
+                      </a:r>
+                      <a:r>
+                        <a:rPr lang="ko-KR" altLang="en-US" sz="1800" b="0" i="0" kern="1200" dirty="0">
+                          <a:solidFill>
+                            <a:schemeClr val="dk1"/>
+                          </a:solidFill>
+                          <a:effectLst/>
+                          <a:latin typeface="+mn-lt"/>
+                          <a:ea typeface="+mn-ea"/>
+                          <a:cs typeface="+mn-cs"/>
+                        </a:rPr>
+                        <a:t> 이동</a:t>
+                      </a:r>
+                      <a:r>
+                        <a:rPr lang="en-US" altLang="ko-KR" sz="1800" b="0" i="0" kern="1200" dirty="0">
+                          <a:solidFill>
+                            <a:schemeClr val="dk1"/>
+                          </a:solidFill>
+                          <a:effectLst/>
+                          <a:latin typeface="+mn-lt"/>
+                          <a:ea typeface="+mn-ea"/>
+                          <a:cs typeface="+mn-cs"/>
+                        </a:rPr>
+                        <a:t>,</a:t>
+                      </a:r>
+                      <a:r>
+                        <a:rPr lang="ko-KR" altLang="en-US" sz="1800" b="0" i="0" kern="1200" dirty="0">
+                          <a:solidFill>
+                            <a:schemeClr val="dk1"/>
+                          </a:solidFill>
+                          <a:effectLst/>
+                          <a:latin typeface="+mn-lt"/>
+                          <a:ea typeface="+mn-ea"/>
+                          <a:cs typeface="+mn-cs"/>
+                        </a:rPr>
+                        <a:t> 가파른 벽 경사면 끼임 문제 </a:t>
+                      </a:r>
+                      <a:endParaRPr lang="en-US" altLang="ko-KR" sz="1800" b="0" i="0" kern="1200" dirty="0">
+                        <a:solidFill>
+                          <a:schemeClr val="dk1"/>
+                        </a:solidFill>
+                        <a:effectLst/>
+                        <a:latin typeface="+mn-lt"/>
+                        <a:ea typeface="+mn-ea"/>
+                        <a:cs typeface="+mn-cs"/>
+                      </a:endParaRPr>
+                    </a:p>
+                    <a:p>
+                      <a:pPr fontAlgn="base">
+                        <a:lnSpc>
+                          <a:spcPct val="150000"/>
+                        </a:lnSpc>
+                      </a:pPr>
+                      <a:endParaRPr lang="en-US" altLang="ko-KR" sz="1800" b="0" i="0" kern="1200" dirty="0">
+                        <a:solidFill>
+                          <a:schemeClr val="dk1"/>
+                        </a:solidFill>
+                        <a:effectLst/>
+                        <a:latin typeface="+mn-lt"/>
+                        <a:ea typeface="+mn-ea"/>
+                        <a:cs typeface="+mn-cs"/>
+                      </a:endParaRPr>
+                    </a:p>
+                    <a:p>
+                      <a:pPr fontAlgn="base">
+                        <a:lnSpc>
+                          <a:spcPct val="150000"/>
+                        </a:lnSpc>
+                      </a:pPr>
+                      <a:r>
+                        <a:rPr lang="ko-KR" altLang="en-US" sz="1800" b="0" i="0" kern="1200" dirty="0">
+                          <a:solidFill>
+                            <a:schemeClr val="dk1"/>
+                          </a:solidFill>
+                          <a:effectLst/>
+                          <a:latin typeface="+mn-lt"/>
+                          <a:ea typeface="+mn-ea"/>
+                          <a:cs typeface="+mn-cs"/>
+                        </a:rPr>
+                        <a:t>보완책</a:t>
+                      </a:r>
+                      <a:r>
+                        <a:rPr lang="en-US" altLang="ko-KR" sz="1800" b="0" i="0" kern="1200" dirty="0">
+                          <a:solidFill>
+                            <a:schemeClr val="dk1"/>
+                          </a:solidFill>
+                          <a:effectLst/>
+                          <a:latin typeface="+mn-lt"/>
+                          <a:ea typeface="+mn-ea"/>
+                          <a:cs typeface="+mn-cs"/>
+                        </a:rPr>
+                        <a:t>: </a:t>
+                      </a:r>
+                    </a:p>
+                    <a:p>
+                      <a:pPr marL="285750" indent="-285750" fontAlgn="base">
+                        <a:lnSpc>
+                          <a:spcPct val="100000"/>
+                        </a:lnSpc>
+                        <a:buFont typeface="Arial" panose="020B0604020202020204" pitchFamily="34" charset="0"/>
+                        <a:buChar char="•"/>
+                      </a:pPr>
+                      <a:r>
+                        <a:rPr lang="ko-KR" altLang="en-US" sz="1800" b="0" i="0" kern="1200" dirty="0">
+                          <a:solidFill>
+                            <a:schemeClr val="dk1"/>
+                          </a:solidFill>
+                          <a:effectLst/>
+                          <a:latin typeface="+mn-lt"/>
+                          <a:ea typeface="+mn-ea"/>
+                          <a:cs typeface="+mn-cs"/>
+                        </a:rPr>
+                        <a:t>이동 방식을 바닥 </a:t>
+                      </a:r>
+                      <a:r>
+                        <a:rPr lang="en-US" altLang="ko-KR" sz="1800" b="0" i="0" kern="1200" dirty="0">
+                          <a:solidFill>
+                            <a:schemeClr val="dk1"/>
+                          </a:solidFill>
+                          <a:effectLst/>
+                          <a:latin typeface="+mn-lt"/>
+                          <a:ea typeface="+mn-ea"/>
+                          <a:cs typeface="+mn-cs"/>
+                        </a:rPr>
+                        <a:t>/ </a:t>
+                      </a:r>
+                      <a:r>
+                        <a:rPr lang="ko-KR" altLang="en-US" sz="1800" b="0" i="0" kern="1200" dirty="0">
+                          <a:solidFill>
+                            <a:schemeClr val="dk1"/>
+                          </a:solidFill>
+                          <a:effectLst/>
+                          <a:latin typeface="+mn-lt"/>
+                          <a:ea typeface="+mn-ea"/>
+                          <a:cs typeface="+mn-cs"/>
+                        </a:rPr>
+                        <a:t>벽으로 나누어 처리</a:t>
+                      </a:r>
+                    </a:p>
+                    <a:p>
+                      <a:pPr marL="285750" indent="-285750" fontAlgn="base">
+                        <a:lnSpc>
+                          <a:spcPct val="100000"/>
+                        </a:lnSpc>
+                        <a:buFont typeface="Arial" panose="020B0604020202020204" pitchFamily="34" charset="0"/>
+                        <a:buChar char="•"/>
+                      </a:pPr>
+                      <a:r>
+                        <a:rPr lang="ko-KR" altLang="en-US" sz="1800" b="0" i="0" kern="1200" dirty="0">
+                          <a:solidFill>
+                            <a:schemeClr val="dk1"/>
+                          </a:solidFill>
+                          <a:effectLst/>
+                          <a:latin typeface="+mn-lt"/>
+                          <a:ea typeface="+mn-ea"/>
+                          <a:cs typeface="+mn-cs"/>
+                        </a:rPr>
+                        <a:t>벽 경사각을 구분해 </a:t>
+                      </a:r>
+                      <a:r>
+                        <a:rPr lang="ko-KR" altLang="en-US" sz="1800" b="0" i="0" kern="1200" dirty="0" err="1">
+                          <a:solidFill>
+                            <a:schemeClr val="dk1"/>
+                          </a:solidFill>
+                          <a:effectLst/>
+                          <a:latin typeface="+mn-lt"/>
+                          <a:ea typeface="+mn-ea"/>
+                          <a:cs typeface="+mn-cs"/>
+                        </a:rPr>
+                        <a:t>벽타기</a:t>
+                      </a:r>
+                      <a:r>
+                        <a:rPr lang="ko-KR" altLang="en-US" sz="1800" b="0" i="0" kern="1200" dirty="0">
+                          <a:solidFill>
+                            <a:schemeClr val="dk1"/>
+                          </a:solidFill>
+                          <a:effectLst/>
+                          <a:latin typeface="+mn-lt"/>
+                          <a:ea typeface="+mn-ea"/>
+                          <a:cs typeface="+mn-cs"/>
+                        </a:rPr>
+                        <a:t> 로직 처리 </a:t>
+                      </a:r>
+                      <a:endParaRPr lang="en-US" altLang="ko-KR" sz="1800" b="0" i="0" kern="1200" dirty="0">
+                        <a:solidFill>
+                          <a:schemeClr val="dk1"/>
+                        </a:solidFill>
+                        <a:effectLst/>
+                        <a:latin typeface="+mn-lt"/>
+                        <a:ea typeface="+mn-ea"/>
+                        <a:cs typeface="+mn-cs"/>
+                      </a:endParaRPr>
+                    </a:p>
+                    <a:p>
+                      <a:pPr marL="285750" indent="-285750" fontAlgn="base">
+                        <a:lnSpc>
+                          <a:spcPct val="100000"/>
+                        </a:lnSpc>
+                        <a:buFont typeface="Arial" panose="020B0604020202020204" pitchFamily="34" charset="0"/>
+                        <a:buChar char="•"/>
+                      </a:pPr>
+                      <a:r>
+                        <a:rPr lang="ko-KR" altLang="en-US" sz="1800" b="0" i="0" kern="1200" dirty="0">
+                          <a:solidFill>
+                            <a:schemeClr val="dk1"/>
+                          </a:solidFill>
+                          <a:effectLst/>
+                          <a:latin typeface="+mn-lt"/>
+                          <a:ea typeface="+mn-ea"/>
+                          <a:cs typeface="+mn-cs"/>
+                        </a:rPr>
+                        <a:t>벽 실제 충돌 판정을 달리하기</a:t>
+                      </a:r>
+                    </a:p>
+                  </a:txBody>
+                  <a:tcPr anchor="ctr">
+                    <a:lnL w="12700" cap="flat" cmpd="sng" algn="ctr">
+                      <a:solidFill>
+                        <a:schemeClr val="tx1"/>
+                      </a:solidFill>
+                      <a:prstDash val="solid"/>
+                      <a:round/>
+                      <a:headEnd type="none" w="med" len="med"/>
+                      <a:tailEnd type="none" w="med" len="med"/>
+                    </a:lnL>
+                    <a:lnR w="12700" cap="flat" cmpd="sng" algn="ctr">
+                      <a:solidFill>
+                        <a:schemeClr val="tx1"/>
+                      </a:solidFill>
+                      <a:prstDash val="solid"/>
+                      <a:round/>
+                      <a:headEnd type="none" w="med" len="med"/>
+                      <a:tailEnd type="none" w="med" len="med"/>
+                    </a:lnR>
+                    <a:lnT w="12700" cap="flat" cmpd="sng" algn="ctr">
+                      <a:solidFill>
+                        <a:schemeClr val="tx1"/>
+                      </a:solidFill>
+                      <a:prstDash val="solid"/>
+                      <a:round/>
+                      <a:headEnd type="none" w="med" len="med"/>
+                      <a:tailEnd type="none" w="med" len="med"/>
+                    </a:lnT>
+                    <a:lnB w="12700" cap="flat" cmpd="sng" algn="ctr">
+                      <a:solidFill>
+                        <a:schemeClr val="tx1"/>
+                      </a:solidFill>
+                      <a:prstDash val="solid"/>
+                      <a:round/>
+                      <a:headEnd type="none" w="med" len="med"/>
+                      <a:tailEnd type="none" w="med" len="med"/>
+                    </a:lnB>
+                    <a:noFill/>
+                  </a:tcPr>
+                </a:tc>
+                <a:extLst>
+                  <a:ext uri="{0D108BD9-81ED-4DB2-BD59-A6C34878D82A}">
+                    <a16:rowId xmlns:a16="http://schemas.microsoft.com/office/drawing/2014/main" val="4006282639"/>
+                  </a:ext>
+                </a:extLst>
+              </a:tr>
+            </a:tbl>
+          </a:graphicData>
+        </a:graphic>
+      </p:graphicFrame>
     </p:spTree>
     <p:extLst>
       <p:ext uri="{BB962C8B-B14F-4D97-AF65-F5344CB8AC3E}">
@@ -7346,14 +8101,14 @@
             <p:ph idx="1"/>
             <p:extLst>
               <p:ext uri="{D42A27DB-BD31-4B8C-83A1-F6EECF244321}">
-                <p14:modId xmlns:p14="http://schemas.microsoft.com/office/powerpoint/2010/main" val="1264195833"/>
+                <p14:modId xmlns:p14="http://schemas.microsoft.com/office/powerpoint/2010/main" val="1452164072"/>
               </p:ext>
             </p:extLst>
           </p:nvPr>
         </p:nvGraphicFramePr>
         <p:xfrm>
           <a:off x="838200" y="2568575"/>
-          <a:ext cx="10515596" cy="1487170"/>
+          <a:ext cx="10515596" cy="1756410"/>
         </p:xfrm>
         <a:graphic>
           <a:graphicData uri="http://schemas.openxmlformats.org/drawingml/2006/table">
@@ -7465,8 +8220,127 @@
                             <a:schemeClr val="tx1"/>
                           </a:solidFill>
                         </a:rPr>
-                        <a:t>서버</a:t>
+                        <a:t>고윤범</a:t>
                       </a:r>
+                      <a:r>
+                        <a:rPr lang="en-US" altLang="ko-KR" dirty="0">
+                          <a:solidFill>
+                            <a:schemeClr val="tx1"/>
+                          </a:solidFill>
+                        </a:rPr>
+                        <a:t>(</a:t>
+                      </a:r>
+                      <a:r>
+                        <a:rPr lang="ko-KR" altLang="en-US" dirty="0">
+                          <a:solidFill>
+                            <a:schemeClr val="tx1"/>
+                          </a:solidFill>
+                        </a:rPr>
+                        <a:t>서버 및 클라이언트</a:t>
+                      </a:r>
+                      <a:r>
+                        <a:rPr lang="en-US" altLang="ko-KR" dirty="0">
+                          <a:solidFill>
+                            <a:schemeClr val="tx1"/>
+                          </a:solidFill>
+                        </a:rPr>
+                        <a:t>)</a:t>
+                      </a:r>
+                      <a:endParaRPr lang="ko-KR" altLang="en-US" dirty="0">
+                        <a:solidFill>
+                          <a:schemeClr val="tx1"/>
+                        </a:solidFill>
+                      </a:endParaRPr>
+                    </a:p>
+                  </a:txBody>
+                  <a:tcPr anchor="ctr">
+                    <a:lnL w="12700" cap="flat" cmpd="sng" algn="ctr">
+                      <a:solidFill>
+                        <a:schemeClr val="tx1"/>
+                      </a:solidFill>
+                      <a:prstDash val="solid"/>
+                      <a:round/>
+                      <a:headEnd type="none" w="med" len="med"/>
+                      <a:tailEnd type="none" w="med" len="med"/>
+                    </a:lnL>
+                    <a:lnR w="12700" cap="flat" cmpd="sng" algn="ctr">
+                      <a:solidFill>
+                        <a:schemeClr val="tx1"/>
+                      </a:solidFill>
+                      <a:prstDash val="solid"/>
+                      <a:round/>
+                      <a:headEnd type="none" w="med" len="med"/>
+                      <a:tailEnd type="none" w="med" len="med"/>
+                    </a:lnR>
+                    <a:lnT w="12700" cap="flat" cmpd="sng" algn="ctr">
+                      <a:solidFill>
+                        <a:schemeClr val="tx1"/>
+                      </a:solidFill>
+                      <a:prstDash val="solid"/>
+                      <a:round/>
+                      <a:headEnd type="none" w="med" len="med"/>
+                      <a:tailEnd type="none" w="med" len="med"/>
+                    </a:lnT>
+                    <a:lnB w="12700" cap="flat" cmpd="sng" algn="ctr">
+                      <a:solidFill>
+                        <a:schemeClr val="tx1"/>
+                      </a:solidFill>
+                      <a:prstDash val="solid"/>
+                      <a:round/>
+                      <a:headEnd type="none" w="med" len="med"/>
+                      <a:tailEnd type="none" w="med" len="med"/>
+                    </a:lnB>
+                    <a:solidFill>
+                      <a:schemeClr val="accent6">
+                        <a:lumMod val="20000"/>
+                        <a:lumOff val="80000"/>
+                      </a:schemeClr>
+                    </a:solidFill>
+                  </a:tcPr>
+                </a:tc>
+                <a:tc>
+                  <a:txBody>
+                    <a:bodyPr/>
+                    <a:lstStyle/>
+                    <a:p>
+                      <a:pPr algn="ctr" latinLnBrk="1"/>
+                      <a:r>
+                        <a:rPr lang="ko-KR" altLang="en-US" dirty="0" err="1">
+                          <a:solidFill>
+                            <a:schemeClr val="tx1"/>
+                          </a:solidFill>
+                        </a:rPr>
+                        <a:t>노창현</a:t>
+                      </a:r>
+                      <a:r>
+                        <a:rPr lang="en-US" altLang="ko-KR" dirty="0">
+                          <a:solidFill>
+                            <a:schemeClr val="tx1"/>
+                          </a:solidFill>
+                        </a:rPr>
+                        <a:t>(</a:t>
+                      </a:r>
+                      <a:r>
+                        <a:rPr lang="ko-KR" altLang="en-US" dirty="0" err="1">
+                          <a:solidFill>
+                            <a:schemeClr val="tx1"/>
+                          </a:solidFill>
+                        </a:rPr>
+                        <a:t>모델러</a:t>
+                      </a:r>
+                      <a:r>
+                        <a:rPr lang="en-US" altLang="ko-KR" dirty="0">
+                          <a:solidFill>
+                            <a:schemeClr val="tx1"/>
+                          </a:solidFill>
+                        </a:rPr>
+                        <a:t>)</a:t>
+                      </a:r>
+                      <a:endParaRPr lang="ko-KR" altLang="en-US" dirty="0">
+                        <a:solidFill>
+                          <a:schemeClr val="tx1"/>
+                        </a:solidFill>
+                      </a:endParaRPr>
                     </a:p>
                   </a:txBody>
                   <a:tcPr anchor="ctr">
@@ -7526,69 +8400,37 @@
                             <a:schemeClr val="tx1"/>
                           </a:solidFill>
                         </a:rPr>
-                        <a:t>모델링</a:t>
+                        <a:t>양재성</a:t>
                       </a:r>
-                    </a:p>
-                  </a:txBody>
-                  <a:tcPr anchor="ctr">
-                    <a:lnL w="12700" cap="flat" cmpd="sng" algn="ctr">
-                      <a:solidFill>
-                        <a:schemeClr val="tx1"/>
-                      </a:solidFill>
-                      <a:prstDash val="solid"/>
-                      <a:round/>
-                      <a:headEnd type="none" w="med" len="med"/>
-                      <a:tailEnd type="none" w="med" len="med"/>
-                    </a:lnL>
-                    <a:lnR w="12700" cap="flat" cmpd="sng" algn="ctr">
-                      <a:solidFill>
-                        <a:schemeClr val="tx1"/>
-                      </a:solidFill>
-                      <a:prstDash val="solid"/>
-                      <a:round/>
-                      <a:headEnd type="none" w="med" len="med"/>
-                      <a:tailEnd type="none" w="med" len="med"/>
-                    </a:lnR>
-                    <a:lnT w="12700" cap="flat" cmpd="sng" algn="ctr">
-                      <a:solidFill>
-                        <a:schemeClr val="tx1"/>
-                      </a:solidFill>
-                      <a:prstDash val="solid"/>
-                      <a:round/>
-                      <a:headEnd type="none" w="med" len="med"/>
-                      <a:tailEnd type="none" w="med" len="med"/>
-                    </a:lnT>
-                    <a:lnB w="12700" cap="flat" cmpd="sng" algn="ctr">
-                      <a:solidFill>
-                        <a:schemeClr val="tx1"/>
-                      </a:solidFill>
-                      <a:prstDash val="solid"/>
-                      <a:round/>
-                      <a:headEnd type="none" w="med" len="med"/>
-                      <a:tailEnd type="none" w="med" len="med"/>
-                    </a:lnB>
-                    <a:solidFill>
-                      <a:schemeClr val="accent6">
-                        <a:lumMod val="20000"/>
-                        <a:lumOff val="80000"/>
-                      </a:schemeClr>
-                    </a:solidFill>
-                  </a:tcPr>
-                </a:tc>
-                <a:tc>
-                  <a:txBody>
-                    <a:bodyPr/>
-                    <a:lstStyle/>
-                    <a:p>
-                      <a:pPr algn="ctr" latinLnBrk="1"/>
+                      <a:r>
+                        <a:rPr lang="en-US" altLang="ko-KR" dirty="0">
+                          <a:solidFill>
+                            <a:schemeClr val="tx1"/>
+                          </a:solidFill>
+                        </a:rPr>
+                        <a:t>(</a:t>
+                      </a:r>
                       <a:r>
                         <a:rPr lang="ko-KR" altLang="en-US" dirty="0">
                           <a:solidFill>
                             <a:schemeClr val="tx1"/>
                           </a:solidFill>
                         </a:rPr>
-                        <a:t>클라이언트</a:t>
+                        <a:t>메인 클라이언트</a:t>
                       </a:r>
+                      <a:r>
+                        <a:rPr lang="en-US" altLang="ko-KR" dirty="0">
+                          <a:solidFill>
+                            <a:schemeClr val="tx1"/>
+                          </a:solidFill>
+                        </a:rPr>
+                        <a:t>)</a:t>
+                      </a:r>
+                      <a:endParaRPr lang="ko-KR" altLang="en-US" dirty="0">
+                        <a:solidFill>
+                          <a:schemeClr val="tx1"/>
+                        </a:solidFill>
+                      </a:endParaRPr>
                     </a:p>
                   </a:txBody>
                   <a:tcPr anchor="ctr">
@@ -7710,7 +8552,78 @@
                     <a:lstStyle/>
                     <a:p>
                       <a:pPr algn="ctr" latinLnBrk="1"/>
-                      <a:endParaRPr lang="ko-KR" altLang="en-US" dirty="0"/>
+                      <a:r>
+                        <a:rPr lang="ko-KR" altLang="en-US" dirty="0"/>
+                        <a:t>비주얼 </a:t>
+                      </a:r>
+                      <a:r>
+                        <a:rPr lang="en-US" altLang="ko-KR" dirty="0"/>
+                        <a:t>UI </a:t>
+                      </a:r>
+                      <a:r>
+                        <a:rPr lang="ko-KR" altLang="en-US" dirty="0"/>
+                        <a:t>및 이펙트 효과</a:t>
+                      </a:r>
+                    </a:p>
+                  </a:txBody>
+                  <a:tcPr anchor="ctr">
+                    <a:lnL w="12700" cap="flat" cmpd="sng" algn="ctr">
+                      <a:solidFill>
+                        <a:schemeClr val="tx1"/>
+                      </a:solidFill>
+                      <a:prstDash val="solid"/>
+                      <a:round/>
+                      <a:headEnd type="none" w="med" len="med"/>
+                      <a:tailEnd type="none" w="med" len="med"/>
+                    </a:lnL>
+                    <a:lnR w="12700" cap="flat" cmpd="sng" algn="ctr">
+                      <a:solidFill>
+                        <a:schemeClr val="tx1"/>
+                      </a:solidFill>
+                      <a:prstDash val="solid"/>
+                      <a:round/>
+                      <a:headEnd type="none" w="med" len="med"/>
+                      <a:tailEnd type="none" w="med" len="med"/>
+                    </a:lnR>
+                    <a:lnT w="12700" cap="flat" cmpd="sng" algn="ctr">
+                      <a:solidFill>
+                        <a:schemeClr val="tx1"/>
+                      </a:solidFill>
+                      <a:prstDash val="solid"/>
+                      <a:round/>
+                      <a:headEnd type="none" w="med" len="med"/>
+                      <a:tailEnd type="none" w="med" len="med"/>
+                    </a:lnT>
+                    <a:lnB w="12700" cap="flat" cmpd="sng" algn="ctr">
+                      <a:solidFill>
+                        <a:schemeClr val="tx1"/>
+                      </a:solidFill>
+                      <a:prstDash val="solid"/>
+                      <a:round/>
+                      <a:headEnd type="none" w="med" len="med"/>
+                      <a:tailEnd type="none" w="med" len="med"/>
+                    </a:lnB>
+                    <a:noFill/>
+                  </a:tcPr>
+                </a:tc>
+                <a:tc rowSpan="2">
+                  <a:txBody>
+                    <a:bodyPr/>
+                    <a:lstStyle/>
+                    <a:p>
+                      <a:pPr algn="ctr" latinLnBrk="1"/>
+                      <a:r>
+                        <a:rPr lang="ko-KR" altLang="en-US" dirty="0"/>
+                        <a:t>오브젝트</a:t>
+                      </a:r>
+                      <a:r>
+                        <a:rPr lang="en-US" altLang="ko-KR" dirty="0"/>
+                        <a:t>,</a:t>
+                      </a:r>
+                      <a:r>
+                        <a:rPr lang="ko-KR" altLang="en-US" dirty="0"/>
+                        <a:t>캐릭터 추가 제작</a:t>
+                      </a:r>
                     </a:p>
                   </a:txBody>
                   <a:tcPr anchor="ctr">
@@ -7761,56 +8674,12 @@
                       <a:pPr algn="ctr" latinLnBrk="1"/>
                       <a:r>
                         <a:rPr lang="ko-KR" altLang="en-US" dirty="0"/>
-                        <a:t>캐릭터 표정 추가</a:t>
+                        <a:t>게임플레이 </a:t>
                       </a:r>
-                    </a:p>
-                  </a:txBody>
-                  <a:tcPr anchor="ctr">
-                    <a:lnL w="12700" cap="flat" cmpd="sng" algn="ctr">
-                      <a:solidFill>
-                        <a:schemeClr val="tx1"/>
-                      </a:solidFill>
-                      <a:prstDash val="solid"/>
-                      <a:round/>
-                      <a:headEnd type="none" w="med" len="med"/>
-                      <a:tailEnd type="none" w="med" len="med"/>
-                    </a:lnL>
-                    <a:lnR w="12700" cap="flat" cmpd="sng" algn="ctr">
-                      <a:solidFill>
-                        <a:schemeClr val="tx1"/>
-                      </a:solidFill>
-                      <a:prstDash val="solid"/>
-                      <a:round/>
-                      <a:headEnd type="none" w="med" len="med"/>
-                      <a:tailEnd type="none" w="med" len="med"/>
-                    </a:lnR>
-                    <a:lnT w="12700" cap="flat" cmpd="sng" algn="ctr">
-                      <a:solidFill>
-                        <a:schemeClr val="tx1"/>
-                      </a:solidFill>
-                      <a:prstDash val="solid"/>
-                      <a:round/>
-                      <a:headEnd type="none" w="med" len="med"/>
-                      <a:tailEnd type="none" w="med" len="med"/>
-                    </a:lnT>
-                    <a:lnB w="12700" cap="flat" cmpd="sng" algn="ctr">
-                      <a:solidFill>
-                        <a:schemeClr val="tx1"/>
-                      </a:solidFill>
-                      <a:prstDash val="solid"/>
-                      <a:round/>
-                      <a:headEnd type="none" w="med" len="med"/>
-                      <a:tailEnd type="none" w="med" len="med"/>
-                    </a:lnB>
-                    <a:noFill/>
-                  </a:tcPr>
-                </a:tc>
-                <a:tc>
-                  <a:txBody>
-                    <a:bodyPr/>
-                    <a:lstStyle/>
-                    <a:p>
-                      <a:pPr algn="ctr" latinLnBrk="1"/>
+                      <a:r>
+                        <a:rPr lang="en-US" altLang="ko-KR" dirty="0"/>
+                        <a:t>UI</a:t>
+                      </a:r>
                       <a:endParaRPr lang="ko-KR" altLang="en-US" dirty="0"/>
                     </a:p>
                   </a:txBody>
@@ -7927,11 +8796,75 @@
                     <a:bodyPr/>
                     <a:lstStyle/>
                     <a:p>
-                      <a:pPr algn="ctr" latinLnBrk="1"/>
+                      <a:pPr marL="0" marR="0" lvl="0" indent="0" algn="ctr" defTabSz="914400" rtl="0" eaLnBrk="1" fontAlgn="auto" latinLnBrk="1" hangingPunct="1">
+                        <a:lnSpc>
+                          <a:spcPct val="100000"/>
+                        </a:lnSpc>
+                        <a:spcBef>
+                          <a:spcPts val="0"/>
+                        </a:spcBef>
+                        <a:spcAft>
+                          <a:spcPts val="0"/>
+                        </a:spcAft>
+                        <a:buClrTx/>
+                        <a:buSzTx/>
+                        <a:buFontTx/>
+                        <a:buNone/>
+                        <a:tabLst/>
+                        <a:defRPr/>
+                      </a:pPr>
                       <a:r>
                         <a:rPr lang="ko-KR" altLang="en-US" dirty="0"/>
-                        <a:t>최적화</a:t>
+                        <a:t>콘텐츠 추가 제작</a:t>
                       </a:r>
+                    </a:p>
+                  </a:txBody>
+                  <a:tcPr anchor="ctr">
+                    <a:lnL w="12700" cap="flat" cmpd="sng" algn="ctr">
+                      <a:solidFill>
+                        <a:schemeClr val="tx1"/>
+                      </a:solidFill>
+                      <a:prstDash val="solid"/>
+                      <a:round/>
+                      <a:headEnd type="none" w="med" len="med"/>
+                      <a:tailEnd type="none" w="med" len="med"/>
+                    </a:lnL>
+                    <a:lnR w="12700" cap="flat" cmpd="sng" algn="ctr">
+                      <a:solidFill>
+                        <a:schemeClr val="tx1"/>
+                      </a:solidFill>
+                      <a:prstDash val="solid"/>
+                      <a:round/>
+                      <a:headEnd type="none" w="med" len="med"/>
+                      <a:tailEnd type="none" w="med" len="med"/>
+                    </a:lnR>
+                    <a:lnT w="12700" cap="flat" cmpd="sng" algn="ctr">
+                      <a:solidFill>
+                        <a:schemeClr val="tx1"/>
+                      </a:solidFill>
+                      <a:prstDash val="solid"/>
+                      <a:round/>
+                      <a:headEnd type="none" w="med" len="med"/>
+                      <a:tailEnd type="none" w="med" len="med"/>
+                    </a:lnT>
+                    <a:lnB w="12700" cap="flat" cmpd="sng" algn="ctr">
+                      <a:solidFill>
+                        <a:schemeClr val="tx1"/>
+                      </a:solidFill>
+                      <a:prstDash val="solid"/>
+                      <a:round/>
+                      <a:headEnd type="none" w="med" len="med"/>
+                      <a:tailEnd type="none" w="med" len="med"/>
+                    </a:lnB>
+                    <a:noFill/>
+                  </a:tcPr>
+                </a:tc>
+                <a:tc vMerge="1">
+                  <a:txBody>
+                    <a:bodyPr/>
+                    <a:lstStyle/>
+                    <a:p>
+                      <a:endParaRPr dirty="0"/>
                     </a:p>
                   </a:txBody>
                   <a:tcPr anchor="ctr">
@@ -7982,65 +8915,8 @@
                       <a:pPr algn="ctr" latinLnBrk="1"/>
                       <a:r>
                         <a:rPr lang="ko-KR" altLang="en-US" dirty="0"/>
-                        <a:t>오브젝트</a:t>
+                        <a:t>클래스 최적화 및 밸런스 작업</a:t>
                       </a:r>
-                      <a:r>
-                        <a:rPr lang="en-US" altLang="ko-KR" dirty="0"/>
-                        <a:t>,</a:t>
-                      </a:r>
-                      <a:r>
-                        <a:rPr lang="ko-KR" altLang="en-US" dirty="0"/>
-                        <a:t>캐릭터 추가 제작</a:t>
-                      </a:r>
-                    </a:p>
-                  </a:txBody>
-                  <a:tcPr anchor="ctr">
-                    <a:lnL w="12700" cap="flat" cmpd="sng" algn="ctr">
-                      <a:solidFill>
-                        <a:schemeClr val="tx1"/>
-                      </a:solidFill>
-                      <a:prstDash val="solid"/>
-                      <a:round/>
-                      <a:headEnd type="none" w="med" len="med"/>
-                      <a:tailEnd type="none" w="med" len="med"/>
-                    </a:lnL>
-                    <a:lnR w="12700" cap="flat" cmpd="sng" algn="ctr">
-                      <a:solidFill>
-                        <a:schemeClr val="tx1"/>
-                      </a:solidFill>
-                      <a:prstDash val="solid"/>
-                      <a:round/>
-                      <a:headEnd type="none" w="med" len="med"/>
-                      <a:tailEnd type="none" w="med" len="med"/>
-                    </a:lnR>
-                    <a:lnT w="12700" cap="flat" cmpd="sng" algn="ctr">
-                      <a:solidFill>
-                        <a:schemeClr val="tx1"/>
-                      </a:solidFill>
-                      <a:prstDash val="solid"/>
-                      <a:round/>
-                      <a:headEnd type="none" w="med" len="med"/>
-                      <a:tailEnd type="none" w="med" len="med"/>
-                    </a:lnT>
-                    <a:lnB w="12700" cap="flat" cmpd="sng" algn="ctr">
-                      <a:solidFill>
-                        <a:schemeClr val="tx1"/>
-                      </a:solidFill>
-                      <a:prstDash val="solid"/>
-                      <a:round/>
-                      <a:headEnd type="none" w="med" len="med"/>
-                      <a:tailEnd type="none" w="med" len="med"/>
-                    </a:lnB>
-                    <a:noFill/>
-                  </a:tcPr>
-                </a:tc>
-                <a:tc>
-                  <a:txBody>
-                    <a:bodyPr/>
-                    <a:lstStyle/>
-                    <a:p>
-                      <a:pPr algn="ctr" latinLnBrk="1"/>
-                      <a:endParaRPr lang="ko-KR" altLang="en-US" dirty="0"/>
                     </a:p>
                   </a:txBody>
                   <a:tcPr anchor="ctr">
@@ -9323,15 +10199,15 @@
         </p:nvSpPr>
         <p:spPr>
           <a:xfrm>
-            <a:off x="3295650" y="5200650"/>
-            <a:ext cx="8058150" cy="1290637"/>
+            <a:off x="3324917" y="4813096"/>
+            <a:ext cx="5542165" cy="1290637"/>
           </a:xfrm>
         </p:spPr>
         <p:txBody>
           <a:bodyPr/>
           <a:lstStyle/>
           <a:p>
-            <a:pPr marL="0" indent="0">
+            <a:pPr marL="0" indent="0" algn="ctr">
               <a:buNone/>
             </a:pPr>
             <a:r>
@@ -9539,42 +10415,12 @@
           </a:p>
         </p:txBody>
       </p:sp>
-      <p:pic>
-        <p:nvPicPr>
-          <p:cNvPr id="9" name="그림 8">
-            <a:extLst>
-              <a:ext uri="{FF2B5EF4-FFF2-40B4-BE49-F238E27FC236}">
-                <a16:creationId xmlns:a16="http://schemas.microsoft.com/office/drawing/2014/main" id="{2BC0B9CC-98E5-D954-F5E4-D4BCD781C6D2}"/>
-              </a:ext>
-            </a:extLst>
-          </p:cNvPr>
-          <p:cNvPicPr>
-            <a:picLocks noChangeAspect="1"/>
-          </p:cNvPicPr>
-          <p:nvPr/>
-        </p:nvPicPr>
-        <p:blipFill>
-          <a:blip r:embed="rId3"/>
-          <a:stretch>
-            <a:fillRect/>
-          </a:stretch>
-        </p:blipFill>
-        <p:spPr>
-          <a:xfrm>
-            <a:off x="2466975" y="1000904"/>
-            <a:ext cx="7258050" cy="4080998"/>
-          </a:xfrm>
-          <a:prstGeom prst="rect">
-            <a:avLst/>
-          </a:prstGeom>
-        </p:spPr>
-      </p:pic>
       <p:sp>
         <p:nvSpPr>
-          <p:cNvPr id="10" name="직사각형 9">
-            <a:extLst>
-              <a:ext uri="{FF2B5EF4-FFF2-40B4-BE49-F238E27FC236}">
-                <a16:creationId xmlns:a16="http://schemas.microsoft.com/office/drawing/2014/main" id="{F7CD0330-B29E-169F-B4CC-982A760646AE}"/>
+          <p:cNvPr id="2" name="직사각형 1">
+            <a:extLst>
+              <a:ext uri="{FF2B5EF4-FFF2-40B4-BE49-F238E27FC236}">
+                <a16:creationId xmlns:a16="http://schemas.microsoft.com/office/drawing/2014/main" id="{3FE0D091-1CA1-C0F8-BD1A-263601CAE7B7}"/>
               </a:ext>
             </a:extLst>
           </p:cNvPr>
@@ -9583,8 +10429,8 @@
         </p:nvSpPr>
         <p:spPr>
           <a:xfrm>
-            <a:off x="3804346" y="2505670"/>
-            <a:ext cx="4583306" cy="923330"/>
+            <a:off x="8181264" y="2397149"/>
+            <a:ext cx="1032527" cy="923330"/>
           </a:xfrm>
           <a:prstGeom prst="rect">
             <a:avLst/>
@@ -9599,11 +10445,8 @@
           <a:p>
             <a:pPr algn="ctr"/>
             <a:r>
-              <a:rPr lang="ko-KR" altLang="en-US" sz="5400" b="0" cap="none" spc="0" dirty="0">
+              <a:rPr lang="en-US" altLang="ko-KR" sz="5400" b="1" dirty="0">
                 <a:ln w="0"/>
-                <a:solidFill>
-                  <a:schemeClr val="tx1"/>
-                </a:solidFill>
                 <a:effectLst>
                   <a:outerShdw blurRad="38100" dist="19050" dir="2700000" algn="tl" rotWithShape="0">
                     <a:schemeClr val="dk1">
@@ -9612,9 +10455,9 @@
                   </a:outerShdw>
                 </a:effectLst>
               </a:rPr>
-              <a:t>이미지로 변경</a:t>
-            </a:r>
-            <a:endParaRPr lang="en-US" altLang="ko-KR" sz="5400" b="0" cap="none" spc="0" dirty="0">
+              <a:t>VS</a:t>
+            </a:r>
+            <a:endParaRPr lang="en-US" altLang="ko-KR" sz="5400" b="1" cap="none" spc="0" dirty="0">
               <a:ln w="0"/>
               <a:solidFill>
                 <a:schemeClr val="tx1"/>
@@ -9630,6 +10473,258 @@
           </a:p>
         </p:txBody>
       </p:sp>
+      <p:pic>
+        <p:nvPicPr>
+          <p:cNvPr id="4" name="그림 3" descr="스케치, 만화 영화, 디자인이(가) 표시된 사진&#10;&#10;자동 생성된 설명">
+            <a:extLst>
+              <a:ext uri="{FF2B5EF4-FFF2-40B4-BE49-F238E27FC236}">
+                <a16:creationId xmlns:a16="http://schemas.microsoft.com/office/drawing/2014/main" id="{C348AFAF-3C89-BD8F-DFB4-60B11E9B854B}"/>
+              </a:ext>
+            </a:extLst>
+          </p:cNvPr>
+          <p:cNvPicPr>
+            <a:picLocks noChangeAspect="1"/>
+          </p:cNvPicPr>
+          <p:nvPr/>
+        </p:nvPicPr>
+        <p:blipFill>
+          <a:blip r:embed="rId3">
+            <a:extLst>
+              <a:ext uri="{28A0092B-C50C-407E-A947-70E740481C1C}">
+                <a14:useLocalDpi xmlns:a14="http://schemas.microsoft.com/office/drawing/2010/main" val="0"/>
+              </a:ext>
+            </a:extLst>
+          </a:blip>
+          <a:stretch>
+            <a:fillRect/>
+          </a:stretch>
+        </p:blipFill>
+        <p:spPr>
+          <a:xfrm>
+            <a:off x="9241375" y="2453042"/>
+            <a:ext cx="811545" cy="811545"/>
+          </a:xfrm>
+          <a:prstGeom prst="rect">
+            <a:avLst/>
+          </a:prstGeom>
+        </p:spPr>
+      </p:pic>
+      <p:pic>
+        <p:nvPicPr>
+          <p:cNvPr id="5" name="그림 4" descr="스케치, 만화 영화, 디자인이(가) 표시된 사진&#10;&#10;자동 생성된 설명">
+            <a:extLst>
+              <a:ext uri="{FF2B5EF4-FFF2-40B4-BE49-F238E27FC236}">
+                <a16:creationId xmlns:a16="http://schemas.microsoft.com/office/drawing/2014/main" id="{52FAEB02-962B-A823-40E9-296DEA2D4E89}"/>
+              </a:ext>
+            </a:extLst>
+          </p:cNvPr>
+          <p:cNvPicPr>
+            <a:picLocks noChangeAspect="1"/>
+          </p:cNvPicPr>
+          <p:nvPr/>
+        </p:nvPicPr>
+        <p:blipFill>
+          <a:blip r:embed="rId3">
+            <a:extLst>
+              <a:ext uri="{28A0092B-C50C-407E-A947-70E740481C1C}">
+                <a14:useLocalDpi xmlns:a14="http://schemas.microsoft.com/office/drawing/2010/main" val="0"/>
+              </a:ext>
+            </a:extLst>
+          </a:blip>
+          <a:stretch>
+            <a:fillRect/>
+          </a:stretch>
+        </p:blipFill>
+        <p:spPr>
+          <a:xfrm>
+            <a:off x="9912274" y="2434579"/>
+            <a:ext cx="811545" cy="811545"/>
+          </a:xfrm>
+          <a:prstGeom prst="rect">
+            <a:avLst/>
+          </a:prstGeom>
+        </p:spPr>
+      </p:pic>
+      <p:sp>
+        <p:nvSpPr>
+          <p:cNvPr id="6" name="사각형: 둥근 모서리 5">
+            <a:extLst>
+              <a:ext uri="{FF2B5EF4-FFF2-40B4-BE49-F238E27FC236}">
+                <a16:creationId xmlns:a16="http://schemas.microsoft.com/office/drawing/2014/main" id="{7A6BE70D-CDE8-08CB-95AF-7AF9534961DD}"/>
+              </a:ext>
+            </a:extLst>
+          </p:cNvPr>
+          <p:cNvSpPr/>
+          <p:nvPr/>
+        </p:nvSpPr>
+        <p:spPr>
+          <a:xfrm>
+            <a:off x="1969818" y="1016225"/>
+            <a:ext cx="3827002" cy="3273810"/>
+          </a:xfrm>
+          <a:prstGeom prst="roundRect">
+            <a:avLst/>
+          </a:prstGeom>
+          <a:blipFill>
+            <a:blip r:embed="rId4"/>
+            <a:stretch>
+              <a:fillRect/>
+            </a:stretch>
+          </a:blipFill>
+          <a:ln>
+            <a:noFill/>
+          </a:ln>
+        </p:spPr>
+        <p:style>
+          <a:lnRef idx="2">
+            <a:schemeClr val="accent1">
+              <a:shade val="15000"/>
+            </a:schemeClr>
+          </a:lnRef>
+          <a:fillRef idx="1">
+            <a:schemeClr val="accent1"/>
+          </a:fillRef>
+          <a:effectRef idx="0">
+            <a:schemeClr val="accent1"/>
+          </a:effectRef>
+          <a:fontRef idx="minor">
+            <a:schemeClr val="lt1"/>
+          </a:fontRef>
+        </p:style>
+        <p:txBody>
+          <a:bodyPr rtlCol="0" anchor="ctr"/>
+          <a:lstStyle/>
+          <a:p>
+            <a:pPr algn="ctr"/>
+            <a:endParaRPr lang="ko-KR" altLang="en-US"/>
+          </a:p>
+        </p:txBody>
+      </p:sp>
+      <p:sp>
+        <p:nvSpPr>
+          <p:cNvPr id="8" name="TextBox 7">
+            <a:extLst>
+              <a:ext uri="{FF2B5EF4-FFF2-40B4-BE49-F238E27FC236}">
+                <a16:creationId xmlns:a16="http://schemas.microsoft.com/office/drawing/2014/main" id="{6D9AE785-5719-1AA5-C79A-D032E6DF7436}"/>
+              </a:ext>
+            </a:extLst>
+          </p:cNvPr>
+          <p:cNvSpPr txBox="1"/>
+          <p:nvPr/>
+        </p:nvSpPr>
+        <p:spPr>
+          <a:xfrm>
+            <a:off x="9450036" y="3390494"/>
+            <a:ext cx="1064715" cy="307777"/>
+          </a:xfrm>
+          <a:prstGeom prst="rect">
+            <a:avLst/>
+          </a:prstGeom>
+          <a:noFill/>
+        </p:spPr>
+        <p:txBody>
+          <a:bodyPr wrap="none" rtlCol="0">
+            <a:spAutoFit/>
+          </a:bodyPr>
+          <a:lstStyle/>
+          <a:p>
+            <a:r>
+              <a:rPr lang="ko-KR" altLang="en-US" sz="1400" dirty="0"/>
+              <a:t>청소부 </a:t>
+            </a:r>
+            <a:r>
+              <a:rPr lang="en-US" altLang="ko-KR" sz="1400" dirty="0"/>
+              <a:t>2</a:t>
+            </a:r>
+            <a:r>
+              <a:rPr lang="ko-KR" altLang="en-US" sz="1400" dirty="0"/>
+              <a:t>명</a:t>
+            </a:r>
+          </a:p>
+        </p:txBody>
+      </p:sp>
+      <p:sp>
+        <p:nvSpPr>
+          <p:cNvPr id="11" name="TextBox 10">
+            <a:extLst>
+              <a:ext uri="{FF2B5EF4-FFF2-40B4-BE49-F238E27FC236}">
+                <a16:creationId xmlns:a16="http://schemas.microsoft.com/office/drawing/2014/main" id="{7B72F4DC-FD91-4D00-9EEE-A1ABE57B325F}"/>
+              </a:ext>
+            </a:extLst>
+          </p:cNvPr>
+          <p:cNvSpPr txBox="1"/>
+          <p:nvPr/>
+        </p:nvSpPr>
+        <p:spPr>
+          <a:xfrm>
+            <a:off x="6719872" y="3390494"/>
+            <a:ext cx="1244251" cy="307777"/>
+          </a:xfrm>
+          <a:prstGeom prst="rect">
+            <a:avLst/>
+          </a:prstGeom>
+          <a:noFill/>
+        </p:spPr>
+        <p:txBody>
+          <a:bodyPr wrap="none" rtlCol="0">
+            <a:spAutoFit/>
+          </a:bodyPr>
+          <a:lstStyle/>
+          <a:p>
+            <a:r>
+              <a:rPr lang="ko-KR" altLang="en-US" sz="1400" dirty="0" err="1"/>
+              <a:t>슬라임</a:t>
+            </a:r>
+            <a:r>
+              <a:rPr lang="ko-KR" altLang="en-US" sz="1400" dirty="0"/>
+              <a:t> </a:t>
+            </a:r>
+            <a:r>
+              <a:rPr lang="en-US" altLang="ko-KR" sz="1400" dirty="0"/>
+              <a:t>1</a:t>
+            </a:r>
+            <a:r>
+              <a:rPr lang="ko-KR" altLang="en-US" sz="1400" dirty="0"/>
+              <a:t>마리</a:t>
+            </a:r>
+          </a:p>
+        </p:txBody>
+      </p:sp>
+      <p:pic>
+        <p:nvPicPr>
+          <p:cNvPr id="12" name="그림 11" descr="그린, 스크린샷이(가) 표시된 사진&#10;&#10;자동 생성된 설명">
+            <a:extLst>
+              <a:ext uri="{FF2B5EF4-FFF2-40B4-BE49-F238E27FC236}">
+                <a16:creationId xmlns:a16="http://schemas.microsoft.com/office/drawing/2014/main" id="{BCF145AE-578A-10BF-73B8-3465692F7DDB}"/>
+              </a:ext>
+            </a:extLst>
+          </p:cNvPr>
+          <p:cNvPicPr>
+            <a:picLocks noChangeAspect="1"/>
+          </p:cNvPicPr>
+          <p:nvPr/>
+        </p:nvPicPr>
+        <p:blipFill rotWithShape="1">
+          <a:blip r:embed="rId5">
+            <a:extLst>
+              <a:ext uri="{28A0092B-C50C-407E-A947-70E740481C1C}">
+                <a14:useLocalDpi xmlns:a14="http://schemas.microsoft.com/office/drawing/2010/main" val="0"/>
+              </a:ext>
+            </a:extLst>
+          </a:blip>
+          <a:srcRect l="3930" t="40089" r="71252" b="42269"/>
+          <a:stretch/>
+        </p:blipFill>
+        <p:spPr>
+          <a:xfrm rot="173338">
+            <a:off x="6460755" y="2173008"/>
+            <a:ext cx="1677239" cy="1479119"/>
+          </a:xfrm>
+          <a:prstGeom prst="rect">
+            <a:avLst/>
+          </a:prstGeom>
+        </p:spPr>
+      </p:pic>
     </p:spTree>
     <p:extLst>
       <p:ext uri="{BB962C8B-B14F-4D97-AF65-F5344CB8AC3E}">
@@ -9762,10 +10857,10 @@
       </p:sp>
       <p:sp>
         <p:nvSpPr>
-          <p:cNvPr id="5" name="사각형: 둥근 모서리 4">
-            <a:extLst>
-              <a:ext uri="{FF2B5EF4-FFF2-40B4-BE49-F238E27FC236}">
-                <a16:creationId xmlns:a16="http://schemas.microsoft.com/office/drawing/2014/main" id="{02955CCE-4D66-3691-D677-F06FCCA05465}"/>
+          <p:cNvPr id="37" name="사각형: 둥근 모서리 36">
+            <a:extLst>
+              <a:ext uri="{FF2B5EF4-FFF2-40B4-BE49-F238E27FC236}">
+                <a16:creationId xmlns:a16="http://schemas.microsoft.com/office/drawing/2014/main" id="{6452D3C9-CCC5-D8C2-E0D0-614BDFA16220}"/>
               </a:ext>
             </a:extLst>
           </p:cNvPr>
@@ -9819,10 +10914,10 @@
       </p:sp>
       <p:pic>
         <p:nvPicPr>
-          <p:cNvPr id="6" name="그림 5" descr="그린, 스크린샷이(가) 표시된 사진&#10;&#10;자동 생성된 설명">
-            <a:extLst>
-              <a:ext uri="{FF2B5EF4-FFF2-40B4-BE49-F238E27FC236}">
-                <a16:creationId xmlns:a16="http://schemas.microsoft.com/office/drawing/2014/main" id="{10DC0783-C451-0523-5E09-DE899DA04E45}"/>
+          <p:cNvPr id="38" name="그림 37" descr="그린, 스크린샷이(가) 표시된 사진&#10;&#10;자동 생성된 설명">
+            <a:extLst>
+              <a:ext uri="{FF2B5EF4-FFF2-40B4-BE49-F238E27FC236}">
+                <a16:creationId xmlns:a16="http://schemas.microsoft.com/office/drawing/2014/main" id="{5FFCCCF4-E432-BB86-EABE-065D72DE9476}"/>
               </a:ext>
             </a:extLst>
           </p:cNvPr>
@@ -9854,10 +10949,10 @@
       </p:pic>
       <p:sp>
         <p:nvSpPr>
-          <p:cNvPr id="7" name="화살표: 위쪽/아래쪽 6">
-            <a:extLst>
-              <a:ext uri="{FF2B5EF4-FFF2-40B4-BE49-F238E27FC236}">
-                <a16:creationId xmlns:a16="http://schemas.microsoft.com/office/drawing/2014/main" id="{C39E8008-C0B9-FDFB-7194-67F861863C4E}"/>
+          <p:cNvPr id="39" name="화살표: 위쪽/아래쪽 38">
+            <a:extLst>
+              <a:ext uri="{FF2B5EF4-FFF2-40B4-BE49-F238E27FC236}">
+                <a16:creationId xmlns:a16="http://schemas.microsoft.com/office/drawing/2014/main" id="{ADA92A7E-B367-B2AC-EA29-6BBA7E9B8005}"/>
               </a:ext>
             </a:extLst>
           </p:cNvPr>
@@ -9903,10 +10998,10 @@
       </p:sp>
       <p:sp>
         <p:nvSpPr>
-          <p:cNvPr id="8" name="화살표: 위쪽/아래쪽 7">
-            <a:extLst>
-              <a:ext uri="{FF2B5EF4-FFF2-40B4-BE49-F238E27FC236}">
-                <a16:creationId xmlns:a16="http://schemas.microsoft.com/office/drawing/2014/main" id="{C9831510-4221-CE41-7D85-C6D1B29C8BFF}"/>
+          <p:cNvPr id="40" name="화살표: 위쪽/아래쪽 39">
+            <a:extLst>
+              <a:ext uri="{FF2B5EF4-FFF2-40B4-BE49-F238E27FC236}">
+                <a16:creationId xmlns:a16="http://schemas.microsoft.com/office/drawing/2014/main" id="{24C13AF5-DC92-E480-B465-1EC7F5E3D8D2}"/>
               </a:ext>
             </a:extLst>
           </p:cNvPr>
@@ -9952,10 +11047,10 @@
       </p:sp>
       <p:sp>
         <p:nvSpPr>
-          <p:cNvPr id="2" name="사각형: 둥근 모서리 1">
-            <a:extLst>
-              <a:ext uri="{FF2B5EF4-FFF2-40B4-BE49-F238E27FC236}">
-                <a16:creationId xmlns:a16="http://schemas.microsoft.com/office/drawing/2014/main" id="{5147C9A6-A0B8-F342-A050-F8310EFF5D70}"/>
+          <p:cNvPr id="41" name="사각형: 둥근 모서리 40">
+            <a:extLst>
+              <a:ext uri="{FF2B5EF4-FFF2-40B4-BE49-F238E27FC236}">
+                <a16:creationId xmlns:a16="http://schemas.microsoft.com/office/drawing/2014/main" id="{35853AED-BCE4-D860-78CB-B8A0E2A152C5}"/>
               </a:ext>
             </a:extLst>
           </p:cNvPr>
@@ -10009,10 +11104,10 @@
       </p:sp>
       <p:pic>
         <p:nvPicPr>
-          <p:cNvPr id="3" name="그림 2" descr="그린, 스크린샷이(가) 표시된 사진&#10;&#10;자동 생성된 설명">
-            <a:extLst>
-              <a:ext uri="{FF2B5EF4-FFF2-40B4-BE49-F238E27FC236}">
-                <a16:creationId xmlns:a16="http://schemas.microsoft.com/office/drawing/2014/main" id="{53591969-6CA2-742E-B3BE-446A5BE17330}"/>
+          <p:cNvPr id="42" name="그림 41" descr="그린, 스크린샷이(가) 표시된 사진&#10;&#10;자동 생성된 설명">
+            <a:extLst>
+              <a:ext uri="{FF2B5EF4-FFF2-40B4-BE49-F238E27FC236}">
+                <a16:creationId xmlns:a16="http://schemas.microsoft.com/office/drawing/2014/main" id="{DAE336AF-8851-9A33-91E5-4D24AD0D26D4}"/>
               </a:ext>
             </a:extLst>
           </p:cNvPr>
@@ -10044,10 +11139,10 @@
       </p:pic>
       <p:pic>
         <p:nvPicPr>
-          <p:cNvPr id="9" name="그림 8" descr="그림, 스케치, 아동 미술, 클립아트이(가) 표시된 사진&#10;&#10;자동 생성된 설명">
-            <a:extLst>
-              <a:ext uri="{FF2B5EF4-FFF2-40B4-BE49-F238E27FC236}">
-                <a16:creationId xmlns:a16="http://schemas.microsoft.com/office/drawing/2014/main" id="{1692A6DC-312B-931A-86FA-4FA1D7E27C0B}"/>
+          <p:cNvPr id="43" name="그림 42" descr="그림, 스케치, 아동 미술, 클립아트이(가) 표시된 사진&#10;&#10;자동 생성된 설명">
+            <a:extLst>
+              <a:ext uri="{FF2B5EF4-FFF2-40B4-BE49-F238E27FC236}">
+                <a16:creationId xmlns:a16="http://schemas.microsoft.com/office/drawing/2014/main" id="{33C4A573-1FEF-A3DE-0D6A-F6E3C8CE9BB3}"/>
               </a:ext>
             </a:extLst>
           </p:cNvPr>
@@ -10105,10 +11200,10 @@
       </p:pic>
       <p:pic>
         <p:nvPicPr>
-          <p:cNvPr id="10" name="그림 9" descr="그린, 스크린샷이(가) 표시된 사진&#10;&#10;자동 생성된 설명">
-            <a:extLst>
-              <a:ext uri="{FF2B5EF4-FFF2-40B4-BE49-F238E27FC236}">
-                <a16:creationId xmlns:a16="http://schemas.microsoft.com/office/drawing/2014/main" id="{A55598B7-8403-72E5-EDE9-C59E60FD483A}"/>
+          <p:cNvPr id="44" name="그림 43" descr="그린, 스크린샷이(가) 표시된 사진&#10;&#10;자동 생성된 설명">
+            <a:extLst>
+              <a:ext uri="{FF2B5EF4-FFF2-40B4-BE49-F238E27FC236}">
+                <a16:creationId xmlns:a16="http://schemas.microsoft.com/office/drawing/2014/main" id="{260B0CA5-2ED9-0884-8AA0-B2C346B965F8}"/>
               </a:ext>
             </a:extLst>
           </p:cNvPr>
@@ -10140,10 +11235,10 @@
       </p:pic>
       <p:cxnSp>
         <p:nvCxnSpPr>
-          <p:cNvPr id="11" name="직선 화살표 연결선 10">
-            <a:extLst>
-              <a:ext uri="{FF2B5EF4-FFF2-40B4-BE49-F238E27FC236}">
-                <a16:creationId xmlns:a16="http://schemas.microsoft.com/office/drawing/2014/main" id="{213C041F-B966-65CF-F815-E674618BAE17}"/>
+          <p:cNvPr id="45" name="직선 화살표 연결선 44">
+            <a:extLst>
+              <a:ext uri="{FF2B5EF4-FFF2-40B4-BE49-F238E27FC236}">
+                <a16:creationId xmlns:a16="http://schemas.microsoft.com/office/drawing/2014/main" id="{EF0FBE35-DE4B-B1D2-CA0B-635113F7474A}"/>
               </a:ext>
             </a:extLst>
           </p:cNvPr>
@@ -10181,10 +11276,10 @@
       </p:cxnSp>
       <p:pic>
         <p:nvPicPr>
-          <p:cNvPr id="13" name="그림 12" descr="공구, 주방용품이(가) 표시된 사진&#10;&#10;자동 생성된 설명">
-            <a:extLst>
-              <a:ext uri="{FF2B5EF4-FFF2-40B4-BE49-F238E27FC236}">
-                <a16:creationId xmlns:a16="http://schemas.microsoft.com/office/drawing/2014/main" id="{3E27D2F5-07B0-5F8D-51D2-78604B2B5AD1}"/>
+          <p:cNvPr id="46" name="그림 45" descr="공구, 주방용품이(가) 표시된 사진&#10;&#10;자동 생성된 설명">
+            <a:extLst>
+              <a:ext uri="{FF2B5EF4-FFF2-40B4-BE49-F238E27FC236}">
+                <a16:creationId xmlns:a16="http://schemas.microsoft.com/office/drawing/2014/main" id="{BE41228F-40DA-C67B-934B-86B2DC1C50A1}"/>
               </a:ext>
             </a:extLst>
           </p:cNvPr>
@@ -10227,10 +11322,10 @@
       </p:pic>
       <p:sp>
         <p:nvSpPr>
-          <p:cNvPr id="14" name="내용 개체 틀 2">
-            <a:extLst>
-              <a:ext uri="{FF2B5EF4-FFF2-40B4-BE49-F238E27FC236}">
-                <a16:creationId xmlns:a16="http://schemas.microsoft.com/office/drawing/2014/main" id="{76CF5103-FE1A-905C-478B-426ACC7E9BAA}"/>
+          <p:cNvPr id="47" name="내용 개체 틀 2">
+            <a:extLst>
+              <a:ext uri="{FF2B5EF4-FFF2-40B4-BE49-F238E27FC236}">
+                <a16:creationId xmlns:a16="http://schemas.microsoft.com/office/drawing/2014/main" id="{842F39A2-D5E7-CE8F-7FB2-D1C914114FE2}"/>
               </a:ext>
             </a:extLst>
           </p:cNvPr>
@@ -10279,10 +11374,10 @@
       </p:sp>
       <p:sp>
         <p:nvSpPr>
-          <p:cNvPr id="15" name="사각형: 둥근 모서리 14">
-            <a:extLst>
-              <a:ext uri="{FF2B5EF4-FFF2-40B4-BE49-F238E27FC236}">
-                <a16:creationId xmlns:a16="http://schemas.microsoft.com/office/drawing/2014/main" id="{2AF756C2-32DE-4124-302A-C86500FD11CE}"/>
+          <p:cNvPr id="48" name="사각형: 둥근 모서리 47">
+            <a:extLst>
+              <a:ext uri="{FF2B5EF4-FFF2-40B4-BE49-F238E27FC236}">
+                <a16:creationId xmlns:a16="http://schemas.microsoft.com/office/drawing/2014/main" id="{E41082CF-381B-3FD5-05D1-08536C7C3F9C}"/>
               </a:ext>
             </a:extLst>
           </p:cNvPr>
@@ -10336,10 +11431,10 @@
       </p:sp>
       <p:cxnSp>
         <p:nvCxnSpPr>
-          <p:cNvPr id="16" name="직선 화살표 연결선 15">
-            <a:extLst>
-              <a:ext uri="{FF2B5EF4-FFF2-40B4-BE49-F238E27FC236}">
-                <a16:creationId xmlns:a16="http://schemas.microsoft.com/office/drawing/2014/main" id="{7F98C3E9-D2BF-C6CC-7D68-433FA3FD7A21}"/>
+          <p:cNvPr id="49" name="직선 화살표 연결선 48">
+            <a:extLst>
+              <a:ext uri="{FF2B5EF4-FFF2-40B4-BE49-F238E27FC236}">
+                <a16:creationId xmlns:a16="http://schemas.microsoft.com/office/drawing/2014/main" id="{5D212502-17C3-5D10-EE80-735E077C8970}"/>
               </a:ext>
             </a:extLst>
           </p:cNvPr>
@@ -10375,10 +11470,10 @@
       </p:cxnSp>
       <p:pic>
         <p:nvPicPr>
-          <p:cNvPr id="17" name="그림 16" descr="그린, 스크린샷이(가) 표시된 사진&#10;&#10;자동 생성된 설명">
-            <a:extLst>
-              <a:ext uri="{FF2B5EF4-FFF2-40B4-BE49-F238E27FC236}">
-                <a16:creationId xmlns:a16="http://schemas.microsoft.com/office/drawing/2014/main" id="{99C7541F-5AEC-D350-8D1B-DCA2C583A0DA}"/>
+          <p:cNvPr id="50" name="그림 49" descr="그린, 스크린샷이(가) 표시된 사진&#10;&#10;자동 생성된 설명">
+            <a:extLst>
+              <a:ext uri="{FF2B5EF4-FFF2-40B4-BE49-F238E27FC236}">
+                <a16:creationId xmlns:a16="http://schemas.microsoft.com/office/drawing/2014/main" id="{E66BFBCC-6B9F-F137-06ED-981AA4A91D2E}"/>
               </a:ext>
             </a:extLst>
           </p:cNvPr>
@@ -10410,10 +11505,10 @@
       </p:pic>
       <p:pic>
         <p:nvPicPr>
-          <p:cNvPr id="18" name="그림 17" descr="그린, 스크린샷이(가) 표시된 사진&#10;&#10;자동 생성된 설명">
-            <a:extLst>
-              <a:ext uri="{FF2B5EF4-FFF2-40B4-BE49-F238E27FC236}">
-                <a16:creationId xmlns:a16="http://schemas.microsoft.com/office/drawing/2014/main" id="{E2AD96F3-6464-82EB-01D3-BBC6ED14356B}"/>
+          <p:cNvPr id="51" name="그림 50" descr="그린, 스크린샷이(가) 표시된 사진&#10;&#10;자동 생성된 설명">
+            <a:extLst>
+              <a:ext uri="{FF2B5EF4-FFF2-40B4-BE49-F238E27FC236}">
+                <a16:creationId xmlns:a16="http://schemas.microsoft.com/office/drawing/2014/main" id="{E4C2B540-54E5-8A63-52EA-B8F3AE660215}"/>
               </a:ext>
             </a:extLst>
           </p:cNvPr>
@@ -10445,10 +11540,10 @@
       </p:pic>
       <p:sp>
         <p:nvSpPr>
-          <p:cNvPr id="19" name="내용 개체 틀 2">
-            <a:extLst>
-              <a:ext uri="{FF2B5EF4-FFF2-40B4-BE49-F238E27FC236}">
-                <a16:creationId xmlns:a16="http://schemas.microsoft.com/office/drawing/2014/main" id="{3B286387-34F9-1A60-380F-6808A7E51542}"/>
+          <p:cNvPr id="52" name="내용 개체 틀 2">
+            <a:extLst>
+              <a:ext uri="{FF2B5EF4-FFF2-40B4-BE49-F238E27FC236}">
+                <a16:creationId xmlns:a16="http://schemas.microsoft.com/office/drawing/2014/main" id="{F49859B9-0F96-66C6-E2EA-1D427C2F7990}"/>
               </a:ext>
             </a:extLst>
           </p:cNvPr>
@@ -10696,10 +11791,10 @@
       </p:sp>
       <p:pic>
         <p:nvPicPr>
-          <p:cNvPr id="20" name="그림 19" descr="스크린샷, 디자인이(가) 표시된 사진&#10;&#10;자동 생성된 설명">
-            <a:extLst>
-              <a:ext uri="{FF2B5EF4-FFF2-40B4-BE49-F238E27FC236}">
-                <a16:creationId xmlns:a16="http://schemas.microsoft.com/office/drawing/2014/main" id="{38057D9C-A9D0-8668-D4B6-76B5E4135CB5}"/>
+          <p:cNvPr id="53" name="그림 52" descr="스크린샷, 디자인이(가) 표시된 사진&#10;&#10;자동 생성된 설명">
+            <a:extLst>
+              <a:ext uri="{FF2B5EF4-FFF2-40B4-BE49-F238E27FC236}">
+                <a16:creationId xmlns:a16="http://schemas.microsoft.com/office/drawing/2014/main" id="{486FE1B5-7B01-1459-EE65-0F18BF489EA2}"/>
               </a:ext>
             </a:extLst>
           </p:cNvPr>
@@ -10732,10 +11827,10 @@
       </p:pic>
       <p:pic>
         <p:nvPicPr>
-          <p:cNvPr id="21" name="그림 20" descr="스크린샷, 디자인이(가) 표시된 사진&#10;&#10;자동 생성된 설명">
-            <a:extLst>
-              <a:ext uri="{FF2B5EF4-FFF2-40B4-BE49-F238E27FC236}">
-                <a16:creationId xmlns:a16="http://schemas.microsoft.com/office/drawing/2014/main" id="{BA9DD34B-A977-5131-74CF-260690C6A983}"/>
+          <p:cNvPr id="54" name="그림 53" descr="스크린샷, 디자인이(가) 표시된 사진&#10;&#10;자동 생성된 설명">
+            <a:extLst>
+              <a:ext uri="{FF2B5EF4-FFF2-40B4-BE49-F238E27FC236}">
+                <a16:creationId xmlns:a16="http://schemas.microsoft.com/office/drawing/2014/main" id="{F5230BFD-D945-01B3-380B-EA88EF221E39}"/>
               </a:ext>
             </a:extLst>
           </p:cNvPr>
@@ -10768,10 +11863,10 @@
       </p:pic>
       <p:sp>
         <p:nvSpPr>
-          <p:cNvPr id="22" name="사각형: 둥근 모서리 21">
-            <a:extLst>
-              <a:ext uri="{FF2B5EF4-FFF2-40B4-BE49-F238E27FC236}">
-                <a16:creationId xmlns:a16="http://schemas.microsoft.com/office/drawing/2014/main" id="{604874DA-6956-9FBB-B652-D7CF2CBD6D0C}"/>
+          <p:cNvPr id="55" name="사각형: 둥근 모서리 54">
+            <a:extLst>
+              <a:ext uri="{FF2B5EF4-FFF2-40B4-BE49-F238E27FC236}">
+                <a16:creationId xmlns:a16="http://schemas.microsoft.com/office/drawing/2014/main" id="{DC0B0054-4E10-AFA8-962F-A087D446CF45}"/>
               </a:ext>
             </a:extLst>
           </p:cNvPr>
@@ -10825,10 +11920,10 @@
       </p:sp>
       <p:pic>
         <p:nvPicPr>
-          <p:cNvPr id="23" name="그림 22" descr="그린, 스크린샷이(가) 표시된 사진&#10;&#10;자동 생성된 설명">
-            <a:extLst>
-              <a:ext uri="{FF2B5EF4-FFF2-40B4-BE49-F238E27FC236}">
-                <a16:creationId xmlns:a16="http://schemas.microsoft.com/office/drawing/2014/main" id="{9E9A15EB-7911-AC69-044B-7902FB0091DE}"/>
+          <p:cNvPr id="56" name="그림 55" descr="그린, 스크린샷이(가) 표시된 사진&#10;&#10;자동 생성된 설명">
+            <a:extLst>
+              <a:ext uri="{FF2B5EF4-FFF2-40B4-BE49-F238E27FC236}">
+                <a16:creationId xmlns:a16="http://schemas.microsoft.com/office/drawing/2014/main" id="{894DA12C-D240-B5B9-FCA4-63ED3EF01A91}"/>
               </a:ext>
             </a:extLst>
           </p:cNvPr>
@@ -10860,10 +11955,10 @@
       </p:pic>
       <p:pic>
         <p:nvPicPr>
-          <p:cNvPr id="27" name="그림 26" descr="블랙, 어둠, 스크린샷이(가) 표시된 사진&#10;&#10;자동 생성된 설명">
-            <a:extLst>
-              <a:ext uri="{FF2B5EF4-FFF2-40B4-BE49-F238E27FC236}">
-                <a16:creationId xmlns:a16="http://schemas.microsoft.com/office/drawing/2014/main" id="{A0731D8A-1EC2-FB2C-E710-9F206963B94C}"/>
+          <p:cNvPr id="57" name="그림 56" descr="블랙, 어둠, 스크린샷이(가) 표시된 사진&#10;&#10;자동 생성된 설명">
+            <a:extLst>
+              <a:ext uri="{FF2B5EF4-FFF2-40B4-BE49-F238E27FC236}">
+                <a16:creationId xmlns:a16="http://schemas.microsoft.com/office/drawing/2014/main" id="{3D09ECEF-60EE-57C6-8DDF-D88267E50F2E}"/>
               </a:ext>
             </a:extLst>
           </p:cNvPr>
@@ -10896,10 +11991,10 @@
       </p:pic>
       <p:pic>
         <p:nvPicPr>
-          <p:cNvPr id="28" name="그림 27" descr="블랙, 어둠, 스크린샷이(가) 표시된 사진&#10;&#10;자동 생성된 설명">
-            <a:extLst>
-              <a:ext uri="{FF2B5EF4-FFF2-40B4-BE49-F238E27FC236}">
-                <a16:creationId xmlns:a16="http://schemas.microsoft.com/office/drawing/2014/main" id="{352EE91A-FFFD-CCB1-E9E4-370501CEA27A}"/>
+          <p:cNvPr id="58" name="그림 57" descr="블랙, 어둠, 스크린샷이(가) 표시된 사진&#10;&#10;자동 생성된 설명">
+            <a:extLst>
+              <a:ext uri="{FF2B5EF4-FFF2-40B4-BE49-F238E27FC236}">
+                <a16:creationId xmlns:a16="http://schemas.microsoft.com/office/drawing/2014/main" id="{F125B04A-58CB-3775-5790-94167338B948}"/>
               </a:ext>
             </a:extLst>
           </p:cNvPr>
@@ -11062,10 +12157,10 @@
       </p:sp>
       <p:sp>
         <p:nvSpPr>
-          <p:cNvPr id="5" name="사각형: 둥근 모서리 4">
-            <a:extLst>
-              <a:ext uri="{FF2B5EF4-FFF2-40B4-BE49-F238E27FC236}">
-                <a16:creationId xmlns:a16="http://schemas.microsoft.com/office/drawing/2014/main" id="{02955CCE-4D66-3691-D677-F06FCCA05465}"/>
+          <p:cNvPr id="72" name="사각형: 둥근 모서리 71">
+            <a:extLst>
+              <a:ext uri="{FF2B5EF4-FFF2-40B4-BE49-F238E27FC236}">
+                <a16:creationId xmlns:a16="http://schemas.microsoft.com/office/drawing/2014/main" id="{6FCFED58-C21C-6ED8-508E-0326214D8527}"/>
               </a:ext>
             </a:extLst>
           </p:cNvPr>
@@ -11081,9 +12176,9 @@
             <a:avLst/>
           </a:prstGeom>
           <a:solidFill>
-            <a:schemeClr val="accent6">
-              <a:lumMod val="40000"/>
-              <a:lumOff val="60000"/>
+            <a:schemeClr val="accent1">
+              <a:lumMod val="20000"/>
+              <a:lumOff val="80000"/>
             </a:schemeClr>
           </a:solidFill>
           <a:ln>
@@ -11119,10 +12214,10 @@
       </p:sp>
       <p:sp>
         <p:nvSpPr>
-          <p:cNvPr id="2" name="사각형: 둥근 모서리 1">
-            <a:extLst>
-              <a:ext uri="{FF2B5EF4-FFF2-40B4-BE49-F238E27FC236}">
-                <a16:creationId xmlns:a16="http://schemas.microsoft.com/office/drawing/2014/main" id="{5147C9A6-A0B8-F342-A050-F8310EFF5D70}"/>
+          <p:cNvPr id="73" name="사각형: 둥근 모서리 72">
+            <a:extLst>
+              <a:ext uri="{FF2B5EF4-FFF2-40B4-BE49-F238E27FC236}">
+                <a16:creationId xmlns:a16="http://schemas.microsoft.com/office/drawing/2014/main" id="{520E5F49-0222-9341-4DD3-3DC9E4343463}"/>
               </a:ext>
             </a:extLst>
           </p:cNvPr>
@@ -11138,9 +12233,9 @@
             <a:avLst/>
           </a:prstGeom>
           <a:solidFill>
-            <a:schemeClr val="accent6">
-              <a:lumMod val="40000"/>
-              <a:lumOff val="60000"/>
+            <a:schemeClr val="accent1">
+              <a:lumMod val="20000"/>
+              <a:lumOff val="80000"/>
             </a:schemeClr>
           </a:solidFill>
           <a:ln>
@@ -11176,10 +12271,10 @@
       </p:sp>
       <p:sp>
         <p:nvSpPr>
-          <p:cNvPr id="14" name="내용 개체 틀 2">
-            <a:extLst>
-              <a:ext uri="{FF2B5EF4-FFF2-40B4-BE49-F238E27FC236}">
-                <a16:creationId xmlns:a16="http://schemas.microsoft.com/office/drawing/2014/main" id="{76CF5103-FE1A-905C-478B-426ACC7E9BAA}"/>
+          <p:cNvPr id="74" name="내용 개체 틀 2">
+            <a:extLst>
+              <a:ext uri="{FF2B5EF4-FFF2-40B4-BE49-F238E27FC236}">
+                <a16:creationId xmlns:a16="http://schemas.microsoft.com/office/drawing/2014/main" id="{B80C7011-1B89-7B65-CE10-8F55A1CA5225}"/>
               </a:ext>
             </a:extLst>
           </p:cNvPr>
@@ -11269,10 +12364,10 @@
       </p:sp>
       <p:sp>
         <p:nvSpPr>
-          <p:cNvPr id="15" name="사각형: 둥근 모서리 14">
-            <a:extLst>
-              <a:ext uri="{FF2B5EF4-FFF2-40B4-BE49-F238E27FC236}">
-                <a16:creationId xmlns:a16="http://schemas.microsoft.com/office/drawing/2014/main" id="{2AF756C2-32DE-4124-302A-C86500FD11CE}"/>
+          <p:cNvPr id="75" name="사각형: 둥근 모서리 74">
+            <a:extLst>
+              <a:ext uri="{FF2B5EF4-FFF2-40B4-BE49-F238E27FC236}">
+                <a16:creationId xmlns:a16="http://schemas.microsoft.com/office/drawing/2014/main" id="{6503DE5F-F8D5-B934-904D-25EC5DD2280D}"/>
               </a:ext>
             </a:extLst>
           </p:cNvPr>
@@ -11288,9 +12383,9 @@
             <a:avLst/>
           </a:prstGeom>
           <a:solidFill>
-            <a:schemeClr val="accent6">
-              <a:lumMod val="40000"/>
-              <a:lumOff val="60000"/>
+            <a:schemeClr val="accent1">
+              <a:lumMod val="20000"/>
+              <a:lumOff val="80000"/>
             </a:schemeClr>
           </a:solidFill>
           <a:ln>
@@ -11326,10 +12421,10 @@
       </p:sp>
       <p:sp>
         <p:nvSpPr>
-          <p:cNvPr id="19" name="내용 개체 틀 2">
-            <a:extLst>
-              <a:ext uri="{FF2B5EF4-FFF2-40B4-BE49-F238E27FC236}">
-                <a16:creationId xmlns:a16="http://schemas.microsoft.com/office/drawing/2014/main" id="{3B286387-34F9-1A60-380F-6808A7E51542}"/>
+          <p:cNvPr id="76" name="내용 개체 틀 2">
+            <a:extLst>
+              <a:ext uri="{FF2B5EF4-FFF2-40B4-BE49-F238E27FC236}">
+                <a16:creationId xmlns:a16="http://schemas.microsoft.com/office/drawing/2014/main" id="{B4F1E9E3-3105-5280-0004-51C6EB1B7CEF}"/>
               </a:ext>
             </a:extLst>
           </p:cNvPr>
@@ -11550,10 +12645,10 @@
       </p:sp>
       <p:sp>
         <p:nvSpPr>
-          <p:cNvPr id="22" name="사각형: 둥근 모서리 21">
-            <a:extLst>
-              <a:ext uri="{FF2B5EF4-FFF2-40B4-BE49-F238E27FC236}">
-                <a16:creationId xmlns:a16="http://schemas.microsoft.com/office/drawing/2014/main" id="{604874DA-6956-9FBB-B652-D7CF2CBD6D0C}"/>
+          <p:cNvPr id="77" name="사각형: 둥근 모서리 76">
+            <a:extLst>
+              <a:ext uri="{FF2B5EF4-FFF2-40B4-BE49-F238E27FC236}">
+                <a16:creationId xmlns:a16="http://schemas.microsoft.com/office/drawing/2014/main" id="{9BA7A2BC-5581-3A28-0AC3-946A7B0F0BB4}"/>
               </a:ext>
             </a:extLst>
           </p:cNvPr>
@@ -11569,9 +12664,9 @@
             <a:avLst/>
           </a:prstGeom>
           <a:solidFill>
-            <a:schemeClr val="accent6">
-              <a:lumMod val="40000"/>
-              <a:lumOff val="60000"/>
+            <a:schemeClr val="accent1">
+              <a:lumMod val="20000"/>
+              <a:lumOff val="80000"/>
             </a:schemeClr>
           </a:solidFill>
           <a:ln>
@@ -11607,10 +12702,10 @@
       </p:sp>
       <p:pic>
         <p:nvPicPr>
-          <p:cNvPr id="34" name="그림 33">
-            <a:extLst>
-              <a:ext uri="{FF2B5EF4-FFF2-40B4-BE49-F238E27FC236}">
-                <a16:creationId xmlns:a16="http://schemas.microsoft.com/office/drawing/2014/main" id="{677AAA2B-F318-1060-61AC-DE0347A09DE1}"/>
+          <p:cNvPr id="78" name="그림 77">
+            <a:extLst>
+              <a:ext uri="{FF2B5EF4-FFF2-40B4-BE49-F238E27FC236}">
+                <a16:creationId xmlns:a16="http://schemas.microsoft.com/office/drawing/2014/main" id="{BEBE6E0B-0BA8-5947-3A9B-467E271B0DAE}"/>
               </a:ext>
             </a:extLst>
           </p:cNvPr>
@@ -11643,10 +12738,10 @@
       </p:pic>
       <p:pic>
         <p:nvPicPr>
-          <p:cNvPr id="36" name="그림 35">
-            <a:extLst>
-              <a:ext uri="{FF2B5EF4-FFF2-40B4-BE49-F238E27FC236}">
-                <a16:creationId xmlns:a16="http://schemas.microsoft.com/office/drawing/2014/main" id="{48122CD2-7945-C4D2-5751-F768DECA25A9}"/>
+          <p:cNvPr id="79" name="그림 78">
+            <a:extLst>
+              <a:ext uri="{FF2B5EF4-FFF2-40B4-BE49-F238E27FC236}">
+                <a16:creationId xmlns:a16="http://schemas.microsoft.com/office/drawing/2014/main" id="{1584A9C2-E6E1-1287-24AF-2A58CCAF2080}"/>
               </a:ext>
             </a:extLst>
           </p:cNvPr>
@@ -11673,10 +12768,10 @@
       </p:pic>
       <p:pic>
         <p:nvPicPr>
-          <p:cNvPr id="42" name="그림 41" descr="서랍장, 디자인, 가구이(가) 표시된 사진&#10;&#10;자동 생성된 설명">
-            <a:extLst>
-              <a:ext uri="{FF2B5EF4-FFF2-40B4-BE49-F238E27FC236}">
-                <a16:creationId xmlns:a16="http://schemas.microsoft.com/office/drawing/2014/main" id="{3417C5BA-B2C8-FD02-078E-936AB09888CF}"/>
+          <p:cNvPr id="80" name="그림 79" descr="서랍장, 디자인, 가구이(가) 표시된 사진&#10;&#10;자동 생성된 설명">
+            <a:extLst>
+              <a:ext uri="{FF2B5EF4-FFF2-40B4-BE49-F238E27FC236}">
+                <a16:creationId xmlns:a16="http://schemas.microsoft.com/office/drawing/2014/main" id="{14BB3884-C0D9-06A1-C57A-BDA0CCC6DBDB}"/>
               </a:ext>
             </a:extLst>
           </p:cNvPr>
@@ -11709,10 +12804,10 @@
       </p:pic>
       <p:pic>
         <p:nvPicPr>
-          <p:cNvPr id="31" name="그림 30" descr="장난감, 만화 영화, 소녀, 인형이(가) 표시된 사진&#10;&#10;자동 생성된 설명">
-            <a:extLst>
-              <a:ext uri="{FF2B5EF4-FFF2-40B4-BE49-F238E27FC236}">
-                <a16:creationId xmlns:a16="http://schemas.microsoft.com/office/drawing/2014/main" id="{5F4F5262-D36D-B73C-B6F1-9ECB405B0D2A}"/>
+          <p:cNvPr id="81" name="그림 80" descr="장난감, 만화 영화, 소녀, 인형이(가) 표시된 사진&#10;&#10;자동 생성된 설명">
+            <a:extLst>
+              <a:ext uri="{FF2B5EF4-FFF2-40B4-BE49-F238E27FC236}">
+                <a16:creationId xmlns:a16="http://schemas.microsoft.com/office/drawing/2014/main" id="{2373D6C2-C2F2-C041-F6D2-22F4119EDF9C}"/>
               </a:ext>
             </a:extLst>
           </p:cNvPr>
@@ -11745,10 +12840,10 @@
       </p:pic>
       <p:pic>
         <p:nvPicPr>
-          <p:cNvPr id="32" name="그림 31">
-            <a:extLst>
-              <a:ext uri="{FF2B5EF4-FFF2-40B4-BE49-F238E27FC236}">
-                <a16:creationId xmlns:a16="http://schemas.microsoft.com/office/drawing/2014/main" id="{B4CF458E-0F1E-CA79-731D-BF74C285C0C7}"/>
+          <p:cNvPr id="82" name="그림 81">
+            <a:extLst>
+              <a:ext uri="{FF2B5EF4-FFF2-40B4-BE49-F238E27FC236}">
+                <a16:creationId xmlns:a16="http://schemas.microsoft.com/office/drawing/2014/main" id="{9D061473-EA5C-F7B8-2099-3205B285B1AD}"/>
               </a:ext>
             </a:extLst>
           </p:cNvPr>
@@ -11781,10 +12876,10 @@
       </p:pic>
       <p:sp>
         <p:nvSpPr>
-          <p:cNvPr id="47" name="직사각형 46">
-            <a:extLst>
-              <a:ext uri="{FF2B5EF4-FFF2-40B4-BE49-F238E27FC236}">
-                <a16:creationId xmlns:a16="http://schemas.microsoft.com/office/drawing/2014/main" id="{9CF9D7BB-B545-63B1-47F9-F8C099A5E59A}"/>
+          <p:cNvPr id="83" name="직사각형 82">
+            <a:extLst>
+              <a:ext uri="{FF2B5EF4-FFF2-40B4-BE49-F238E27FC236}">
+                <a16:creationId xmlns:a16="http://schemas.microsoft.com/office/drawing/2014/main" id="{4E31AEC8-DAAF-6C72-2EB0-86D06B615115}"/>
               </a:ext>
             </a:extLst>
           </p:cNvPr>
@@ -11827,10 +12922,10 @@
       </p:sp>
       <p:pic>
         <p:nvPicPr>
-          <p:cNvPr id="46" name="그림 45" descr="상징, 스케치, 클립아트, 디자인이(가) 표시된 사진&#10;&#10;자동 생성된 설명">
-            <a:extLst>
-              <a:ext uri="{FF2B5EF4-FFF2-40B4-BE49-F238E27FC236}">
-                <a16:creationId xmlns:a16="http://schemas.microsoft.com/office/drawing/2014/main" id="{AB5635C5-17FB-57D5-7882-F7A822E5086A}"/>
+          <p:cNvPr id="84" name="그림 83" descr="상징, 스케치, 클립아트, 디자인이(가) 표시된 사진&#10;&#10;자동 생성된 설명">
+            <a:extLst>
+              <a:ext uri="{FF2B5EF4-FFF2-40B4-BE49-F238E27FC236}">
+                <a16:creationId xmlns:a16="http://schemas.microsoft.com/office/drawing/2014/main" id="{CFCCEB0D-D14C-2E8B-3B2C-7629C7FBAC6E}"/>
               </a:ext>
             </a:extLst>
           </p:cNvPr>
@@ -11863,10 +12958,10 @@
       </p:pic>
       <p:pic>
         <p:nvPicPr>
-          <p:cNvPr id="44" name="그림 43" descr="메탈웨어, 자물쇠, 맹꽁이자물쇠이(가) 표시된 사진&#10;&#10;자동 생성된 설명">
-            <a:extLst>
-              <a:ext uri="{FF2B5EF4-FFF2-40B4-BE49-F238E27FC236}">
-                <a16:creationId xmlns:a16="http://schemas.microsoft.com/office/drawing/2014/main" id="{4E15198B-E94E-7A53-3A06-9642FB372BB0}"/>
+          <p:cNvPr id="85" name="그림 84" descr="메탈웨어, 자물쇠, 맹꽁이자물쇠이(가) 표시된 사진&#10;&#10;자동 생성된 설명">
+            <a:extLst>
+              <a:ext uri="{FF2B5EF4-FFF2-40B4-BE49-F238E27FC236}">
+                <a16:creationId xmlns:a16="http://schemas.microsoft.com/office/drawing/2014/main" id="{A1C7D6FC-28A4-0B8A-B06D-91B6613C6ED0}"/>
               </a:ext>
             </a:extLst>
           </p:cNvPr>
@@ -11898,10 +12993,10 @@
       </p:pic>
       <p:pic>
         <p:nvPicPr>
-          <p:cNvPr id="49" name="그림 48" descr="폰트, 스크린샷, 텍스트, 그래픽이(가) 표시된 사진&#10;&#10;자동 생성된 설명">
-            <a:extLst>
-              <a:ext uri="{FF2B5EF4-FFF2-40B4-BE49-F238E27FC236}">
-                <a16:creationId xmlns:a16="http://schemas.microsoft.com/office/drawing/2014/main" id="{EFC0ACF1-E94C-2DAB-9F7F-C8BD2A1FB7F1}"/>
+          <p:cNvPr id="86" name="그림 85" descr="폰트, 스크린샷, 텍스트, 그래픽이(가) 표시된 사진&#10;&#10;자동 생성된 설명">
+            <a:extLst>
+              <a:ext uri="{FF2B5EF4-FFF2-40B4-BE49-F238E27FC236}">
+                <a16:creationId xmlns:a16="http://schemas.microsoft.com/office/drawing/2014/main" id="{D488B5C4-9C8D-33C2-2AF2-083DBD5F9FC5}"/>
               </a:ext>
             </a:extLst>
           </p:cNvPr>
@@ -11933,10 +13028,10 @@
       </p:pic>
       <p:sp>
         <p:nvSpPr>
-          <p:cNvPr id="50" name="화살표: 오른쪽 49">
-            <a:extLst>
-              <a:ext uri="{FF2B5EF4-FFF2-40B4-BE49-F238E27FC236}">
-                <a16:creationId xmlns:a16="http://schemas.microsoft.com/office/drawing/2014/main" id="{D1F75F5A-A1F1-5F0D-5113-8F095C02BAB0}"/>
+          <p:cNvPr id="87" name="화살표: 오른쪽 86">
+            <a:extLst>
+              <a:ext uri="{FF2B5EF4-FFF2-40B4-BE49-F238E27FC236}">
+                <a16:creationId xmlns:a16="http://schemas.microsoft.com/office/drawing/2014/main" id="{F3C43920-8250-6F24-577A-B2D2AD21503A}"/>
               </a:ext>
             </a:extLst>
           </p:cNvPr>
@@ -11979,10 +13074,10 @@
       </p:sp>
       <p:pic>
         <p:nvPicPr>
-          <p:cNvPr id="51" name="그림 50" descr="그린, 스크린샷이(가) 표시된 사진&#10;&#10;자동 생성된 설명">
-            <a:extLst>
-              <a:ext uri="{FF2B5EF4-FFF2-40B4-BE49-F238E27FC236}">
-                <a16:creationId xmlns:a16="http://schemas.microsoft.com/office/drawing/2014/main" id="{F0849265-58FF-EF89-58C0-4F8035E2488C}"/>
+          <p:cNvPr id="88" name="그림 87" descr="그린, 스크린샷이(가) 표시된 사진&#10;&#10;자동 생성된 설명">
+            <a:extLst>
+              <a:ext uri="{FF2B5EF4-FFF2-40B4-BE49-F238E27FC236}">
+                <a16:creationId xmlns:a16="http://schemas.microsoft.com/office/drawing/2014/main" id="{604A725C-9093-A874-C359-09915DCDC671}"/>
               </a:ext>
             </a:extLst>
           </p:cNvPr>
@@ -12014,10 +13109,10 @@
       </p:pic>
       <p:pic>
         <p:nvPicPr>
-          <p:cNvPr id="54" name="그림 53" descr="소녀, 인형, 만화 영화, 장난감이(가) 표시된 사진&#10;&#10;자동 생성된 설명">
-            <a:extLst>
-              <a:ext uri="{FF2B5EF4-FFF2-40B4-BE49-F238E27FC236}">
-                <a16:creationId xmlns:a16="http://schemas.microsoft.com/office/drawing/2014/main" id="{3679201A-0C8D-DD81-1048-4E818AF13F50}"/>
+          <p:cNvPr id="89" name="그림 88" descr="소녀, 인형, 만화 영화, 장난감이(가) 표시된 사진&#10;&#10;자동 생성된 설명">
+            <a:extLst>
+              <a:ext uri="{FF2B5EF4-FFF2-40B4-BE49-F238E27FC236}">
+                <a16:creationId xmlns:a16="http://schemas.microsoft.com/office/drawing/2014/main" id="{7413EBD2-0BEE-3FE3-0605-19EF0D596308}"/>
               </a:ext>
             </a:extLst>
           </p:cNvPr>
@@ -12050,16 +13145,16 @@
       </p:pic>
       <p:cxnSp>
         <p:nvCxnSpPr>
-          <p:cNvPr id="56" name="직선 연결선 55">
-            <a:extLst>
-              <a:ext uri="{FF2B5EF4-FFF2-40B4-BE49-F238E27FC236}">
-                <a16:creationId xmlns:a16="http://schemas.microsoft.com/office/drawing/2014/main" id="{5B338463-0C7D-F5A4-22CD-E500B7CA4EBA}"/>
+          <p:cNvPr id="90" name="직선 연결선 89">
+            <a:extLst>
+              <a:ext uri="{FF2B5EF4-FFF2-40B4-BE49-F238E27FC236}">
+                <a16:creationId xmlns:a16="http://schemas.microsoft.com/office/drawing/2014/main" id="{4BDA5F25-F368-1DDA-F020-E6116199F7F0}"/>
               </a:ext>
             </a:extLst>
           </p:cNvPr>
           <p:cNvCxnSpPr>
             <a:cxnSpLocks/>
-            <a:endCxn id="42" idx="3"/>
+            <a:endCxn id="80" idx="3"/>
           </p:cNvCxnSpPr>
           <p:nvPr/>
         </p:nvCxnSpPr>
@@ -12094,10 +13189,10 @@
       </p:cxnSp>
       <p:cxnSp>
         <p:nvCxnSpPr>
-          <p:cNvPr id="57" name="직선 연결선 56">
-            <a:extLst>
-              <a:ext uri="{FF2B5EF4-FFF2-40B4-BE49-F238E27FC236}">
-                <a16:creationId xmlns:a16="http://schemas.microsoft.com/office/drawing/2014/main" id="{8967C38E-E580-28E6-A375-E652EEAFEF28}"/>
+          <p:cNvPr id="91" name="직선 연결선 90">
+            <a:extLst>
+              <a:ext uri="{FF2B5EF4-FFF2-40B4-BE49-F238E27FC236}">
+                <a16:creationId xmlns:a16="http://schemas.microsoft.com/office/drawing/2014/main" id="{D1E78A27-C5E6-90D3-6529-2DCD7FFDFD22}"/>
               </a:ext>
             </a:extLst>
           </p:cNvPr>
@@ -12137,10 +13232,10 @@
       </p:cxnSp>
       <p:cxnSp>
         <p:nvCxnSpPr>
-          <p:cNvPr id="59" name="직선 연결선 58">
-            <a:extLst>
-              <a:ext uri="{FF2B5EF4-FFF2-40B4-BE49-F238E27FC236}">
-                <a16:creationId xmlns:a16="http://schemas.microsoft.com/office/drawing/2014/main" id="{A4A05C0C-BF6F-5DF3-1912-A03676F4D1A1}"/>
+          <p:cNvPr id="92" name="직선 연결선 91">
+            <a:extLst>
+              <a:ext uri="{FF2B5EF4-FFF2-40B4-BE49-F238E27FC236}">
+                <a16:creationId xmlns:a16="http://schemas.microsoft.com/office/drawing/2014/main" id="{786330A8-E8C9-7430-B5BE-B0B82AADCD80}"/>
               </a:ext>
             </a:extLst>
           </p:cNvPr>
@@ -12181,7 +13276,7 @@
     </p:spTree>
     <p:extLst>
       <p:ext uri="{BB962C8B-B14F-4D97-AF65-F5344CB8AC3E}">
-        <p14:creationId xmlns:p14="http://schemas.microsoft.com/office/powerpoint/2010/main" val="4113216675"/>
+        <p14:creationId xmlns:p14="http://schemas.microsoft.com/office/powerpoint/2010/main" val="1981254305"/>
       </p:ext>
     </p:extLst>
   </p:cSld>
@@ -12322,8 +13417,8 @@
         </p:nvSpPr>
         <p:spPr>
           <a:xfrm>
-            <a:off x="6594671" y="1739011"/>
-            <a:ext cx="3740932" cy="753856"/>
+            <a:off x="7412070" y="1739011"/>
+            <a:ext cx="3077505" cy="753856"/>
           </a:xfrm>
           <a:prstGeom prst="rect">
             <a:avLst/>
@@ -12374,8 +13469,8 @@
         </p:nvSpPr>
         <p:spPr>
           <a:xfrm>
-            <a:off x="1321369" y="2669673"/>
-            <a:ext cx="2131255" cy="3088489"/>
+            <a:off x="1364584" y="2999256"/>
+            <a:ext cx="1865951" cy="2792156"/>
           </a:xfrm>
           <a:prstGeom prst="rect">
             <a:avLst/>
@@ -12426,8 +13521,8 @@
         </p:nvSpPr>
         <p:spPr>
           <a:xfrm>
-            <a:off x="1856397" y="1888918"/>
-            <a:ext cx="994151" cy="457200"/>
+            <a:off x="1800484" y="1804322"/>
+            <a:ext cx="994151" cy="570413"/>
           </a:xfrm>
           <a:prstGeom prst="rect">
             <a:avLst/>
@@ -12480,8 +13575,8 @@
         </p:nvSpPr>
         <p:spPr>
           <a:xfrm>
-            <a:off x="4299829" y="1888918"/>
-            <a:ext cx="994151" cy="457200"/>
+            <a:off x="4283174" y="1809920"/>
+            <a:ext cx="994151" cy="570413"/>
           </a:xfrm>
           <a:prstGeom prst="rect">
             <a:avLst/>
@@ -12534,13 +13629,18 @@
         </p:nvSpPr>
         <p:spPr>
           <a:xfrm>
-            <a:off x="9186694" y="1888918"/>
-            <a:ext cx="994151" cy="457200"/>
+            <a:off x="9186694" y="1839042"/>
+            <a:ext cx="994151" cy="570413"/>
           </a:xfrm>
           <a:prstGeom prst="rect">
             <a:avLst/>
           </a:prstGeom>
-          <a:noFill/>
+          <a:solidFill>
+            <a:schemeClr val="accent6">
+              <a:lumMod val="40000"/>
+              <a:lumOff val="60000"/>
+            </a:schemeClr>
+          </a:solidFill>
         </p:spPr>
         <p:style>
           <a:lnRef idx="2">
@@ -12592,13 +13692,18 @@
         </p:nvSpPr>
         <p:spPr>
           <a:xfrm>
-            <a:off x="1789702" y="5048991"/>
-            <a:ext cx="1271549" cy="457200"/>
+            <a:off x="1680049" y="4992935"/>
+            <a:ext cx="1182683" cy="570413"/>
           </a:xfrm>
           <a:prstGeom prst="rect">
             <a:avLst/>
           </a:prstGeom>
-          <a:noFill/>
+          <a:solidFill>
+            <a:schemeClr val="accent6">
+              <a:lumMod val="40000"/>
+              <a:lumOff val="60000"/>
+            </a:schemeClr>
+          </a:solidFill>
         </p:spPr>
         <p:style>
           <a:lnRef idx="2">
@@ -12654,13 +13759,18 @@
         </p:nvSpPr>
         <p:spPr>
           <a:xfrm>
-            <a:off x="1789702" y="3154637"/>
-            <a:ext cx="1130340" cy="457200"/>
+            <a:off x="1680048" y="3154636"/>
+            <a:ext cx="1182683" cy="570413"/>
           </a:xfrm>
           <a:prstGeom prst="rect">
             <a:avLst/>
           </a:prstGeom>
-          <a:noFill/>
+          <a:solidFill>
+            <a:schemeClr val="tx2">
+              <a:lumMod val="10000"/>
+              <a:lumOff val="90000"/>
+            </a:schemeClr>
+          </a:solidFill>
         </p:spPr>
         <p:style>
           <a:lnRef idx="2">
@@ -12708,13 +13818,15 @@
         </p:nvSpPr>
         <p:spPr>
           <a:xfrm>
-            <a:off x="1732391" y="3998702"/>
-            <a:ext cx="1130340" cy="457200"/>
+            <a:off x="1680049" y="4063016"/>
+            <a:ext cx="1182681" cy="570413"/>
           </a:xfrm>
           <a:prstGeom prst="rect">
             <a:avLst/>
           </a:prstGeom>
-          <a:noFill/>
+          <a:solidFill>
+            <a:schemeClr val="bg1"/>
+          </a:solidFill>
         </p:spPr>
         <p:style>
           <a:lnRef idx="2">
@@ -12745,6 +13857,35 @@
               </a:rPr>
               <a:t>탈출</a:t>
             </a:r>
+            <a:r>
+              <a:rPr lang="en-US" altLang="ko-KR" sz="1400" b="1" dirty="0">
+                <a:solidFill>
+                  <a:schemeClr val="tx1"/>
+                </a:solidFill>
+              </a:rPr>
+              <a:t>(</a:t>
+            </a:r>
+            <a:r>
+              <a:rPr lang="ko-KR" altLang="en-US" sz="1400" b="1" dirty="0">
+                <a:solidFill>
+                  <a:schemeClr val="tx1"/>
+                </a:solidFill>
+              </a:rPr>
+              <a:t>무승부</a:t>
+            </a:r>
+            <a:r>
+              <a:rPr lang="en-US" altLang="ko-KR" sz="1400" b="1" dirty="0">
+                <a:solidFill>
+                  <a:schemeClr val="tx1"/>
+                </a:solidFill>
+              </a:rPr>
+              <a:t>)</a:t>
+            </a:r>
+            <a:endParaRPr lang="ko-KR" altLang="en-US" sz="1400" b="1" dirty="0">
+              <a:solidFill>
+                <a:schemeClr val="tx1"/>
+              </a:solidFill>
+            </a:endParaRPr>
           </a:p>
         </p:txBody>
       </p:sp>
@@ -12762,13 +13903,18 @@
         </p:nvSpPr>
         <p:spPr>
           <a:xfrm>
-            <a:off x="6743261" y="1888918"/>
-            <a:ext cx="994151" cy="457200"/>
+            <a:off x="7620550" y="1839042"/>
+            <a:ext cx="994151" cy="570413"/>
           </a:xfrm>
           <a:prstGeom prst="rect">
             <a:avLst/>
           </a:prstGeom>
-          <a:noFill/>
+          <a:solidFill>
+            <a:schemeClr val="tx2">
+              <a:lumMod val="10000"/>
+              <a:lumOff val="90000"/>
+            </a:schemeClr>
+          </a:solidFill>
         </p:spPr>
         <p:style>
           <a:lnRef idx="2">
@@ -12797,12 +13943,9 @@
                   <a:schemeClr val="tx1"/>
                 </a:solidFill>
               </a:rPr>
-              <a:t>플레이어</a:t>
-            </a:r>
-            <a:r>
-              <a:rPr lang="ko-KR" altLang="en-US" sz="1400" dirty="0"/>
-              <a:t> </a:t>
-            </a:r>
+              <a:t>헌터</a:t>
+            </a:r>
+            <a:endParaRPr lang="ko-KR" altLang="en-US" sz="1400" dirty="0"/>
           </a:p>
         </p:txBody>
       </p:sp>
@@ -12820,13 +13963,18 @@
         </p:nvSpPr>
         <p:spPr>
           <a:xfrm>
-            <a:off x="6743261" y="4046392"/>
-            <a:ext cx="992022" cy="457200"/>
+            <a:off x="7620550" y="4063016"/>
+            <a:ext cx="992022" cy="570413"/>
           </a:xfrm>
           <a:prstGeom prst="rect">
             <a:avLst/>
           </a:prstGeom>
-          <a:noFill/>
+          <a:solidFill>
+            <a:schemeClr val="tx2">
+              <a:lumMod val="10000"/>
+              <a:lumOff val="90000"/>
+            </a:schemeClr>
+          </a:solidFill>
         </p:spPr>
         <p:style>
           <a:lnRef idx="2">
@@ -12879,13 +14027,18 @@
         </p:nvSpPr>
         <p:spPr>
           <a:xfrm>
-            <a:off x="4208935" y="4037488"/>
-            <a:ext cx="1296988" cy="457200"/>
+            <a:off x="4325311" y="4054112"/>
+            <a:ext cx="1296988" cy="570413"/>
           </a:xfrm>
           <a:prstGeom prst="rect">
             <a:avLst/>
           </a:prstGeom>
-          <a:noFill/>
+          <a:solidFill>
+            <a:schemeClr val="tx2">
+              <a:lumMod val="10000"/>
+              <a:lumOff val="90000"/>
+            </a:schemeClr>
+          </a:solidFill>
         </p:spPr>
         <p:style>
           <a:lnRef idx="2">
@@ -12934,9 +14087,9 @@
           <p:nvPr/>
         </p:nvCxnSpPr>
         <p:spPr>
-          <a:xfrm flipH="1">
-            <a:off x="3187320" y="5308630"/>
-            <a:ext cx="5499480" cy="0"/>
+          <a:xfrm flipH="1" flipV="1">
+            <a:off x="3331848" y="5277591"/>
+            <a:ext cx="5354952" cy="31039"/>
           </a:xfrm>
           <a:prstGeom prst="straightConnector1">
             <a:avLst/>
@@ -12976,8 +14129,8 @@
         </p:nvCxnSpPr>
         <p:spPr>
           <a:xfrm flipH="1">
-            <a:off x="5726162" y="4241380"/>
-            <a:ext cx="739675" cy="0"/>
+            <a:off x="5726162" y="4258005"/>
+            <a:ext cx="1685908" cy="0"/>
           </a:xfrm>
           <a:prstGeom prst="straightConnector1">
             <a:avLst/>
@@ -13017,7 +14170,7 @@
         </p:nvCxnSpPr>
         <p:spPr>
           <a:xfrm flipV="1">
-            <a:off x="2297560" y="2409049"/>
+            <a:off x="2297560" y="2459330"/>
             <a:ext cx="0" cy="457200"/>
           </a:xfrm>
           <a:prstGeom prst="straightConnector1">
@@ -13058,8 +14211,8 @@
         </p:nvCxnSpPr>
         <p:spPr>
           <a:xfrm>
-            <a:off x="3217011" y="2325720"/>
-            <a:ext cx="471225" cy="0"/>
+            <a:off x="2862730" y="2032923"/>
+            <a:ext cx="1346205" cy="15851"/>
           </a:xfrm>
           <a:prstGeom prst="straightConnector1">
             <a:avLst/>
@@ -13097,13 +14250,18 @@
         </p:nvSpPr>
         <p:spPr>
           <a:xfrm>
-            <a:off x="6534781" y="3109648"/>
-            <a:ext cx="1374249" cy="457200"/>
+            <a:off x="7412070" y="3076397"/>
+            <a:ext cx="1374249" cy="570413"/>
           </a:xfrm>
           <a:prstGeom prst="rect">
             <a:avLst/>
           </a:prstGeom>
-          <a:noFill/>
+          <a:solidFill>
+            <a:schemeClr val="tx2">
+              <a:lumMod val="10000"/>
+              <a:lumOff val="90000"/>
+            </a:schemeClr>
+          </a:solidFill>
         </p:spPr>
         <p:style>
           <a:lnRef idx="2">
@@ -13163,13 +14321,18 @@
         </p:nvSpPr>
         <p:spPr>
           <a:xfrm>
-            <a:off x="8998199" y="3075519"/>
-            <a:ext cx="1491379" cy="457200"/>
+            <a:off x="8998199" y="3075518"/>
+            <a:ext cx="1491379" cy="570413"/>
           </a:xfrm>
           <a:prstGeom prst="rect">
             <a:avLst/>
           </a:prstGeom>
-          <a:noFill/>
+          <a:solidFill>
+            <a:schemeClr val="accent6">
+              <a:lumMod val="40000"/>
+              <a:lumOff val="60000"/>
+            </a:schemeClr>
+          </a:solidFill>
         </p:spPr>
         <p:style>
           <a:lnRef idx="2">
@@ -13221,13 +14384,18 @@
         </p:nvSpPr>
         <p:spPr>
           <a:xfrm>
-            <a:off x="8841651" y="5116703"/>
-            <a:ext cx="1777902" cy="457200"/>
+            <a:off x="8841651" y="5116702"/>
+            <a:ext cx="1777902" cy="570413"/>
           </a:xfrm>
           <a:prstGeom prst="rect">
             <a:avLst/>
           </a:prstGeom>
-          <a:noFill/>
+          <a:solidFill>
+            <a:schemeClr val="accent6">
+              <a:lumMod val="40000"/>
+              <a:lumOff val="60000"/>
+            </a:schemeClr>
+          </a:solidFill>
         </p:spPr>
         <p:style>
           <a:lnRef idx="2">
@@ -13277,8 +14445,8 @@
         </p:nvCxnSpPr>
         <p:spPr>
           <a:xfrm flipH="1">
-            <a:off x="3215472" y="3383237"/>
-            <a:ext cx="2978824" cy="0"/>
+            <a:off x="3331848" y="3383237"/>
+            <a:ext cx="3977809" cy="0"/>
           </a:xfrm>
           <a:prstGeom prst="straightConnector1">
             <a:avLst/>
@@ -13316,13 +14484,18 @@
         </p:nvSpPr>
         <p:spPr>
           <a:xfrm>
-            <a:off x="8912972" y="4042721"/>
-            <a:ext cx="1661832" cy="457200"/>
+            <a:off x="8912972" y="4059345"/>
+            <a:ext cx="1661832" cy="570413"/>
           </a:xfrm>
           <a:prstGeom prst="rect">
             <a:avLst/>
           </a:prstGeom>
-          <a:noFill/>
+          <a:solidFill>
+            <a:schemeClr val="accent6">
+              <a:lumMod val="40000"/>
+              <a:lumOff val="60000"/>
+            </a:schemeClr>
+          </a:solidFill>
         </p:spPr>
         <p:style>
           <a:lnRef idx="2">
@@ -13346,20 +14519,12 @@
           <a:p>
             <a:pPr algn="ctr"/>
             <a:r>
-              <a:rPr lang="ko-KR" altLang="en-US" sz="1400" b="1" dirty="0" err="1">
-                <a:solidFill>
-                  <a:schemeClr val="tx1"/>
-                </a:solidFill>
-              </a:rPr>
-              <a:t>슬라임</a:t>
-            </a:r>
-            <a:r>
               <a:rPr lang="ko-KR" altLang="en-US" sz="1400" b="1" dirty="0">
                 <a:solidFill>
                   <a:schemeClr val="tx1"/>
                 </a:solidFill>
               </a:rPr>
-              <a:t> 성장 완료</a:t>
+              <a:t>성장 최대치 도달</a:t>
             </a:r>
           </a:p>
         </p:txBody>
@@ -13380,7 +14545,7 @@
         </p:nvCxnSpPr>
         <p:spPr>
           <a:xfrm flipH="1">
-            <a:off x="3215472" y="4274992"/>
+            <a:off x="3331848" y="4291617"/>
             <a:ext cx="823128" cy="0"/>
           </a:xfrm>
           <a:prstGeom prst="straightConnector1">
@@ -13421,7 +14586,7 @@
         </p:nvCxnSpPr>
         <p:spPr>
           <a:xfrm>
-            <a:off x="9743888" y="4625305"/>
+            <a:off x="9743888" y="4706047"/>
             <a:ext cx="0" cy="342943"/>
           </a:xfrm>
           <a:prstGeom prst="straightConnector1">
@@ -13462,7 +14627,7 @@
         </p:nvCxnSpPr>
         <p:spPr>
           <a:xfrm>
-            <a:off x="9730602" y="3612739"/>
+            <a:off x="9730602" y="3710899"/>
             <a:ext cx="0" cy="287802"/>
           </a:xfrm>
           <a:prstGeom prst="straightConnector1">
@@ -13503,8 +14668,8 @@
         </p:nvCxnSpPr>
         <p:spPr>
           <a:xfrm>
-            <a:off x="5887000" y="2048774"/>
-            <a:ext cx="634363" cy="0"/>
+            <a:off x="5363656" y="2048774"/>
+            <a:ext cx="1946001" cy="0"/>
           </a:xfrm>
           <a:prstGeom prst="straightConnector1">
             <a:avLst/>
@@ -13544,7 +14709,7 @@
         </p:nvCxnSpPr>
         <p:spPr>
           <a:xfrm>
-            <a:off x="7239272" y="3612739"/>
+            <a:off x="8116561" y="3710899"/>
             <a:ext cx="0" cy="287802"/>
           </a:xfrm>
           <a:prstGeom prst="straightConnector1">
@@ -13571,10 +14736,10 @@
       </p:cxnSp>
       <p:cxnSp>
         <p:nvCxnSpPr>
-          <p:cNvPr id="34" name="직선 화살표 연결선 33">
-            <a:extLst>
-              <a:ext uri="{FF2B5EF4-FFF2-40B4-BE49-F238E27FC236}">
-                <a16:creationId xmlns:a16="http://schemas.microsoft.com/office/drawing/2014/main" id="{E5699838-509B-428D-0EEE-8485E9C97C95}"/>
+          <p:cNvPr id="35" name="직선 화살표 연결선 34">
+            <a:extLst>
+              <a:ext uri="{FF2B5EF4-FFF2-40B4-BE49-F238E27FC236}">
+                <a16:creationId xmlns:a16="http://schemas.microsoft.com/office/drawing/2014/main" id="{C8F22829-EBE8-4C18-2AAD-67CAE600EA5C}"/>
               </a:ext>
             </a:extLst>
           </p:cNvPr>
@@ -13585,8 +14750,8 @@
         </p:nvCxnSpPr>
         <p:spPr>
           <a:xfrm>
-            <a:off x="7221906" y="2409049"/>
-            <a:ext cx="0" cy="572276"/>
+            <a:off x="9743888" y="2542742"/>
+            <a:ext cx="0" cy="478933"/>
           </a:xfrm>
           <a:prstGeom prst="straightConnector1">
             <a:avLst/>
@@ -13612,10 +14777,10 @@
       </p:cxnSp>
       <p:cxnSp>
         <p:nvCxnSpPr>
-          <p:cNvPr id="35" name="직선 화살표 연결선 34">
-            <a:extLst>
-              <a:ext uri="{FF2B5EF4-FFF2-40B4-BE49-F238E27FC236}">
-                <a16:creationId xmlns:a16="http://schemas.microsoft.com/office/drawing/2014/main" id="{C8F22829-EBE8-4C18-2AAD-67CAE600EA5C}"/>
+          <p:cNvPr id="43" name="직선 화살표 연결선 42">
+            <a:extLst>
+              <a:ext uri="{FF2B5EF4-FFF2-40B4-BE49-F238E27FC236}">
+                <a16:creationId xmlns:a16="http://schemas.microsoft.com/office/drawing/2014/main" id="{35AB64A9-B559-1AE0-7F76-6E7398E23062}"/>
               </a:ext>
             </a:extLst>
           </p:cNvPr>
@@ -13626,8 +14791,8 @@
         </p:nvCxnSpPr>
         <p:spPr>
           <a:xfrm>
-            <a:off x="9743888" y="2409049"/>
-            <a:ext cx="0" cy="562751"/>
+            <a:off x="8116561" y="2542742"/>
+            <a:ext cx="0" cy="478933"/>
           </a:xfrm>
           <a:prstGeom prst="straightConnector1">
             <a:avLst/>
@@ -15381,35 +16546,33 @@
         </p:nvSpPr>
         <p:spPr>
           <a:xfrm>
-            <a:off x="838200" y="4381500"/>
-            <a:ext cx="10515600" cy="2347912"/>
+            <a:off x="838200" y="4250450"/>
+            <a:ext cx="10515600" cy="2473296"/>
           </a:xfrm>
         </p:spPr>
         <p:txBody>
           <a:bodyPr>
-            <a:normAutofit/>
+            <a:normAutofit lnSpcReduction="10000"/>
           </a:bodyPr>
           <a:lstStyle/>
           <a:p>
             <a:pPr marL="0" indent="0">
+              <a:lnSpc>
+                <a:spcPct val="100000"/>
+              </a:lnSpc>
               <a:buNone/>
             </a:pPr>
             <a:r>
               <a:rPr lang="ko-KR" altLang="en-US" sz="2000" b="1" dirty="0"/>
-              <a:t>벽과 바닥에서 점액질 </a:t>
-            </a:r>
-            <a:r>
-              <a:rPr lang="ko-KR" altLang="en-US" sz="2000" b="1" dirty="0" err="1"/>
-              <a:t>메테리얼</a:t>
-            </a:r>
-            <a:r>
-              <a:rPr lang="ko-KR" altLang="en-US" sz="2000" b="1" dirty="0"/>
-              <a:t> 동적 생성</a:t>
+              <a:t>벽과 바닥에서 점액질 페인팅</a:t>
             </a:r>
             <a:endParaRPr lang="en-US" altLang="ko-KR" sz="2000" b="1" dirty="0"/>
           </a:p>
           <a:p>
             <a:pPr marL="0" indent="0">
+              <a:lnSpc>
+                <a:spcPct val="100000"/>
+              </a:lnSpc>
               <a:buNone/>
             </a:pPr>
             <a:r>
@@ -15418,37 +16581,28 @@
             </a:r>
             <a:r>
               <a:rPr lang="en-US" altLang="ko-KR" sz="1700" dirty="0"/>
-              <a:t>-Render target</a:t>
-            </a:r>
-            <a:r>
-              <a:rPr lang="ko-KR" altLang="en-US" sz="1700" dirty="0"/>
-              <a:t>과 </a:t>
-            </a:r>
-            <a:r>
-              <a:rPr lang="en-US" altLang="ko-KR" sz="1700" dirty="0"/>
-              <a:t>Runtime Virtual Texturing</a:t>
-            </a:r>
-            <a:r>
-              <a:rPr lang="ko-KR" altLang="en-US" sz="1700" dirty="0"/>
-              <a:t>을 사용해 동적으로 </a:t>
-            </a:r>
-            <a:r>
-              <a:rPr lang="ko-KR" altLang="en-US" sz="1700" dirty="0" err="1"/>
-              <a:t>메터리얼</a:t>
-            </a:r>
-            <a:r>
-              <a:rPr lang="ko-KR" altLang="en-US" sz="1700" dirty="0"/>
-              <a:t> 생성</a:t>
-            </a:r>
-            <a:endParaRPr lang="en-US" altLang="ko-KR" sz="1700" dirty="0"/>
+              <a:t>- </a:t>
+            </a:r>
+            <a:r>
+              <a:rPr lang="en-US" altLang="ko-KR" sz="1800" dirty="0"/>
+              <a:t>Render target</a:t>
+            </a:r>
+            <a:r>
+              <a:rPr lang="ko-KR" altLang="en-US" sz="1800" dirty="0"/>
+              <a:t>에 드로우해 점액질 페인트 업데이트</a:t>
+            </a:r>
+            <a:endParaRPr lang="en-US" altLang="ko-KR" sz="1800" dirty="0"/>
           </a:p>
           <a:p>
             <a:pPr marL="0" indent="0">
+              <a:lnSpc>
+                <a:spcPct val="100000"/>
+              </a:lnSpc>
               <a:buNone/>
             </a:pPr>
             <a:r>
               <a:rPr lang="ko-KR" altLang="en-US" sz="2000" b="1" dirty="0"/>
-              <a:t>오브젝트 형태에 따른 </a:t>
+              <a:t>환경 형태에 따른 </a:t>
             </a:r>
             <a:r>
               <a:rPr lang="ko-KR" altLang="en-US" sz="2000" b="1" dirty="0" err="1"/>
@@ -15462,6 +16616,9 @@
           </a:p>
           <a:p>
             <a:pPr marL="0" indent="0">
+              <a:lnSpc>
+                <a:spcPct val="100000"/>
+              </a:lnSpc>
               <a:buNone/>
             </a:pPr>
             <a:r>
@@ -15470,48 +16627,55 @@
             </a:r>
             <a:r>
               <a:rPr lang="en-US" altLang="ko-KR" sz="1700" dirty="0"/>
-              <a:t>-</a:t>
-            </a:r>
-            <a:r>
-              <a:rPr lang="ko-KR" altLang="en-US" sz="1700" dirty="0"/>
-              <a:t>깊이 버퍼</a:t>
-            </a:r>
-            <a:r>
-              <a:rPr lang="en-US" altLang="ko-KR" sz="1700" dirty="0"/>
-              <a:t>, Distance field</a:t>
-            </a:r>
-            <a:r>
-              <a:rPr lang="ko-KR" altLang="en-US" sz="1700" dirty="0"/>
+              <a:t>- </a:t>
+            </a:r>
+            <a:r>
+              <a:rPr lang="ko-KR" altLang="en-US" sz="1800" dirty="0" err="1"/>
+              <a:t>마테리얼에서</a:t>
+            </a:r>
+            <a:r>
+              <a:rPr lang="ko-KR" altLang="en-US" sz="1800" dirty="0"/>
+              <a:t> </a:t>
+            </a:r>
+            <a:r>
+              <a:rPr lang="en-US" altLang="ko-KR" sz="1800" dirty="0"/>
+              <a:t>Distance field</a:t>
+            </a:r>
+            <a:r>
+              <a:rPr lang="ko-KR" altLang="en-US" sz="1800" dirty="0"/>
               <a:t>를 계산해 </a:t>
             </a:r>
             <a:r>
-              <a:rPr lang="en-US" altLang="ko-KR" sz="1700" dirty="0"/>
+              <a:rPr lang="en-US" altLang="ko-KR" sz="1800" dirty="0"/>
               <a:t>Ray-Marching</a:t>
             </a:r>
             <a:r>
-              <a:rPr lang="ko-KR" altLang="en-US" sz="1700" dirty="0"/>
+              <a:rPr lang="ko-KR" altLang="en-US" sz="1800" dirty="0"/>
               <a:t>으로 </a:t>
             </a:r>
             <a:r>
-              <a:rPr lang="ko-KR" altLang="en-US" sz="1700" dirty="0" err="1"/>
+              <a:rPr lang="ko-KR" altLang="en-US" sz="1800" dirty="0" err="1"/>
               <a:t>슬라임</a:t>
             </a:r>
             <a:r>
-              <a:rPr lang="ko-KR" altLang="en-US" sz="1700" dirty="0"/>
+              <a:rPr lang="ko-KR" altLang="en-US" sz="1800" dirty="0"/>
               <a:t> </a:t>
             </a:r>
             <a:r>
-              <a:rPr lang="ko-KR" altLang="en-US" sz="1700" dirty="0" err="1"/>
+              <a:rPr lang="ko-KR" altLang="en-US" sz="1800" dirty="0" err="1"/>
               <a:t>블룸</a:t>
             </a:r>
             <a:r>
-              <a:rPr lang="ko-KR" altLang="en-US" sz="1700" dirty="0"/>
-              <a:t> 생성 및 변형</a:t>
-            </a:r>
-            <a:endParaRPr lang="en-US" altLang="ko-KR" sz="1700" dirty="0"/>
+              <a:rPr lang="ko-KR" altLang="en-US" sz="1800" dirty="0"/>
+              <a:t> 생성</a:t>
+            </a:r>
+            <a:endParaRPr lang="en-US" altLang="ko-KR" sz="1800" dirty="0"/>
           </a:p>
           <a:p>
             <a:pPr marL="0" indent="0">
+              <a:lnSpc>
+                <a:spcPct val="100000"/>
+              </a:lnSpc>
               <a:buNone/>
             </a:pPr>
             <a:r>
@@ -15529,6 +16693,59 @@
             <a:r>
               <a:rPr lang="ko-KR" altLang="en-US" sz="2000" b="1" dirty="0"/>
               <a:t> 효과</a:t>
+            </a:r>
+            <a:endParaRPr lang="en-US" altLang="ko-KR" sz="2000" b="1" dirty="0"/>
+          </a:p>
+          <a:p>
+            <a:pPr marL="0" indent="0">
+              <a:lnSpc>
+                <a:spcPct val="100000"/>
+              </a:lnSpc>
+              <a:buNone/>
+            </a:pPr>
+            <a:r>
+              <a:rPr lang="en-US" altLang="ko-KR" sz="1800" dirty="0"/>
+              <a:t>-  </a:t>
+            </a:r>
+            <a:r>
+              <a:rPr lang="ko-KR" altLang="en-US" sz="1800" dirty="0" err="1"/>
+              <a:t>메터리얼에서</a:t>
+            </a:r>
+            <a:r>
+              <a:rPr lang="ko-KR" altLang="en-US" sz="1800" dirty="0"/>
+              <a:t> </a:t>
+            </a:r>
+            <a:r>
+              <a:rPr lang="en-US" altLang="ko-KR" sz="1800" dirty="0"/>
+              <a:t>Distance field</a:t>
+            </a:r>
+            <a:r>
+              <a:rPr lang="ko-KR" altLang="en-US" sz="1800" dirty="0"/>
+              <a:t>를 계산해 </a:t>
+            </a:r>
+            <a:r>
+              <a:rPr lang="ko-KR" altLang="en-US" sz="1800" dirty="0" err="1"/>
+              <a:t>버텍스</a:t>
+            </a:r>
+            <a:r>
+              <a:rPr lang="ko-KR" altLang="en-US" sz="1800" dirty="0"/>
+              <a:t> </a:t>
+            </a:r>
+            <a:r>
+              <a:rPr lang="ko-KR" altLang="en-US" sz="1800" dirty="0" err="1"/>
+              <a:t>노말</a:t>
+            </a:r>
+            <a:r>
+              <a:rPr lang="ko-KR" altLang="en-US" sz="1800" dirty="0"/>
+              <a:t> 방향으로 </a:t>
+            </a:r>
+            <a:r>
+              <a:rPr lang="en-US" altLang="ko-KR" sz="1800" dirty="0"/>
+              <a:t>world position </a:t>
+            </a:r>
+            <a:r>
+              <a:rPr lang="ko-KR" altLang="en-US" sz="1800" dirty="0"/>
+              <a:t>변화 </a:t>
             </a:r>
             <a:endParaRPr lang="en-US" altLang="ko-KR" sz="2000" b="1" dirty="0"/>
           </a:p>
@@ -15549,7 +16766,7 @@
         <p:spPr>
           <a:xfrm>
             <a:off x="292990" y="176510"/>
-            <a:ext cx="7949612" cy="923330"/>
+            <a:ext cx="7451079" cy="923330"/>
           </a:xfrm>
           <a:prstGeom prst="rect">
             <a:avLst/>
@@ -15578,7 +16795,7 @@
                 <a:latin typeface="휴먼모음T" panose="02030504000101010101" pitchFamily="18" charset="-127"/>
                 <a:ea typeface="휴먼모음T" panose="02030504000101010101" pitchFamily="18" charset="-127"/>
               </a:rPr>
-              <a:t>기술요소 와 중점 연구 분야</a:t>
+              <a:t>기술요소와 중점 연구 분야</a:t>
             </a:r>
             <a:endParaRPr lang="en-US" altLang="ko-KR" sz="5400" b="1" cap="none" spc="0" dirty="0">
               <a:ln w="0"/>
@@ -15614,8 +16831,8 @@
         </p:nvSpPr>
         <p:spPr>
           <a:xfrm>
-            <a:off x="1652587" y="3760690"/>
-            <a:ext cx="8653463" cy="620810"/>
+            <a:off x="6650182" y="2201801"/>
+            <a:ext cx="5004262" cy="1090040"/>
           </a:xfrm>
           <a:prstGeom prst="rect">
             <a:avLst/>
@@ -15791,6 +17008,9 @@
           </a:lstStyle>
           <a:p>
             <a:pPr marL="0" indent="0" algn="ctr">
+              <a:lnSpc>
+                <a:spcPct val="100000"/>
+              </a:lnSpc>
               <a:buFont typeface="Arial" panose="020B0604020202020204" pitchFamily="34" charset="0"/>
               <a:buNone/>
             </a:pPr>
@@ -15802,27 +17022,7 @@
                 <a:latin typeface="휴먼모음T" panose="02030504000101010101" pitchFamily="18" charset="-127"/>
                 <a:ea typeface="휴먼모음T" panose="02030504000101010101" pitchFamily="18" charset="-127"/>
               </a:rPr>
-              <a:t>실시간으로 주변 환경과 </a:t>
-            </a:r>
-            <a:r>
-              <a:rPr lang="ko-KR" altLang="en-US" b="1" dirty="0" err="1">
-                <a:solidFill>
-                  <a:schemeClr val="accent6"/>
-                </a:solidFill>
-                <a:latin typeface="휴먼모음T" panose="02030504000101010101" pitchFamily="18" charset="-127"/>
-                <a:ea typeface="휴먼모음T" panose="02030504000101010101" pitchFamily="18" charset="-127"/>
-              </a:rPr>
-              <a:t>인터렉션</a:t>
-            </a:r>
-            <a:r>
-              <a:rPr lang="ko-KR" altLang="en-US" b="1" dirty="0">
-                <a:solidFill>
-                  <a:schemeClr val="accent6"/>
-                </a:solidFill>
-                <a:latin typeface="휴먼모음T" panose="02030504000101010101" pitchFamily="18" charset="-127"/>
-                <a:ea typeface="휴먼모음T" panose="02030504000101010101" pitchFamily="18" charset="-127"/>
-              </a:rPr>
-              <a:t> 하는 </a:t>
+              <a:t>실시간으로 환경과 상호작용하는 </a:t>
             </a:r>
             <a:r>
               <a:rPr lang="ko-KR" altLang="en-US" b="1" dirty="0" err="1">
@@ -15874,7 +17074,7 @@
         </p:blipFill>
         <p:spPr>
           <a:xfrm>
-            <a:off x="3174171" y="1176041"/>
+            <a:off x="962985" y="1638846"/>
             <a:ext cx="5465003" cy="2432249"/>
           </a:xfrm>
           <a:prstGeom prst="rect">
@@ -15942,14 +17142,14 @@
             <p:ph idx="1"/>
             <p:extLst>
               <p:ext uri="{D42A27DB-BD31-4B8C-83A1-F6EECF244321}">
-                <p14:modId xmlns:p14="http://schemas.microsoft.com/office/powerpoint/2010/main" val="1168606372"/>
+                <p14:modId xmlns:p14="http://schemas.microsoft.com/office/powerpoint/2010/main" val="3932511100"/>
               </p:ext>
             </p:extLst>
           </p:nvPr>
         </p:nvGraphicFramePr>
         <p:xfrm>
           <a:off x="838200" y="2568575"/>
-          <a:ext cx="10515597" cy="1858010"/>
+          <a:ext cx="10515597" cy="2249490"/>
         </p:xfrm>
         <a:graphic>
           <a:graphicData uri="http://schemas.openxmlformats.org/drawingml/2006/table">
@@ -15986,14 +17186,42 @@
                     <a:bodyPr/>
                     <a:lstStyle/>
                     <a:p>
-                      <a:pPr algn="ctr" latinLnBrk="1"/>
+                      <a:pPr algn="ctr" latinLnBrk="1">
+                        <a:lnSpc>
+                          <a:spcPct val="150000"/>
+                        </a:lnSpc>
+                      </a:pPr>
                       <a:r>
-                        <a:rPr lang="ko-KR" altLang="en-US" dirty="0" err="1">
+                        <a:rPr lang="ko-KR" altLang="en-US" dirty="0">
                           <a:solidFill>
                             <a:schemeClr val="tx1"/>
                           </a:solidFill>
                         </a:rPr>
-                        <a:t>고윤범</a:t>
+                        <a:t>고윤범 </a:t>
+                      </a:r>
+                      <a:r>
+                        <a:rPr lang="en-US" altLang="ko-KR" dirty="0">
+                          <a:solidFill>
+                            <a:schemeClr val="tx1"/>
+                          </a:solidFill>
+                        </a:rPr>
+                        <a:t>(</a:t>
+                      </a:r>
+                      <a:r>
+                        <a:rPr lang="ko-KR" altLang="en-US" dirty="0">
+                          <a:solidFill>
+                            <a:schemeClr val="tx1"/>
+                          </a:solidFill>
+                        </a:rPr>
+                        <a:t>서버 및 클라이언트</a:t>
+                      </a:r>
+                      <a:r>
+                        <a:rPr lang="en-US" altLang="ko-KR" dirty="0">
+                          <a:solidFill>
+                            <a:schemeClr val="tx1"/>
+                          </a:solidFill>
+                        </a:rPr>
+                        <a:t>)</a:t>
                       </a:r>
                       <a:endParaRPr lang="ko-KR" altLang="en-US" dirty="0">
                         <a:solidFill>
@@ -16052,15 +17280,56 @@
                     <a:bodyPr/>
                     <a:lstStyle/>
                     <a:p>
-                      <a:pPr algn="ctr" latinLnBrk="1"/>
+                      <a:pPr algn="ctr" latinLnBrk="1">
+                        <a:lnSpc>
+                          <a:spcPct val="150000"/>
+                        </a:lnSpc>
+                      </a:pPr>
+                      <a:r>
+                        <a:rPr lang="ko-KR" altLang="en-US" dirty="0" err="1">
+                          <a:solidFill>
+                            <a:schemeClr val="tx1"/>
+                          </a:solidFill>
+                        </a:rPr>
+                        <a:t>노창현</a:t>
+                      </a:r>
                       <a:r>
                         <a:rPr lang="ko-KR" altLang="en-US" dirty="0">
                           <a:solidFill>
                             <a:schemeClr val="tx1"/>
                           </a:solidFill>
                         </a:rPr>
-                        <a:t>노창현</a:t>
+                        <a:t> </a:t>
                       </a:r>
+                      <a:r>
+                        <a:rPr lang="en-US" altLang="ko-KR" dirty="0">
+                          <a:solidFill>
+                            <a:schemeClr val="tx1"/>
+                          </a:solidFill>
+                        </a:rPr>
+                        <a:t>(</a:t>
+                      </a:r>
+                      <a:r>
+                        <a:rPr lang="ko-KR" altLang="en-US" dirty="0" err="1">
+                          <a:solidFill>
+                            <a:schemeClr val="tx1"/>
+                          </a:solidFill>
+                        </a:rPr>
+                        <a:t>모델러</a:t>
+                      </a:r>
+                      <a:r>
+                        <a:rPr lang="en-US" altLang="ko-KR" dirty="0">
+                          <a:solidFill>
+                            <a:schemeClr val="tx1"/>
+                          </a:solidFill>
+                        </a:rPr>
+                        <a:t>)</a:t>
+                      </a:r>
+                      <a:endParaRPr lang="ko-KR" altLang="en-US" dirty="0">
+                        <a:solidFill>
+                          <a:schemeClr val="tx1"/>
+                        </a:solidFill>
+                      </a:endParaRPr>
                     </a:p>
                   </a:txBody>
                   <a:tcPr anchor="ctr">
@@ -16113,15 +17382,48 @@
                     <a:bodyPr/>
                     <a:lstStyle/>
                     <a:p>
-                      <a:pPr algn="ctr" latinLnBrk="1"/>
+                      <a:pPr algn="ctr" latinLnBrk="1">
+                        <a:lnSpc>
+                          <a:spcPct val="150000"/>
+                        </a:lnSpc>
+                      </a:pPr>
                       <a:r>
                         <a:rPr lang="ko-KR" altLang="en-US" dirty="0">
                           <a:solidFill>
                             <a:schemeClr val="tx1"/>
                           </a:solidFill>
                         </a:rPr>
-                        <a:t>양재성</a:t>
+                        <a:t>양재성 </a:t>
                       </a:r>
+                      <a:r>
+                        <a:rPr lang="en-US" altLang="ko-KR" dirty="0">
+                          <a:solidFill>
+                            <a:schemeClr val="tx1"/>
+                          </a:solidFill>
+                        </a:rPr>
+                        <a:t>(</a:t>
+                      </a:r>
+                      <a:r>
+                        <a:rPr lang="ko-KR" altLang="en-US" dirty="0">
+                          <a:solidFill>
+                            <a:schemeClr val="tx1"/>
+                          </a:solidFill>
+                        </a:rPr>
+                        <a:t>메인 클라이언트</a:t>
+                      </a:r>
+                      <a:r>
+                        <a:rPr lang="en-US" altLang="ko-KR" dirty="0">
+                          <a:solidFill>
+                            <a:schemeClr val="tx1"/>
+                          </a:solidFill>
+                        </a:rPr>
+                        <a:t>)</a:t>
+                      </a:r>
+                      <a:endParaRPr lang="ko-KR" altLang="en-US" dirty="0">
+                        <a:solidFill>
+                          <a:schemeClr val="tx1"/>
+                        </a:solidFill>
+                      </a:endParaRPr>
                     </a:p>
                   </a:txBody>
                   <a:tcPr anchor="ctr">
@@ -16181,10 +17483,18 @@
                     <a:bodyPr/>
                     <a:lstStyle/>
                     <a:p>
-                      <a:pPr algn="ctr" latinLnBrk="1"/>
+                      <a:pPr algn="ctr" latinLnBrk="1">
+                        <a:lnSpc>
+                          <a:spcPct val="150000"/>
+                        </a:lnSpc>
+                      </a:pPr>
+                      <a:r>
+                        <a:rPr lang="ko-KR" altLang="en-US" dirty="0" err="1"/>
+                        <a:t>데디케이트</a:t>
+                      </a:r>
                       <a:r>
                         <a:rPr lang="ko-KR" altLang="en-US" dirty="0"/>
-                        <a:t>서버 개발</a:t>
+                        <a:t> 서버 구축</a:t>
                       </a:r>
                     </a:p>
                   </a:txBody>
@@ -16233,10 +17543,14 @@
                     <a:bodyPr/>
                     <a:lstStyle/>
                     <a:p>
-                      <a:pPr algn="ctr" latinLnBrk="1"/>
+                      <a:pPr algn="ctr" latinLnBrk="1">
+                        <a:lnSpc>
+                          <a:spcPct val="150000"/>
+                        </a:lnSpc>
+                      </a:pPr>
                       <a:r>
                         <a:rPr lang="ko-KR" altLang="en-US" dirty="0"/>
-                        <a:t>캐릭터 모델링</a:t>
+                        <a:t>모델링</a:t>
                       </a:r>
                     </a:p>
                   </a:txBody>
@@ -16285,10 +17599,14 @@
                     <a:bodyPr/>
                     <a:lstStyle/>
                     <a:p>
-                      <a:pPr algn="ctr" latinLnBrk="1"/>
+                      <a:pPr algn="ctr" latinLnBrk="1">
+                        <a:lnSpc>
+                          <a:spcPct val="150000"/>
+                        </a:lnSpc>
+                      </a:pPr>
                       <a:r>
                         <a:rPr lang="ko-KR" altLang="en-US" dirty="0"/>
-                        <a:t>물리 및 이동</a:t>
+                        <a:t>물리효과 및 충돌</a:t>
                       </a:r>
                     </a:p>
                   </a:txBody>
@@ -16344,10 +17662,18 @@
                     <a:bodyPr/>
                     <a:lstStyle/>
                     <a:p>
-                      <a:pPr algn="ctr" latinLnBrk="1"/>
+                      <a:pPr algn="ctr" latinLnBrk="1">
+                        <a:lnSpc>
+                          <a:spcPct val="150000"/>
+                        </a:lnSpc>
+                      </a:pPr>
+                      <a:r>
+                        <a:rPr lang="ko-KR" altLang="en-US" dirty="0" err="1"/>
+                        <a:t>레플리케이트</a:t>
+                      </a:r>
                       <a:r>
                         <a:rPr lang="ko-KR" altLang="en-US" dirty="0"/>
-                        <a:t>서버 클라이언트 개발</a:t>
+                        <a:t> 동기화</a:t>
                       </a:r>
                     </a:p>
                   </a:txBody>
@@ -16396,7 +17722,23 @@
                     <a:bodyPr/>
                     <a:lstStyle/>
                     <a:p>
-                      <a:pPr algn="ctr" latinLnBrk="1"/>
+                      <a:pPr marL="0" marR="0" lvl="0" indent="0" algn="ctr" defTabSz="914400" rtl="0" eaLnBrk="1" fontAlgn="auto" latinLnBrk="1" hangingPunct="1">
+                        <a:lnSpc>
+                          <a:spcPct val="150000"/>
+                        </a:lnSpc>
+                        <a:spcBef>
+                          <a:spcPts val="0"/>
+                        </a:spcBef>
+                        <a:spcAft>
+                          <a:spcPts val="0"/>
+                        </a:spcAft>
+                        <a:buClrTx/>
+                        <a:buSzTx/>
+                        <a:buFontTx/>
+                        <a:buNone/>
+                        <a:tabLst/>
+                        <a:defRPr/>
+                      </a:pPr>
                       <a:r>
                         <a:rPr lang="ko-KR" altLang="en-US" dirty="0"/>
                         <a:t>애니메이션</a:t>
@@ -16448,10 +17790,14 @@
                     <a:bodyPr/>
                     <a:lstStyle/>
                     <a:p>
-                      <a:pPr algn="ctr" latinLnBrk="1"/>
+                      <a:pPr algn="ctr" latinLnBrk="1">
+                        <a:lnSpc>
+                          <a:spcPct val="150000"/>
+                        </a:lnSpc>
+                      </a:pPr>
                       <a:r>
                         <a:rPr lang="ko-KR" altLang="en-US" dirty="0"/>
-                        <a:t>충돌 처리</a:t>
+                        <a:t>게임 이벤트</a:t>
                       </a:r>
                     </a:p>
                   </a:txBody>
@@ -16507,22 +17853,14 @@
                     <a:bodyPr/>
                     <a:lstStyle/>
                     <a:p>
-                      <a:pPr algn="ctr" latinLnBrk="1"/>
-                      <a:r>
-                        <a:rPr lang="ko-KR" altLang="en-US" dirty="0" err="1"/>
-                        <a:t>슬라임</a:t>
-                      </a:r>
+                      <a:pPr algn="ctr" latinLnBrk="1">
+                        <a:lnSpc>
+                          <a:spcPct val="150000"/>
+                        </a:lnSpc>
+                      </a:pPr>
                       <a:r>
                         <a:rPr lang="ko-KR" altLang="en-US" dirty="0"/>
-                        <a:t> 동적 </a:t>
-                      </a:r>
-                      <a:r>
-                        <a:rPr lang="ko-KR" altLang="en-US" dirty="0" err="1"/>
-                        <a:t>매테리얼</a:t>
-                      </a:r>
-                      <a:r>
-                        <a:rPr lang="ko-KR" altLang="en-US" dirty="0"/>
-                        <a:t> 생성</a:t>
+                        <a:t>전체 레벨 페인팅</a:t>
                       </a:r>
                     </a:p>
                   </a:txBody>
@@ -16571,10 +17909,26 @@
                     <a:bodyPr/>
                     <a:lstStyle/>
                     <a:p>
-                      <a:pPr algn="ctr" latinLnBrk="1"/>
+                      <a:pPr marL="0" marR="0" lvl="0" indent="0" algn="ctr" defTabSz="914400" rtl="0" eaLnBrk="1" fontAlgn="auto" latinLnBrk="1" hangingPunct="1">
+                        <a:lnSpc>
+                          <a:spcPct val="150000"/>
+                        </a:lnSpc>
+                        <a:spcBef>
+                          <a:spcPts val="0"/>
+                        </a:spcBef>
+                        <a:spcAft>
+                          <a:spcPts val="0"/>
+                        </a:spcAft>
+                        <a:buClrTx/>
+                        <a:buSzTx/>
+                        <a:buFontTx/>
+                        <a:buNone/>
+                        <a:tabLst/>
+                        <a:defRPr/>
+                      </a:pPr>
                       <a:r>
                         <a:rPr lang="ko-KR" altLang="en-US" dirty="0"/>
-                        <a:t>오브젝트</a:t>
+                        <a:t>오브젝트 리소스 제작</a:t>
                       </a:r>
                     </a:p>
                   </a:txBody>
@@ -16623,10 +17977,26 @@
                     <a:bodyPr/>
                     <a:lstStyle/>
                     <a:p>
-                      <a:pPr algn="ctr" latinLnBrk="1"/>
+                      <a:pPr algn="ctr" latinLnBrk="1">
+                        <a:lnSpc>
+                          <a:spcPct val="150000"/>
+                        </a:lnSpc>
+                      </a:pPr>
+                      <a:r>
+                        <a:rPr lang="ko-KR" altLang="en-US" dirty="0" err="1"/>
+                        <a:t>슬라임</a:t>
+                      </a:r>
                       <a:r>
                         <a:rPr lang="ko-KR" altLang="en-US" dirty="0"/>
-                        <a:t>빨아들이기 물리 효과</a:t>
+                        <a:t> </a:t>
+                      </a:r>
+                      <a:r>
+                        <a:rPr lang="ko-KR" altLang="en-US" dirty="0" err="1"/>
+                        <a:t>벽타기</a:t>
+                      </a:r>
+                      <a:r>
+                        <a:rPr lang="ko-KR" altLang="en-US" dirty="0"/>
+                        <a:t> 무브먼트</a:t>
                       </a:r>
                     </a:p>
                   </a:txBody>
@@ -16682,14 +18052,38 @@
                     <a:bodyPr/>
                     <a:lstStyle/>
                     <a:p>
-                      <a:pPr algn="ctr" latinLnBrk="1"/>
+                      <a:pPr algn="ctr" latinLnBrk="1">
+                        <a:lnSpc>
+                          <a:spcPct val="150000"/>
+                        </a:lnSpc>
+                      </a:pPr>
+                      <a:r>
+                        <a:rPr lang="ko-KR" altLang="en-US" dirty="0" err="1"/>
+                        <a:t>슬라임</a:t>
+                      </a:r>
+                      <a:r>
+                        <a:rPr lang="ko-KR" altLang="en-US" dirty="0"/>
+                        <a:t> </a:t>
+                      </a:r>
+                      <a:r>
+                        <a:rPr lang="ko-KR" altLang="en-US" dirty="0" err="1"/>
+                        <a:t>레이마칭</a:t>
+                      </a:r>
+                      <a:r>
+                        <a:rPr lang="en-US" altLang="ko-KR" dirty="0"/>
+                        <a:t> </a:t>
+                      </a:r>
+                      <a:r>
+                        <a:rPr lang="ko-KR" altLang="en-US" dirty="0"/>
+                        <a:t>및 </a:t>
+                      </a:r>
                       <a:r>
                         <a:rPr lang="ko-KR" altLang="en-US" dirty="0" err="1"/>
                         <a:t>메타볼</a:t>
                       </a:r>
                       <a:r>
                         <a:rPr lang="ko-KR" altLang="en-US" dirty="0"/>
-                        <a:t> 효과 구현</a:t>
+                        <a:t> 효과</a:t>
                       </a:r>
                     </a:p>
                   </a:txBody>
@@ -16738,7 +18132,11 @@
                     <a:bodyPr/>
                     <a:lstStyle/>
                     <a:p>
-                      <a:pPr algn="ctr" latinLnBrk="1"/>
+                      <a:pPr algn="ctr" latinLnBrk="1">
+                        <a:lnSpc>
+                          <a:spcPct val="150000"/>
+                        </a:lnSpc>
+                      </a:pPr>
                       <a:r>
                         <a:rPr lang="ko-KR" altLang="en-US" dirty="0"/>
                         <a:t>맵 제작</a:t>
@@ -16790,14 +18188,14 @@
                     <a:bodyPr/>
                     <a:lstStyle/>
                     <a:p>
-                      <a:pPr algn="ctr" latinLnBrk="1"/>
+                      <a:pPr algn="ctr" latinLnBrk="1">
+                        <a:lnSpc>
+                          <a:spcPct val="150000"/>
+                        </a:lnSpc>
+                      </a:pPr>
                       <a:r>
-                        <a:rPr lang="ko-KR" altLang="en-US" sz="1800" b="0" dirty="0" err="1"/>
-                        <a:t>슬라임</a:t>
-                      </a:r>
-                      <a:r>
-                        <a:rPr lang="ko-KR" altLang="en-US" sz="1800" b="0" dirty="0"/>
-                        <a:t> 내부 오브젝트 부유효과</a:t>
+                        <a:rPr lang="ko-KR" altLang="en-US" dirty="0"/>
+                        <a:t>빨아들이기 메커니즘</a:t>
                       </a:r>
                     </a:p>
                   </a:txBody>
@@ -16843,7 +18241,7 @@
                 </a:tc>
                 <a:extLst>
                   <a:ext uri="{0D108BD9-81ED-4DB2-BD59-A6C34878D82A}">
-                    <a16:rowId xmlns:a16="http://schemas.microsoft.com/office/drawing/2014/main" val="2964858070"/>
+                    <a16:rowId xmlns:a16="http://schemas.microsoft.com/office/drawing/2014/main" val="3663956741"/>
                   </a:ext>
                 </a:extLst>
               </a:tr>
